--- a/docs/Presentacion de negocio.pptx
+++ b/docs/Presentacion de negocio.pptx
@@ -9,12 +9,11 @@
     <p:sldId id="257" r:id="rId3"/>
     <p:sldId id="268" r:id="rId4"/>
     <p:sldId id="267" r:id="rId5"/>
-    <p:sldId id="266" r:id="rId6"/>
+    <p:sldId id="273" r:id="rId6"/>
     <p:sldId id="269" r:id="rId7"/>
     <p:sldId id="270" r:id="rId8"/>
     <p:sldId id="272" r:id="rId9"/>
-    <p:sldId id="271" r:id="rId10"/>
-    <p:sldId id="265" r:id="rId11"/>
+    <p:sldId id="265" r:id="rId10"/>
   </p:sldIdLst>
   <p:sldSz cx="12192000" cy="6858000"/>
   <p:notesSz cx="6858000" cy="9144000"/>
@@ -124,7 +123,7 @@
 <file path=ppt/revisionInfo.xml><?xml version="1.0" encoding="utf-8"?>
 <p1510:revInfo xmlns:a="http://schemas.openxmlformats.org/drawingml/2006/main" xmlns:r="http://schemas.openxmlformats.org/officeDocument/2006/relationships" xmlns:p1510="http://schemas.microsoft.com/office/powerpoint/2015/10/main">
   <p1510:revLst>
-    <p1510:client id="{4688EAF7-6492-4567-B36F-5B565F46C15F}" v="118" dt="2025-08-22T09:52:16.348"/>
+    <p1510:client id="{4688EAF7-6492-4567-B36F-5B565F46C15F}" v="145" dt="2025-08-26T09:16:28.045"/>
   </p1510:revLst>
 </p1510:revInfo>
 </file>
@@ -134,18 +133,18 @@
   <pc:docChgLst>
     <pc:chgData name="Unai Famoso" userId="f8970a838cfae24a" providerId="LiveId" clId="{4688EAF7-6492-4567-B36F-5B565F46C15F}"/>
     <pc:docChg chg="undo redo custSel addSld delSld modSld sldOrd">
-      <pc:chgData name="Unai Famoso" userId="f8970a838cfae24a" providerId="LiveId" clId="{4688EAF7-6492-4567-B36F-5B565F46C15F}" dt="2025-08-22T09:52:56.562" v="3594" actId="27636"/>
+      <pc:chgData name="Unai Famoso" userId="f8970a838cfae24a" providerId="LiveId" clId="{4688EAF7-6492-4567-B36F-5B565F46C15F}" dt="2025-08-27T08:40:03.263" v="4881" actId="20577"/>
       <pc:docMkLst>
         <pc:docMk/>
       </pc:docMkLst>
       <pc:sldChg chg="addSp modSp mod setBg addAnim">
-        <pc:chgData name="Unai Famoso" userId="f8970a838cfae24a" providerId="LiveId" clId="{4688EAF7-6492-4567-B36F-5B565F46C15F}" dt="2025-08-21T08:20:30.649" v="1840"/>
+        <pc:chgData name="Unai Famoso" userId="f8970a838cfae24a" providerId="LiveId" clId="{4688EAF7-6492-4567-B36F-5B565F46C15F}" dt="2025-08-26T09:16:28.045" v="4745" actId="113"/>
         <pc:sldMkLst>
           <pc:docMk/>
           <pc:sldMk cId="1928685401" sldId="256"/>
         </pc:sldMkLst>
         <pc:spChg chg="mod">
-          <ac:chgData name="Unai Famoso" userId="f8970a838cfae24a" providerId="LiveId" clId="{4688EAF7-6492-4567-B36F-5B565F46C15F}" dt="2025-08-21T08:20:30.637" v="1838" actId="26606"/>
+          <ac:chgData name="Unai Famoso" userId="f8970a838cfae24a" providerId="LiveId" clId="{4688EAF7-6492-4567-B36F-5B565F46C15F}" dt="2025-08-26T09:16:28.045" v="4745" actId="113"/>
           <ac:spMkLst>
             <pc:docMk/>
             <pc:sldMk cId="1928685401" sldId="256"/>
@@ -186,13 +185,13 @@
         </pc:grpChg>
       </pc:sldChg>
       <pc:sldChg chg="addSp delSp modSp new mod setBg">
-        <pc:chgData name="Unai Famoso" userId="f8970a838cfae24a" providerId="LiveId" clId="{4688EAF7-6492-4567-B36F-5B565F46C15F}" dt="2025-08-22T09:52:56.562" v="3594" actId="27636"/>
+        <pc:chgData name="Unai Famoso" userId="f8970a838cfae24a" providerId="LiveId" clId="{4688EAF7-6492-4567-B36F-5B565F46C15F}" dt="2025-08-27T07:23:32.055" v="4878" actId="20577"/>
         <pc:sldMkLst>
           <pc:docMk/>
           <pc:sldMk cId="2414449249" sldId="257"/>
         </pc:sldMkLst>
         <pc:spChg chg="mod">
-          <ac:chgData name="Unai Famoso" userId="f8970a838cfae24a" providerId="LiveId" clId="{4688EAF7-6492-4567-B36F-5B565F46C15F}" dt="2025-08-21T08:26:24.079" v="2043" actId="26606"/>
+          <ac:chgData name="Unai Famoso" userId="f8970a838cfae24a" providerId="LiveId" clId="{4688EAF7-6492-4567-B36F-5B565F46C15F}" dt="2025-08-26T09:16:21.206" v="4744" actId="113"/>
           <ac:spMkLst>
             <pc:docMk/>
             <pc:sldMk cId="2414449249" sldId="257"/>
@@ -200,7 +199,7 @@
           </ac:spMkLst>
         </pc:spChg>
         <pc:spChg chg="mod">
-          <ac:chgData name="Unai Famoso" userId="f8970a838cfae24a" providerId="LiveId" clId="{4688EAF7-6492-4567-B36F-5B565F46C15F}" dt="2025-08-22T09:52:56.562" v="3594" actId="27636"/>
+          <ac:chgData name="Unai Famoso" userId="f8970a838cfae24a" providerId="LiveId" clId="{4688EAF7-6492-4567-B36F-5B565F46C15F}" dt="2025-08-27T07:23:32.055" v="4878" actId="20577"/>
           <ac:spMkLst>
             <pc:docMk/>
             <pc:sldMk cId="2414449249" sldId="257"/>
@@ -231,22 +230,6 @@
             <ac:grpSpMk id="12" creationId="{DAA26DFA-AAB2-4973-9C17-16D587C7B198}"/>
           </ac:grpSpMkLst>
         </pc:grpChg>
-        <pc:graphicFrameChg chg="add del mod">
-          <ac:chgData name="Unai Famoso" userId="f8970a838cfae24a" providerId="LiveId" clId="{4688EAF7-6492-4567-B36F-5B565F46C15F}" dt="2025-08-21T08:26:16.960" v="2042" actId="478"/>
-          <ac:graphicFrameMkLst>
-            <pc:docMk/>
-            <pc:sldMk cId="2414449249" sldId="257"/>
-            <ac:graphicFrameMk id="4" creationId="{C0687500-C9E8-6306-9C02-A03CF4352752}"/>
-          </ac:graphicFrameMkLst>
-        </pc:graphicFrameChg>
-        <pc:graphicFrameChg chg="add del mod modGraphic">
-          <ac:chgData name="Unai Famoso" userId="f8970a838cfae24a" providerId="LiveId" clId="{4688EAF7-6492-4567-B36F-5B565F46C15F}" dt="2025-08-21T08:26:06.175" v="2041" actId="478"/>
-          <ac:graphicFrameMkLst>
-            <pc:docMk/>
-            <pc:sldMk cId="2414449249" sldId="257"/>
-            <ac:graphicFrameMk id="5" creationId="{74F6D18C-AEC2-7DF6-0636-BAAC84F8E759}"/>
-          </ac:graphicFrameMkLst>
-        </pc:graphicFrameChg>
       </pc:sldChg>
       <pc:sldChg chg="modSp new del mod">
         <pc:chgData name="Unai Famoso" userId="f8970a838cfae24a" providerId="LiveId" clId="{4688EAF7-6492-4567-B36F-5B565F46C15F}" dt="2025-08-19T08:44:41.496" v="1837" actId="47"/>
@@ -298,25 +281,17 @@
         </pc:sldMkLst>
       </pc:sldChg>
       <pc:sldChg chg="addSp delSp modSp new mod setBg">
-        <pc:chgData name="Unai Famoso" userId="f8970a838cfae24a" providerId="LiveId" clId="{4688EAF7-6492-4567-B36F-5B565F46C15F}" dt="2025-08-21T08:30:24.918" v="2318" actId="26606"/>
+        <pc:chgData name="Unai Famoso" userId="f8970a838cfae24a" providerId="LiveId" clId="{4688EAF7-6492-4567-B36F-5B565F46C15F}" dt="2025-08-25T10:15:50.343" v="4715" actId="790"/>
         <pc:sldMkLst>
           <pc:docMk/>
           <pc:sldMk cId="917940775" sldId="265"/>
         </pc:sldMkLst>
         <pc:spChg chg="mod">
-          <ac:chgData name="Unai Famoso" userId="f8970a838cfae24a" providerId="LiveId" clId="{4688EAF7-6492-4567-B36F-5B565F46C15F}" dt="2025-08-21T08:30:24.918" v="2318" actId="26606"/>
+          <ac:chgData name="Unai Famoso" userId="f8970a838cfae24a" providerId="LiveId" clId="{4688EAF7-6492-4567-B36F-5B565F46C15F}" dt="2025-08-25T10:15:50.343" v="4715" actId="790"/>
           <ac:spMkLst>
             <pc:docMk/>
             <pc:sldMk cId="917940775" sldId="265"/>
             <ac:spMk id="2" creationId="{74F04018-ADAA-67C4-DF9A-118EA534F4AE}"/>
-          </ac:spMkLst>
-        </pc:spChg>
-        <pc:spChg chg="del">
-          <ac:chgData name="Unai Famoso" userId="f8970a838cfae24a" providerId="LiveId" clId="{4688EAF7-6492-4567-B36F-5B565F46C15F}" dt="2025-08-21T08:30:24.918" v="2318" actId="26606"/>
-          <ac:spMkLst>
-            <pc:docMk/>
-            <pc:sldMk cId="917940775" sldId="265"/>
-            <ac:spMk id="3" creationId="{02310249-9765-E223-DF1D-94915396A807}"/>
           </ac:spMkLst>
         </pc:spChg>
         <pc:spChg chg="add">
@@ -359,71 +334,15 @@
           <pc:sldMk cId="3224597874" sldId="265"/>
         </pc:sldMkLst>
       </pc:sldChg>
-      <pc:sldChg chg="addSp delSp modSp new mod ord setBg">
-        <pc:chgData name="Unai Famoso" userId="f8970a838cfae24a" providerId="LiveId" clId="{4688EAF7-6492-4567-B36F-5B565F46C15F}" dt="2025-08-22T08:24:05.766" v="3513" actId="1076"/>
+      <pc:sldChg chg="addSp delSp modSp new del mod ord setBg">
+        <pc:chgData name="Unai Famoso" userId="f8970a838cfae24a" providerId="LiveId" clId="{4688EAF7-6492-4567-B36F-5B565F46C15F}" dt="2025-08-23T09:33:26.307" v="4008" actId="47"/>
         <pc:sldMkLst>
           <pc:docMk/>
           <pc:sldMk cId="30696761" sldId="266"/>
         </pc:sldMkLst>
-        <pc:spChg chg="mod">
-          <ac:chgData name="Unai Famoso" userId="f8970a838cfae24a" providerId="LiveId" clId="{4688EAF7-6492-4567-B36F-5B565F46C15F}" dt="2025-08-21T09:29:26.962" v="3091" actId="26606"/>
-          <ac:spMkLst>
-            <pc:docMk/>
-            <pc:sldMk cId="30696761" sldId="266"/>
-            <ac:spMk id="2" creationId="{AA8E0675-C9A9-9214-89AB-8BBBBB2DED31}"/>
-          </ac:spMkLst>
-        </pc:spChg>
-        <pc:spChg chg="mod">
-          <ac:chgData name="Unai Famoso" userId="f8970a838cfae24a" providerId="LiveId" clId="{4688EAF7-6492-4567-B36F-5B565F46C15F}" dt="2025-08-22T08:23:54.244" v="3509" actId="1076"/>
-          <ac:spMkLst>
-            <pc:docMk/>
-            <pc:sldMk cId="30696761" sldId="266"/>
-            <ac:spMk id="3" creationId="{0238B6F1-0026-BD09-22CF-D82930BA4EFB}"/>
-          </ac:spMkLst>
-        </pc:spChg>
-        <pc:spChg chg="add">
-          <ac:chgData name="Unai Famoso" userId="f8970a838cfae24a" providerId="LiveId" clId="{4688EAF7-6492-4567-B36F-5B565F46C15F}" dt="2025-08-21T09:29:26.962" v="3091" actId="26606"/>
-          <ac:spMkLst>
-            <pc:docMk/>
-            <pc:sldMk cId="30696761" sldId="266"/>
-            <ac:spMk id="8" creationId="{18873D23-2DCF-4B31-A009-95721C06E8E1}"/>
-          </ac:spMkLst>
-        </pc:spChg>
-        <pc:spChg chg="add">
-          <ac:chgData name="Unai Famoso" userId="f8970a838cfae24a" providerId="LiveId" clId="{4688EAF7-6492-4567-B36F-5B565F46C15F}" dt="2025-08-21T09:29:26.962" v="3091" actId="26606"/>
-          <ac:spMkLst>
-            <pc:docMk/>
-            <pc:sldMk cId="30696761" sldId="266"/>
-            <ac:spMk id="10" creationId="{C13EF075-D4EF-4929-ADBC-91B27DA19955}"/>
-          </ac:spMkLst>
-        </pc:spChg>
-        <pc:grpChg chg="add">
-          <ac:chgData name="Unai Famoso" userId="f8970a838cfae24a" providerId="LiveId" clId="{4688EAF7-6492-4567-B36F-5B565F46C15F}" dt="2025-08-21T09:29:26.962" v="3091" actId="26606"/>
-          <ac:grpSpMkLst>
-            <pc:docMk/>
-            <pc:sldMk cId="30696761" sldId="266"/>
-            <ac:grpSpMk id="12" creationId="{DAA26DFA-AAB2-4973-9C17-16D587C7B198}"/>
-          </ac:grpSpMkLst>
-        </pc:grpChg>
-        <pc:picChg chg="add del mod">
-          <ac:chgData name="Unai Famoso" userId="f8970a838cfae24a" providerId="LiveId" clId="{4688EAF7-6492-4567-B36F-5B565F46C15F}" dt="2025-08-22T08:23:56.628" v="3511" actId="478"/>
-          <ac:picMkLst>
-            <pc:docMk/>
-            <pc:sldMk cId="30696761" sldId="266"/>
-            <ac:picMk id="5" creationId="{D57519AE-31BC-E2F7-58F1-F0A046A7AF2E}"/>
-          </ac:picMkLst>
-        </pc:picChg>
-        <pc:picChg chg="add mod">
-          <ac:chgData name="Unai Famoso" userId="f8970a838cfae24a" providerId="LiveId" clId="{4688EAF7-6492-4567-B36F-5B565F46C15F}" dt="2025-08-22T08:24:05.766" v="3513" actId="1076"/>
-          <ac:picMkLst>
-            <pc:docMk/>
-            <pc:sldMk cId="30696761" sldId="266"/>
-            <ac:picMk id="7" creationId="{6C43C20C-B2BA-2192-C584-B618B9FD66E4}"/>
-          </ac:picMkLst>
-        </pc:picChg>
       </pc:sldChg>
       <pc:sldChg chg="addSp delSp modSp new mod ord setBg">
-        <pc:chgData name="Unai Famoso" userId="f8970a838cfae24a" providerId="LiveId" clId="{4688EAF7-6492-4567-B36F-5B565F46C15F}" dt="2025-08-21T09:30:37.034" v="3125"/>
+        <pc:chgData name="Unai Famoso" userId="f8970a838cfae24a" providerId="LiveId" clId="{4688EAF7-6492-4567-B36F-5B565F46C15F}" dt="2025-08-23T10:04:10.186" v="4303" actId="20577"/>
         <pc:sldMkLst>
           <pc:docMk/>
           <pc:sldMk cId="4131430342" sldId="267"/>
@@ -436,32 +355,8 @@
             <ac:spMk id="2" creationId="{5C8BF1AB-3240-C650-8CFC-78E1C304ACD5}"/>
           </ac:spMkLst>
         </pc:spChg>
-        <pc:spChg chg="del mod">
-          <ac:chgData name="Unai Famoso" userId="f8970a838cfae24a" providerId="LiveId" clId="{4688EAF7-6492-4567-B36F-5B565F46C15F}" dt="2025-08-21T09:25:38.311" v="2806"/>
-          <ac:spMkLst>
-            <pc:docMk/>
-            <pc:sldMk cId="4131430342" sldId="267"/>
-            <ac:spMk id="3" creationId="{91DCE8D5-DF1F-15FD-773A-2133F39418B0}"/>
-          </ac:spMkLst>
-        </pc:spChg>
-        <pc:spChg chg="add del mod">
-          <ac:chgData name="Unai Famoso" userId="f8970a838cfae24a" providerId="LiveId" clId="{4688EAF7-6492-4567-B36F-5B565F46C15F}" dt="2025-08-21T09:25:29.524" v="2801" actId="478"/>
-          <ac:spMkLst>
-            <pc:docMk/>
-            <pc:sldMk cId="4131430342" sldId="267"/>
-            <ac:spMk id="4" creationId="{FE12E745-C352-3039-FDF5-90F7C394B948}"/>
-          </ac:spMkLst>
-        </pc:spChg>
-        <pc:spChg chg="add del mod">
-          <ac:chgData name="Unai Famoso" userId="f8970a838cfae24a" providerId="LiveId" clId="{4688EAF7-6492-4567-B36F-5B565F46C15F}" dt="2025-08-21T09:25:35.424" v="2804" actId="478"/>
-          <ac:spMkLst>
-            <pc:docMk/>
-            <pc:sldMk cId="4131430342" sldId="267"/>
-            <ac:spMk id="5" creationId="{242E168C-9449-F11D-11B4-E635BF3FE5CD}"/>
-          </ac:spMkLst>
-        </pc:spChg>
         <pc:spChg chg="add mod">
-          <ac:chgData name="Unai Famoso" userId="f8970a838cfae24a" providerId="LiveId" clId="{4688EAF7-6492-4567-B36F-5B565F46C15F}" dt="2025-08-21T09:30:09.512" v="3107" actId="20577"/>
+          <ac:chgData name="Unai Famoso" userId="f8970a838cfae24a" providerId="LiveId" clId="{4688EAF7-6492-4567-B36F-5B565F46C15F}" dt="2025-08-23T10:04:10.186" v="4303" actId="20577"/>
           <ac:spMkLst>
             <pc:docMk/>
             <pc:sldMk cId="4131430342" sldId="267"/>
@@ -494,45 +389,21 @@
         </pc:grpChg>
       </pc:sldChg>
       <pc:sldChg chg="addSp delSp modSp new mod setBg">
-        <pc:chgData name="Unai Famoso" userId="f8970a838cfae24a" providerId="LiveId" clId="{4688EAF7-6492-4567-B36F-5B565F46C15F}" dt="2025-08-22T07:47:21.276" v="3367" actId="20577"/>
+        <pc:chgData name="Unai Famoso" userId="f8970a838cfae24a" providerId="LiveId" clId="{4688EAF7-6492-4567-B36F-5B565F46C15F}" dt="2025-08-25T10:19:29.358" v="4719" actId="6549"/>
         <pc:sldMkLst>
           <pc:docMk/>
           <pc:sldMk cId="3359929558" sldId="268"/>
         </pc:sldMkLst>
         <pc:spChg chg="mod">
-          <ac:chgData name="Unai Famoso" userId="f8970a838cfae24a" providerId="LiveId" clId="{4688EAF7-6492-4567-B36F-5B565F46C15F}" dt="2025-08-21T09:30:51.254" v="3126" actId="20577"/>
+          <ac:chgData name="Unai Famoso" userId="f8970a838cfae24a" providerId="LiveId" clId="{4688EAF7-6492-4567-B36F-5B565F46C15F}" dt="2025-08-25T10:19:29.358" v="4719" actId="6549"/>
           <ac:spMkLst>
             <pc:docMk/>
             <pc:sldMk cId="3359929558" sldId="268"/>
             <ac:spMk id="2" creationId="{D79E19C0-35C5-629C-55E3-49F3F7474223}"/>
           </ac:spMkLst>
         </pc:spChg>
-        <pc:spChg chg="del mod">
-          <ac:chgData name="Unai Famoso" userId="f8970a838cfae24a" providerId="LiveId" clId="{4688EAF7-6492-4567-B36F-5B565F46C15F}" dt="2025-08-21T09:22:16.709" v="2726"/>
-          <ac:spMkLst>
-            <pc:docMk/>
-            <pc:sldMk cId="3359929558" sldId="268"/>
-            <ac:spMk id="3" creationId="{A325651C-2C91-7385-CEB9-15E7A5368387}"/>
-          </ac:spMkLst>
-        </pc:spChg>
-        <pc:spChg chg="add del mod">
-          <ac:chgData name="Unai Famoso" userId="f8970a838cfae24a" providerId="LiveId" clId="{4688EAF7-6492-4567-B36F-5B565F46C15F}" dt="2025-08-21T09:22:11.897" v="2722" actId="478"/>
-          <ac:spMkLst>
-            <pc:docMk/>
-            <pc:sldMk cId="3359929558" sldId="268"/>
-            <ac:spMk id="4" creationId="{440C842A-125E-5FA1-5E2D-888204B26A06}"/>
-          </ac:spMkLst>
-        </pc:spChg>
-        <pc:spChg chg="add del mod">
-          <ac:chgData name="Unai Famoso" userId="f8970a838cfae24a" providerId="LiveId" clId="{4688EAF7-6492-4567-B36F-5B565F46C15F}" dt="2025-08-21T09:22:14.366" v="2724" actId="478"/>
-          <ac:spMkLst>
-            <pc:docMk/>
-            <pc:sldMk cId="3359929558" sldId="268"/>
-            <ac:spMk id="5" creationId="{4196034F-766F-CF52-28D5-69D73683FE05}"/>
-          </ac:spMkLst>
-        </pc:spChg>
         <pc:spChg chg="add mod">
-          <ac:chgData name="Unai Famoso" userId="f8970a838cfae24a" providerId="LiveId" clId="{4688EAF7-6492-4567-B36F-5B565F46C15F}" dt="2025-08-22T07:47:21.276" v="3367" actId="20577"/>
+          <ac:chgData name="Unai Famoso" userId="f8970a838cfae24a" providerId="LiveId" clId="{4688EAF7-6492-4567-B36F-5B565F46C15F}" dt="2025-08-25T07:37:58.259" v="4595" actId="20577"/>
           <ac:spMkLst>
             <pc:docMk/>
             <pc:sldMk cId="3359929558" sldId="268"/>
@@ -565,37 +436,21 @@
         </pc:grpChg>
       </pc:sldChg>
       <pc:sldChg chg="addSp delSp modSp add mod ord setBg">
-        <pc:chgData name="Unai Famoso" userId="f8970a838cfae24a" providerId="LiveId" clId="{4688EAF7-6492-4567-B36F-5B565F46C15F}" dt="2025-08-22T07:44:56.571" v="3284" actId="478"/>
+        <pc:chgData name="Unai Famoso" userId="f8970a838cfae24a" providerId="LiveId" clId="{4688EAF7-6492-4567-B36F-5B565F46C15F}" dt="2025-08-25T09:50:54.145" v="4714" actId="20577"/>
         <pc:sldMkLst>
           <pc:docMk/>
           <pc:sldMk cId="3812604794" sldId="269"/>
         </pc:sldMkLst>
         <pc:spChg chg="mod">
-          <ac:chgData name="Unai Famoso" userId="f8970a838cfae24a" providerId="LiveId" clId="{4688EAF7-6492-4567-B36F-5B565F46C15F}" dt="2025-08-21T09:29:19.199" v="3089" actId="26606"/>
+          <ac:chgData name="Unai Famoso" userId="f8970a838cfae24a" providerId="LiveId" clId="{4688EAF7-6492-4567-B36F-5B565F46C15F}" dt="2025-08-25T09:50:54.145" v="4714" actId="20577"/>
           <ac:spMkLst>
             <pc:docMk/>
             <pc:sldMk cId="3812604794" sldId="269"/>
             <ac:spMk id="2" creationId="{D79E19C0-35C5-629C-55E3-49F3F7474223}"/>
           </ac:spMkLst>
         </pc:spChg>
-        <pc:spChg chg="del mod">
-          <ac:chgData name="Unai Famoso" userId="f8970a838cfae24a" providerId="LiveId" clId="{4688EAF7-6492-4567-B36F-5B565F46C15F}" dt="2025-08-21T09:34:06.014" v="3212"/>
-          <ac:spMkLst>
-            <pc:docMk/>
-            <pc:sldMk cId="3812604794" sldId="269"/>
-            <ac:spMk id="3" creationId="{A325651C-2C91-7385-CEB9-15E7A5368387}"/>
-          </ac:spMkLst>
-        </pc:spChg>
-        <pc:spChg chg="add del mod">
-          <ac:chgData name="Unai Famoso" userId="f8970a838cfae24a" providerId="LiveId" clId="{4688EAF7-6492-4567-B36F-5B565F46C15F}" dt="2025-08-22T07:44:56.571" v="3284" actId="478"/>
-          <ac:spMkLst>
-            <pc:docMk/>
-            <pc:sldMk cId="3812604794" sldId="269"/>
-            <ac:spMk id="4" creationId="{B3C0E476-6C62-16B4-5B89-496D7AD12185}"/>
-          </ac:spMkLst>
-        </pc:spChg>
         <pc:spChg chg="add mod">
-          <ac:chgData name="Unai Famoso" userId="f8970a838cfae24a" providerId="LiveId" clId="{4688EAF7-6492-4567-B36F-5B565F46C15F}" dt="2025-08-21T09:34:22.802" v="3217" actId="20577"/>
+          <ac:chgData name="Unai Famoso" userId="f8970a838cfae24a" providerId="LiveId" clId="{4688EAF7-6492-4567-B36F-5B565F46C15F}" dt="2025-08-23T10:03:18.225" v="4264" actId="123"/>
           <ac:spMkLst>
             <pc:docMk/>
             <pc:sldMk cId="3812604794" sldId="269"/>
@@ -628,13 +483,13 @@
         </pc:grpChg>
       </pc:sldChg>
       <pc:sldChg chg="addSp delSp modSp add mod">
-        <pc:chgData name="Unai Famoso" userId="f8970a838cfae24a" providerId="LiveId" clId="{4688EAF7-6492-4567-B36F-5B565F46C15F}" dt="2025-08-21T09:35:08.388" v="3221" actId="1076"/>
+        <pc:chgData name="Unai Famoso" userId="f8970a838cfae24a" providerId="LiveId" clId="{4688EAF7-6492-4567-B36F-5B565F46C15F}" dt="2025-08-27T08:40:03.263" v="4881" actId="20577"/>
         <pc:sldMkLst>
           <pc:docMk/>
           <pc:sldMk cId="3205615568" sldId="270"/>
         </pc:sldMkLst>
         <pc:spChg chg="mod">
-          <ac:chgData name="Unai Famoso" userId="f8970a838cfae24a" providerId="LiveId" clId="{4688EAF7-6492-4567-B36F-5B565F46C15F}" dt="2025-08-21T09:30:26.363" v="3119" actId="20577"/>
+          <ac:chgData name="Unai Famoso" userId="f8970a838cfae24a" providerId="LiveId" clId="{4688EAF7-6492-4567-B36F-5B565F46C15F}" dt="2025-08-23T09:38:18.929" v="4062" actId="20577"/>
           <ac:spMkLst>
             <pc:docMk/>
             <pc:sldMk cId="3205615568" sldId="270"/>
@@ -642,63 +497,2147 @@
           </ac:spMkLst>
         </pc:spChg>
         <pc:spChg chg="add mod">
-          <ac:chgData name="Unai Famoso" userId="f8970a838cfae24a" providerId="LiveId" clId="{4688EAF7-6492-4567-B36F-5B565F46C15F}" dt="2025-08-21T09:35:08.388" v="3221" actId="1076"/>
+          <ac:chgData name="Unai Famoso" userId="f8970a838cfae24a" providerId="LiveId" clId="{4688EAF7-6492-4567-B36F-5B565F46C15F}" dt="2025-08-27T08:40:03.263" v="4881" actId="20577"/>
           <ac:spMkLst>
             <pc:docMk/>
             <pc:sldMk cId="3205615568" sldId="270"/>
             <ac:spMk id="3" creationId="{545019C9-6116-20E3-58B1-50E363CE6536}"/>
           </ac:spMkLst>
         </pc:spChg>
-        <pc:spChg chg="del mod">
-          <ac:chgData name="Unai Famoso" userId="f8970a838cfae24a" providerId="LiveId" clId="{4688EAF7-6492-4567-B36F-5B565F46C15F}" dt="2025-08-21T09:35:01.245" v="3218"/>
-          <ac:spMkLst>
-            <pc:docMk/>
-            <pc:sldMk cId="3205615568" sldId="270"/>
-            <ac:spMk id="6" creationId="{6FEBFABE-3536-628E-3829-B8EF15D7CFC5}"/>
-          </ac:spMkLst>
-        </pc:spChg>
       </pc:sldChg>
       <pc:sldChg chg="new add del">
-        <pc:chgData name="Unai Famoso" userId="f8970a838cfae24a" providerId="LiveId" clId="{4688EAF7-6492-4567-B36F-5B565F46C15F}" dt="2025-08-22T08:23:48.765" v="3500" actId="47"/>
+        <pc:chgData name="Unai Famoso" userId="f8970a838cfae24a" providerId="LiveId" clId="{4688EAF7-6492-4567-B36F-5B565F46C15F}" dt="2025-08-23T09:09:44.059" v="3839" actId="47"/>
         <pc:sldMkLst>
           <pc:docMk/>
           <pc:sldMk cId="2021389903" sldId="271"/>
         </pc:sldMkLst>
       </pc:sldChg>
       <pc:sldChg chg="addSp delSp modSp add mod ord">
-        <pc:chgData name="Unai Famoso" userId="f8970a838cfae24a" providerId="LiveId" clId="{4688EAF7-6492-4567-B36F-5B565F46C15F}" dt="2025-08-22T07:45:11.758" v="3308" actId="20577"/>
+        <pc:chgData name="Unai Famoso" userId="f8970a838cfae24a" providerId="LiveId" clId="{4688EAF7-6492-4567-B36F-5B565F46C15F}" dt="2025-08-25T10:45:32.707" v="4737" actId="1076"/>
         <pc:sldMkLst>
           <pc:docMk/>
           <pc:sldMk cId="3786914073" sldId="272"/>
         </pc:sldMkLst>
+        <pc:spChg chg="mod">
+          <ac:chgData name="Unai Famoso" userId="f8970a838cfae24a" providerId="LiveId" clId="{4688EAF7-6492-4567-B36F-5B565F46C15F}" dt="2025-08-23T09:48:40.932" v="4064" actId="20577"/>
+          <ac:spMkLst>
+            <pc:docMk/>
+            <pc:sldMk cId="3786914073" sldId="272"/>
+            <ac:spMk id="2" creationId="{AA8E0675-C9A9-9214-89AB-8BBBBB2DED31}"/>
+          </ac:spMkLst>
+        </pc:spChg>
         <pc:spChg chg="add del mod">
-          <ac:chgData name="Unai Famoso" userId="f8970a838cfae24a" providerId="LiveId" clId="{4688EAF7-6492-4567-B36F-5B565F46C15F}" dt="2025-08-22T07:45:11.758" v="3308" actId="20577"/>
+          <ac:chgData name="Unai Famoso" userId="f8970a838cfae24a" providerId="LiveId" clId="{4688EAF7-6492-4567-B36F-5B565F46C15F}" dt="2025-08-23T10:05:04.496" v="4348" actId="20577"/>
           <ac:spMkLst>
             <pc:docMk/>
             <pc:sldMk cId="3786914073" sldId="272"/>
             <ac:spMk id="3" creationId="{0238B6F1-0026-BD09-22CF-D82930BA4EFB}"/>
           </ac:spMkLst>
         </pc:spChg>
-        <pc:graphicFrameChg chg="add del mod">
-          <ac:chgData name="Unai Famoso" userId="f8970a838cfae24a" providerId="LiveId" clId="{4688EAF7-6492-4567-B36F-5B565F46C15F}" dt="2025-08-22T07:43:37.868" v="3247" actId="478"/>
+        <pc:graphicFrameChg chg="add mod">
+          <ac:chgData name="Unai Famoso" userId="f8970a838cfae24a" providerId="LiveId" clId="{4688EAF7-6492-4567-B36F-5B565F46C15F}" dt="2025-08-25T10:45:32.707" v="4737" actId="1076"/>
           <ac:graphicFrameMkLst>
             <pc:docMk/>
             <pc:sldMk cId="3786914073" sldId="272"/>
-            <ac:graphicFrameMk id="5" creationId="{F4571DBD-7B4E-E093-45C5-6F9982B45EE4}"/>
+            <ac:graphicFrameMk id="7" creationId="{409445E2-69EF-6EB7-7A0E-22B1B29C4A11}"/>
           </ac:graphicFrameMkLst>
         </pc:graphicFrameChg>
-        <pc:picChg chg="add del mod">
-          <ac:chgData name="Unai Famoso" userId="f8970a838cfae24a" providerId="LiveId" clId="{4688EAF7-6492-4567-B36F-5B565F46C15F}" dt="2025-08-22T07:43:36.061" v="3246" actId="478"/>
+        <pc:picChg chg="add mod ord">
+          <ac:chgData name="Unai Famoso" userId="f8970a838cfae24a" providerId="LiveId" clId="{4688EAF7-6492-4567-B36F-5B565F46C15F}" dt="2025-08-23T09:31:21.428" v="3946" actId="171"/>
           <ac:picMkLst>
             <pc:docMk/>
             <pc:sldMk cId="3786914073" sldId="272"/>
-            <ac:picMk id="4" creationId="{095079C7-F267-EB75-327F-29B76D35CCED}"/>
+            <ac:picMk id="4" creationId="{294BF339-6BF6-A131-697D-285B6B24E9AF}"/>
           </ac:picMkLst>
         </pc:picChg>
+      </pc:sldChg>
+      <pc:sldChg chg="addSp delSp modSp add mod">
+        <pc:chgData name="Unai Famoso" userId="f8970a838cfae24a" providerId="LiveId" clId="{4688EAF7-6492-4567-B36F-5B565F46C15F}" dt="2025-08-26T07:51:02.528" v="4743" actId="12"/>
+        <pc:sldMkLst>
+          <pc:docMk/>
+          <pc:sldMk cId="1282463673" sldId="273"/>
+        </pc:sldMkLst>
+        <pc:spChg chg="mod">
+          <ac:chgData name="Unai Famoso" userId="f8970a838cfae24a" providerId="LiveId" clId="{4688EAF7-6492-4567-B36F-5B565F46C15F}" dt="2025-08-23T09:38:05.413" v="4049" actId="20577"/>
+          <ac:spMkLst>
+            <pc:docMk/>
+            <pc:sldMk cId="1282463673" sldId="273"/>
+            <ac:spMk id="2" creationId="{AA8E0675-C9A9-9214-89AB-8BBBBB2DED31}"/>
+          </ac:spMkLst>
+        </pc:spChg>
+        <pc:spChg chg="mod">
+          <ac:chgData name="Unai Famoso" userId="f8970a838cfae24a" providerId="LiveId" clId="{4688EAF7-6492-4567-B36F-5B565F46C15F}" dt="2025-08-26T07:51:02.528" v="4743" actId="12"/>
+          <ac:spMkLst>
+            <pc:docMk/>
+            <pc:sldMk cId="1282463673" sldId="273"/>
+            <ac:spMk id="3" creationId="{0238B6F1-0026-BD09-22CF-D82930BA4EFB}"/>
+          </ac:spMkLst>
+        </pc:spChg>
+        <pc:graphicFrameChg chg="mod">
+          <ac:chgData name="Unai Famoso" userId="f8970a838cfae24a" providerId="LiveId" clId="{4688EAF7-6492-4567-B36F-5B565F46C15F}" dt="2025-08-23T09:36:30.798" v="4030" actId="1076"/>
+          <ac:graphicFrameMkLst>
+            <pc:docMk/>
+            <pc:sldMk cId="1282463673" sldId="273"/>
+            <ac:graphicFrameMk id="7" creationId="{409445E2-69EF-6EB7-7A0E-22B1B29C4A11}"/>
+          </ac:graphicFrameMkLst>
+        </pc:graphicFrameChg>
+        <pc:picChg chg="add mod ord">
+          <ac:chgData name="Unai Famoso" userId="f8970a838cfae24a" providerId="LiveId" clId="{4688EAF7-6492-4567-B36F-5B565F46C15F}" dt="2025-08-23T09:31:58.240" v="3955" actId="171"/>
+          <ac:picMkLst>
+            <pc:docMk/>
+            <pc:sldMk cId="1282463673" sldId="273"/>
+            <ac:picMk id="5" creationId="{8A282050-FFA9-C585-52C3-B7DA8A549897}"/>
+          </ac:picMkLst>
+        </pc:picChg>
+      </pc:sldChg>
+      <pc:sldChg chg="addSp delSp modSp new del mod setBg">
+        <pc:chgData name="Unai Famoso" userId="f8970a838cfae24a" providerId="LiveId" clId="{4688EAF7-6492-4567-B36F-5B565F46C15F}" dt="2025-08-25T08:01:53.147" v="4709" actId="47"/>
+        <pc:sldMkLst>
+          <pc:docMk/>
+          <pc:sldMk cId="3146937265" sldId="274"/>
+        </pc:sldMkLst>
+      </pc:sldChg>
+      <pc:sldChg chg="modSp new del mod">
+        <pc:chgData name="Unai Famoso" userId="f8970a838cfae24a" providerId="LiveId" clId="{4688EAF7-6492-4567-B36F-5B565F46C15F}" dt="2025-08-25T08:01:55.034" v="4710" actId="47"/>
+        <pc:sldMkLst>
+          <pc:docMk/>
+          <pc:sldMk cId="2841167395" sldId="275"/>
+        </pc:sldMkLst>
+      </pc:sldChg>
+      <pc:sldChg chg="modSp new del mod">
+        <pc:chgData name="Unai Famoso" userId="f8970a838cfae24a" providerId="LiveId" clId="{4688EAF7-6492-4567-B36F-5B565F46C15F}" dt="2025-08-25T07:57:41.991" v="4708" actId="47"/>
+        <pc:sldMkLst>
+          <pc:docMk/>
+          <pc:sldMk cId="3673755027" sldId="276"/>
+        </pc:sldMkLst>
       </pc:sldChg>
     </pc:docChg>
   </pc:docChgLst>
 </pc:chgInfo>
+</file>
+
+<file path=ppt/charts/chart1.xml><?xml version="1.0" encoding="utf-8"?>
+<c:chartSpace xmlns:c="http://schemas.openxmlformats.org/drawingml/2006/chart" xmlns:a="http://schemas.openxmlformats.org/drawingml/2006/main" xmlns:r="http://schemas.openxmlformats.org/officeDocument/2006/relationships" xmlns:c16r2="http://schemas.microsoft.com/office/drawing/2015/06/chart">
+  <c:date1904 val="0"/>
+  <c:lang val="es-ES"/>
+  <c:roundedCorners val="0"/>
+  <mc:AlternateContent xmlns:mc="http://schemas.openxmlformats.org/markup-compatibility/2006">
+    <mc:Choice xmlns:c14="http://schemas.microsoft.com/office/drawing/2007/8/2/chart" Requires="c14">
+      <c14:style val="102"/>
+    </mc:Choice>
+    <mc:Fallback>
+      <c:style val="2"/>
+    </mc:Fallback>
+  </mc:AlternateContent>
+  <c:chart>
+    <c:autoTitleDeleted val="0"/>
+    <c:plotArea>
+      <c:layout>
+        <c:manualLayout>
+          <c:layoutTarget val="inner"/>
+          <c:xMode val="edge"/>
+          <c:yMode val="edge"/>
+          <c:x val="0.1199117529706764"/>
+          <c:y val="6.8732136596728291E-2"/>
+          <c:w val="0.86152684801624435"/>
+          <c:h val="0.7324105582779703"/>
+        </c:manualLayout>
+      </c:layout>
+      <c:barChart>
+        <c:barDir val="col"/>
+        <c:grouping val="clustered"/>
+        <c:varyColors val="0"/>
+        <c:ser>
+          <c:idx val="0"/>
+          <c:order val="0"/>
+          <c:tx>
+            <c:strRef>
+              <c:f>Hoja1!$B$1</c:f>
+              <c:strCache>
+                <c:ptCount val="1"/>
+                <c:pt idx="0">
+                  <c:v>pre</c:v>
+                </c:pt>
+              </c:strCache>
+            </c:strRef>
+          </c:tx>
+          <c:spPr>
+            <a:solidFill>
+              <a:schemeClr val="accent1"/>
+            </a:solidFill>
+            <a:ln>
+              <a:noFill/>
+            </a:ln>
+            <a:effectLst/>
+          </c:spPr>
+          <c:invertIfNegative val="0"/>
+          <c:dLbls>
+            <c:dLbl>
+              <c:idx val="4"/>
+              <c:dLblPos val="outEnd"/>
+              <c:showLegendKey val="0"/>
+              <c:showVal val="1"/>
+              <c:showCatName val="0"/>
+              <c:showSerName val="0"/>
+              <c:showPercent val="0"/>
+              <c:showBubbleSize val="0"/>
+              <c:extLst>
+                <c:ext xmlns:c15="http://schemas.microsoft.com/office/drawing/2012/chart" uri="{CE6537A1-D6FC-4f65-9D91-7224C49458BB}"/>
+                <c:ext xmlns:c16="http://schemas.microsoft.com/office/drawing/2014/chart" uri="{C3380CC4-5D6E-409C-BE32-E72D297353CC}">
+                  <c16:uniqueId val="{00000000-F3C2-4854-9AC7-0E89F6F84FB6}"/>
+                </c:ext>
+              </c:extLst>
+            </c:dLbl>
+            <c:spPr>
+              <a:noFill/>
+              <a:ln>
+                <a:noFill/>
+              </a:ln>
+              <a:effectLst/>
+            </c:spPr>
+            <c:txPr>
+              <a:bodyPr rot="0" spcFirstLastPara="1" vertOverflow="ellipsis" vert="horz" wrap="square" lIns="38100" tIns="19050" rIns="38100" bIns="19050" anchor="ctr" anchorCtr="1">
+                <a:spAutoFit/>
+              </a:bodyPr>
+              <a:lstStyle/>
+              <a:p>
+                <a:pPr>
+                  <a:defRPr sz="1197" b="0" i="0" u="none" strike="noStrike" kern="1200" baseline="0">
+                    <a:solidFill>
+                      <a:schemeClr val="tx1">
+                        <a:lumMod val="75000"/>
+                        <a:lumOff val="25000"/>
+                      </a:schemeClr>
+                    </a:solidFill>
+                    <a:latin typeface="+mn-lt"/>
+                    <a:ea typeface="+mn-ea"/>
+                    <a:cs typeface="+mn-cs"/>
+                  </a:defRPr>
+                </a:pPr>
+                <a:endParaRPr lang="es-ES"/>
+              </a:p>
+            </c:txPr>
+            <c:showLegendKey val="0"/>
+            <c:showVal val="0"/>
+            <c:showCatName val="0"/>
+            <c:showSerName val="0"/>
+            <c:showPercent val="0"/>
+            <c:showBubbleSize val="0"/>
+            <c:extLst>
+              <c:ext xmlns:c15="http://schemas.microsoft.com/office/drawing/2012/chart" uri="{CE6537A1-D6FC-4f65-9D91-7224C49458BB}">
+                <c15:showLeaderLines val="1"/>
+                <c15:leaderLines>
+                  <c:spPr>
+                    <a:ln w="9525" cap="flat" cmpd="sng" algn="ctr">
+                      <a:solidFill>
+                        <a:schemeClr val="tx1">
+                          <a:lumMod val="35000"/>
+                          <a:lumOff val="65000"/>
+                        </a:schemeClr>
+                      </a:solidFill>
+                      <a:round/>
+                    </a:ln>
+                    <a:effectLst/>
+                  </c:spPr>
+                </c15:leaderLines>
+              </c:ext>
+            </c:extLst>
+          </c:dLbls>
+          <c:cat>
+            <c:strRef>
+              <c:f>Hoja1!$A$2:$A$6</c:f>
+              <c:strCache>
+                <c:ptCount val="5"/>
+                <c:pt idx="0">
+                  <c:v>No</c:v>
+                </c:pt>
+                <c:pt idx="1">
+                  <c:v>Yes</c:v>
+                </c:pt>
+                <c:pt idx="2">
+                  <c:v>ROC AUC</c:v>
+                </c:pt>
+                <c:pt idx="3">
+                  <c:v>accuracy</c:v>
+                </c:pt>
+                <c:pt idx="4">
+                  <c:v>macro avg</c:v>
+                </c:pt>
+              </c:strCache>
+            </c:strRef>
+          </c:cat>
+          <c:val>
+            <c:numRef>
+              <c:f>Hoja1!$B$2:$B$6</c:f>
+              <c:numCache>
+                <c:formatCode>0%</c:formatCode>
+                <c:ptCount val="5"/>
+                <c:pt idx="0">
+                  <c:v>0.86</c:v>
+                </c:pt>
+                <c:pt idx="1">
+                  <c:v>0.93</c:v>
+                </c:pt>
+                <c:pt idx="4">
+                  <c:v>0.9</c:v>
+                </c:pt>
+              </c:numCache>
+            </c:numRef>
+          </c:val>
+          <c:extLst>
+            <c:ext xmlns:c16="http://schemas.microsoft.com/office/drawing/2014/chart" uri="{C3380CC4-5D6E-409C-BE32-E72D297353CC}">
+              <c16:uniqueId val="{00000000-C02B-4519-A98B-FFDA4D98D76B}"/>
+            </c:ext>
+          </c:extLst>
+        </c:ser>
+        <c:ser>
+          <c:idx val="1"/>
+          <c:order val="1"/>
+          <c:tx>
+            <c:strRef>
+              <c:f>Hoja1!$C$1</c:f>
+              <c:strCache>
+                <c:ptCount val="1"/>
+                <c:pt idx="0">
+                  <c:v>recal</c:v>
+                </c:pt>
+              </c:strCache>
+            </c:strRef>
+          </c:tx>
+          <c:spPr>
+            <a:solidFill>
+              <a:schemeClr val="accent2"/>
+            </a:solidFill>
+            <a:ln>
+              <a:noFill/>
+            </a:ln>
+            <a:effectLst/>
+          </c:spPr>
+          <c:invertIfNegative val="0"/>
+          <c:cat>
+            <c:strRef>
+              <c:f>Hoja1!$A$2:$A$6</c:f>
+              <c:strCache>
+                <c:ptCount val="5"/>
+                <c:pt idx="0">
+                  <c:v>No</c:v>
+                </c:pt>
+                <c:pt idx="1">
+                  <c:v>Yes</c:v>
+                </c:pt>
+                <c:pt idx="2">
+                  <c:v>ROC AUC</c:v>
+                </c:pt>
+                <c:pt idx="3">
+                  <c:v>accuracy</c:v>
+                </c:pt>
+                <c:pt idx="4">
+                  <c:v>macro avg</c:v>
+                </c:pt>
+              </c:strCache>
+            </c:strRef>
+          </c:cat>
+          <c:val>
+            <c:numRef>
+              <c:f>Hoja1!$C$2:$C$6</c:f>
+              <c:numCache>
+                <c:formatCode>0%</c:formatCode>
+                <c:ptCount val="5"/>
+                <c:pt idx="0">
+                  <c:v>0.94</c:v>
+                </c:pt>
+                <c:pt idx="1">
+                  <c:v>0.84</c:v>
+                </c:pt>
+                <c:pt idx="4">
+                  <c:v>0.89</c:v>
+                </c:pt>
+              </c:numCache>
+            </c:numRef>
+          </c:val>
+          <c:extLst>
+            <c:ext xmlns:c16="http://schemas.microsoft.com/office/drawing/2014/chart" uri="{C3380CC4-5D6E-409C-BE32-E72D297353CC}">
+              <c16:uniqueId val="{00000003-C02B-4519-A98B-FFDA4D98D76B}"/>
+            </c:ext>
+          </c:extLst>
+        </c:ser>
+        <c:ser>
+          <c:idx val="2"/>
+          <c:order val="2"/>
+          <c:tx>
+            <c:strRef>
+              <c:f>Hoja1!$D$1</c:f>
+              <c:strCache>
+                <c:ptCount val="1"/>
+                <c:pt idx="0">
+                  <c:v>f1-score</c:v>
+                </c:pt>
+              </c:strCache>
+            </c:strRef>
+          </c:tx>
+          <c:spPr>
+            <a:solidFill>
+              <a:schemeClr val="accent3"/>
+            </a:solidFill>
+            <a:ln>
+              <a:noFill/>
+            </a:ln>
+            <a:effectLst/>
+          </c:spPr>
+          <c:invertIfNegative val="0"/>
+          <c:cat>
+            <c:strRef>
+              <c:f>Hoja1!$A$2:$A$6</c:f>
+              <c:strCache>
+                <c:ptCount val="5"/>
+                <c:pt idx="0">
+                  <c:v>No</c:v>
+                </c:pt>
+                <c:pt idx="1">
+                  <c:v>Yes</c:v>
+                </c:pt>
+                <c:pt idx="2">
+                  <c:v>ROC AUC</c:v>
+                </c:pt>
+                <c:pt idx="3">
+                  <c:v>accuracy</c:v>
+                </c:pt>
+                <c:pt idx="4">
+                  <c:v>macro avg</c:v>
+                </c:pt>
+              </c:strCache>
+            </c:strRef>
+          </c:cat>
+          <c:val>
+            <c:numRef>
+              <c:f>Hoja1!$D$2:$D$6</c:f>
+              <c:numCache>
+                <c:formatCode>0%</c:formatCode>
+                <c:ptCount val="5"/>
+                <c:pt idx="0">
+                  <c:v>0.9</c:v>
+                </c:pt>
+                <c:pt idx="1">
+                  <c:v>0.89</c:v>
+                </c:pt>
+                <c:pt idx="2">
+                  <c:v>0.89</c:v>
+                </c:pt>
+                <c:pt idx="3">
+                  <c:v>0.89</c:v>
+                </c:pt>
+                <c:pt idx="4">
+                  <c:v>0.89</c:v>
+                </c:pt>
+              </c:numCache>
+            </c:numRef>
+          </c:val>
+          <c:extLst>
+            <c:ext xmlns:c16="http://schemas.microsoft.com/office/drawing/2014/chart" uri="{C3380CC4-5D6E-409C-BE32-E72D297353CC}">
+              <c16:uniqueId val="{00000004-C02B-4519-A98B-FFDA4D98D76B}"/>
+            </c:ext>
+          </c:extLst>
+        </c:ser>
+        <c:dLbls>
+          <c:showLegendKey val="0"/>
+          <c:showVal val="0"/>
+          <c:showCatName val="0"/>
+          <c:showSerName val="0"/>
+          <c:showPercent val="0"/>
+          <c:showBubbleSize val="0"/>
+        </c:dLbls>
+        <c:gapWidth val="219"/>
+        <c:overlap val="-27"/>
+        <c:axId val="992236384"/>
+        <c:axId val="992236864"/>
+      </c:barChart>
+      <c:catAx>
+        <c:axId val="992236384"/>
+        <c:scaling>
+          <c:orientation val="minMax"/>
+        </c:scaling>
+        <c:delete val="0"/>
+        <c:axPos val="b"/>
+        <c:numFmt formatCode="General" sourceLinked="1"/>
+        <c:majorTickMark val="none"/>
+        <c:minorTickMark val="none"/>
+        <c:tickLblPos val="nextTo"/>
+        <c:spPr>
+          <a:noFill/>
+          <a:ln w="9525" cap="flat" cmpd="sng" algn="ctr">
+            <a:solidFill>
+              <a:schemeClr val="tx1">
+                <a:lumMod val="15000"/>
+                <a:lumOff val="85000"/>
+              </a:schemeClr>
+            </a:solidFill>
+            <a:round/>
+          </a:ln>
+          <a:effectLst/>
+        </c:spPr>
+        <c:txPr>
+          <a:bodyPr rot="-60000000" spcFirstLastPara="1" vertOverflow="ellipsis" vert="horz" wrap="square" anchor="ctr" anchorCtr="1"/>
+          <a:lstStyle/>
+          <a:p>
+            <a:pPr>
+              <a:defRPr sz="1197" b="0" i="0" u="none" strike="noStrike" kern="1200" baseline="0">
+                <a:solidFill>
+                  <a:schemeClr val="tx1">
+                    <a:lumMod val="65000"/>
+                    <a:lumOff val="35000"/>
+                  </a:schemeClr>
+                </a:solidFill>
+                <a:latin typeface="+mn-lt"/>
+                <a:ea typeface="+mn-ea"/>
+                <a:cs typeface="+mn-cs"/>
+              </a:defRPr>
+            </a:pPr>
+            <a:endParaRPr lang="es-ES"/>
+          </a:p>
+        </c:txPr>
+        <c:crossAx val="992236864"/>
+        <c:crosses val="autoZero"/>
+        <c:auto val="1"/>
+        <c:lblAlgn val="ctr"/>
+        <c:lblOffset val="100"/>
+        <c:noMultiLvlLbl val="0"/>
+      </c:catAx>
+      <c:valAx>
+        <c:axId val="992236864"/>
+        <c:scaling>
+          <c:orientation val="minMax"/>
+          <c:min val="0"/>
+        </c:scaling>
+        <c:delete val="0"/>
+        <c:axPos val="l"/>
+        <c:majorGridlines>
+          <c:spPr>
+            <a:ln w="9525" cap="flat" cmpd="sng" algn="ctr">
+              <a:solidFill>
+                <a:schemeClr val="tx1">
+                  <a:lumMod val="15000"/>
+                  <a:lumOff val="85000"/>
+                </a:schemeClr>
+              </a:solidFill>
+              <a:round/>
+            </a:ln>
+            <a:effectLst/>
+          </c:spPr>
+        </c:majorGridlines>
+        <c:numFmt formatCode="0%" sourceLinked="1"/>
+        <c:majorTickMark val="none"/>
+        <c:minorTickMark val="none"/>
+        <c:tickLblPos val="nextTo"/>
+        <c:spPr>
+          <a:noFill/>
+          <a:ln>
+            <a:noFill/>
+          </a:ln>
+          <a:effectLst/>
+        </c:spPr>
+        <c:txPr>
+          <a:bodyPr rot="-60000000" spcFirstLastPara="1" vertOverflow="ellipsis" vert="horz" wrap="square" anchor="ctr" anchorCtr="1"/>
+          <a:lstStyle/>
+          <a:p>
+            <a:pPr>
+              <a:defRPr sz="1197" b="0" i="0" u="none" strike="noStrike" kern="1200" baseline="0">
+                <a:solidFill>
+                  <a:schemeClr val="tx1">
+                    <a:lumMod val="65000"/>
+                    <a:lumOff val="35000"/>
+                  </a:schemeClr>
+                </a:solidFill>
+                <a:latin typeface="+mn-lt"/>
+                <a:ea typeface="+mn-ea"/>
+                <a:cs typeface="+mn-cs"/>
+              </a:defRPr>
+            </a:pPr>
+            <a:endParaRPr lang="es-ES"/>
+          </a:p>
+        </c:txPr>
+        <c:crossAx val="992236384"/>
+        <c:crosses val="autoZero"/>
+        <c:crossBetween val="between"/>
+      </c:valAx>
+      <c:spPr>
+        <a:noFill/>
+        <a:ln>
+          <a:noFill/>
+        </a:ln>
+        <a:effectLst/>
+      </c:spPr>
+    </c:plotArea>
+    <c:legend>
+      <c:legendPos val="b"/>
+      <c:overlay val="0"/>
+      <c:spPr>
+        <a:noFill/>
+        <a:ln>
+          <a:noFill/>
+        </a:ln>
+        <a:effectLst/>
+      </c:spPr>
+      <c:txPr>
+        <a:bodyPr rot="0" spcFirstLastPara="1" vertOverflow="ellipsis" vert="horz" wrap="square" anchor="ctr" anchorCtr="1"/>
+        <a:lstStyle/>
+        <a:p>
+          <a:pPr>
+            <a:defRPr sz="1197" b="0" i="0" u="none" strike="noStrike" kern="1200" baseline="0">
+              <a:solidFill>
+                <a:schemeClr val="tx1">
+                  <a:lumMod val="65000"/>
+                  <a:lumOff val="35000"/>
+                </a:schemeClr>
+              </a:solidFill>
+              <a:latin typeface="+mn-lt"/>
+              <a:ea typeface="+mn-ea"/>
+              <a:cs typeface="+mn-cs"/>
+            </a:defRPr>
+          </a:pPr>
+          <a:endParaRPr lang="es-ES"/>
+        </a:p>
+      </c:txPr>
+    </c:legend>
+    <c:plotVisOnly val="1"/>
+    <c:dispBlanksAs val="gap"/>
+    <c:showDLblsOverMax val="0"/>
+    <c:extLst>
+      <c:ext xmlns:c16r3="http://schemas.microsoft.com/office/drawing/2017/03/chart" uri="{56B9EC1D-385E-4148-901F-78D8002777C0}">
+        <c16r3:dataDisplayOptions16>
+          <c16r3:dispNaAsBlank val="1"/>
+        </c16r3:dataDisplayOptions16>
+      </c:ext>
+    </c:extLst>
+  </c:chart>
+  <c:spPr>
+    <a:noFill/>
+    <a:ln>
+      <a:noFill/>
+    </a:ln>
+    <a:effectLst/>
+  </c:spPr>
+  <c:txPr>
+    <a:bodyPr/>
+    <a:lstStyle/>
+    <a:p>
+      <a:pPr>
+        <a:defRPr/>
+      </a:pPr>
+      <a:endParaRPr lang="es-ES"/>
+    </a:p>
+  </c:txPr>
+  <c:externalData r:id="rId3">
+    <c:autoUpdate val="0"/>
+  </c:externalData>
+</c:chartSpace>
+</file>
+
+<file path=ppt/charts/chart2.xml><?xml version="1.0" encoding="utf-8"?>
+<c:chartSpace xmlns:c="http://schemas.openxmlformats.org/drawingml/2006/chart" xmlns:a="http://schemas.openxmlformats.org/drawingml/2006/main" xmlns:r="http://schemas.openxmlformats.org/officeDocument/2006/relationships" xmlns:c16r2="http://schemas.microsoft.com/office/drawing/2015/06/chart">
+  <c:date1904 val="0"/>
+  <c:lang val="es-ES"/>
+  <c:roundedCorners val="0"/>
+  <mc:AlternateContent xmlns:mc="http://schemas.openxmlformats.org/markup-compatibility/2006">
+    <mc:Choice xmlns:c14="http://schemas.microsoft.com/office/drawing/2007/8/2/chart" Requires="c14">
+      <c14:style val="102"/>
+    </mc:Choice>
+    <mc:Fallback>
+      <c:style val="2"/>
+    </mc:Fallback>
+  </mc:AlternateContent>
+  <c:chart>
+    <c:autoTitleDeleted val="0"/>
+    <c:plotArea>
+      <c:layout/>
+      <c:barChart>
+        <c:barDir val="col"/>
+        <c:grouping val="clustered"/>
+        <c:varyColors val="0"/>
+        <c:ser>
+          <c:idx val="0"/>
+          <c:order val="0"/>
+          <c:tx>
+            <c:strRef>
+              <c:f>Hoja1!$B$1</c:f>
+              <c:strCache>
+                <c:ptCount val="1"/>
+                <c:pt idx="0">
+                  <c:v>pre</c:v>
+                </c:pt>
+              </c:strCache>
+            </c:strRef>
+          </c:tx>
+          <c:spPr>
+            <a:solidFill>
+              <a:schemeClr val="accent1"/>
+            </a:solidFill>
+            <a:ln>
+              <a:noFill/>
+            </a:ln>
+            <a:effectLst/>
+          </c:spPr>
+          <c:invertIfNegative val="0"/>
+          <c:cat>
+            <c:strRef>
+              <c:f>Hoja1!$A$2:$A$5</c:f>
+              <c:strCache>
+                <c:ptCount val="4"/>
+                <c:pt idx="0">
+                  <c:v>No</c:v>
+                </c:pt>
+                <c:pt idx="1">
+                  <c:v>Yes</c:v>
+                </c:pt>
+                <c:pt idx="2">
+                  <c:v>accuracy</c:v>
+                </c:pt>
+                <c:pt idx="3">
+                  <c:v>macro avg</c:v>
+                </c:pt>
+              </c:strCache>
+            </c:strRef>
+          </c:cat>
+          <c:val>
+            <c:numRef>
+              <c:f>Hoja1!$B$2:$B$5</c:f>
+              <c:numCache>
+                <c:formatCode>0%</c:formatCode>
+                <c:ptCount val="4"/>
+                <c:pt idx="0" formatCode="General">
+                  <c:v>0.83</c:v>
+                </c:pt>
+                <c:pt idx="1">
+                  <c:v>0.91</c:v>
+                </c:pt>
+                <c:pt idx="3">
+                  <c:v>0.87</c:v>
+                </c:pt>
+              </c:numCache>
+            </c:numRef>
+          </c:val>
+          <c:extLst>
+            <c:ext xmlns:c16="http://schemas.microsoft.com/office/drawing/2014/chart" uri="{C3380CC4-5D6E-409C-BE32-E72D297353CC}">
+              <c16:uniqueId val="{00000000-C02B-4519-A98B-FFDA4D98D76B}"/>
+            </c:ext>
+          </c:extLst>
+        </c:ser>
+        <c:ser>
+          <c:idx val="1"/>
+          <c:order val="1"/>
+          <c:tx>
+            <c:strRef>
+              <c:f>Hoja1!$C$1</c:f>
+              <c:strCache>
+                <c:ptCount val="1"/>
+                <c:pt idx="0">
+                  <c:v>recal</c:v>
+                </c:pt>
+              </c:strCache>
+            </c:strRef>
+          </c:tx>
+          <c:spPr>
+            <a:solidFill>
+              <a:schemeClr val="accent2"/>
+            </a:solidFill>
+            <a:ln>
+              <a:noFill/>
+            </a:ln>
+            <a:effectLst/>
+          </c:spPr>
+          <c:invertIfNegative val="0"/>
+          <c:cat>
+            <c:strRef>
+              <c:f>Hoja1!$A$2:$A$5</c:f>
+              <c:strCache>
+                <c:ptCount val="4"/>
+                <c:pt idx="0">
+                  <c:v>No</c:v>
+                </c:pt>
+                <c:pt idx="1">
+                  <c:v>Yes</c:v>
+                </c:pt>
+                <c:pt idx="2">
+                  <c:v>accuracy</c:v>
+                </c:pt>
+                <c:pt idx="3">
+                  <c:v>macro avg</c:v>
+                </c:pt>
+              </c:strCache>
+            </c:strRef>
+          </c:cat>
+          <c:val>
+            <c:numRef>
+              <c:f>Hoja1!$C$2:$C$5</c:f>
+              <c:numCache>
+                <c:formatCode>0%</c:formatCode>
+                <c:ptCount val="4"/>
+                <c:pt idx="0" formatCode="General">
+                  <c:v>0.92</c:v>
+                </c:pt>
+                <c:pt idx="1">
+                  <c:v>0.81</c:v>
+                </c:pt>
+                <c:pt idx="3">
+                  <c:v>0.86</c:v>
+                </c:pt>
+              </c:numCache>
+            </c:numRef>
+          </c:val>
+          <c:extLst>
+            <c:ext xmlns:c16="http://schemas.microsoft.com/office/drawing/2014/chart" uri="{C3380CC4-5D6E-409C-BE32-E72D297353CC}">
+              <c16:uniqueId val="{00000003-C02B-4519-A98B-FFDA4D98D76B}"/>
+            </c:ext>
+          </c:extLst>
+        </c:ser>
+        <c:ser>
+          <c:idx val="2"/>
+          <c:order val="2"/>
+          <c:tx>
+            <c:strRef>
+              <c:f>Hoja1!$D$1</c:f>
+              <c:strCache>
+                <c:ptCount val="1"/>
+                <c:pt idx="0">
+                  <c:v>f1-score</c:v>
+                </c:pt>
+              </c:strCache>
+            </c:strRef>
+          </c:tx>
+          <c:spPr>
+            <a:solidFill>
+              <a:schemeClr val="accent3"/>
+            </a:solidFill>
+            <a:ln>
+              <a:noFill/>
+            </a:ln>
+            <a:effectLst/>
+          </c:spPr>
+          <c:invertIfNegative val="0"/>
+          <c:cat>
+            <c:strRef>
+              <c:f>Hoja1!$A$2:$A$5</c:f>
+              <c:strCache>
+                <c:ptCount val="4"/>
+                <c:pt idx="0">
+                  <c:v>No</c:v>
+                </c:pt>
+                <c:pt idx="1">
+                  <c:v>Yes</c:v>
+                </c:pt>
+                <c:pt idx="2">
+                  <c:v>accuracy</c:v>
+                </c:pt>
+                <c:pt idx="3">
+                  <c:v>macro avg</c:v>
+                </c:pt>
+              </c:strCache>
+            </c:strRef>
+          </c:cat>
+          <c:val>
+            <c:numRef>
+              <c:f>Hoja1!$D$2:$D$5</c:f>
+              <c:numCache>
+                <c:formatCode>0%</c:formatCode>
+                <c:ptCount val="4"/>
+                <c:pt idx="0">
+                  <c:v>0.87</c:v>
+                </c:pt>
+                <c:pt idx="1">
+                  <c:v>0.86</c:v>
+                </c:pt>
+                <c:pt idx="2">
+                  <c:v>0.86</c:v>
+                </c:pt>
+                <c:pt idx="3">
+                  <c:v>0.86</c:v>
+                </c:pt>
+              </c:numCache>
+            </c:numRef>
+          </c:val>
+          <c:extLst>
+            <c:ext xmlns:c16="http://schemas.microsoft.com/office/drawing/2014/chart" uri="{C3380CC4-5D6E-409C-BE32-E72D297353CC}">
+              <c16:uniqueId val="{00000004-C02B-4519-A98B-FFDA4D98D76B}"/>
+            </c:ext>
+          </c:extLst>
+        </c:ser>
+        <c:dLbls>
+          <c:showLegendKey val="0"/>
+          <c:showVal val="0"/>
+          <c:showCatName val="0"/>
+          <c:showSerName val="0"/>
+          <c:showPercent val="0"/>
+          <c:showBubbleSize val="0"/>
+        </c:dLbls>
+        <c:gapWidth val="219"/>
+        <c:overlap val="-27"/>
+        <c:axId val="992236384"/>
+        <c:axId val="992236864"/>
+      </c:barChart>
+      <c:catAx>
+        <c:axId val="992236384"/>
+        <c:scaling>
+          <c:orientation val="minMax"/>
+        </c:scaling>
+        <c:delete val="0"/>
+        <c:axPos val="b"/>
+        <c:numFmt formatCode="General" sourceLinked="1"/>
+        <c:majorTickMark val="none"/>
+        <c:minorTickMark val="none"/>
+        <c:tickLblPos val="nextTo"/>
+        <c:spPr>
+          <a:noFill/>
+          <a:ln w="9525" cap="flat" cmpd="sng" algn="ctr">
+            <a:solidFill>
+              <a:schemeClr val="tx1">
+                <a:lumMod val="15000"/>
+                <a:lumOff val="85000"/>
+              </a:schemeClr>
+            </a:solidFill>
+            <a:round/>
+          </a:ln>
+          <a:effectLst/>
+        </c:spPr>
+        <c:txPr>
+          <a:bodyPr rot="-60000000" spcFirstLastPara="1" vertOverflow="ellipsis" vert="horz" wrap="square" anchor="ctr" anchorCtr="1"/>
+          <a:lstStyle/>
+          <a:p>
+            <a:pPr>
+              <a:defRPr sz="1197" b="0" i="0" u="none" strike="noStrike" kern="1200" baseline="0">
+                <a:solidFill>
+                  <a:schemeClr val="tx1">
+                    <a:lumMod val="65000"/>
+                    <a:lumOff val="35000"/>
+                  </a:schemeClr>
+                </a:solidFill>
+                <a:latin typeface="+mn-lt"/>
+                <a:ea typeface="+mn-ea"/>
+                <a:cs typeface="+mn-cs"/>
+              </a:defRPr>
+            </a:pPr>
+            <a:endParaRPr lang="es-ES"/>
+          </a:p>
+        </c:txPr>
+        <c:crossAx val="992236864"/>
+        <c:crosses val="autoZero"/>
+        <c:auto val="1"/>
+        <c:lblAlgn val="ctr"/>
+        <c:lblOffset val="100"/>
+        <c:noMultiLvlLbl val="0"/>
+      </c:catAx>
+      <c:valAx>
+        <c:axId val="992236864"/>
+        <c:scaling>
+          <c:orientation val="minMax"/>
+          <c:min val="0"/>
+        </c:scaling>
+        <c:delete val="0"/>
+        <c:axPos val="l"/>
+        <c:majorGridlines>
+          <c:spPr>
+            <a:ln w="9525" cap="flat" cmpd="sng" algn="ctr">
+              <a:solidFill>
+                <a:schemeClr val="tx1">
+                  <a:lumMod val="15000"/>
+                  <a:lumOff val="85000"/>
+                </a:schemeClr>
+              </a:solidFill>
+              <a:round/>
+            </a:ln>
+            <a:effectLst/>
+          </c:spPr>
+        </c:majorGridlines>
+        <c:numFmt formatCode="General" sourceLinked="1"/>
+        <c:majorTickMark val="none"/>
+        <c:minorTickMark val="none"/>
+        <c:tickLblPos val="nextTo"/>
+        <c:spPr>
+          <a:noFill/>
+          <a:ln>
+            <a:noFill/>
+          </a:ln>
+          <a:effectLst/>
+        </c:spPr>
+        <c:txPr>
+          <a:bodyPr rot="-60000000" spcFirstLastPara="1" vertOverflow="ellipsis" vert="horz" wrap="square" anchor="ctr" anchorCtr="1"/>
+          <a:lstStyle/>
+          <a:p>
+            <a:pPr>
+              <a:defRPr sz="1197" b="0" i="0" u="none" strike="noStrike" kern="1200" baseline="0">
+                <a:solidFill>
+                  <a:schemeClr val="tx1">
+                    <a:lumMod val="65000"/>
+                    <a:lumOff val="35000"/>
+                  </a:schemeClr>
+                </a:solidFill>
+                <a:latin typeface="+mn-lt"/>
+                <a:ea typeface="+mn-ea"/>
+                <a:cs typeface="+mn-cs"/>
+              </a:defRPr>
+            </a:pPr>
+            <a:endParaRPr lang="es-ES"/>
+          </a:p>
+        </c:txPr>
+        <c:crossAx val="992236384"/>
+        <c:crosses val="autoZero"/>
+        <c:crossBetween val="between"/>
+      </c:valAx>
+      <c:spPr>
+        <a:noFill/>
+        <a:ln>
+          <a:noFill/>
+        </a:ln>
+        <a:effectLst/>
+      </c:spPr>
+    </c:plotArea>
+    <c:legend>
+      <c:legendPos val="b"/>
+      <c:overlay val="0"/>
+      <c:spPr>
+        <a:noFill/>
+        <a:ln>
+          <a:noFill/>
+        </a:ln>
+        <a:effectLst/>
+      </c:spPr>
+      <c:txPr>
+        <a:bodyPr rot="0" spcFirstLastPara="1" vertOverflow="ellipsis" vert="horz" wrap="square" anchor="ctr" anchorCtr="1"/>
+        <a:lstStyle/>
+        <a:p>
+          <a:pPr>
+            <a:defRPr sz="1197" b="0" i="0" u="none" strike="noStrike" kern="1200" baseline="0">
+              <a:solidFill>
+                <a:schemeClr val="tx1">
+                  <a:lumMod val="65000"/>
+                  <a:lumOff val="35000"/>
+                </a:schemeClr>
+              </a:solidFill>
+              <a:latin typeface="+mn-lt"/>
+              <a:ea typeface="+mn-ea"/>
+              <a:cs typeface="+mn-cs"/>
+            </a:defRPr>
+          </a:pPr>
+          <a:endParaRPr lang="es-ES"/>
+        </a:p>
+      </c:txPr>
+    </c:legend>
+    <c:plotVisOnly val="1"/>
+    <c:dispBlanksAs val="gap"/>
+    <c:showDLblsOverMax val="0"/>
+    <c:extLst>
+      <c:ext xmlns:c16r3="http://schemas.microsoft.com/office/drawing/2017/03/chart" uri="{56B9EC1D-385E-4148-901F-78D8002777C0}">
+        <c16r3:dataDisplayOptions16>
+          <c16r3:dispNaAsBlank val="1"/>
+        </c16r3:dataDisplayOptions16>
+      </c:ext>
+    </c:extLst>
+  </c:chart>
+  <c:spPr>
+    <a:noFill/>
+    <a:ln>
+      <a:noFill/>
+    </a:ln>
+    <a:effectLst/>
+  </c:spPr>
+  <c:txPr>
+    <a:bodyPr/>
+    <a:lstStyle/>
+    <a:p>
+      <a:pPr>
+        <a:defRPr/>
+      </a:pPr>
+      <a:endParaRPr lang="es-ES"/>
+    </a:p>
+  </c:txPr>
+  <c:externalData r:id="rId3">
+    <c:autoUpdate val="0"/>
+  </c:externalData>
+</c:chartSpace>
+</file>
+
+<file path=ppt/charts/colors1.xml><?xml version="1.0" encoding="utf-8"?>
+<cs:colorStyle xmlns:cs="http://schemas.microsoft.com/office/drawing/2012/chartStyle" xmlns:a="http://schemas.openxmlformats.org/drawingml/2006/main" meth="cycle" id="10">
+  <a:schemeClr val="accent1"/>
+  <a:schemeClr val="accent2"/>
+  <a:schemeClr val="accent3"/>
+  <a:schemeClr val="accent4"/>
+  <a:schemeClr val="accent5"/>
+  <a:schemeClr val="accent6"/>
+  <cs:variation/>
+  <cs:variation>
+    <a:lumMod val="60000"/>
+  </cs:variation>
+  <cs:variation>
+    <a:lumMod val="80000"/>
+    <a:lumOff val="20000"/>
+  </cs:variation>
+  <cs:variation>
+    <a:lumMod val="80000"/>
+  </cs:variation>
+  <cs:variation>
+    <a:lumMod val="60000"/>
+    <a:lumOff val="40000"/>
+  </cs:variation>
+  <cs:variation>
+    <a:lumMod val="50000"/>
+  </cs:variation>
+  <cs:variation>
+    <a:lumMod val="70000"/>
+    <a:lumOff val="30000"/>
+  </cs:variation>
+  <cs:variation>
+    <a:lumMod val="70000"/>
+  </cs:variation>
+  <cs:variation>
+    <a:lumMod val="50000"/>
+    <a:lumOff val="50000"/>
+  </cs:variation>
+</cs:colorStyle>
+</file>
+
+<file path=ppt/charts/colors2.xml><?xml version="1.0" encoding="utf-8"?>
+<cs:colorStyle xmlns:cs="http://schemas.microsoft.com/office/drawing/2012/chartStyle" xmlns:a="http://schemas.openxmlformats.org/drawingml/2006/main" meth="cycle" id="10">
+  <a:schemeClr val="accent1"/>
+  <a:schemeClr val="accent2"/>
+  <a:schemeClr val="accent3"/>
+  <a:schemeClr val="accent4"/>
+  <a:schemeClr val="accent5"/>
+  <a:schemeClr val="accent6"/>
+  <cs:variation/>
+  <cs:variation>
+    <a:lumMod val="60000"/>
+  </cs:variation>
+  <cs:variation>
+    <a:lumMod val="80000"/>
+    <a:lumOff val="20000"/>
+  </cs:variation>
+  <cs:variation>
+    <a:lumMod val="80000"/>
+  </cs:variation>
+  <cs:variation>
+    <a:lumMod val="60000"/>
+    <a:lumOff val="40000"/>
+  </cs:variation>
+  <cs:variation>
+    <a:lumMod val="50000"/>
+  </cs:variation>
+  <cs:variation>
+    <a:lumMod val="70000"/>
+    <a:lumOff val="30000"/>
+  </cs:variation>
+  <cs:variation>
+    <a:lumMod val="70000"/>
+  </cs:variation>
+  <cs:variation>
+    <a:lumMod val="50000"/>
+    <a:lumOff val="50000"/>
+  </cs:variation>
+</cs:colorStyle>
+</file>
+
+<file path=ppt/charts/style1.xml><?xml version="1.0" encoding="utf-8"?>
+<cs:chartStyle xmlns:cs="http://schemas.microsoft.com/office/drawing/2012/chartStyle" xmlns:a="http://schemas.openxmlformats.org/drawingml/2006/main" id="201">
+  <cs:axisTitle>
+    <cs:lnRef idx="0"/>
+    <cs:fillRef idx="0"/>
+    <cs:effectRef idx="0"/>
+    <cs:fontRef idx="minor">
+      <a:schemeClr val="tx1">
+        <a:lumMod val="65000"/>
+        <a:lumOff val="35000"/>
+      </a:schemeClr>
+    </cs:fontRef>
+    <cs:defRPr sz="1330" kern="1200"/>
+  </cs:axisTitle>
+  <cs:categoryAxis>
+    <cs:lnRef idx="0"/>
+    <cs:fillRef idx="0"/>
+    <cs:effectRef idx="0"/>
+    <cs:fontRef idx="minor">
+      <a:schemeClr val="tx1">
+        <a:lumMod val="65000"/>
+        <a:lumOff val="35000"/>
+      </a:schemeClr>
+    </cs:fontRef>
+    <cs:spPr>
+      <a:ln w="9525" cap="flat" cmpd="sng" algn="ctr">
+        <a:solidFill>
+          <a:schemeClr val="tx1">
+            <a:lumMod val="15000"/>
+            <a:lumOff val="85000"/>
+          </a:schemeClr>
+        </a:solidFill>
+        <a:round/>
+      </a:ln>
+    </cs:spPr>
+    <cs:defRPr sz="1197" kern="1200"/>
+  </cs:categoryAxis>
+  <cs:chartArea mods="allowNoFillOverride allowNoLineOverride">
+    <cs:lnRef idx="0"/>
+    <cs:fillRef idx="0"/>
+    <cs:effectRef idx="0"/>
+    <cs:fontRef idx="minor">
+      <a:schemeClr val="tx1"/>
+    </cs:fontRef>
+    <cs:spPr>
+      <a:solidFill>
+        <a:schemeClr val="bg1"/>
+      </a:solidFill>
+      <a:ln w="9525" cap="flat" cmpd="sng" algn="ctr">
+        <a:solidFill>
+          <a:schemeClr val="tx1">
+            <a:lumMod val="15000"/>
+            <a:lumOff val="85000"/>
+          </a:schemeClr>
+        </a:solidFill>
+        <a:round/>
+      </a:ln>
+    </cs:spPr>
+    <cs:defRPr sz="1330" kern="1200"/>
+  </cs:chartArea>
+  <cs:dataLabel>
+    <cs:lnRef idx="0"/>
+    <cs:fillRef idx="0"/>
+    <cs:effectRef idx="0"/>
+    <cs:fontRef idx="minor">
+      <a:schemeClr val="tx1">
+        <a:lumMod val="75000"/>
+        <a:lumOff val="25000"/>
+      </a:schemeClr>
+    </cs:fontRef>
+    <cs:defRPr sz="1197" kern="1200"/>
+  </cs:dataLabel>
+  <cs:dataLabelCallout>
+    <cs:lnRef idx="0"/>
+    <cs:fillRef idx="0"/>
+    <cs:effectRef idx="0"/>
+    <cs:fontRef idx="minor">
+      <a:schemeClr val="dk1">
+        <a:lumMod val="65000"/>
+        <a:lumOff val="35000"/>
+      </a:schemeClr>
+    </cs:fontRef>
+    <cs:spPr>
+      <a:solidFill>
+        <a:schemeClr val="lt1"/>
+      </a:solidFill>
+      <a:ln>
+        <a:solidFill>
+          <a:schemeClr val="dk1">
+            <a:lumMod val="25000"/>
+            <a:lumOff val="75000"/>
+          </a:schemeClr>
+        </a:solidFill>
+      </a:ln>
+    </cs:spPr>
+    <cs:defRPr sz="1197" kern="1200"/>
+    <cs:bodyPr rot="0" spcFirstLastPara="1" vertOverflow="clip" horzOverflow="clip" vert="horz" wrap="square" lIns="36576" tIns="18288" rIns="36576" bIns="18288" anchor="ctr" anchorCtr="1">
+      <a:spAutoFit/>
+    </cs:bodyPr>
+  </cs:dataLabelCallout>
+  <cs:dataPoint>
+    <cs:lnRef idx="0"/>
+    <cs:fillRef idx="1">
+      <cs:styleClr val="auto"/>
+    </cs:fillRef>
+    <cs:effectRef idx="0"/>
+    <cs:fontRef idx="minor">
+      <a:schemeClr val="tx1"/>
+    </cs:fontRef>
+  </cs:dataPoint>
+  <cs:dataPoint3D>
+    <cs:lnRef idx="0"/>
+    <cs:fillRef idx="1">
+      <cs:styleClr val="auto"/>
+    </cs:fillRef>
+    <cs:effectRef idx="0"/>
+    <cs:fontRef idx="minor">
+      <a:schemeClr val="tx1"/>
+    </cs:fontRef>
+  </cs:dataPoint3D>
+  <cs:dataPointLine>
+    <cs:lnRef idx="0">
+      <cs:styleClr val="auto"/>
+    </cs:lnRef>
+    <cs:fillRef idx="1"/>
+    <cs:effectRef idx="0"/>
+    <cs:fontRef idx="minor">
+      <a:schemeClr val="tx1"/>
+    </cs:fontRef>
+    <cs:spPr>
+      <a:ln w="28575" cap="rnd">
+        <a:solidFill>
+          <a:schemeClr val="phClr"/>
+        </a:solidFill>
+        <a:round/>
+      </a:ln>
+    </cs:spPr>
+  </cs:dataPointLine>
+  <cs:dataPointMarker>
+    <cs:lnRef idx="0">
+      <cs:styleClr val="auto"/>
+    </cs:lnRef>
+    <cs:fillRef idx="1">
+      <cs:styleClr val="auto"/>
+    </cs:fillRef>
+    <cs:effectRef idx="0"/>
+    <cs:fontRef idx="minor">
+      <a:schemeClr val="tx1"/>
+    </cs:fontRef>
+    <cs:spPr>
+      <a:ln w="9525">
+        <a:solidFill>
+          <a:schemeClr val="phClr"/>
+        </a:solidFill>
+      </a:ln>
+    </cs:spPr>
+  </cs:dataPointMarker>
+  <cs:dataPointMarkerLayout symbol="circle" size="5"/>
+  <cs:dataPointWireframe>
+    <cs:lnRef idx="0">
+      <cs:styleClr val="auto"/>
+    </cs:lnRef>
+    <cs:fillRef idx="1"/>
+    <cs:effectRef idx="0"/>
+    <cs:fontRef idx="minor">
+      <a:schemeClr val="tx1"/>
+    </cs:fontRef>
+    <cs:spPr>
+      <a:ln w="9525" cap="rnd">
+        <a:solidFill>
+          <a:schemeClr val="phClr"/>
+        </a:solidFill>
+        <a:round/>
+      </a:ln>
+    </cs:spPr>
+  </cs:dataPointWireframe>
+  <cs:dataTable>
+    <cs:lnRef idx="0"/>
+    <cs:fillRef idx="0"/>
+    <cs:effectRef idx="0"/>
+    <cs:fontRef idx="minor">
+      <a:schemeClr val="tx1">
+        <a:lumMod val="65000"/>
+        <a:lumOff val="35000"/>
+      </a:schemeClr>
+    </cs:fontRef>
+    <cs:spPr>
+      <a:noFill/>
+      <a:ln w="9525" cap="flat" cmpd="sng" algn="ctr">
+        <a:solidFill>
+          <a:schemeClr val="tx1">
+            <a:lumMod val="15000"/>
+            <a:lumOff val="85000"/>
+          </a:schemeClr>
+        </a:solidFill>
+        <a:round/>
+      </a:ln>
+    </cs:spPr>
+    <cs:defRPr sz="1197" kern="1200"/>
+  </cs:dataTable>
+  <cs:downBar>
+    <cs:lnRef idx="0"/>
+    <cs:fillRef idx="0"/>
+    <cs:effectRef idx="0"/>
+    <cs:fontRef idx="minor">
+      <a:schemeClr val="dk1"/>
+    </cs:fontRef>
+    <cs:spPr>
+      <a:solidFill>
+        <a:schemeClr val="dk1">
+          <a:lumMod val="65000"/>
+          <a:lumOff val="35000"/>
+        </a:schemeClr>
+      </a:solidFill>
+      <a:ln w="9525">
+        <a:solidFill>
+          <a:schemeClr val="tx1">
+            <a:lumMod val="65000"/>
+            <a:lumOff val="35000"/>
+          </a:schemeClr>
+        </a:solidFill>
+      </a:ln>
+    </cs:spPr>
+  </cs:downBar>
+  <cs:dropLine>
+    <cs:lnRef idx="0"/>
+    <cs:fillRef idx="0"/>
+    <cs:effectRef idx="0"/>
+    <cs:fontRef idx="minor">
+      <a:schemeClr val="tx1"/>
+    </cs:fontRef>
+    <cs:spPr>
+      <a:ln w="9525" cap="flat" cmpd="sng" algn="ctr">
+        <a:solidFill>
+          <a:schemeClr val="tx1">
+            <a:lumMod val="35000"/>
+            <a:lumOff val="65000"/>
+          </a:schemeClr>
+        </a:solidFill>
+        <a:round/>
+      </a:ln>
+    </cs:spPr>
+  </cs:dropLine>
+  <cs:errorBar>
+    <cs:lnRef idx="0"/>
+    <cs:fillRef idx="0"/>
+    <cs:effectRef idx="0"/>
+    <cs:fontRef idx="minor">
+      <a:schemeClr val="tx1"/>
+    </cs:fontRef>
+    <cs:spPr>
+      <a:ln w="9525" cap="flat" cmpd="sng" algn="ctr">
+        <a:solidFill>
+          <a:schemeClr val="tx1">
+            <a:lumMod val="65000"/>
+            <a:lumOff val="35000"/>
+          </a:schemeClr>
+        </a:solidFill>
+        <a:round/>
+      </a:ln>
+    </cs:spPr>
+  </cs:errorBar>
+  <cs:floor>
+    <cs:lnRef idx="0"/>
+    <cs:fillRef idx="0"/>
+    <cs:effectRef idx="0"/>
+    <cs:fontRef idx="minor">
+      <a:schemeClr val="tx1"/>
+    </cs:fontRef>
+    <cs:spPr>
+      <a:noFill/>
+      <a:ln>
+        <a:noFill/>
+      </a:ln>
+    </cs:spPr>
+  </cs:floor>
+  <cs:gridlineMajor>
+    <cs:lnRef idx="0"/>
+    <cs:fillRef idx="0"/>
+    <cs:effectRef idx="0"/>
+    <cs:fontRef idx="minor">
+      <a:schemeClr val="tx1"/>
+    </cs:fontRef>
+    <cs:spPr>
+      <a:ln w="9525" cap="flat" cmpd="sng" algn="ctr">
+        <a:solidFill>
+          <a:schemeClr val="tx1">
+            <a:lumMod val="15000"/>
+            <a:lumOff val="85000"/>
+          </a:schemeClr>
+        </a:solidFill>
+        <a:round/>
+      </a:ln>
+    </cs:spPr>
+  </cs:gridlineMajor>
+  <cs:gridlineMinor>
+    <cs:lnRef idx="0"/>
+    <cs:fillRef idx="0"/>
+    <cs:effectRef idx="0"/>
+    <cs:fontRef idx="minor">
+      <a:schemeClr val="tx1"/>
+    </cs:fontRef>
+    <cs:spPr>
+      <a:ln w="9525" cap="flat" cmpd="sng" algn="ctr">
+        <a:solidFill>
+          <a:schemeClr val="tx1">
+            <a:lumMod val="5000"/>
+            <a:lumOff val="95000"/>
+          </a:schemeClr>
+        </a:solidFill>
+        <a:round/>
+      </a:ln>
+    </cs:spPr>
+  </cs:gridlineMinor>
+  <cs:hiLoLine>
+    <cs:lnRef idx="0"/>
+    <cs:fillRef idx="0"/>
+    <cs:effectRef idx="0"/>
+    <cs:fontRef idx="minor">
+      <a:schemeClr val="tx1"/>
+    </cs:fontRef>
+    <cs:spPr>
+      <a:ln w="9525" cap="flat" cmpd="sng" algn="ctr">
+        <a:solidFill>
+          <a:schemeClr val="tx1">
+            <a:lumMod val="75000"/>
+            <a:lumOff val="25000"/>
+          </a:schemeClr>
+        </a:solidFill>
+        <a:round/>
+      </a:ln>
+    </cs:spPr>
+  </cs:hiLoLine>
+  <cs:leaderLine>
+    <cs:lnRef idx="0"/>
+    <cs:fillRef idx="0"/>
+    <cs:effectRef idx="0"/>
+    <cs:fontRef idx="minor">
+      <a:schemeClr val="tx1"/>
+    </cs:fontRef>
+    <cs:spPr>
+      <a:ln w="9525" cap="flat" cmpd="sng" algn="ctr">
+        <a:solidFill>
+          <a:schemeClr val="tx1">
+            <a:lumMod val="35000"/>
+            <a:lumOff val="65000"/>
+          </a:schemeClr>
+        </a:solidFill>
+        <a:round/>
+      </a:ln>
+    </cs:spPr>
+  </cs:leaderLine>
+  <cs:legend>
+    <cs:lnRef idx="0"/>
+    <cs:fillRef idx="0"/>
+    <cs:effectRef idx="0"/>
+    <cs:fontRef idx="minor">
+      <a:schemeClr val="tx1">
+        <a:lumMod val="65000"/>
+        <a:lumOff val="35000"/>
+      </a:schemeClr>
+    </cs:fontRef>
+    <cs:defRPr sz="1197" kern="1200"/>
+  </cs:legend>
+  <cs:plotArea mods="allowNoFillOverride allowNoLineOverride">
+    <cs:lnRef idx="0"/>
+    <cs:fillRef idx="0"/>
+    <cs:effectRef idx="0"/>
+    <cs:fontRef idx="minor">
+      <a:schemeClr val="tx1"/>
+    </cs:fontRef>
+  </cs:plotArea>
+  <cs:plotArea3D mods="allowNoFillOverride allowNoLineOverride">
+    <cs:lnRef idx="0"/>
+    <cs:fillRef idx="0"/>
+    <cs:effectRef idx="0"/>
+    <cs:fontRef idx="minor">
+      <a:schemeClr val="tx1"/>
+    </cs:fontRef>
+  </cs:plotArea3D>
+  <cs:seriesAxis>
+    <cs:lnRef idx="0"/>
+    <cs:fillRef idx="0"/>
+    <cs:effectRef idx="0"/>
+    <cs:fontRef idx="minor">
+      <a:schemeClr val="tx1">
+        <a:lumMod val="65000"/>
+        <a:lumOff val="35000"/>
+      </a:schemeClr>
+    </cs:fontRef>
+    <cs:defRPr sz="1197" kern="1200"/>
+  </cs:seriesAxis>
+  <cs:seriesLine>
+    <cs:lnRef idx="0"/>
+    <cs:fillRef idx="0"/>
+    <cs:effectRef idx="0"/>
+    <cs:fontRef idx="minor">
+      <a:schemeClr val="tx1"/>
+    </cs:fontRef>
+    <cs:spPr>
+      <a:ln w="9525" cap="flat" cmpd="sng" algn="ctr">
+        <a:solidFill>
+          <a:schemeClr val="tx1">
+            <a:lumMod val="35000"/>
+            <a:lumOff val="65000"/>
+          </a:schemeClr>
+        </a:solidFill>
+        <a:round/>
+      </a:ln>
+    </cs:spPr>
+  </cs:seriesLine>
+  <cs:title>
+    <cs:lnRef idx="0"/>
+    <cs:fillRef idx="0"/>
+    <cs:effectRef idx="0"/>
+    <cs:fontRef idx="minor">
+      <a:schemeClr val="tx1">
+        <a:lumMod val="65000"/>
+        <a:lumOff val="35000"/>
+      </a:schemeClr>
+    </cs:fontRef>
+    <cs:defRPr sz="1862" b="0" kern="1200" spc="0" baseline="0"/>
+  </cs:title>
+  <cs:trendline>
+    <cs:lnRef idx="0">
+      <cs:styleClr val="auto"/>
+    </cs:lnRef>
+    <cs:fillRef idx="0"/>
+    <cs:effectRef idx="0"/>
+    <cs:fontRef idx="minor">
+      <a:schemeClr val="tx1"/>
+    </cs:fontRef>
+    <cs:spPr>
+      <a:ln w="19050" cap="rnd">
+        <a:solidFill>
+          <a:schemeClr val="phClr"/>
+        </a:solidFill>
+        <a:prstDash val="sysDot"/>
+      </a:ln>
+    </cs:spPr>
+  </cs:trendline>
+  <cs:trendlineLabel>
+    <cs:lnRef idx="0"/>
+    <cs:fillRef idx="0"/>
+    <cs:effectRef idx="0"/>
+    <cs:fontRef idx="minor">
+      <a:schemeClr val="tx1">
+        <a:lumMod val="65000"/>
+        <a:lumOff val="35000"/>
+      </a:schemeClr>
+    </cs:fontRef>
+    <cs:defRPr sz="1197" kern="1200"/>
+  </cs:trendlineLabel>
+  <cs:upBar>
+    <cs:lnRef idx="0"/>
+    <cs:fillRef idx="0"/>
+    <cs:effectRef idx="0"/>
+    <cs:fontRef idx="minor">
+      <a:schemeClr val="dk1"/>
+    </cs:fontRef>
+    <cs:spPr>
+      <a:solidFill>
+        <a:schemeClr val="lt1"/>
+      </a:solidFill>
+      <a:ln w="9525">
+        <a:solidFill>
+          <a:schemeClr val="tx1">
+            <a:lumMod val="15000"/>
+            <a:lumOff val="85000"/>
+          </a:schemeClr>
+        </a:solidFill>
+      </a:ln>
+    </cs:spPr>
+  </cs:upBar>
+  <cs:valueAxis>
+    <cs:lnRef idx="0"/>
+    <cs:fillRef idx="0"/>
+    <cs:effectRef idx="0"/>
+    <cs:fontRef idx="minor">
+      <a:schemeClr val="tx1">
+        <a:lumMod val="65000"/>
+        <a:lumOff val="35000"/>
+      </a:schemeClr>
+    </cs:fontRef>
+    <cs:defRPr sz="1197" kern="1200"/>
+  </cs:valueAxis>
+  <cs:wall>
+    <cs:lnRef idx="0"/>
+    <cs:fillRef idx="0"/>
+    <cs:effectRef idx="0"/>
+    <cs:fontRef idx="minor">
+      <a:schemeClr val="tx1"/>
+    </cs:fontRef>
+    <cs:spPr>
+      <a:noFill/>
+      <a:ln>
+        <a:noFill/>
+      </a:ln>
+    </cs:spPr>
+  </cs:wall>
+</cs:chartStyle>
+</file>
+
+<file path=ppt/charts/style2.xml><?xml version="1.0" encoding="utf-8"?>
+<cs:chartStyle xmlns:cs="http://schemas.microsoft.com/office/drawing/2012/chartStyle" xmlns:a="http://schemas.openxmlformats.org/drawingml/2006/main" id="201">
+  <cs:axisTitle>
+    <cs:lnRef idx="0"/>
+    <cs:fillRef idx="0"/>
+    <cs:effectRef idx="0"/>
+    <cs:fontRef idx="minor">
+      <a:schemeClr val="tx1">
+        <a:lumMod val="65000"/>
+        <a:lumOff val="35000"/>
+      </a:schemeClr>
+    </cs:fontRef>
+    <cs:defRPr sz="1330" kern="1200"/>
+  </cs:axisTitle>
+  <cs:categoryAxis>
+    <cs:lnRef idx="0"/>
+    <cs:fillRef idx="0"/>
+    <cs:effectRef idx="0"/>
+    <cs:fontRef idx="minor">
+      <a:schemeClr val="tx1">
+        <a:lumMod val="65000"/>
+        <a:lumOff val="35000"/>
+      </a:schemeClr>
+    </cs:fontRef>
+    <cs:spPr>
+      <a:ln w="9525" cap="flat" cmpd="sng" algn="ctr">
+        <a:solidFill>
+          <a:schemeClr val="tx1">
+            <a:lumMod val="15000"/>
+            <a:lumOff val="85000"/>
+          </a:schemeClr>
+        </a:solidFill>
+        <a:round/>
+      </a:ln>
+    </cs:spPr>
+    <cs:defRPr sz="1197" kern="1200"/>
+  </cs:categoryAxis>
+  <cs:chartArea mods="allowNoFillOverride allowNoLineOverride">
+    <cs:lnRef idx="0"/>
+    <cs:fillRef idx="0"/>
+    <cs:effectRef idx="0"/>
+    <cs:fontRef idx="minor">
+      <a:schemeClr val="tx1"/>
+    </cs:fontRef>
+    <cs:spPr>
+      <a:solidFill>
+        <a:schemeClr val="bg1"/>
+      </a:solidFill>
+      <a:ln w="9525" cap="flat" cmpd="sng" algn="ctr">
+        <a:solidFill>
+          <a:schemeClr val="tx1">
+            <a:lumMod val="15000"/>
+            <a:lumOff val="85000"/>
+          </a:schemeClr>
+        </a:solidFill>
+        <a:round/>
+      </a:ln>
+    </cs:spPr>
+    <cs:defRPr sz="1330" kern="1200"/>
+  </cs:chartArea>
+  <cs:dataLabel>
+    <cs:lnRef idx="0"/>
+    <cs:fillRef idx="0"/>
+    <cs:effectRef idx="0"/>
+    <cs:fontRef idx="minor">
+      <a:schemeClr val="tx1">
+        <a:lumMod val="75000"/>
+        <a:lumOff val="25000"/>
+      </a:schemeClr>
+    </cs:fontRef>
+    <cs:defRPr sz="1197" kern="1200"/>
+  </cs:dataLabel>
+  <cs:dataLabelCallout>
+    <cs:lnRef idx="0"/>
+    <cs:fillRef idx="0"/>
+    <cs:effectRef idx="0"/>
+    <cs:fontRef idx="minor">
+      <a:schemeClr val="dk1">
+        <a:lumMod val="65000"/>
+        <a:lumOff val="35000"/>
+      </a:schemeClr>
+    </cs:fontRef>
+    <cs:spPr>
+      <a:solidFill>
+        <a:schemeClr val="lt1"/>
+      </a:solidFill>
+      <a:ln>
+        <a:solidFill>
+          <a:schemeClr val="dk1">
+            <a:lumMod val="25000"/>
+            <a:lumOff val="75000"/>
+          </a:schemeClr>
+        </a:solidFill>
+      </a:ln>
+    </cs:spPr>
+    <cs:defRPr sz="1197" kern="1200"/>
+    <cs:bodyPr rot="0" spcFirstLastPara="1" vertOverflow="clip" horzOverflow="clip" vert="horz" wrap="square" lIns="36576" tIns="18288" rIns="36576" bIns="18288" anchor="ctr" anchorCtr="1">
+      <a:spAutoFit/>
+    </cs:bodyPr>
+  </cs:dataLabelCallout>
+  <cs:dataPoint>
+    <cs:lnRef idx="0"/>
+    <cs:fillRef idx="1">
+      <cs:styleClr val="auto"/>
+    </cs:fillRef>
+    <cs:effectRef idx="0"/>
+    <cs:fontRef idx="minor">
+      <a:schemeClr val="tx1"/>
+    </cs:fontRef>
+  </cs:dataPoint>
+  <cs:dataPoint3D>
+    <cs:lnRef idx="0"/>
+    <cs:fillRef idx="1">
+      <cs:styleClr val="auto"/>
+    </cs:fillRef>
+    <cs:effectRef idx="0"/>
+    <cs:fontRef idx="minor">
+      <a:schemeClr val="tx1"/>
+    </cs:fontRef>
+  </cs:dataPoint3D>
+  <cs:dataPointLine>
+    <cs:lnRef idx="0">
+      <cs:styleClr val="auto"/>
+    </cs:lnRef>
+    <cs:fillRef idx="1"/>
+    <cs:effectRef idx="0"/>
+    <cs:fontRef idx="minor">
+      <a:schemeClr val="tx1"/>
+    </cs:fontRef>
+    <cs:spPr>
+      <a:ln w="28575" cap="rnd">
+        <a:solidFill>
+          <a:schemeClr val="phClr"/>
+        </a:solidFill>
+        <a:round/>
+      </a:ln>
+    </cs:spPr>
+  </cs:dataPointLine>
+  <cs:dataPointMarker>
+    <cs:lnRef idx="0">
+      <cs:styleClr val="auto"/>
+    </cs:lnRef>
+    <cs:fillRef idx="1">
+      <cs:styleClr val="auto"/>
+    </cs:fillRef>
+    <cs:effectRef idx="0"/>
+    <cs:fontRef idx="minor">
+      <a:schemeClr val="tx1"/>
+    </cs:fontRef>
+    <cs:spPr>
+      <a:ln w="9525">
+        <a:solidFill>
+          <a:schemeClr val="phClr"/>
+        </a:solidFill>
+      </a:ln>
+    </cs:spPr>
+  </cs:dataPointMarker>
+  <cs:dataPointMarkerLayout symbol="circle" size="5"/>
+  <cs:dataPointWireframe>
+    <cs:lnRef idx="0">
+      <cs:styleClr val="auto"/>
+    </cs:lnRef>
+    <cs:fillRef idx="1"/>
+    <cs:effectRef idx="0"/>
+    <cs:fontRef idx="minor">
+      <a:schemeClr val="tx1"/>
+    </cs:fontRef>
+    <cs:spPr>
+      <a:ln w="9525" cap="rnd">
+        <a:solidFill>
+          <a:schemeClr val="phClr"/>
+        </a:solidFill>
+        <a:round/>
+      </a:ln>
+    </cs:spPr>
+  </cs:dataPointWireframe>
+  <cs:dataTable>
+    <cs:lnRef idx="0"/>
+    <cs:fillRef idx="0"/>
+    <cs:effectRef idx="0"/>
+    <cs:fontRef idx="minor">
+      <a:schemeClr val="tx1">
+        <a:lumMod val="65000"/>
+        <a:lumOff val="35000"/>
+      </a:schemeClr>
+    </cs:fontRef>
+    <cs:spPr>
+      <a:noFill/>
+      <a:ln w="9525" cap="flat" cmpd="sng" algn="ctr">
+        <a:solidFill>
+          <a:schemeClr val="tx1">
+            <a:lumMod val="15000"/>
+            <a:lumOff val="85000"/>
+          </a:schemeClr>
+        </a:solidFill>
+        <a:round/>
+      </a:ln>
+    </cs:spPr>
+    <cs:defRPr sz="1197" kern="1200"/>
+  </cs:dataTable>
+  <cs:downBar>
+    <cs:lnRef idx="0"/>
+    <cs:fillRef idx="0"/>
+    <cs:effectRef idx="0"/>
+    <cs:fontRef idx="minor">
+      <a:schemeClr val="dk1"/>
+    </cs:fontRef>
+    <cs:spPr>
+      <a:solidFill>
+        <a:schemeClr val="dk1">
+          <a:lumMod val="65000"/>
+          <a:lumOff val="35000"/>
+        </a:schemeClr>
+      </a:solidFill>
+      <a:ln w="9525">
+        <a:solidFill>
+          <a:schemeClr val="tx1">
+            <a:lumMod val="65000"/>
+            <a:lumOff val="35000"/>
+          </a:schemeClr>
+        </a:solidFill>
+      </a:ln>
+    </cs:spPr>
+  </cs:downBar>
+  <cs:dropLine>
+    <cs:lnRef idx="0"/>
+    <cs:fillRef idx="0"/>
+    <cs:effectRef idx="0"/>
+    <cs:fontRef idx="minor">
+      <a:schemeClr val="tx1"/>
+    </cs:fontRef>
+    <cs:spPr>
+      <a:ln w="9525" cap="flat" cmpd="sng" algn="ctr">
+        <a:solidFill>
+          <a:schemeClr val="tx1">
+            <a:lumMod val="35000"/>
+            <a:lumOff val="65000"/>
+          </a:schemeClr>
+        </a:solidFill>
+        <a:round/>
+      </a:ln>
+    </cs:spPr>
+  </cs:dropLine>
+  <cs:errorBar>
+    <cs:lnRef idx="0"/>
+    <cs:fillRef idx="0"/>
+    <cs:effectRef idx="0"/>
+    <cs:fontRef idx="minor">
+      <a:schemeClr val="tx1"/>
+    </cs:fontRef>
+    <cs:spPr>
+      <a:ln w="9525" cap="flat" cmpd="sng" algn="ctr">
+        <a:solidFill>
+          <a:schemeClr val="tx1">
+            <a:lumMod val="65000"/>
+            <a:lumOff val="35000"/>
+          </a:schemeClr>
+        </a:solidFill>
+        <a:round/>
+      </a:ln>
+    </cs:spPr>
+  </cs:errorBar>
+  <cs:floor>
+    <cs:lnRef idx="0"/>
+    <cs:fillRef idx="0"/>
+    <cs:effectRef idx="0"/>
+    <cs:fontRef idx="minor">
+      <a:schemeClr val="tx1"/>
+    </cs:fontRef>
+    <cs:spPr>
+      <a:noFill/>
+      <a:ln>
+        <a:noFill/>
+      </a:ln>
+    </cs:spPr>
+  </cs:floor>
+  <cs:gridlineMajor>
+    <cs:lnRef idx="0"/>
+    <cs:fillRef idx="0"/>
+    <cs:effectRef idx="0"/>
+    <cs:fontRef idx="minor">
+      <a:schemeClr val="tx1"/>
+    </cs:fontRef>
+    <cs:spPr>
+      <a:ln w="9525" cap="flat" cmpd="sng" algn="ctr">
+        <a:solidFill>
+          <a:schemeClr val="tx1">
+            <a:lumMod val="15000"/>
+            <a:lumOff val="85000"/>
+          </a:schemeClr>
+        </a:solidFill>
+        <a:round/>
+      </a:ln>
+    </cs:spPr>
+  </cs:gridlineMajor>
+  <cs:gridlineMinor>
+    <cs:lnRef idx="0"/>
+    <cs:fillRef idx="0"/>
+    <cs:effectRef idx="0"/>
+    <cs:fontRef idx="minor">
+      <a:schemeClr val="tx1"/>
+    </cs:fontRef>
+    <cs:spPr>
+      <a:ln w="9525" cap="flat" cmpd="sng" algn="ctr">
+        <a:solidFill>
+          <a:schemeClr val="tx1">
+            <a:lumMod val="5000"/>
+            <a:lumOff val="95000"/>
+          </a:schemeClr>
+        </a:solidFill>
+        <a:round/>
+      </a:ln>
+    </cs:spPr>
+  </cs:gridlineMinor>
+  <cs:hiLoLine>
+    <cs:lnRef idx="0"/>
+    <cs:fillRef idx="0"/>
+    <cs:effectRef idx="0"/>
+    <cs:fontRef idx="minor">
+      <a:schemeClr val="tx1"/>
+    </cs:fontRef>
+    <cs:spPr>
+      <a:ln w="9525" cap="flat" cmpd="sng" algn="ctr">
+        <a:solidFill>
+          <a:schemeClr val="tx1">
+            <a:lumMod val="75000"/>
+            <a:lumOff val="25000"/>
+          </a:schemeClr>
+        </a:solidFill>
+        <a:round/>
+      </a:ln>
+    </cs:spPr>
+  </cs:hiLoLine>
+  <cs:leaderLine>
+    <cs:lnRef idx="0"/>
+    <cs:fillRef idx="0"/>
+    <cs:effectRef idx="0"/>
+    <cs:fontRef idx="minor">
+      <a:schemeClr val="tx1"/>
+    </cs:fontRef>
+    <cs:spPr>
+      <a:ln w="9525" cap="flat" cmpd="sng" algn="ctr">
+        <a:solidFill>
+          <a:schemeClr val="tx1">
+            <a:lumMod val="35000"/>
+            <a:lumOff val="65000"/>
+          </a:schemeClr>
+        </a:solidFill>
+        <a:round/>
+      </a:ln>
+    </cs:spPr>
+  </cs:leaderLine>
+  <cs:legend>
+    <cs:lnRef idx="0"/>
+    <cs:fillRef idx="0"/>
+    <cs:effectRef idx="0"/>
+    <cs:fontRef idx="minor">
+      <a:schemeClr val="tx1">
+        <a:lumMod val="65000"/>
+        <a:lumOff val="35000"/>
+      </a:schemeClr>
+    </cs:fontRef>
+    <cs:defRPr sz="1197" kern="1200"/>
+  </cs:legend>
+  <cs:plotArea mods="allowNoFillOverride allowNoLineOverride">
+    <cs:lnRef idx="0"/>
+    <cs:fillRef idx="0"/>
+    <cs:effectRef idx="0"/>
+    <cs:fontRef idx="minor">
+      <a:schemeClr val="tx1"/>
+    </cs:fontRef>
+  </cs:plotArea>
+  <cs:plotArea3D mods="allowNoFillOverride allowNoLineOverride">
+    <cs:lnRef idx="0"/>
+    <cs:fillRef idx="0"/>
+    <cs:effectRef idx="0"/>
+    <cs:fontRef idx="minor">
+      <a:schemeClr val="tx1"/>
+    </cs:fontRef>
+  </cs:plotArea3D>
+  <cs:seriesAxis>
+    <cs:lnRef idx="0"/>
+    <cs:fillRef idx="0"/>
+    <cs:effectRef idx="0"/>
+    <cs:fontRef idx="minor">
+      <a:schemeClr val="tx1">
+        <a:lumMod val="65000"/>
+        <a:lumOff val="35000"/>
+      </a:schemeClr>
+    </cs:fontRef>
+    <cs:defRPr sz="1197" kern="1200"/>
+  </cs:seriesAxis>
+  <cs:seriesLine>
+    <cs:lnRef idx="0"/>
+    <cs:fillRef idx="0"/>
+    <cs:effectRef idx="0"/>
+    <cs:fontRef idx="minor">
+      <a:schemeClr val="tx1"/>
+    </cs:fontRef>
+    <cs:spPr>
+      <a:ln w="9525" cap="flat" cmpd="sng" algn="ctr">
+        <a:solidFill>
+          <a:schemeClr val="tx1">
+            <a:lumMod val="35000"/>
+            <a:lumOff val="65000"/>
+          </a:schemeClr>
+        </a:solidFill>
+        <a:round/>
+      </a:ln>
+    </cs:spPr>
+  </cs:seriesLine>
+  <cs:title>
+    <cs:lnRef idx="0"/>
+    <cs:fillRef idx="0"/>
+    <cs:effectRef idx="0"/>
+    <cs:fontRef idx="minor">
+      <a:schemeClr val="tx1">
+        <a:lumMod val="65000"/>
+        <a:lumOff val="35000"/>
+      </a:schemeClr>
+    </cs:fontRef>
+    <cs:defRPr sz="1862" b="0" kern="1200" spc="0" baseline="0"/>
+  </cs:title>
+  <cs:trendline>
+    <cs:lnRef idx="0">
+      <cs:styleClr val="auto"/>
+    </cs:lnRef>
+    <cs:fillRef idx="0"/>
+    <cs:effectRef idx="0"/>
+    <cs:fontRef idx="minor">
+      <a:schemeClr val="tx1"/>
+    </cs:fontRef>
+    <cs:spPr>
+      <a:ln w="19050" cap="rnd">
+        <a:solidFill>
+          <a:schemeClr val="phClr"/>
+        </a:solidFill>
+        <a:prstDash val="sysDot"/>
+      </a:ln>
+    </cs:spPr>
+  </cs:trendline>
+  <cs:trendlineLabel>
+    <cs:lnRef idx="0"/>
+    <cs:fillRef idx="0"/>
+    <cs:effectRef idx="0"/>
+    <cs:fontRef idx="minor">
+      <a:schemeClr val="tx1">
+        <a:lumMod val="65000"/>
+        <a:lumOff val="35000"/>
+      </a:schemeClr>
+    </cs:fontRef>
+    <cs:defRPr sz="1197" kern="1200"/>
+  </cs:trendlineLabel>
+  <cs:upBar>
+    <cs:lnRef idx="0"/>
+    <cs:fillRef idx="0"/>
+    <cs:effectRef idx="0"/>
+    <cs:fontRef idx="minor">
+      <a:schemeClr val="dk1"/>
+    </cs:fontRef>
+    <cs:spPr>
+      <a:solidFill>
+        <a:schemeClr val="lt1"/>
+      </a:solidFill>
+      <a:ln w="9525">
+        <a:solidFill>
+          <a:schemeClr val="tx1">
+            <a:lumMod val="15000"/>
+            <a:lumOff val="85000"/>
+          </a:schemeClr>
+        </a:solidFill>
+      </a:ln>
+    </cs:spPr>
+  </cs:upBar>
+  <cs:valueAxis>
+    <cs:lnRef idx="0"/>
+    <cs:fillRef idx="0"/>
+    <cs:effectRef idx="0"/>
+    <cs:fontRef idx="minor">
+      <a:schemeClr val="tx1">
+        <a:lumMod val="65000"/>
+        <a:lumOff val="35000"/>
+      </a:schemeClr>
+    </cs:fontRef>
+    <cs:defRPr sz="1197" kern="1200"/>
+  </cs:valueAxis>
+  <cs:wall>
+    <cs:lnRef idx="0"/>
+    <cs:fillRef idx="0"/>
+    <cs:effectRef idx="0"/>
+    <cs:fontRef idx="minor">
+      <a:schemeClr val="tx1"/>
+    </cs:fontRef>
+    <cs:spPr>
+      <a:noFill/>
+      <a:ln>
+        <a:noFill/>
+      </a:ln>
+    </cs:spPr>
+  </cs:wall>
+</cs:chartStyle>
 </file>
 
 <file path=ppt/slideLayouts/slideLayout1.xml><?xml version="1.0" encoding="utf-8"?>
@@ -848,7 +2787,7 @@
           <a:p>
             <a:fld id="{3993143C-315F-43AC-B0FE-5CAED85D5D2E}" type="datetimeFigureOut">
               <a:rPr lang="es-ES" smtClean="0"/>
-              <a:t>22/08/2025</a:t>
+              <a:t>27/08/2025</a:t>
             </a:fld>
             <a:endParaRPr lang="es-ES"/>
           </a:p>
@@ -1046,7 +2985,7 @@
           <a:p>
             <a:fld id="{3993143C-315F-43AC-B0FE-5CAED85D5D2E}" type="datetimeFigureOut">
               <a:rPr lang="es-ES" smtClean="0"/>
-              <a:t>22/08/2025</a:t>
+              <a:t>27/08/2025</a:t>
             </a:fld>
             <a:endParaRPr lang="es-ES"/>
           </a:p>
@@ -1254,7 +3193,7 @@
           <a:p>
             <a:fld id="{3993143C-315F-43AC-B0FE-5CAED85D5D2E}" type="datetimeFigureOut">
               <a:rPr lang="es-ES" smtClean="0"/>
-              <a:t>22/08/2025</a:t>
+              <a:t>27/08/2025</a:t>
             </a:fld>
             <a:endParaRPr lang="es-ES"/>
           </a:p>
@@ -1452,7 +3391,7 @@
           <a:p>
             <a:fld id="{3993143C-315F-43AC-B0FE-5CAED85D5D2E}" type="datetimeFigureOut">
               <a:rPr lang="es-ES" smtClean="0"/>
-              <a:t>22/08/2025</a:t>
+              <a:t>27/08/2025</a:t>
             </a:fld>
             <a:endParaRPr lang="es-ES"/>
           </a:p>
@@ -1727,7 +3666,7 @@
           <a:p>
             <a:fld id="{3993143C-315F-43AC-B0FE-5CAED85D5D2E}" type="datetimeFigureOut">
               <a:rPr lang="es-ES" smtClean="0"/>
-              <a:t>22/08/2025</a:t>
+              <a:t>27/08/2025</a:t>
             </a:fld>
             <a:endParaRPr lang="es-ES"/>
           </a:p>
@@ -1992,7 +3931,7 @@
           <a:p>
             <a:fld id="{3993143C-315F-43AC-B0FE-5CAED85D5D2E}" type="datetimeFigureOut">
               <a:rPr lang="es-ES" smtClean="0"/>
-              <a:t>22/08/2025</a:t>
+              <a:t>27/08/2025</a:t>
             </a:fld>
             <a:endParaRPr lang="es-ES"/>
           </a:p>
@@ -2404,7 +4343,7 @@
           <a:p>
             <a:fld id="{3993143C-315F-43AC-B0FE-5CAED85D5D2E}" type="datetimeFigureOut">
               <a:rPr lang="es-ES" smtClean="0"/>
-              <a:t>22/08/2025</a:t>
+              <a:t>27/08/2025</a:t>
             </a:fld>
             <a:endParaRPr lang="es-ES"/>
           </a:p>
@@ -2545,7 +4484,7 @@
           <a:p>
             <a:fld id="{3993143C-315F-43AC-B0FE-5CAED85D5D2E}" type="datetimeFigureOut">
               <a:rPr lang="es-ES" smtClean="0"/>
-              <a:t>22/08/2025</a:t>
+              <a:t>27/08/2025</a:t>
             </a:fld>
             <a:endParaRPr lang="es-ES"/>
           </a:p>
@@ -2658,7 +4597,7 @@
           <a:p>
             <a:fld id="{3993143C-315F-43AC-B0FE-5CAED85D5D2E}" type="datetimeFigureOut">
               <a:rPr lang="es-ES" smtClean="0"/>
-              <a:t>22/08/2025</a:t>
+              <a:t>27/08/2025</a:t>
             </a:fld>
             <a:endParaRPr lang="es-ES"/>
           </a:p>
@@ -2969,7 +4908,7 @@
           <a:p>
             <a:fld id="{3993143C-315F-43AC-B0FE-5CAED85D5D2E}" type="datetimeFigureOut">
               <a:rPr lang="es-ES" smtClean="0"/>
-              <a:t>22/08/2025</a:t>
+              <a:t>27/08/2025</a:t>
             </a:fld>
             <a:endParaRPr lang="es-ES"/>
           </a:p>
@@ -3257,7 +5196,7 @@
           <a:p>
             <a:fld id="{3993143C-315F-43AC-B0FE-5CAED85D5D2E}" type="datetimeFigureOut">
               <a:rPr lang="es-ES" smtClean="0"/>
-              <a:t>22/08/2025</a:t>
+              <a:t>27/08/2025</a:t>
             </a:fld>
             <a:endParaRPr lang="es-ES"/>
           </a:p>
@@ -3498,7 +5437,7 @@
           <a:p>
             <a:fld id="{3993143C-315F-43AC-B0FE-5CAED85D5D2E}" type="datetimeFigureOut">
               <a:rPr lang="es-ES" smtClean="0"/>
-              <a:t>22/08/2025</a:t>
+              <a:t>27/08/2025</a:t>
             </a:fld>
             <a:endParaRPr lang="es-ES"/>
           </a:p>
@@ -10994,7 +12933,7 @@
           <a:lstStyle/>
           <a:p>
             <a:r>
-              <a:rPr lang="es-ES" sz="5200">
+              <a:rPr lang="es-ES" sz="5200" b="1" dirty="0">
                 <a:solidFill>
                   <a:schemeClr val="tx2"/>
                 </a:solidFill>
@@ -11192,2347 +13131,6 @@
       <p:bldP spid="3" grpId="0" build="p"/>
     </p:bldLst>
   </p:timing>
-</p:sld>
-</file>
-
-<file path=ppt/slides/slide10.xml><?xml version="1.0" encoding="utf-8"?>
-<p:sld xmlns:a="http://schemas.openxmlformats.org/drawingml/2006/main" xmlns:r="http://schemas.openxmlformats.org/officeDocument/2006/relationships" xmlns:p="http://schemas.openxmlformats.org/presentationml/2006/main">
-  <p:cSld>
-    <p:bg>
-      <p:bgPr>
-        <a:solidFill>
-          <a:schemeClr val="bg1"/>
-        </a:solidFill>
-        <a:effectLst/>
-      </p:bgPr>
-    </p:bg>
-    <p:spTree>
-      <p:nvGrpSpPr>
-        <p:cNvPr id="1" name=""/>
-        <p:cNvGrpSpPr/>
-        <p:nvPr/>
-      </p:nvGrpSpPr>
-      <p:grpSpPr>
-        <a:xfrm>
-          <a:off x="0" y="0"/>
-          <a:ext cx="0" cy="0"/>
-          <a:chOff x="0" y="0"/>
-          <a:chExt cx="0" cy="0"/>
-        </a:xfrm>
-      </p:grpSpPr>
-      <p:sp useBgFill="1">
-        <p:nvSpPr>
-          <p:cNvPr id="10" name="Rectangle 9">
-            <a:extLst>
-              <a:ext uri="{FF2B5EF4-FFF2-40B4-BE49-F238E27FC236}">
-                <a16:creationId xmlns:a16="http://schemas.microsoft.com/office/drawing/2014/main" id="{A3363022-C969-41E9-8EB2-E4C94908C1FA}"/>
-              </a:ext>
-              <a:ext uri="{C183D7F6-B498-43B3-948B-1728B52AA6E4}">
-                <adec:decorative xmlns:adec="http://schemas.microsoft.com/office/drawing/2017/decorative" val="1"/>
-              </a:ext>
-            </a:extLst>
-          </p:cNvPr>
-          <p:cNvSpPr>
-            <a:spLocks noGrp="1" noRot="1" noChangeAspect="1" noMove="1" noResize="1" noEditPoints="1" noAdjustHandles="1" noChangeArrowheads="1" noChangeShapeType="1" noTextEdit="1"/>
-          </p:cNvSpPr>
-          <p:nvPr>
-            <p:extLst>
-              <p:ext uri="{386F3935-93C4-4BCD-93E2-E3B085C9AB24}">
-                <p16:designElem xmlns:p16="http://schemas.microsoft.com/office/powerpoint/2015/main" val="1"/>
-              </p:ext>
-            </p:extLst>
-          </p:nvPr>
-        </p:nvSpPr>
-        <p:spPr>
-          <a:xfrm>
-            <a:off x="0" y="-1"/>
-            <a:ext cx="12191695" cy="6852025"/>
-          </a:xfrm>
-          <a:prstGeom prst="rect">
-            <a:avLst/>
-          </a:prstGeom>
-          <a:ln>
-            <a:noFill/>
-          </a:ln>
-        </p:spPr>
-        <p:style>
-          <a:lnRef idx="2">
-            <a:schemeClr val="accent1">
-              <a:shade val="50000"/>
-            </a:schemeClr>
-          </a:lnRef>
-          <a:fillRef idx="1">
-            <a:schemeClr val="accent1"/>
-          </a:fillRef>
-          <a:effectRef idx="0">
-            <a:schemeClr val="accent1"/>
-          </a:effectRef>
-          <a:fontRef idx="minor">
-            <a:schemeClr val="lt1"/>
-          </a:fontRef>
-        </p:style>
-        <p:txBody>
-          <a:bodyPr rtlCol="0" anchor="ctr"/>
-          <a:lstStyle/>
-          <a:p>
-            <a:pPr algn="ctr"/>
-            <a:endParaRPr lang="en-US"/>
-          </a:p>
-        </p:txBody>
-      </p:sp>
-      <p:sp>
-        <p:nvSpPr>
-          <p:cNvPr id="12" name="Rectangle 11">
-            <a:extLst>
-              <a:ext uri="{FF2B5EF4-FFF2-40B4-BE49-F238E27FC236}">
-                <a16:creationId xmlns:a16="http://schemas.microsoft.com/office/drawing/2014/main" id="{8D1AD6B3-BE88-4CEB-BA17-790657CC4729}"/>
-              </a:ext>
-              <a:ext uri="{C183D7F6-B498-43B3-948B-1728B52AA6E4}">
-                <adec:decorative xmlns:adec="http://schemas.microsoft.com/office/drawing/2017/decorative" val="1"/>
-              </a:ext>
-            </a:extLst>
-          </p:cNvPr>
-          <p:cNvSpPr>
-            <a:spLocks noGrp="1" noRot="1" noChangeAspect="1" noMove="1" noResize="1" noEditPoints="1" noAdjustHandles="1" noChangeArrowheads="1" noChangeShapeType="1" noTextEdit="1"/>
-          </p:cNvSpPr>
-          <p:nvPr>
-            <p:extLst>
-              <p:ext uri="{386F3935-93C4-4BCD-93E2-E3B085C9AB24}">
-                <p16:designElem xmlns:p16="http://schemas.microsoft.com/office/powerpoint/2015/main" val="1"/>
-              </p:ext>
-            </p:extLst>
-          </p:nvPr>
-        </p:nvSpPr>
-        <p:spPr>
-          <a:xfrm>
-            <a:off x="305" y="0"/>
-            <a:ext cx="12191695" cy="6858000"/>
-          </a:xfrm>
-          <a:prstGeom prst="rect">
-            <a:avLst/>
-          </a:prstGeom>
-          <a:solidFill>
-            <a:schemeClr val="bg1"/>
-          </a:solidFill>
-          <a:ln>
-            <a:noFill/>
-          </a:ln>
-        </p:spPr>
-        <p:style>
-          <a:lnRef idx="2">
-            <a:schemeClr val="accent1">
-              <a:shade val="50000"/>
-            </a:schemeClr>
-          </a:lnRef>
-          <a:fillRef idx="1">
-            <a:schemeClr val="accent1"/>
-          </a:fillRef>
-          <a:effectRef idx="0">
-            <a:schemeClr val="accent1"/>
-          </a:effectRef>
-          <a:fontRef idx="minor">
-            <a:schemeClr val="lt1"/>
-          </a:fontRef>
-        </p:style>
-        <p:txBody>
-          <a:bodyPr rtlCol="0" anchor="ctr"/>
-          <a:lstStyle/>
-          <a:p>
-            <a:pPr algn="ctr"/>
-            <a:endParaRPr lang="en-US"/>
-          </a:p>
-        </p:txBody>
-      </p:sp>
-      <p:sp>
-        <p:nvSpPr>
-          <p:cNvPr id="2" name="Título 1">
-            <a:extLst>
-              <a:ext uri="{FF2B5EF4-FFF2-40B4-BE49-F238E27FC236}">
-                <a16:creationId xmlns:a16="http://schemas.microsoft.com/office/drawing/2014/main" id="{74F04018-ADAA-67C4-DF9A-118EA534F4AE}"/>
-              </a:ext>
-            </a:extLst>
-          </p:cNvPr>
-          <p:cNvSpPr>
-            <a:spLocks noGrp="1"/>
-          </p:cNvSpPr>
-          <p:nvPr>
-            <p:ph type="title"/>
-          </p:nvPr>
-        </p:nvSpPr>
-        <p:spPr>
-          <a:xfrm>
-            <a:off x="6590662" y="4267832"/>
-            <a:ext cx="4805996" cy="1297115"/>
-          </a:xfrm>
-        </p:spPr>
-        <p:txBody>
-          <a:bodyPr vert="horz" lIns="91440" tIns="45720" rIns="91440" bIns="45720" rtlCol="0" anchor="t">
-            <a:normAutofit/>
-          </a:bodyPr>
-          <a:lstStyle/>
-          <a:p>
-            <a:r>
-              <a:rPr lang="en-US" sz="4000" b="1" kern="1200" dirty="0">
-                <a:solidFill>
-                  <a:schemeClr val="tx2"/>
-                </a:solidFill>
-                <a:latin typeface="+mj-lt"/>
-                <a:ea typeface="+mj-ea"/>
-                <a:cs typeface="+mj-cs"/>
-              </a:rPr>
-              <a:t>Demo de la </a:t>
-            </a:r>
-            <a:r>
-              <a:rPr lang="en-US" sz="4000" b="1" kern="1200" dirty="0" err="1">
-                <a:solidFill>
-                  <a:schemeClr val="tx2"/>
-                </a:solidFill>
-                <a:latin typeface="+mj-lt"/>
-                <a:ea typeface="+mj-ea"/>
-                <a:cs typeface="+mj-cs"/>
-              </a:rPr>
-              <a:t>solución</a:t>
-            </a:r>
-            <a:endParaRPr lang="en-US" sz="4000" kern="1200" dirty="0">
-              <a:solidFill>
-                <a:schemeClr val="tx2"/>
-              </a:solidFill>
-              <a:latin typeface="+mj-lt"/>
-              <a:ea typeface="+mj-ea"/>
-              <a:cs typeface="+mj-cs"/>
-            </a:endParaRPr>
-          </a:p>
-        </p:txBody>
-      </p:sp>
-      <p:pic>
-        <p:nvPicPr>
-          <p:cNvPr id="7" name="Graphic 6" descr="Marca de verificación">
-            <a:extLst>
-              <a:ext uri="{FF2B5EF4-FFF2-40B4-BE49-F238E27FC236}">
-                <a16:creationId xmlns:a16="http://schemas.microsoft.com/office/drawing/2014/main" id="{AA491ED0-9A15-29DD-583E-B0698C66D47F}"/>
-              </a:ext>
-            </a:extLst>
-          </p:cNvPr>
-          <p:cNvPicPr>
-            <a:picLocks noChangeAspect="1"/>
-          </p:cNvPicPr>
-          <p:nvPr/>
-        </p:nvPicPr>
-        <p:blipFill>
-          <a:blip r:embed="rId2">
-            <a:extLst>
-              <a:ext uri="{28A0092B-C50C-407E-A947-70E740481C1C}">
-                <a14:useLocalDpi xmlns:a14="http://schemas.microsoft.com/office/drawing/2010/main" val="0"/>
-              </a:ext>
-              <a:ext uri="{96DAC541-7B7A-43D3-8B79-37D633B846F1}">
-                <asvg:svgBlip xmlns:asvg="http://schemas.microsoft.com/office/drawing/2016/SVG/main" r:embed="rId3"/>
-              </a:ext>
-            </a:extLst>
-          </a:blip>
-          <a:stretch>
-            <a:fillRect/>
-          </a:stretch>
-        </p:blipFill>
-        <p:spPr>
-          <a:xfrm>
-            <a:off x="340470" y="1815320"/>
-            <a:ext cx="4141760" cy="4141760"/>
-          </a:xfrm>
-          <a:custGeom>
-            <a:avLst/>
-            <a:gdLst/>
-            <a:ahLst/>
-            <a:cxnLst/>
-            <a:rect l="l" t="t" r="r" b="b"/>
-            <a:pathLst>
-              <a:path w="4141760" h="4377846">
-                <a:moveTo>
-                  <a:pt x="0" y="0"/>
-                </a:moveTo>
-                <a:lnTo>
-                  <a:pt x="4141760" y="0"/>
-                </a:lnTo>
-                <a:lnTo>
-                  <a:pt x="4141760" y="4377846"/>
-                </a:lnTo>
-                <a:lnTo>
-                  <a:pt x="0" y="4377846"/>
-                </a:lnTo>
-                <a:close/>
-              </a:path>
-            </a:pathLst>
-          </a:custGeom>
-        </p:spPr>
-      </p:pic>
-      <p:grpSp>
-        <p:nvGrpSpPr>
-          <p:cNvPr id="14" name="Group 13">
-            <a:extLst>
-              <a:ext uri="{FF2B5EF4-FFF2-40B4-BE49-F238E27FC236}">
-                <a16:creationId xmlns:a16="http://schemas.microsoft.com/office/drawing/2014/main" id="{89D1390B-7E13-4B4F-9CB2-391063412E54}"/>
-              </a:ext>
-              <a:ext uri="{C183D7F6-B498-43B3-948B-1728B52AA6E4}">
-                <adec:decorative xmlns:adec="http://schemas.microsoft.com/office/drawing/2017/decorative" val="1"/>
-              </a:ext>
-            </a:extLst>
-          </p:cNvPr>
-          <p:cNvGrpSpPr>
-            <a:grpSpLocks noGrp="1" noUngrp="1" noRot="1" noChangeAspect="1" noMove="1" noResize="1"/>
-          </p:cNvGrpSpPr>
-          <p:nvPr>
-            <p:extLst>
-              <p:ext uri="{386F3935-93C4-4BCD-93E2-E3B085C9AB24}">
-                <p16:designElem xmlns:p16="http://schemas.microsoft.com/office/powerpoint/2015/main" val="1"/>
-              </p:ext>
-            </p:extLst>
-          </p:nvPr>
-        </p:nvGrpSpPr>
-        <p:grpSpPr>
-          <a:xfrm>
-            <a:off x="-4253" y="-5977"/>
-            <a:ext cx="6238675" cy="6863979"/>
-            <a:chOff x="305" y="-5977"/>
-            <a:chExt cx="6238675" cy="6863979"/>
-          </a:xfrm>
-        </p:grpSpPr>
-        <p:sp>
-          <p:nvSpPr>
-            <p:cNvPr id="15" name="Freeform: Shape 14">
-              <a:extLst>
-                <a:ext uri="{FF2B5EF4-FFF2-40B4-BE49-F238E27FC236}">
-                  <a16:creationId xmlns:a16="http://schemas.microsoft.com/office/drawing/2014/main" id="{9E720206-AA49-4786-A932-A2650DE09183}"/>
-                </a:ext>
-                <a:ext uri="{C183D7F6-B498-43B3-948B-1728B52AA6E4}">
-                  <adec:decorative xmlns:adec="http://schemas.microsoft.com/office/drawing/2017/decorative" val="1"/>
-                </a:ext>
-              </a:extLst>
-            </p:cNvPr>
-            <p:cNvSpPr/>
-            <p:nvPr>
-              <p:extLst>
-                <p:ext uri="{386F3935-93C4-4BCD-93E2-E3B085C9AB24}">
-                  <p16:designElem xmlns:p16="http://schemas.microsoft.com/office/powerpoint/2015/main" val="1"/>
-                </p:ext>
-              </p:extLst>
-            </p:nvPr>
-          </p:nvSpPr>
-          <p:spPr>
-            <a:xfrm flipH="1">
-              <a:off x="305" y="34854"/>
-              <a:ext cx="6028697" cy="6817170"/>
-            </a:xfrm>
-            <a:custGeom>
-              <a:avLst/>
-              <a:gdLst>
-                <a:gd name="connsiteX0" fmla="*/ 6028697 w 6028697"/>
-                <a:gd name="connsiteY0" fmla="*/ 6155323 h 6817170"/>
-                <a:gd name="connsiteX1" fmla="*/ 6028697 w 6028697"/>
-                <a:gd name="connsiteY1" fmla="*/ 6817170 h 6817170"/>
-                <a:gd name="connsiteX2" fmla="*/ 5157862 w 6028697"/>
-                <a:gd name="connsiteY2" fmla="*/ 6817170 h 6817170"/>
-                <a:gd name="connsiteX3" fmla="*/ 5347156 w 6028697"/>
-                <a:gd name="connsiteY3" fmla="*/ 6687553 h 6817170"/>
-                <a:gd name="connsiteX4" fmla="*/ 5487470 w 6028697"/>
-                <a:gd name="connsiteY4" fmla="*/ 6581714 h 6817170"/>
-                <a:gd name="connsiteX5" fmla="*/ 5627642 w 6028697"/>
-                <a:gd name="connsiteY5" fmla="*/ 6472328 h 6817170"/>
-                <a:gd name="connsiteX6" fmla="*/ 5911392 w 6028697"/>
-                <a:gd name="connsiteY6" fmla="*/ 6245328 h 6817170"/>
-                <a:gd name="connsiteX7" fmla="*/ 4481066 w 6028697"/>
-                <a:gd name="connsiteY7" fmla="*/ 478 h 6817170"/>
-                <a:gd name="connsiteX8" fmla="*/ 4672258 w 6028697"/>
-                <a:gd name="connsiteY8" fmla="*/ 7519 h 6817170"/>
-                <a:gd name="connsiteX9" fmla="*/ 5429869 w 6028697"/>
-                <a:gd name="connsiteY9" fmla="*/ 125134 h 6817170"/>
-                <a:gd name="connsiteX10" fmla="*/ 5976319 w 6028697"/>
-                <a:gd name="connsiteY10" fmla="*/ 314893 h 6817170"/>
-                <a:gd name="connsiteX11" fmla="*/ 6028697 w 6028697"/>
-                <a:gd name="connsiteY11" fmla="*/ 339901 h 6817170"/>
-                <a:gd name="connsiteX12" fmla="*/ 6028697 w 6028697"/>
-                <a:gd name="connsiteY12" fmla="*/ 732458 h 6817170"/>
-                <a:gd name="connsiteX13" fmla="*/ 5990985 w 6028697"/>
-                <a:gd name="connsiteY13" fmla="*/ 712211 h 6817170"/>
-                <a:gd name="connsiteX14" fmla="*/ 5341339 w 6028697"/>
-                <a:gd name="connsiteY14" fmla="*/ 475281 h 6817170"/>
-                <a:gd name="connsiteX15" fmla="*/ 4651969 w 6028697"/>
-                <a:gd name="connsiteY15" fmla="*/ 377104 h 6817170"/>
-                <a:gd name="connsiteX16" fmla="*/ 3953093 w 6028697"/>
-                <a:gd name="connsiteY16" fmla="*/ 402498 h 6817170"/>
-                <a:gd name="connsiteX17" fmla="*/ 3267413 w 6028697"/>
-                <a:gd name="connsiteY17" fmla="*/ 546643 h 6817170"/>
-                <a:gd name="connsiteX18" fmla="*/ 1439498 w 6028697"/>
-                <a:gd name="connsiteY18" fmla="*/ 1568141 h 6817170"/>
-                <a:gd name="connsiteX19" fmla="*/ 960671 w 6028697"/>
-                <a:gd name="connsiteY19" fmla="*/ 2082013 h 6817170"/>
-                <a:gd name="connsiteX20" fmla="*/ 581866 w 6028697"/>
-                <a:gd name="connsiteY20" fmla="*/ 2672638 h 6817170"/>
-                <a:gd name="connsiteX21" fmla="*/ 324789 w 6028697"/>
-                <a:gd name="connsiteY21" fmla="*/ 3325262 h 6817170"/>
-                <a:gd name="connsiteX22" fmla="*/ 231151 w 6028697"/>
-                <a:gd name="connsiteY22" fmla="*/ 4022292 h 6817170"/>
-                <a:gd name="connsiteX23" fmla="*/ 270592 w 6028697"/>
-                <a:gd name="connsiteY23" fmla="*/ 4362792 h 6817170"/>
-                <a:gd name="connsiteX24" fmla="*/ 387213 w 6028697"/>
-                <a:gd name="connsiteY24" fmla="*/ 4681585 h 6817170"/>
-                <a:gd name="connsiteX25" fmla="*/ 468507 w 6028697"/>
-                <a:gd name="connsiteY25" fmla="*/ 4831546 h 6817170"/>
-                <a:gd name="connsiteX26" fmla="*/ 561862 w 6028697"/>
-                <a:gd name="connsiteY26" fmla="*/ 4976826 h 6817170"/>
-                <a:gd name="connsiteX27" fmla="*/ 777511 w 6028697"/>
-                <a:gd name="connsiteY27" fmla="*/ 5257597 h 6817170"/>
-                <a:gd name="connsiteX28" fmla="*/ 1010895 w 6028697"/>
-                <a:gd name="connsiteY28" fmla="*/ 5540494 h 6817170"/>
-                <a:gd name="connsiteX29" fmla="*/ 1126948 w 6028697"/>
-                <a:gd name="connsiteY29" fmla="*/ 5688186 h 6817170"/>
-                <a:gd name="connsiteX30" fmla="*/ 1182706 w 6028697"/>
-                <a:gd name="connsiteY30" fmla="*/ 5760543 h 6817170"/>
-                <a:gd name="connsiteX31" fmla="*/ 1237327 w 6028697"/>
-                <a:gd name="connsiteY31" fmla="*/ 5830060 h 6817170"/>
-                <a:gd name="connsiteX32" fmla="*/ 1706649 w 6028697"/>
-                <a:gd name="connsiteY32" fmla="*/ 6342797 h 6817170"/>
-                <a:gd name="connsiteX33" fmla="*/ 1956207 w 6028697"/>
-                <a:gd name="connsiteY33" fmla="*/ 6573484 h 6817170"/>
-                <a:gd name="connsiteX34" fmla="*/ 2217681 w 6028697"/>
-                <a:gd name="connsiteY34" fmla="*/ 6786297 h 6817170"/>
-                <a:gd name="connsiteX35" fmla="*/ 2260820 w 6028697"/>
-                <a:gd name="connsiteY35" fmla="*/ 6817170 h 6817170"/>
-                <a:gd name="connsiteX36" fmla="*/ 1429497 w 6028697"/>
-                <a:gd name="connsiteY36" fmla="*/ 6817170 h 6817170"/>
-                <a:gd name="connsiteX37" fmla="*/ 1327275 w 6028697"/>
-                <a:gd name="connsiteY37" fmla="*/ 6713800 h 6817170"/>
-                <a:gd name="connsiteX38" fmla="*/ 1080556 w 6028697"/>
-                <a:gd name="connsiteY38" fmla="*/ 6414443 h 6817170"/>
-                <a:gd name="connsiteX39" fmla="*/ 865189 w 6028697"/>
-                <a:gd name="connsiteY39" fmla="*/ 6097496 h 6817170"/>
-                <a:gd name="connsiteX40" fmla="*/ 814823 w 6028697"/>
-                <a:gd name="connsiteY40" fmla="*/ 6016911 h 6817170"/>
-                <a:gd name="connsiteX41" fmla="*/ 766729 w 6028697"/>
-                <a:gd name="connsiteY41" fmla="*/ 5938453 h 6817170"/>
-                <a:gd name="connsiteX42" fmla="*/ 671672 w 6028697"/>
-                <a:gd name="connsiteY42" fmla="*/ 5786648 h 6817170"/>
-                <a:gd name="connsiteX43" fmla="*/ 474608 w 6028697"/>
-                <a:gd name="connsiteY43" fmla="*/ 5474664 h 6817170"/>
-                <a:gd name="connsiteX44" fmla="*/ 282652 w 6028697"/>
-                <a:gd name="connsiteY44" fmla="*/ 5146508 h 6817170"/>
-                <a:gd name="connsiteX45" fmla="*/ 196108 w 6028697"/>
-                <a:gd name="connsiteY45" fmla="*/ 4972712 h 6817170"/>
-                <a:gd name="connsiteX46" fmla="*/ 122474 w 6028697"/>
-                <a:gd name="connsiteY46" fmla="*/ 4791821 h 6817170"/>
-                <a:gd name="connsiteX47" fmla="*/ 65724 w 6028697"/>
-                <a:gd name="connsiteY47" fmla="*/ 4603129 h 6817170"/>
-                <a:gd name="connsiteX48" fmla="*/ 44727 w 6028697"/>
-                <a:gd name="connsiteY48" fmla="*/ 4506937 h 6817170"/>
-                <a:gd name="connsiteX49" fmla="*/ 35505 w 6028697"/>
-                <a:gd name="connsiteY49" fmla="*/ 4458699 h 6817170"/>
-                <a:gd name="connsiteX50" fmla="*/ 27845 w 6028697"/>
-                <a:gd name="connsiteY50" fmla="*/ 4410320 h 6817170"/>
-                <a:gd name="connsiteX51" fmla="*/ 37 w 6028697"/>
-                <a:gd name="connsiteY51" fmla="*/ 4022292 h 6817170"/>
-                <a:gd name="connsiteX52" fmla="*/ 78777 w 6028697"/>
-                <a:gd name="connsiteY52" fmla="*/ 3267236 h 6817170"/>
-                <a:gd name="connsiteX53" fmla="*/ 315424 w 6028697"/>
-                <a:gd name="connsiteY53" fmla="*/ 2543673 h 6817170"/>
-                <a:gd name="connsiteX54" fmla="*/ 1202710 w 6028697"/>
-                <a:gd name="connsiteY54" fmla="*/ 1314895 h 6817170"/>
-                <a:gd name="connsiteX55" fmla="*/ 1791065 w 6028697"/>
-                <a:gd name="connsiteY55" fmla="*/ 833514 h 6817170"/>
-                <a:gd name="connsiteX56" fmla="*/ 3908404 w 6028697"/>
-                <a:gd name="connsiteY56" fmla="*/ 29794 h 6817170"/>
-                <a:gd name="connsiteX57" fmla="*/ 4481066 w 6028697"/>
-                <a:gd name="connsiteY57" fmla="*/ 478 h 6817170"/>
-              </a:gdLst>
-              <a:ahLst/>
-              <a:cxnLst>
-                <a:cxn ang="0">
-                  <a:pos x="connsiteX0" y="connsiteY0"/>
-                </a:cxn>
-                <a:cxn ang="0">
-                  <a:pos x="connsiteX1" y="connsiteY1"/>
-                </a:cxn>
-                <a:cxn ang="0">
-                  <a:pos x="connsiteX2" y="connsiteY2"/>
-                </a:cxn>
-                <a:cxn ang="0">
-                  <a:pos x="connsiteX3" y="connsiteY3"/>
-                </a:cxn>
-                <a:cxn ang="0">
-                  <a:pos x="connsiteX4" y="connsiteY4"/>
-                </a:cxn>
-                <a:cxn ang="0">
-                  <a:pos x="connsiteX5" y="connsiteY5"/>
-                </a:cxn>
-                <a:cxn ang="0">
-                  <a:pos x="connsiteX6" y="connsiteY6"/>
-                </a:cxn>
-                <a:cxn ang="0">
-                  <a:pos x="connsiteX7" y="connsiteY7"/>
-                </a:cxn>
-                <a:cxn ang="0">
-                  <a:pos x="connsiteX8" y="connsiteY8"/>
-                </a:cxn>
-                <a:cxn ang="0">
-                  <a:pos x="connsiteX9" y="connsiteY9"/>
-                </a:cxn>
-                <a:cxn ang="0">
-                  <a:pos x="connsiteX10" y="connsiteY10"/>
-                </a:cxn>
-                <a:cxn ang="0">
-                  <a:pos x="connsiteX11" y="connsiteY11"/>
-                </a:cxn>
-                <a:cxn ang="0">
-                  <a:pos x="connsiteX12" y="connsiteY12"/>
-                </a:cxn>
-                <a:cxn ang="0">
-                  <a:pos x="connsiteX13" y="connsiteY13"/>
-                </a:cxn>
-                <a:cxn ang="0">
-                  <a:pos x="connsiteX14" y="connsiteY14"/>
-                </a:cxn>
-                <a:cxn ang="0">
-                  <a:pos x="connsiteX15" y="connsiteY15"/>
-                </a:cxn>
-                <a:cxn ang="0">
-                  <a:pos x="connsiteX16" y="connsiteY16"/>
-                </a:cxn>
-                <a:cxn ang="0">
-                  <a:pos x="connsiteX17" y="connsiteY17"/>
-                </a:cxn>
-                <a:cxn ang="0">
-                  <a:pos x="connsiteX18" y="connsiteY18"/>
-                </a:cxn>
-                <a:cxn ang="0">
-                  <a:pos x="connsiteX19" y="connsiteY19"/>
-                </a:cxn>
-                <a:cxn ang="0">
-                  <a:pos x="connsiteX20" y="connsiteY20"/>
-                </a:cxn>
-                <a:cxn ang="0">
-                  <a:pos x="connsiteX21" y="connsiteY21"/>
-                </a:cxn>
-                <a:cxn ang="0">
-                  <a:pos x="connsiteX22" y="connsiteY22"/>
-                </a:cxn>
-                <a:cxn ang="0">
-                  <a:pos x="connsiteX23" y="connsiteY23"/>
-                </a:cxn>
-                <a:cxn ang="0">
-                  <a:pos x="connsiteX24" y="connsiteY24"/>
-                </a:cxn>
-                <a:cxn ang="0">
-                  <a:pos x="connsiteX25" y="connsiteY25"/>
-                </a:cxn>
-                <a:cxn ang="0">
-                  <a:pos x="connsiteX26" y="connsiteY26"/>
-                </a:cxn>
-                <a:cxn ang="0">
-                  <a:pos x="connsiteX27" y="connsiteY27"/>
-                </a:cxn>
-                <a:cxn ang="0">
-                  <a:pos x="connsiteX28" y="connsiteY28"/>
-                </a:cxn>
-                <a:cxn ang="0">
-                  <a:pos x="connsiteX29" y="connsiteY29"/>
-                </a:cxn>
-                <a:cxn ang="0">
-                  <a:pos x="connsiteX30" y="connsiteY30"/>
-                </a:cxn>
-                <a:cxn ang="0">
-                  <a:pos x="connsiteX31" y="connsiteY31"/>
-                </a:cxn>
-                <a:cxn ang="0">
-                  <a:pos x="connsiteX32" y="connsiteY32"/>
-                </a:cxn>
-                <a:cxn ang="0">
-                  <a:pos x="connsiteX33" y="connsiteY33"/>
-                </a:cxn>
-                <a:cxn ang="0">
-                  <a:pos x="connsiteX34" y="connsiteY34"/>
-                </a:cxn>
-                <a:cxn ang="0">
-                  <a:pos x="connsiteX35" y="connsiteY35"/>
-                </a:cxn>
-                <a:cxn ang="0">
-                  <a:pos x="connsiteX36" y="connsiteY36"/>
-                </a:cxn>
-                <a:cxn ang="0">
-                  <a:pos x="connsiteX37" y="connsiteY37"/>
-                </a:cxn>
-                <a:cxn ang="0">
-                  <a:pos x="connsiteX38" y="connsiteY38"/>
-                </a:cxn>
-                <a:cxn ang="0">
-                  <a:pos x="connsiteX39" y="connsiteY39"/>
-                </a:cxn>
-                <a:cxn ang="0">
-                  <a:pos x="connsiteX40" y="connsiteY40"/>
-                </a:cxn>
-                <a:cxn ang="0">
-                  <a:pos x="connsiteX41" y="connsiteY41"/>
-                </a:cxn>
-                <a:cxn ang="0">
-                  <a:pos x="connsiteX42" y="connsiteY42"/>
-                </a:cxn>
-                <a:cxn ang="0">
-                  <a:pos x="connsiteX43" y="connsiteY43"/>
-                </a:cxn>
-                <a:cxn ang="0">
-                  <a:pos x="connsiteX44" y="connsiteY44"/>
-                </a:cxn>
-                <a:cxn ang="0">
-                  <a:pos x="connsiteX45" y="connsiteY45"/>
-                </a:cxn>
-                <a:cxn ang="0">
-                  <a:pos x="connsiteX46" y="connsiteY46"/>
-                </a:cxn>
-                <a:cxn ang="0">
-                  <a:pos x="connsiteX47" y="connsiteY47"/>
-                </a:cxn>
-                <a:cxn ang="0">
-                  <a:pos x="connsiteX48" y="connsiteY48"/>
-                </a:cxn>
-                <a:cxn ang="0">
-                  <a:pos x="connsiteX49" y="connsiteY49"/>
-                </a:cxn>
-                <a:cxn ang="0">
-                  <a:pos x="connsiteX50" y="connsiteY50"/>
-                </a:cxn>
-                <a:cxn ang="0">
-                  <a:pos x="connsiteX51" y="connsiteY51"/>
-                </a:cxn>
-                <a:cxn ang="0">
-                  <a:pos x="connsiteX52" y="connsiteY52"/>
-                </a:cxn>
-                <a:cxn ang="0">
-                  <a:pos x="connsiteX53" y="connsiteY53"/>
-                </a:cxn>
-                <a:cxn ang="0">
-                  <a:pos x="connsiteX54" y="connsiteY54"/>
-                </a:cxn>
-                <a:cxn ang="0">
-                  <a:pos x="connsiteX55" y="connsiteY55"/>
-                </a:cxn>
-                <a:cxn ang="0">
-                  <a:pos x="connsiteX56" y="connsiteY56"/>
-                </a:cxn>
-                <a:cxn ang="0">
-                  <a:pos x="connsiteX57" y="connsiteY57"/>
-                </a:cxn>
-              </a:cxnLst>
-              <a:rect l="l" t="t" r="r" b="b"/>
-              <a:pathLst>
-                <a:path w="6028697" h="6817170">
-                  <a:moveTo>
-                    <a:pt x="6028697" y="6155323"/>
-                  </a:moveTo>
-                  <a:lnTo>
-                    <a:pt x="6028697" y="6817170"/>
-                  </a:lnTo>
-                  <a:lnTo>
-                    <a:pt x="5157862" y="6817170"/>
-                  </a:lnTo>
-                  <a:lnTo>
-                    <a:pt x="5347156" y="6687553"/>
-                  </a:lnTo>
-                  <a:cubicBezTo>
-                    <a:pt x="5394117" y="6653219"/>
-                    <a:pt x="5440793" y="6617608"/>
-                    <a:pt x="5487470" y="6581714"/>
-                  </a:cubicBezTo>
-                  <a:cubicBezTo>
-                    <a:pt x="5534147" y="6545820"/>
-                    <a:pt x="5580966" y="6509358"/>
-                    <a:pt x="5627642" y="6472328"/>
-                  </a:cubicBezTo>
-                  <a:lnTo>
-                    <a:pt x="5911392" y="6245328"/>
-                  </a:lnTo>
-                  <a:close/>
-                  <a:moveTo>
-                    <a:pt x="4481066" y="478"/>
-                  </a:moveTo>
-                  <a:cubicBezTo>
-                    <a:pt x="4544817" y="1422"/>
-                    <a:pt x="4608563" y="3769"/>
-                    <a:pt x="4672258" y="7519"/>
-                  </a:cubicBezTo>
-                  <a:cubicBezTo>
-                    <a:pt x="4927973" y="22364"/>
-                    <a:pt x="5181687" y="61751"/>
-                    <a:pt x="5429869" y="125134"/>
-                  </a:cubicBezTo>
-                  <a:cubicBezTo>
-                    <a:pt x="5617090" y="173104"/>
-                    <a:pt x="5799867" y="236595"/>
-                    <a:pt x="5976319" y="314893"/>
-                  </a:cubicBezTo>
-                  <a:lnTo>
-                    <a:pt x="6028697" y="339901"/>
-                  </a:lnTo>
-                  <a:lnTo>
-                    <a:pt x="6028697" y="732458"/>
-                  </a:lnTo>
-                  <a:lnTo>
-                    <a:pt x="5990985" y="712211"/>
-                  </a:lnTo>
-                  <a:cubicBezTo>
-                    <a:pt x="5783917" y="609342"/>
-                    <a:pt x="5566013" y="529876"/>
-                    <a:pt x="5341339" y="475281"/>
-                  </a:cubicBezTo>
-                  <a:cubicBezTo>
-                    <a:pt x="5115233" y="420503"/>
-                    <a:pt x="4884375" y="387624"/>
-                    <a:pt x="4651969" y="377104"/>
-                  </a:cubicBezTo>
-                  <a:cubicBezTo>
-                    <a:pt x="4418713" y="365171"/>
-                    <a:pt x="4184861" y="373670"/>
-                    <a:pt x="3953093" y="402498"/>
-                  </a:cubicBezTo>
-                  <a:cubicBezTo>
-                    <a:pt x="3721001" y="431832"/>
-                    <a:pt x="3491675" y="480040"/>
-                    <a:pt x="3267413" y="546643"/>
-                  </a:cubicBezTo>
-                  <a:cubicBezTo>
-                    <a:pt x="2591323" y="750761"/>
-                    <a:pt x="1967642" y="1099289"/>
-                    <a:pt x="1439498" y="1568141"/>
-                  </a:cubicBezTo>
-                  <a:cubicBezTo>
-                    <a:pt x="1265589" y="1725523"/>
-                    <a:pt x="1105393" y="1897434"/>
-                    <a:pt x="960671" y="2082013"/>
-                  </a:cubicBezTo>
-                  <a:cubicBezTo>
-                    <a:pt x="815775" y="2266294"/>
-                    <a:pt x="688923" y="2464081"/>
-                    <a:pt x="581866" y="2672638"/>
-                  </a:cubicBezTo>
-                  <a:cubicBezTo>
-                    <a:pt x="473765" y="2880669"/>
-                    <a:pt x="387610" y="3099397"/>
-                    <a:pt x="324789" y="3325262"/>
-                  </a:cubicBezTo>
-                  <a:cubicBezTo>
-                    <a:pt x="262714" y="3552403"/>
-                    <a:pt x="231223" y="3786822"/>
-                    <a:pt x="231151" y="4022292"/>
-                  </a:cubicBezTo>
-                  <a:cubicBezTo>
-                    <a:pt x="231413" y="4136912"/>
-                    <a:pt x="244645" y="4251136"/>
-                    <a:pt x="270592" y="4362792"/>
-                  </a:cubicBezTo>
-                  <a:cubicBezTo>
-                    <a:pt x="297885" y="4472943"/>
-                    <a:pt x="336983" y="4579833"/>
-                    <a:pt x="387213" y="4681585"/>
-                  </a:cubicBezTo>
-                  <a:cubicBezTo>
-                    <a:pt x="412042" y="4732517"/>
-                    <a:pt x="439423" y="4782457"/>
-                    <a:pt x="468507" y="4831546"/>
-                  </a:cubicBezTo>
-                  <a:cubicBezTo>
-                    <a:pt x="497591" y="4880636"/>
-                    <a:pt x="529230" y="4929015"/>
-                    <a:pt x="561862" y="4976826"/>
-                  </a:cubicBezTo>
-                  <a:cubicBezTo>
-                    <a:pt x="627975" y="5072166"/>
-                    <a:pt x="701466" y="5164668"/>
-                    <a:pt x="777511" y="5257597"/>
-                  </a:cubicBezTo>
-                  <a:cubicBezTo>
-                    <a:pt x="853556" y="5350524"/>
-                    <a:pt x="933574" y="5443594"/>
-                    <a:pt x="1010895" y="5540494"/>
-                  </a:cubicBezTo>
-                  <a:cubicBezTo>
-                    <a:pt x="1049957" y="5588732"/>
-                    <a:pt x="1088642" y="5637963"/>
-                    <a:pt x="1126948" y="5688186"/>
-                  </a:cubicBezTo>
-                  <a:lnTo>
-                    <a:pt x="1182706" y="5760543"/>
-                  </a:lnTo>
-                  <a:cubicBezTo>
-                    <a:pt x="1201007" y="5783669"/>
-                    <a:pt x="1218458" y="5807503"/>
-                    <a:pt x="1237327" y="5830060"/>
-                  </a:cubicBezTo>
-                  <a:cubicBezTo>
-                    <a:pt x="1383714" y="6009916"/>
-                    <a:pt x="1540413" y="6181116"/>
-                    <a:pt x="1706649" y="6342797"/>
-                  </a:cubicBezTo>
-                  <a:cubicBezTo>
-                    <a:pt x="1788084" y="6422531"/>
-                    <a:pt x="1871265" y="6499427"/>
-                    <a:pt x="1956207" y="6573484"/>
-                  </a:cubicBezTo>
-                  <a:cubicBezTo>
-                    <a:pt x="2041332" y="6647402"/>
-                    <a:pt x="2127733" y="6718907"/>
-                    <a:pt x="2217681" y="6786297"/>
-                  </a:cubicBezTo>
-                  <a:lnTo>
-                    <a:pt x="2260820" y="6817170"/>
-                  </a:lnTo>
-                  <a:lnTo>
-                    <a:pt x="1429497" y="6817170"/>
-                  </a:lnTo>
-                  <a:lnTo>
-                    <a:pt x="1327275" y="6713800"/>
-                  </a:lnTo>
-                  <a:cubicBezTo>
-                    <a:pt x="1239186" y="6618984"/>
-                    <a:pt x="1156797" y="6519019"/>
-                    <a:pt x="1080556" y="6414443"/>
-                  </a:cubicBezTo>
-                  <a:cubicBezTo>
-                    <a:pt x="1004653" y="6310734"/>
-                    <a:pt x="932439" y="6205177"/>
-                    <a:pt x="865189" y="6097496"/>
-                  </a:cubicBezTo>
-                  <a:cubicBezTo>
-                    <a:pt x="847881" y="6070823"/>
-                    <a:pt x="831565" y="6043725"/>
-                    <a:pt x="814823" y="6016911"/>
-                  </a:cubicBezTo>
-                  <a:lnTo>
-                    <a:pt x="766729" y="5938453"/>
-                  </a:lnTo>
-                  <a:cubicBezTo>
-                    <a:pt x="735941" y="5887947"/>
-                    <a:pt x="703878" y="5837581"/>
-                    <a:pt x="671672" y="5786648"/>
-                  </a:cubicBezTo>
-                  <a:lnTo>
-                    <a:pt x="474608" y="5474664"/>
-                  </a:lnTo>
-                  <a:cubicBezTo>
-                    <a:pt x="408778" y="5368968"/>
-                    <a:pt x="343516" y="5260008"/>
-                    <a:pt x="282652" y="5146508"/>
-                  </a:cubicBezTo>
-                  <a:cubicBezTo>
-                    <a:pt x="252290" y="5089759"/>
-                    <a:pt x="223065" y="5032015"/>
-                    <a:pt x="196108" y="4972712"/>
-                  </a:cubicBezTo>
-                  <a:cubicBezTo>
-                    <a:pt x="169152" y="4913408"/>
-                    <a:pt x="144607" y="4853111"/>
-                    <a:pt x="122474" y="4791821"/>
-                  </a:cubicBezTo>
-                  <a:cubicBezTo>
-                    <a:pt x="100342" y="4730532"/>
-                    <a:pt x="81757" y="4666830"/>
-                    <a:pt x="65724" y="4603129"/>
-                  </a:cubicBezTo>
-                  <a:cubicBezTo>
-                    <a:pt x="58205" y="4571064"/>
-                    <a:pt x="50828" y="4539143"/>
-                    <a:pt x="44727" y="4506937"/>
-                  </a:cubicBezTo>
-                  <a:lnTo>
-                    <a:pt x="35505" y="4458699"/>
-                  </a:lnTo>
-                  <a:lnTo>
-                    <a:pt x="27845" y="4410320"/>
-                  </a:lnTo>
-                  <a:cubicBezTo>
-                    <a:pt x="8635" y="4281881"/>
-                    <a:pt x="-661" y="4152150"/>
-                    <a:pt x="37" y="4022292"/>
-                  </a:cubicBezTo>
-                  <a:cubicBezTo>
-                    <a:pt x="712" y="3768592"/>
-                    <a:pt x="27094" y="3515615"/>
-                    <a:pt x="78777" y="3267236"/>
-                  </a:cubicBezTo>
-                  <a:cubicBezTo>
-                    <a:pt x="130048" y="3017876"/>
-                    <a:pt x="209439" y="2775142"/>
-                    <a:pt x="315424" y="2543673"/>
-                  </a:cubicBezTo>
-                  <a:cubicBezTo>
-                    <a:pt x="528236" y="2081161"/>
-                    <a:pt x="838234" y="1667312"/>
-                    <a:pt x="1202710" y="1314895"/>
-                  </a:cubicBezTo>
-                  <a:cubicBezTo>
-                    <a:pt x="1385514" y="1138814"/>
-                    <a:pt x="1582282" y="977831"/>
-                    <a:pt x="1791065" y="833514"/>
-                  </a:cubicBezTo>
-                  <a:cubicBezTo>
-                    <a:pt x="2420037" y="395614"/>
-                    <a:pt x="3147288" y="119557"/>
-                    <a:pt x="3908404" y="29794"/>
-                  </a:cubicBezTo>
-                  <a:cubicBezTo>
-                    <a:pt x="4098509" y="7429"/>
-                    <a:pt x="4289811" y="-2355"/>
-                    <a:pt x="4481066" y="478"/>
-                  </a:cubicBezTo>
-                  <a:close/>
-                </a:path>
-              </a:pathLst>
-            </a:custGeom>
-            <a:gradFill>
-              <a:gsLst>
-                <a:gs pos="2000">
-                  <a:schemeClr val="bg1">
-                    <a:alpha val="10000"/>
-                  </a:schemeClr>
-                </a:gs>
-                <a:gs pos="16000">
-                  <a:schemeClr val="accent6">
-                    <a:alpha val="10000"/>
-                  </a:schemeClr>
-                </a:gs>
-                <a:gs pos="100000">
-                  <a:schemeClr val="bg1">
-                    <a:alpha val="10000"/>
-                  </a:schemeClr>
-                </a:gs>
-                <a:gs pos="85000">
-                  <a:schemeClr val="accent1">
-                    <a:alpha val="10000"/>
-                  </a:schemeClr>
-                </a:gs>
-              </a:gsLst>
-              <a:lin ang="12000000" scaled="0"/>
-            </a:gradFill>
-            <a:ln>
-              <a:noFill/>
-            </a:ln>
-          </p:spPr>
-          <p:style>
-            <a:lnRef idx="2">
-              <a:schemeClr val="accent1">
-                <a:shade val="50000"/>
-              </a:schemeClr>
-            </a:lnRef>
-            <a:fillRef idx="1">
-              <a:schemeClr val="accent1"/>
-            </a:fillRef>
-            <a:effectRef idx="0">
-              <a:schemeClr val="accent1"/>
-            </a:effectRef>
-            <a:fontRef idx="minor">
-              <a:schemeClr val="lt1"/>
-            </a:fontRef>
-          </p:style>
-          <p:txBody>
-            <a:bodyPr rtlCol="0" anchor="ctr"/>
-            <a:lstStyle/>
-            <a:p>
-              <a:pPr algn="ctr"/>
-              <a:endParaRPr lang="en-US" dirty="0"/>
-            </a:p>
-          </p:txBody>
-        </p:sp>
-        <p:sp>
-          <p:nvSpPr>
-            <p:cNvPr id="16" name="Freeform: Shape 15">
-              <a:extLst>
-                <a:ext uri="{FF2B5EF4-FFF2-40B4-BE49-F238E27FC236}">
-                  <a16:creationId xmlns:a16="http://schemas.microsoft.com/office/drawing/2014/main" id="{C72F6EE6-EDE9-45A5-8F6D-02B9B7CB2C2F}"/>
-                </a:ext>
-                <a:ext uri="{C183D7F6-B498-43B3-948B-1728B52AA6E4}">
-                  <adec:decorative xmlns:adec="http://schemas.microsoft.com/office/drawing/2017/decorative" val="1"/>
-                </a:ext>
-              </a:extLst>
-            </p:cNvPr>
-            <p:cNvSpPr/>
-            <p:nvPr>
-              <p:extLst>
-                <p:ext uri="{386F3935-93C4-4BCD-93E2-E3B085C9AB24}">
-                  <p16:designElem xmlns:p16="http://schemas.microsoft.com/office/powerpoint/2015/main" val="1"/>
-                </p:ext>
-              </p:extLst>
-            </p:nvPr>
-          </p:nvSpPr>
-          <p:spPr>
-            <a:xfrm flipH="1">
-              <a:off x="305" y="1"/>
-              <a:ext cx="6165116" cy="6858001"/>
-            </a:xfrm>
-            <a:custGeom>
-              <a:avLst/>
-              <a:gdLst>
-                <a:gd name="connsiteX0" fmla="*/ 6264586 w 6264586"/>
-                <a:gd name="connsiteY0" fmla="*/ 6646464 h 6858001"/>
-                <a:gd name="connsiteX1" fmla="*/ 6264586 w 6264586"/>
-                <a:gd name="connsiteY1" fmla="*/ 6858001 h 6858001"/>
-                <a:gd name="connsiteX2" fmla="*/ 5997170 w 6264586"/>
-                <a:gd name="connsiteY2" fmla="*/ 6858001 h 6858001"/>
-                <a:gd name="connsiteX3" fmla="*/ 6121512 w 6264586"/>
-                <a:gd name="connsiteY3" fmla="*/ 6761029 h 6858001"/>
-                <a:gd name="connsiteX4" fmla="*/ 2693206 w 6264586"/>
-                <a:gd name="connsiteY4" fmla="*/ 0 h 6858001"/>
-                <a:gd name="connsiteX5" fmla="*/ 5872285 w 6264586"/>
-                <a:gd name="connsiteY5" fmla="*/ 0 h 6858001"/>
-                <a:gd name="connsiteX6" fmla="*/ 6024875 w 6264586"/>
-                <a:gd name="connsiteY6" fmla="*/ 68385 h 6858001"/>
-                <a:gd name="connsiteX7" fmla="*/ 6206432 w 6264586"/>
-                <a:gd name="connsiteY7" fmla="*/ 162336 h 6858001"/>
-                <a:gd name="connsiteX8" fmla="*/ 6264586 w 6264586"/>
-                <a:gd name="connsiteY8" fmla="*/ 196704 h 6858001"/>
-                <a:gd name="connsiteX9" fmla="*/ 6264586 w 6264586"/>
-                <a:gd name="connsiteY9" fmla="*/ 537242 h 6858001"/>
-                <a:gd name="connsiteX10" fmla="*/ 6230189 w 6264586"/>
-                <a:gd name="connsiteY10" fmla="*/ 517260 h 6858001"/>
-                <a:gd name="connsiteX11" fmla="*/ 5540536 w 6264586"/>
-                <a:gd name="connsiteY11" fmla="*/ 249543 h 6858001"/>
-                <a:gd name="connsiteX12" fmla="*/ 5178896 w 6264586"/>
-                <a:gd name="connsiteY12" fmla="*/ 178606 h 6858001"/>
-                <a:gd name="connsiteX13" fmla="*/ 4814279 w 6264586"/>
-                <a:gd name="connsiteY13" fmla="*/ 146683 h 6858001"/>
-                <a:gd name="connsiteX14" fmla="*/ 4655095 w 6264586"/>
-                <a:gd name="connsiteY14" fmla="*/ 143421 h 6858001"/>
-                <a:gd name="connsiteX15" fmla="*/ 4081069 w 6264586"/>
-                <a:gd name="connsiteY15" fmla="*/ 185983 h 6858001"/>
-                <a:gd name="connsiteX16" fmla="*/ 3720566 w 6264586"/>
-                <a:gd name="connsiteY16" fmla="*/ 256921 h 6858001"/>
-                <a:gd name="connsiteX17" fmla="*/ 3365879 w 6264586"/>
-                <a:gd name="connsiteY17" fmla="*/ 357651 h 6858001"/>
-                <a:gd name="connsiteX18" fmla="*/ 3020555 w 6264586"/>
-                <a:gd name="connsiteY18" fmla="*/ 486190 h 6858001"/>
-                <a:gd name="connsiteX19" fmla="*/ 2685163 w 6264586"/>
-                <a:gd name="connsiteY19" fmla="*/ 641542 h 6858001"/>
-                <a:gd name="connsiteX20" fmla="*/ 2047720 w 6264586"/>
-                <a:gd name="connsiteY20" fmla="*/ 1025030 h 6858001"/>
-                <a:gd name="connsiteX21" fmla="*/ 1897333 w 6264586"/>
-                <a:gd name="connsiteY21" fmla="*/ 1134983 h 6858001"/>
-                <a:gd name="connsiteX22" fmla="*/ 1835758 w 6264586"/>
-                <a:gd name="connsiteY22" fmla="*/ 1182227 h 6858001"/>
-                <a:gd name="connsiteX23" fmla="*/ 1823273 w 6264586"/>
-                <a:gd name="connsiteY23" fmla="*/ 1192016 h 6858001"/>
-                <a:gd name="connsiteX24" fmla="*/ 1750918 w 6264586"/>
-                <a:gd name="connsiteY24" fmla="*/ 1249760 h 6858001"/>
-                <a:gd name="connsiteX25" fmla="*/ 1469297 w 6264586"/>
-                <a:gd name="connsiteY25" fmla="*/ 1496906 h 6858001"/>
-                <a:gd name="connsiteX26" fmla="*/ 967769 w 6264586"/>
-                <a:gd name="connsiteY26" fmla="*/ 2056602 h 6858001"/>
-                <a:gd name="connsiteX27" fmla="*/ 754105 w 6264586"/>
-                <a:gd name="connsiteY27" fmla="*/ 2368727 h 6858001"/>
-                <a:gd name="connsiteX28" fmla="*/ 572364 w 6264586"/>
-                <a:gd name="connsiteY28" fmla="*/ 2701140 h 6858001"/>
-                <a:gd name="connsiteX29" fmla="*/ 532497 w 6264586"/>
-                <a:gd name="connsiteY29" fmla="*/ 2786265 h 6858001"/>
-                <a:gd name="connsiteX30" fmla="*/ 512918 w 6264586"/>
-                <a:gd name="connsiteY30" fmla="*/ 2828827 h 6858001"/>
-                <a:gd name="connsiteX31" fmla="*/ 494475 w 6264586"/>
-                <a:gd name="connsiteY31" fmla="*/ 2872240 h 6858001"/>
-                <a:gd name="connsiteX32" fmla="*/ 491637 w 6264586"/>
-                <a:gd name="connsiteY32" fmla="*/ 2878908 h 6858001"/>
-                <a:gd name="connsiteX33" fmla="*/ 459290 w 6264586"/>
-                <a:gd name="connsiteY33" fmla="*/ 2959635 h 6858001"/>
-                <a:gd name="connsiteX34" fmla="*/ 446805 w 6264586"/>
-                <a:gd name="connsiteY34" fmla="*/ 2992408 h 6858001"/>
-                <a:gd name="connsiteX35" fmla="*/ 426090 w 6264586"/>
-                <a:gd name="connsiteY35" fmla="*/ 3049158 h 6858001"/>
-                <a:gd name="connsiteX36" fmla="*/ 426090 w 6264586"/>
-                <a:gd name="connsiteY36" fmla="*/ 3049867 h 6858001"/>
-                <a:gd name="connsiteX37" fmla="*/ 318124 w 6264586"/>
-                <a:gd name="connsiteY37" fmla="*/ 3414202 h 6858001"/>
-                <a:gd name="connsiteX38" fmla="*/ 230729 w 6264586"/>
-                <a:gd name="connsiteY38" fmla="*/ 4169260 h 6858001"/>
-                <a:gd name="connsiteX39" fmla="*/ 268893 w 6264586"/>
-                <a:gd name="connsiteY39" fmla="*/ 4544236 h 6858001"/>
-                <a:gd name="connsiteX40" fmla="*/ 379840 w 6264586"/>
-                <a:gd name="connsiteY40" fmla="*/ 4900056 h 6858001"/>
-                <a:gd name="connsiteX41" fmla="*/ 406512 w 6264586"/>
-                <a:gd name="connsiteY41" fmla="*/ 4960211 h 6858001"/>
-                <a:gd name="connsiteX42" fmla="*/ 417862 w 6264586"/>
-                <a:gd name="connsiteY42" fmla="*/ 4984613 h 6858001"/>
-                <a:gd name="connsiteX43" fmla="*/ 428077 w 6264586"/>
-                <a:gd name="connsiteY43" fmla="*/ 5005043 h 6858001"/>
-                <a:gd name="connsiteX44" fmla="*/ 460140 w 6264586"/>
-                <a:gd name="connsiteY44" fmla="*/ 5067327 h 6858001"/>
-                <a:gd name="connsiteX45" fmla="*/ 555197 w 6264586"/>
-                <a:gd name="connsiteY45" fmla="*/ 5229773 h 6858001"/>
-                <a:gd name="connsiteX46" fmla="*/ 660611 w 6264586"/>
-                <a:gd name="connsiteY46" fmla="*/ 5387396 h 6858001"/>
-                <a:gd name="connsiteX47" fmla="*/ 774110 w 6264586"/>
-                <a:gd name="connsiteY47" fmla="*/ 5542182 h 6858001"/>
-                <a:gd name="connsiteX48" fmla="*/ 917829 w 6264586"/>
-                <a:gd name="connsiteY48" fmla="*/ 5727896 h 6858001"/>
-                <a:gd name="connsiteX49" fmla="*/ 1012885 w 6264586"/>
-                <a:gd name="connsiteY49" fmla="*/ 5849767 h 6858001"/>
-                <a:gd name="connsiteX50" fmla="*/ 1133053 w 6264586"/>
-                <a:gd name="connsiteY50" fmla="*/ 6006822 h 6858001"/>
-                <a:gd name="connsiteX51" fmla="*/ 1194343 w 6264586"/>
-                <a:gd name="connsiteY51" fmla="*/ 6090245 h 6858001"/>
-                <a:gd name="connsiteX52" fmla="*/ 1249390 w 6264586"/>
-                <a:gd name="connsiteY52" fmla="*/ 6165155 h 6858001"/>
-                <a:gd name="connsiteX53" fmla="*/ 1345724 w 6264586"/>
-                <a:gd name="connsiteY53" fmla="*/ 6292132 h 6858001"/>
-                <a:gd name="connsiteX54" fmla="*/ 1364310 w 6264586"/>
-                <a:gd name="connsiteY54" fmla="*/ 6316251 h 6858001"/>
-                <a:gd name="connsiteX55" fmla="*/ 1373673 w 6264586"/>
-                <a:gd name="connsiteY55" fmla="*/ 6327885 h 6858001"/>
-                <a:gd name="connsiteX56" fmla="*/ 1484619 w 6264586"/>
-                <a:gd name="connsiteY56" fmla="*/ 6462240 h 6858001"/>
-                <a:gd name="connsiteX57" fmla="*/ 1739000 w 6264586"/>
-                <a:gd name="connsiteY57" fmla="*/ 6737335 h 6858001"/>
-                <a:gd name="connsiteX58" fmla="*/ 1866801 w 6264586"/>
-                <a:gd name="connsiteY58" fmla="*/ 6858001 h 6858001"/>
-                <a:gd name="connsiteX59" fmla="*/ 1144149 w 6264586"/>
-                <a:gd name="connsiteY59" fmla="*/ 6858001 h 6858001"/>
-                <a:gd name="connsiteX60" fmla="*/ 1058349 w 6264586"/>
-                <a:gd name="connsiteY60" fmla="*/ 6766452 h 6858001"/>
-                <a:gd name="connsiteX61" fmla="*/ 580309 w 6264586"/>
-                <a:gd name="connsiteY61" fmla="*/ 6105000 h 6858001"/>
-                <a:gd name="connsiteX62" fmla="*/ 1 w 6264586"/>
-                <a:gd name="connsiteY62" fmla="*/ 3960094 h 6858001"/>
-                <a:gd name="connsiteX63" fmla="*/ 2599292 w 6264586"/>
-                <a:gd name="connsiteY63" fmla="*/ 37050 h 6858001"/>
-              </a:gdLst>
-              <a:ahLst/>
-              <a:cxnLst>
-                <a:cxn ang="0">
-                  <a:pos x="connsiteX0" y="connsiteY0"/>
-                </a:cxn>
-                <a:cxn ang="0">
-                  <a:pos x="connsiteX1" y="connsiteY1"/>
-                </a:cxn>
-                <a:cxn ang="0">
-                  <a:pos x="connsiteX2" y="connsiteY2"/>
-                </a:cxn>
-                <a:cxn ang="0">
-                  <a:pos x="connsiteX3" y="connsiteY3"/>
-                </a:cxn>
-                <a:cxn ang="0">
-                  <a:pos x="connsiteX4" y="connsiteY4"/>
-                </a:cxn>
-                <a:cxn ang="0">
-                  <a:pos x="connsiteX5" y="connsiteY5"/>
-                </a:cxn>
-                <a:cxn ang="0">
-                  <a:pos x="connsiteX6" y="connsiteY6"/>
-                </a:cxn>
-                <a:cxn ang="0">
-                  <a:pos x="connsiteX7" y="connsiteY7"/>
-                </a:cxn>
-                <a:cxn ang="0">
-                  <a:pos x="connsiteX8" y="connsiteY8"/>
-                </a:cxn>
-                <a:cxn ang="0">
-                  <a:pos x="connsiteX9" y="connsiteY9"/>
-                </a:cxn>
-                <a:cxn ang="0">
-                  <a:pos x="connsiteX10" y="connsiteY10"/>
-                </a:cxn>
-                <a:cxn ang="0">
-                  <a:pos x="connsiteX11" y="connsiteY11"/>
-                </a:cxn>
-                <a:cxn ang="0">
-                  <a:pos x="connsiteX12" y="connsiteY12"/>
-                </a:cxn>
-                <a:cxn ang="0">
-                  <a:pos x="connsiteX13" y="connsiteY13"/>
-                </a:cxn>
-                <a:cxn ang="0">
-                  <a:pos x="connsiteX14" y="connsiteY14"/>
-                </a:cxn>
-                <a:cxn ang="0">
-                  <a:pos x="connsiteX15" y="connsiteY15"/>
-                </a:cxn>
-                <a:cxn ang="0">
-                  <a:pos x="connsiteX16" y="connsiteY16"/>
-                </a:cxn>
-                <a:cxn ang="0">
-                  <a:pos x="connsiteX17" y="connsiteY17"/>
-                </a:cxn>
-                <a:cxn ang="0">
-                  <a:pos x="connsiteX18" y="connsiteY18"/>
-                </a:cxn>
-                <a:cxn ang="0">
-                  <a:pos x="connsiteX19" y="connsiteY19"/>
-                </a:cxn>
-                <a:cxn ang="0">
-                  <a:pos x="connsiteX20" y="connsiteY20"/>
-                </a:cxn>
-                <a:cxn ang="0">
-                  <a:pos x="connsiteX21" y="connsiteY21"/>
-                </a:cxn>
-                <a:cxn ang="0">
-                  <a:pos x="connsiteX22" y="connsiteY22"/>
-                </a:cxn>
-                <a:cxn ang="0">
-                  <a:pos x="connsiteX23" y="connsiteY23"/>
-                </a:cxn>
-                <a:cxn ang="0">
-                  <a:pos x="connsiteX24" y="connsiteY24"/>
-                </a:cxn>
-                <a:cxn ang="0">
-                  <a:pos x="connsiteX25" y="connsiteY25"/>
-                </a:cxn>
-                <a:cxn ang="0">
-                  <a:pos x="connsiteX26" y="connsiteY26"/>
-                </a:cxn>
-                <a:cxn ang="0">
-                  <a:pos x="connsiteX27" y="connsiteY27"/>
-                </a:cxn>
-                <a:cxn ang="0">
-                  <a:pos x="connsiteX28" y="connsiteY28"/>
-                </a:cxn>
-                <a:cxn ang="0">
-                  <a:pos x="connsiteX29" y="connsiteY29"/>
-                </a:cxn>
-                <a:cxn ang="0">
-                  <a:pos x="connsiteX30" y="connsiteY30"/>
-                </a:cxn>
-                <a:cxn ang="0">
-                  <a:pos x="connsiteX31" y="connsiteY31"/>
-                </a:cxn>
-                <a:cxn ang="0">
-                  <a:pos x="connsiteX32" y="connsiteY32"/>
-                </a:cxn>
-                <a:cxn ang="0">
-                  <a:pos x="connsiteX33" y="connsiteY33"/>
-                </a:cxn>
-                <a:cxn ang="0">
-                  <a:pos x="connsiteX34" y="connsiteY34"/>
-                </a:cxn>
-                <a:cxn ang="0">
-                  <a:pos x="connsiteX35" y="connsiteY35"/>
-                </a:cxn>
-                <a:cxn ang="0">
-                  <a:pos x="connsiteX36" y="connsiteY36"/>
-                </a:cxn>
-                <a:cxn ang="0">
-                  <a:pos x="connsiteX37" y="connsiteY37"/>
-                </a:cxn>
-                <a:cxn ang="0">
-                  <a:pos x="connsiteX38" y="connsiteY38"/>
-                </a:cxn>
-                <a:cxn ang="0">
-                  <a:pos x="connsiteX39" y="connsiteY39"/>
-                </a:cxn>
-                <a:cxn ang="0">
-                  <a:pos x="connsiteX40" y="connsiteY40"/>
-                </a:cxn>
-                <a:cxn ang="0">
-                  <a:pos x="connsiteX41" y="connsiteY41"/>
-                </a:cxn>
-                <a:cxn ang="0">
-                  <a:pos x="connsiteX42" y="connsiteY42"/>
-                </a:cxn>
-                <a:cxn ang="0">
-                  <a:pos x="connsiteX43" y="connsiteY43"/>
-                </a:cxn>
-                <a:cxn ang="0">
-                  <a:pos x="connsiteX44" y="connsiteY44"/>
-                </a:cxn>
-                <a:cxn ang="0">
-                  <a:pos x="connsiteX45" y="connsiteY45"/>
-                </a:cxn>
-                <a:cxn ang="0">
-                  <a:pos x="connsiteX46" y="connsiteY46"/>
-                </a:cxn>
-                <a:cxn ang="0">
-                  <a:pos x="connsiteX47" y="connsiteY47"/>
-                </a:cxn>
-                <a:cxn ang="0">
-                  <a:pos x="connsiteX48" y="connsiteY48"/>
-                </a:cxn>
-                <a:cxn ang="0">
-                  <a:pos x="connsiteX49" y="connsiteY49"/>
-                </a:cxn>
-                <a:cxn ang="0">
-                  <a:pos x="connsiteX50" y="connsiteY50"/>
-                </a:cxn>
-                <a:cxn ang="0">
-                  <a:pos x="connsiteX51" y="connsiteY51"/>
-                </a:cxn>
-                <a:cxn ang="0">
-                  <a:pos x="connsiteX52" y="connsiteY52"/>
-                </a:cxn>
-                <a:cxn ang="0">
-                  <a:pos x="connsiteX53" y="connsiteY53"/>
-                </a:cxn>
-                <a:cxn ang="0">
-                  <a:pos x="connsiteX54" y="connsiteY54"/>
-                </a:cxn>
-                <a:cxn ang="0">
-                  <a:pos x="connsiteX55" y="connsiteY55"/>
-                </a:cxn>
-                <a:cxn ang="0">
-                  <a:pos x="connsiteX56" y="connsiteY56"/>
-                </a:cxn>
-                <a:cxn ang="0">
-                  <a:pos x="connsiteX57" y="connsiteY57"/>
-                </a:cxn>
-                <a:cxn ang="0">
-                  <a:pos x="connsiteX58" y="connsiteY58"/>
-                </a:cxn>
-                <a:cxn ang="0">
-                  <a:pos x="connsiteX59" y="connsiteY59"/>
-                </a:cxn>
-                <a:cxn ang="0">
-                  <a:pos x="connsiteX60" y="connsiteY60"/>
-                </a:cxn>
-                <a:cxn ang="0">
-                  <a:pos x="connsiteX61" y="connsiteY61"/>
-                </a:cxn>
-                <a:cxn ang="0">
-                  <a:pos x="connsiteX62" y="connsiteY62"/>
-                </a:cxn>
-                <a:cxn ang="0">
-                  <a:pos x="connsiteX63" y="connsiteY63"/>
-                </a:cxn>
-              </a:cxnLst>
-              <a:rect l="l" t="t" r="r" b="b"/>
-              <a:pathLst>
-                <a:path w="6264586" h="6858001">
-                  <a:moveTo>
-                    <a:pt x="6264586" y="6646464"/>
-                  </a:moveTo>
-                  <a:lnTo>
-                    <a:pt x="6264586" y="6858001"/>
-                  </a:lnTo>
-                  <a:lnTo>
-                    <a:pt x="5997170" y="6858001"/>
-                  </a:lnTo>
-                  <a:lnTo>
-                    <a:pt x="6121512" y="6761029"/>
-                  </a:lnTo>
-                  <a:close/>
-                  <a:moveTo>
-                    <a:pt x="2693206" y="0"/>
-                  </a:moveTo>
-                  <a:lnTo>
-                    <a:pt x="5872285" y="0"/>
-                  </a:lnTo>
-                  <a:lnTo>
-                    <a:pt x="6024875" y="68385"/>
-                  </a:lnTo>
-                  <a:cubicBezTo>
-                    <a:pt x="6086250" y="97989"/>
-                    <a:pt x="6146793" y="129318"/>
-                    <a:pt x="6206432" y="162336"/>
-                  </a:cubicBezTo>
-                  <a:lnTo>
-                    <a:pt x="6264586" y="196704"/>
-                  </a:lnTo>
-                  <a:lnTo>
-                    <a:pt x="6264586" y="537242"/>
-                  </a:lnTo>
-                  <a:lnTo>
-                    <a:pt x="6230189" y="517260"/>
-                  </a:lnTo>
-                  <a:cubicBezTo>
-                    <a:pt x="6012226" y="399931"/>
-                    <a:pt x="5780573" y="310008"/>
-                    <a:pt x="5540536" y="249543"/>
-                  </a:cubicBezTo>
-                  <a:cubicBezTo>
-                    <a:pt x="5421375" y="219324"/>
-                    <a:pt x="5300641" y="195644"/>
-                    <a:pt x="5178896" y="178606"/>
-                  </a:cubicBezTo>
-                  <a:cubicBezTo>
-                    <a:pt x="5057977" y="161840"/>
-                    <a:pt x="4936276" y="151186"/>
-                    <a:pt x="4814279" y="146683"/>
-                  </a:cubicBezTo>
-                  <a:cubicBezTo>
-                    <a:pt x="4761501" y="144556"/>
-                    <a:pt x="4708015" y="143421"/>
-                    <a:pt x="4655095" y="143421"/>
-                  </a:cubicBezTo>
-                  <a:cubicBezTo>
-                    <a:pt x="4462968" y="143573"/>
-                    <a:pt x="4271111" y="157799"/>
-                    <a:pt x="4081069" y="185983"/>
-                  </a:cubicBezTo>
-                  <a:cubicBezTo>
-                    <a:pt x="3956361" y="205703"/>
-                    <a:pt x="3835058" y="229396"/>
-                    <a:pt x="3720566" y="256921"/>
-                  </a:cubicBezTo>
-                  <a:cubicBezTo>
-                    <a:pt x="3596708" y="286714"/>
-                    <a:pt x="3477677" y="320905"/>
-                    <a:pt x="3365879" y="357651"/>
-                  </a:cubicBezTo>
-                  <a:cubicBezTo>
-                    <a:pt x="3249257" y="395958"/>
-                    <a:pt x="3133487" y="438945"/>
-                    <a:pt x="3020555" y="486190"/>
-                  </a:cubicBezTo>
-                  <a:cubicBezTo>
-                    <a:pt x="2907623" y="533434"/>
-                    <a:pt x="2794832" y="585786"/>
-                    <a:pt x="2685163" y="641542"/>
-                  </a:cubicBezTo>
-                  <a:cubicBezTo>
-                    <a:pt x="2463995" y="754348"/>
-                    <a:pt x="2250998" y="882488"/>
-                    <a:pt x="2047720" y="1025030"/>
-                  </a:cubicBezTo>
-                  <a:cubicBezTo>
-                    <a:pt x="2006151" y="1054399"/>
-                    <a:pt x="1951528" y="1093415"/>
-                    <a:pt x="1897333" y="1134983"/>
-                  </a:cubicBezTo>
-                  <a:cubicBezTo>
-                    <a:pt x="1876761" y="1150164"/>
-                    <a:pt x="1855905" y="1166479"/>
-                    <a:pt x="1835758" y="1182227"/>
-                  </a:cubicBezTo>
-                  <a:lnTo>
-                    <a:pt x="1823273" y="1192016"/>
-                  </a:lnTo>
-                  <a:cubicBezTo>
-                    <a:pt x="1797027" y="1211879"/>
-                    <a:pt x="1772057" y="1232309"/>
-                    <a:pt x="1750918" y="1249760"/>
-                  </a:cubicBezTo>
-                  <a:cubicBezTo>
-                    <a:pt x="1645931" y="1335737"/>
-                    <a:pt x="1554422" y="1416605"/>
-                    <a:pt x="1469297" y="1496906"/>
-                  </a:cubicBezTo>
-                  <a:cubicBezTo>
-                    <a:pt x="1286595" y="1668957"/>
-                    <a:pt x="1118818" y="1856190"/>
-                    <a:pt x="967769" y="2056602"/>
-                  </a:cubicBezTo>
-                  <a:cubicBezTo>
-                    <a:pt x="890731" y="2159603"/>
-                    <a:pt x="818800" y="2264590"/>
-                    <a:pt x="754105" y="2368727"/>
-                  </a:cubicBezTo>
-                  <a:cubicBezTo>
-                    <a:pt x="681749" y="2488328"/>
-                    <a:pt x="622304" y="2596720"/>
-                    <a:pt x="572364" y="2701140"/>
-                  </a:cubicBezTo>
-                  <a:cubicBezTo>
-                    <a:pt x="557609" y="2730507"/>
-                    <a:pt x="543989" y="2760443"/>
-                    <a:pt x="532497" y="2786265"/>
-                  </a:cubicBezTo>
-                  <a:lnTo>
-                    <a:pt x="512918" y="2828827"/>
-                  </a:lnTo>
-                  <a:lnTo>
-                    <a:pt x="494475" y="2872240"/>
-                  </a:lnTo>
-                  <a:lnTo>
-                    <a:pt x="491637" y="2878908"/>
-                  </a:lnTo>
-                  <a:cubicBezTo>
-                    <a:pt x="480146" y="2906575"/>
-                    <a:pt x="469220" y="2932821"/>
-                    <a:pt x="459290" y="2959635"/>
-                  </a:cubicBezTo>
-                  <a:cubicBezTo>
-                    <a:pt x="455176" y="2970559"/>
-                    <a:pt x="451060" y="2981484"/>
-                    <a:pt x="446805" y="2992408"/>
-                  </a:cubicBezTo>
-                  <a:cubicBezTo>
-                    <a:pt x="439427" y="3012412"/>
-                    <a:pt x="432333" y="3030572"/>
-                    <a:pt x="426090" y="3049158"/>
-                  </a:cubicBezTo>
-                  <a:lnTo>
-                    <a:pt x="426090" y="3049867"/>
-                  </a:lnTo>
-                  <a:cubicBezTo>
-                    <a:pt x="383010" y="3169099"/>
-                    <a:pt x="346959" y="3290756"/>
-                    <a:pt x="318124" y="3414202"/>
-                  </a:cubicBezTo>
-                  <a:cubicBezTo>
-                    <a:pt x="260107" y="3661703"/>
-                    <a:pt x="230780" y="3915049"/>
-                    <a:pt x="230729" y="4169260"/>
-                  </a:cubicBezTo>
-                  <a:cubicBezTo>
-                    <a:pt x="231621" y="4295173"/>
-                    <a:pt x="244398" y="4420719"/>
-                    <a:pt x="268893" y="4544236"/>
-                  </a:cubicBezTo>
-                  <a:cubicBezTo>
-                    <a:pt x="293708" y="4666304"/>
-                    <a:pt x="330882" y="4785521"/>
-                    <a:pt x="379840" y="4900056"/>
-                  </a:cubicBezTo>
-                  <a:cubicBezTo>
-                    <a:pt x="387926" y="4919919"/>
-                    <a:pt x="397006" y="4939498"/>
-                    <a:pt x="406512" y="4960211"/>
-                  </a:cubicBezTo>
-                  <a:cubicBezTo>
-                    <a:pt x="410343" y="4968299"/>
-                    <a:pt x="414173" y="4976385"/>
-                    <a:pt x="417862" y="4984613"/>
-                  </a:cubicBezTo>
-                  <a:lnTo>
-                    <a:pt x="428077" y="5005043"/>
-                  </a:lnTo>
-                  <a:cubicBezTo>
-                    <a:pt x="438860" y="5026751"/>
-                    <a:pt x="449075" y="5047181"/>
-                    <a:pt x="460140" y="5067327"/>
-                  </a:cubicBezTo>
-                  <a:cubicBezTo>
-                    <a:pt x="485536" y="5116273"/>
-                    <a:pt x="514763" y="5165789"/>
-                    <a:pt x="555197" y="5229773"/>
-                  </a:cubicBezTo>
-                  <a:cubicBezTo>
-                    <a:pt x="586836" y="5280282"/>
-                    <a:pt x="620318" y="5329511"/>
-                    <a:pt x="660611" y="5387396"/>
-                  </a:cubicBezTo>
-                  <a:cubicBezTo>
-                    <a:pt x="698065" y="5440741"/>
-                    <a:pt x="737223" y="5493094"/>
-                    <a:pt x="774110" y="5542182"/>
-                  </a:cubicBezTo>
-                  <a:cubicBezTo>
-                    <a:pt x="821070" y="5604324"/>
-                    <a:pt x="870301" y="5667173"/>
-                    <a:pt x="917829" y="5727896"/>
-                  </a:cubicBezTo>
-                  <a:cubicBezTo>
-                    <a:pt x="949042" y="5767762"/>
-                    <a:pt x="979828" y="5807063"/>
-                    <a:pt x="1012885" y="5849767"/>
-                  </a:cubicBezTo>
-                  <a:cubicBezTo>
-                    <a:pt x="1045942" y="5892471"/>
-                    <a:pt x="1089497" y="5948796"/>
-                    <a:pt x="1133053" y="6006822"/>
-                  </a:cubicBezTo>
-                  <a:cubicBezTo>
-                    <a:pt x="1153624" y="6034345"/>
-                    <a:pt x="1175332" y="6063998"/>
-                    <a:pt x="1194343" y="6090245"/>
-                  </a:cubicBezTo>
-                  <a:cubicBezTo>
-                    <a:pt x="1213355" y="6116491"/>
-                    <a:pt x="1231372" y="6141178"/>
-                    <a:pt x="1249390" y="6165155"/>
-                  </a:cubicBezTo>
-                  <a:cubicBezTo>
-                    <a:pt x="1280461" y="6208000"/>
-                    <a:pt x="1313659" y="6250847"/>
-                    <a:pt x="1345724" y="6292132"/>
-                  </a:cubicBezTo>
-                  <a:lnTo>
-                    <a:pt x="1364310" y="6316251"/>
-                  </a:lnTo>
-                  <a:lnTo>
-                    <a:pt x="1373673" y="6327885"/>
-                  </a:lnTo>
-                  <a:cubicBezTo>
-                    <a:pt x="1409566" y="6372433"/>
-                    <a:pt x="1446738" y="6418542"/>
-                    <a:pt x="1484619" y="6462240"/>
-                  </a:cubicBezTo>
-                  <a:cubicBezTo>
-                    <a:pt x="1567899" y="6559850"/>
-                    <a:pt x="1653876" y="6652211"/>
-                    <a:pt x="1739000" y="6737335"/>
-                  </a:cubicBezTo>
-                  <a:lnTo>
-                    <a:pt x="1866801" y="6858001"/>
-                  </a:lnTo>
-                  <a:lnTo>
-                    <a:pt x="1144149" y="6858001"/>
-                  </a:lnTo>
-                  <a:lnTo>
-                    <a:pt x="1058349" y="6766452"/>
-                  </a:lnTo>
-                  <a:cubicBezTo>
-                    <a:pt x="878978" y="6562465"/>
-                    <a:pt x="718756" y="6341104"/>
-                    <a:pt x="580309" y="6105000"/>
-                  </a:cubicBezTo>
-                  <a:cubicBezTo>
-                    <a:pt x="200401" y="5454007"/>
-                    <a:pt x="146" y="4713831"/>
-                    <a:pt x="1" y="3960094"/>
-                  </a:cubicBezTo>
-                  <a:cubicBezTo>
-                    <a:pt x="-335" y="2196754"/>
-                    <a:pt x="1071479" y="683605"/>
-                    <a:pt x="2599292" y="37050"/>
-                  </a:cubicBezTo>
-                  <a:close/>
-                </a:path>
-              </a:pathLst>
-            </a:custGeom>
-            <a:gradFill>
-              <a:gsLst>
-                <a:gs pos="2000">
-                  <a:schemeClr val="bg1">
-                    <a:alpha val="10000"/>
-                  </a:schemeClr>
-                </a:gs>
-                <a:gs pos="16000">
-                  <a:schemeClr val="accent6">
-                    <a:alpha val="10000"/>
-                  </a:schemeClr>
-                </a:gs>
-                <a:gs pos="100000">
-                  <a:schemeClr val="bg1">
-                    <a:alpha val="10000"/>
-                  </a:schemeClr>
-                </a:gs>
-                <a:gs pos="85000">
-                  <a:schemeClr val="accent1">
-                    <a:alpha val="10000"/>
-                  </a:schemeClr>
-                </a:gs>
-              </a:gsLst>
-              <a:lin ang="12000000" scaled="0"/>
-            </a:gradFill>
-            <a:ln>
-              <a:noFill/>
-            </a:ln>
-          </p:spPr>
-          <p:style>
-            <a:lnRef idx="2">
-              <a:schemeClr val="accent1">
-                <a:shade val="50000"/>
-              </a:schemeClr>
-            </a:lnRef>
-            <a:fillRef idx="1">
-              <a:schemeClr val="accent1"/>
-            </a:fillRef>
-            <a:effectRef idx="0">
-              <a:schemeClr val="accent1"/>
-            </a:effectRef>
-            <a:fontRef idx="minor">
-              <a:schemeClr val="lt1"/>
-            </a:fontRef>
-          </p:style>
-          <p:txBody>
-            <a:bodyPr rtlCol="0" anchor="ctr"/>
-            <a:lstStyle/>
-            <a:p>
-              <a:pPr algn="ctr"/>
-              <a:endParaRPr lang="en-US" dirty="0"/>
-            </a:p>
-          </p:txBody>
-        </p:sp>
-        <p:sp>
-          <p:nvSpPr>
-            <p:cNvPr id="17" name="Freeform: Shape 16">
-              <a:extLst>
-                <a:ext uri="{FF2B5EF4-FFF2-40B4-BE49-F238E27FC236}">
-                  <a16:creationId xmlns:a16="http://schemas.microsoft.com/office/drawing/2014/main" id="{C093DC50-3BD7-46B1-A300-CD207E152FF4}"/>
-                </a:ext>
-                <a:ext uri="{C183D7F6-B498-43B3-948B-1728B52AA6E4}">
-                  <adec:decorative xmlns:adec="http://schemas.microsoft.com/office/drawing/2017/decorative" val="1"/>
-                </a:ext>
-              </a:extLst>
-            </p:cNvPr>
-            <p:cNvSpPr/>
-            <p:nvPr>
-              <p:extLst>
-                <p:ext uri="{386F3935-93C4-4BCD-93E2-E3B085C9AB24}">
-                  <p16:designElem xmlns:p16="http://schemas.microsoft.com/office/powerpoint/2015/main" val="1"/>
-                </p:ext>
-              </p:extLst>
-            </p:nvPr>
-          </p:nvSpPr>
-          <p:spPr>
-            <a:xfrm flipH="1">
-              <a:off x="305" y="-5977"/>
-              <a:ext cx="6238675" cy="6858001"/>
-            </a:xfrm>
-            <a:custGeom>
-              <a:avLst/>
-              <a:gdLst>
-                <a:gd name="connsiteX0" fmla="*/ 6264586 w 6264586"/>
-                <a:gd name="connsiteY0" fmla="*/ 6646464 h 6858001"/>
-                <a:gd name="connsiteX1" fmla="*/ 6264586 w 6264586"/>
-                <a:gd name="connsiteY1" fmla="*/ 6858001 h 6858001"/>
-                <a:gd name="connsiteX2" fmla="*/ 5997170 w 6264586"/>
-                <a:gd name="connsiteY2" fmla="*/ 6858001 h 6858001"/>
-                <a:gd name="connsiteX3" fmla="*/ 6121512 w 6264586"/>
-                <a:gd name="connsiteY3" fmla="*/ 6761029 h 6858001"/>
-                <a:gd name="connsiteX4" fmla="*/ 2693206 w 6264586"/>
-                <a:gd name="connsiteY4" fmla="*/ 0 h 6858001"/>
-                <a:gd name="connsiteX5" fmla="*/ 5872285 w 6264586"/>
-                <a:gd name="connsiteY5" fmla="*/ 0 h 6858001"/>
-                <a:gd name="connsiteX6" fmla="*/ 6024875 w 6264586"/>
-                <a:gd name="connsiteY6" fmla="*/ 68385 h 6858001"/>
-                <a:gd name="connsiteX7" fmla="*/ 6206432 w 6264586"/>
-                <a:gd name="connsiteY7" fmla="*/ 162336 h 6858001"/>
-                <a:gd name="connsiteX8" fmla="*/ 6264586 w 6264586"/>
-                <a:gd name="connsiteY8" fmla="*/ 196704 h 6858001"/>
-                <a:gd name="connsiteX9" fmla="*/ 6264586 w 6264586"/>
-                <a:gd name="connsiteY9" fmla="*/ 537242 h 6858001"/>
-                <a:gd name="connsiteX10" fmla="*/ 6230189 w 6264586"/>
-                <a:gd name="connsiteY10" fmla="*/ 517260 h 6858001"/>
-                <a:gd name="connsiteX11" fmla="*/ 5540536 w 6264586"/>
-                <a:gd name="connsiteY11" fmla="*/ 249543 h 6858001"/>
-                <a:gd name="connsiteX12" fmla="*/ 5178896 w 6264586"/>
-                <a:gd name="connsiteY12" fmla="*/ 178606 h 6858001"/>
-                <a:gd name="connsiteX13" fmla="*/ 4814279 w 6264586"/>
-                <a:gd name="connsiteY13" fmla="*/ 146683 h 6858001"/>
-                <a:gd name="connsiteX14" fmla="*/ 4655095 w 6264586"/>
-                <a:gd name="connsiteY14" fmla="*/ 143421 h 6858001"/>
-                <a:gd name="connsiteX15" fmla="*/ 4081069 w 6264586"/>
-                <a:gd name="connsiteY15" fmla="*/ 185983 h 6858001"/>
-                <a:gd name="connsiteX16" fmla="*/ 3720566 w 6264586"/>
-                <a:gd name="connsiteY16" fmla="*/ 256921 h 6858001"/>
-                <a:gd name="connsiteX17" fmla="*/ 3365879 w 6264586"/>
-                <a:gd name="connsiteY17" fmla="*/ 357651 h 6858001"/>
-                <a:gd name="connsiteX18" fmla="*/ 3020555 w 6264586"/>
-                <a:gd name="connsiteY18" fmla="*/ 486190 h 6858001"/>
-                <a:gd name="connsiteX19" fmla="*/ 2685163 w 6264586"/>
-                <a:gd name="connsiteY19" fmla="*/ 641542 h 6858001"/>
-                <a:gd name="connsiteX20" fmla="*/ 2047720 w 6264586"/>
-                <a:gd name="connsiteY20" fmla="*/ 1025030 h 6858001"/>
-                <a:gd name="connsiteX21" fmla="*/ 1897333 w 6264586"/>
-                <a:gd name="connsiteY21" fmla="*/ 1134983 h 6858001"/>
-                <a:gd name="connsiteX22" fmla="*/ 1835758 w 6264586"/>
-                <a:gd name="connsiteY22" fmla="*/ 1182227 h 6858001"/>
-                <a:gd name="connsiteX23" fmla="*/ 1823273 w 6264586"/>
-                <a:gd name="connsiteY23" fmla="*/ 1192016 h 6858001"/>
-                <a:gd name="connsiteX24" fmla="*/ 1750918 w 6264586"/>
-                <a:gd name="connsiteY24" fmla="*/ 1249760 h 6858001"/>
-                <a:gd name="connsiteX25" fmla="*/ 1469297 w 6264586"/>
-                <a:gd name="connsiteY25" fmla="*/ 1496906 h 6858001"/>
-                <a:gd name="connsiteX26" fmla="*/ 967769 w 6264586"/>
-                <a:gd name="connsiteY26" fmla="*/ 2056602 h 6858001"/>
-                <a:gd name="connsiteX27" fmla="*/ 754105 w 6264586"/>
-                <a:gd name="connsiteY27" fmla="*/ 2368727 h 6858001"/>
-                <a:gd name="connsiteX28" fmla="*/ 572364 w 6264586"/>
-                <a:gd name="connsiteY28" fmla="*/ 2701140 h 6858001"/>
-                <a:gd name="connsiteX29" fmla="*/ 532497 w 6264586"/>
-                <a:gd name="connsiteY29" fmla="*/ 2786265 h 6858001"/>
-                <a:gd name="connsiteX30" fmla="*/ 512918 w 6264586"/>
-                <a:gd name="connsiteY30" fmla="*/ 2828827 h 6858001"/>
-                <a:gd name="connsiteX31" fmla="*/ 494475 w 6264586"/>
-                <a:gd name="connsiteY31" fmla="*/ 2872240 h 6858001"/>
-                <a:gd name="connsiteX32" fmla="*/ 491637 w 6264586"/>
-                <a:gd name="connsiteY32" fmla="*/ 2878908 h 6858001"/>
-                <a:gd name="connsiteX33" fmla="*/ 459290 w 6264586"/>
-                <a:gd name="connsiteY33" fmla="*/ 2959635 h 6858001"/>
-                <a:gd name="connsiteX34" fmla="*/ 446805 w 6264586"/>
-                <a:gd name="connsiteY34" fmla="*/ 2992408 h 6858001"/>
-                <a:gd name="connsiteX35" fmla="*/ 426090 w 6264586"/>
-                <a:gd name="connsiteY35" fmla="*/ 3049158 h 6858001"/>
-                <a:gd name="connsiteX36" fmla="*/ 426090 w 6264586"/>
-                <a:gd name="connsiteY36" fmla="*/ 3049867 h 6858001"/>
-                <a:gd name="connsiteX37" fmla="*/ 318124 w 6264586"/>
-                <a:gd name="connsiteY37" fmla="*/ 3414202 h 6858001"/>
-                <a:gd name="connsiteX38" fmla="*/ 230729 w 6264586"/>
-                <a:gd name="connsiteY38" fmla="*/ 4169260 h 6858001"/>
-                <a:gd name="connsiteX39" fmla="*/ 268893 w 6264586"/>
-                <a:gd name="connsiteY39" fmla="*/ 4544236 h 6858001"/>
-                <a:gd name="connsiteX40" fmla="*/ 379840 w 6264586"/>
-                <a:gd name="connsiteY40" fmla="*/ 4900056 h 6858001"/>
-                <a:gd name="connsiteX41" fmla="*/ 406512 w 6264586"/>
-                <a:gd name="connsiteY41" fmla="*/ 4960211 h 6858001"/>
-                <a:gd name="connsiteX42" fmla="*/ 417862 w 6264586"/>
-                <a:gd name="connsiteY42" fmla="*/ 4984613 h 6858001"/>
-                <a:gd name="connsiteX43" fmla="*/ 428077 w 6264586"/>
-                <a:gd name="connsiteY43" fmla="*/ 5005043 h 6858001"/>
-                <a:gd name="connsiteX44" fmla="*/ 460140 w 6264586"/>
-                <a:gd name="connsiteY44" fmla="*/ 5067327 h 6858001"/>
-                <a:gd name="connsiteX45" fmla="*/ 555197 w 6264586"/>
-                <a:gd name="connsiteY45" fmla="*/ 5229773 h 6858001"/>
-                <a:gd name="connsiteX46" fmla="*/ 660611 w 6264586"/>
-                <a:gd name="connsiteY46" fmla="*/ 5387396 h 6858001"/>
-                <a:gd name="connsiteX47" fmla="*/ 774110 w 6264586"/>
-                <a:gd name="connsiteY47" fmla="*/ 5542182 h 6858001"/>
-                <a:gd name="connsiteX48" fmla="*/ 917829 w 6264586"/>
-                <a:gd name="connsiteY48" fmla="*/ 5727896 h 6858001"/>
-                <a:gd name="connsiteX49" fmla="*/ 1012885 w 6264586"/>
-                <a:gd name="connsiteY49" fmla="*/ 5849767 h 6858001"/>
-                <a:gd name="connsiteX50" fmla="*/ 1133053 w 6264586"/>
-                <a:gd name="connsiteY50" fmla="*/ 6006822 h 6858001"/>
-                <a:gd name="connsiteX51" fmla="*/ 1194343 w 6264586"/>
-                <a:gd name="connsiteY51" fmla="*/ 6090245 h 6858001"/>
-                <a:gd name="connsiteX52" fmla="*/ 1249390 w 6264586"/>
-                <a:gd name="connsiteY52" fmla="*/ 6165155 h 6858001"/>
-                <a:gd name="connsiteX53" fmla="*/ 1345724 w 6264586"/>
-                <a:gd name="connsiteY53" fmla="*/ 6292132 h 6858001"/>
-                <a:gd name="connsiteX54" fmla="*/ 1364310 w 6264586"/>
-                <a:gd name="connsiteY54" fmla="*/ 6316251 h 6858001"/>
-                <a:gd name="connsiteX55" fmla="*/ 1373673 w 6264586"/>
-                <a:gd name="connsiteY55" fmla="*/ 6327885 h 6858001"/>
-                <a:gd name="connsiteX56" fmla="*/ 1484619 w 6264586"/>
-                <a:gd name="connsiteY56" fmla="*/ 6462240 h 6858001"/>
-                <a:gd name="connsiteX57" fmla="*/ 1739000 w 6264586"/>
-                <a:gd name="connsiteY57" fmla="*/ 6737335 h 6858001"/>
-                <a:gd name="connsiteX58" fmla="*/ 1866801 w 6264586"/>
-                <a:gd name="connsiteY58" fmla="*/ 6858001 h 6858001"/>
-                <a:gd name="connsiteX59" fmla="*/ 1144149 w 6264586"/>
-                <a:gd name="connsiteY59" fmla="*/ 6858001 h 6858001"/>
-                <a:gd name="connsiteX60" fmla="*/ 1058349 w 6264586"/>
-                <a:gd name="connsiteY60" fmla="*/ 6766452 h 6858001"/>
-                <a:gd name="connsiteX61" fmla="*/ 580309 w 6264586"/>
-                <a:gd name="connsiteY61" fmla="*/ 6105000 h 6858001"/>
-                <a:gd name="connsiteX62" fmla="*/ 1 w 6264586"/>
-                <a:gd name="connsiteY62" fmla="*/ 3960094 h 6858001"/>
-                <a:gd name="connsiteX63" fmla="*/ 2599292 w 6264586"/>
-                <a:gd name="connsiteY63" fmla="*/ 37050 h 6858001"/>
-              </a:gdLst>
-              <a:ahLst/>
-              <a:cxnLst>
-                <a:cxn ang="0">
-                  <a:pos x="connsiteX0" y="connsiteY0"/>
-                </a:cxn>
-                <a:cxn ang="0">
-                  <a:pos x="connsiteX1" y="connsiteY1"/>
-                </a:cxn>
-                <a:cxn ang="0">
-                  <a:pos x="connsiteX2" y="connsiteY2"/>
-                </a:cxn>
-                <a:cxn ang="0">
-                  <a:pos x="connsiteX3" y="connsiteY3"/>
-                </a:cxn>
-                <a:cxn ang="0">
-                  <a:pos x="connsiteX4" y="connsiteY4"/>
-                </a:cxn>
-                <a:cxn ang="0">
-                  <a:pos x="connsiteX5" y="connsiteY5"/>
-                </a:cxn>
-                <a:cxn ang="0">
-                  <a:pos x="connsiteX6" y="connsiteY6"/>
-                </a:cxn>
-                <a:cxn ang="0">
-                  <a:pos x="connsiteX7" y="connsiteY7"/>
-                </a:cxn>
-                <a:cxn ang="0">
-                  <a:pos x="connsiteX8" y="connsiteY8"/>
-                </a:cxn>
-                <a:cxn ang="0">
-                  <a:pos x="connsiteX9" y="connsiteY9"/>
-                </a:cxn>
-                <a:cxn ang="0">
-                  <a:pos x="connsiteX10" y="connsiteY10"/>
-                </a:cxn>
-                <a:cxn ang="0">
-                  <a:pos x="connsiteX11" y="connsiteY11"/>
-                </a:cxn>
-                <a:cxn ang="0">
-                  <a:pos x="connsiteX12" y="connsiteY12"/>
-                </a:cxn>
-                <a:cxn ang="0">
-                  <a:pos x="connsiteX13" y="connsiteY13"/>
-                </a:cxn>
-                <a:cxn ang="0">
-                  <a:pos x="connsiteX14" y="connsiteY14"/>
-                </a:cxn>
-                <a:cxn ang="0">
-                  <a:pos x="connsiteX15" y="connsiteY15"/>
-                </a:cxn>
-                <a:cxn ang="0">
-                  <a:pos x="connsiteX16" y="connsiteY16"/>
-                </a:cxn>
-                <a:cxn ang="0">
-                  <a:pos x="connsiteX17" y="connsiteY17"/>
-                </a:cxn>
-                <a:cxn ang="0">
-                  <a:pos x="connsiteX18" y="connsiteY18"/>
-                </a:cxn>
-                <a:cxn ang="0">
-                  <a:pos x="connsiteX19" y="connsiteY19"/>
-                </a:cxn>
-                <a:cxn ang="0">
-                  <a:pos x="connsiteX20" y="connsiteY20"/>
-                </a:cxn>
-                <a:cxn ang="0">
-                  <a:pos x="connsiteX21" y="connsiteY21"/>
-                </a:cxn>
-                <a:cxn ang="0">
-                  <a:pos x="connsiteX22" y="connsiteY22"/>
-                </a:cxn>
-                <a:cxn ang="0">
-                  <a:pos x="connsiteX23" y="connsiteY23"/>
-                </a:cxn>
-                <a:cxn ang="0">
-                  <a:pos x="connsiteX24" y="connsiteY24"/>
-                </a:cxn>
-                <a:cxn ang="0">
-                  <a:pos x="connsiteX25" y="connsiteY25"/>
-                </a:cxn>
-                <a:cxn ang="0">
-                  <a:pos x="connsiteX26" y="connsiteY26"/>
-                </a:cxn>
-                <a:cxn ang="0">
-                  <a:pos x="connsiteX27" y="connsiteY27"/>
-                </a:cxn>
-                <a:cxn ang="0">
-                  <a:pos x="connsiteX28" y="connsiteY28"/>
-                </a:cxn>
-                <a:cxn ang="0">
-                  <a:pos x="connsiteX29" y="connsiteY29"/>
-                </a:cxn>
-                <a:cxn ang="0">
-                  <a:pos x="connsiteX30" y="connsiteY30"/>
-                </a:cxn>
-                <a:cxn ang="0">
-                  <a:pos x="connsiteX31" y="connsiteY31"/>
-                </a:cxn>
-                <a:cxn ang="0">
-                  <a:pos x="connsiteX32" y="connsiteY32"/>
-                </a:cxn>
-                <a:cxn ang="0">
-                  <a:pos x="connsiteX33" y="connsiteY33"/>
-                </a:cxn>
-                <a:cxn ang="0">
-                  <a:pos x="connsiteX34" y="connsiteY34"/>
-                </a:cxn>
-                <a:cxn ang="0">
-                  <a:pos x="connsiteX35" y="connsiteY35"/>
-                </a:cxn>
-                <a:cxn ang="0">
-                  <a:pos x="connsiteX36" y="connsiteY36"/>
-                </a:cxn>
-                <a:cxn ang="0">
-                  <a:pos x="connsiteX37" y="connsiteY37"/>
-                </a:cxn>
-                <a:cxn ang="0">
-                  <a:pos x="connsiteX38" y="connsiteY38"/>
-                </a:cxn>
-                <a:cxn ang="0">
-                  <a:pos x="connsiteX39" y="connsiteY39"/>
-                </a:cxn>
-                <a:cxn ang="0">
-                  <a:pos x="connsiteX40" y="connsiteY40"/>
-                </a:cxn>
-                <a:cxn ang="0">
-                  <a:pos x="connsiteX41" y="connsiteY41"/>
-                </a:cxn>
-                <a:cxn ang="0">
-                  <a:pos x="connsiteX42" y="connsiteY42"/>
-                </a:cxn>
-                <a:cxn ang="0">
-                  <a:pos x="connsiteX43" y="connsiteY43"/>
-                </a:cxn>
-                <a:cxn ang="0">
-                  <a:pos x="connsiteX44" y="connsiteY44"/>
-                </a:cxn>
-                <a:cxn ang="0">
-                  <a:pos x="connsiteX45" y="connsiteY45"/>
-                </a:cxn>
-                <a:cxn ang="0">
-                  <a:pos x="connsiteX46" y="connsiteY46"/>
-                </a:cxn>
-                <a:cxn ang="0">
-                  <a:pos x="connsiteX47" y="connsiteY47"/>
-                </a:cxn>
-                <a:cxn ang="0">
-                  <a:pos x="connsiteX48" y="connsiteY48"/>
-                </a:cxn>
-                <a:cxn ang="0">
-                  <a:pos x="connsiteX49" y="connsiteY49"/>
-                </a:cxn>
-                <a:cxn ang="0">
-                  <a:pos x="connsiteX50" y="connsiteY50"/>
-                </a:cxn>
-                <a:cxn ang="0">
-                  <a:pos x="connsiteX51" y="connsiteY51"/>
-                </a:cxn>
-                <a:cxn ang="0">
-                  <a:pos x="connsiteX52" y="connsiteY52"/>
-                </a:cxn>
-                <a:cxn ang="0">
-                  <a:pos x="connsiteX53" y="connsiteY53"/>
-                </a:cxn>
-                <a:cxn ang="0">
-                  <a:pos x="connsiteX54" y="connsiteY54"/>
-                </a:cxn>
-                <a:cxn ang="0">
-                  <a:pos x="connsiteX55" y="connsiteY55"/>
-                </a:cxn>
-                <a:cxn ang="0">
-                  <a:pos x="connsiteX56" y="connsiteY56"/>
-                </a:cxn>
-                <a:cxn ang="0">
-                  <a:pos x="connsiteX57" y="connsiteY57"/>
-                </a:cxn>
-                <a:cxn ang="0">
-                  <a:pos x="connsiteX58" y="connsiteY58"/>
-                </a:cxn>
-                <a:cxn ang="0">
-                  <a:pos x="connsiteX59" y="connsiteY59"/>
-                </a:cxn>
-                <a:cxn ang="0">
-                  <a:pos x="connsiteX60" y="connsiteY60"/>
-                </a:cxn>
-                <a:cxn ang="0">
-                  <a:pos x="connsiteX61" y="connsiteY61"/>
-                </a:cxn>
-                <a:cxn ang="0">
-                  <a:pos x="connsiteX62" y="connsiteY62"/>
-                </a:cxn>
-                <a:cxn ang="0">
-                  <a:pos x="connsiteX63" y="connsiteY63"/>
-                </a:cxn>
-              </a:cxnLst>
-              <a:rect l="l" t="t" r="r" b="b"/>
-              <a:pathLst>
-                <a:path w="6264586" h="6858001">
-                  <a:moveTo>
-                    <a:pt x="6264586" y="6646464"/>
-                  </a:moveTo>
-                  <a:lnTo>
-                    <a:pt x="6264586" y="6858001"/>
-                  </a:lnTo>
-                  <a:lnTo>
-                    <a:pt x="5997170" y="6858001"/>
-                  </a:lnTo>
-                  <a:lnTo>
-                    <a:pt x="6121512" y="6761029"/>
-                  </a:lnTo>
-                  <a:close/>
-                  <a:moveTo>
-                    <a:pt x="2693206" y="0"/>
-                  </a:moveTo>
-                  <a:lnTo>
-                    <a:pt x="5872285" y="0"/>
-                  </a:lnTo>
-                  <a:lnTo>
-                    <a:pt x="6024875" y="68385"/>
-                  </a:lnTo>
-                  <a:cubicBezTo>
-                    <a:pt x="6086250" y="97989"/>
-                    <a:pt x="6146793" y="129318"/>
-                    <a:pt x="6206432" y="162336"/>
-                  </a:cubicBezTo>
-                  <a:lnTo>
-                    <a:pt x="6264586" y="196704"/>
-                  </a:lnTo>
-                  <a:lnTo>
-                    <a:pt x="6264586" y="537242"/>
-                  </a:lnTo>
-                  <a:lnTo>
-                    <a:pt x="6230189" y="517260"/>
-                  </a:lnTo>
-                  <a:cubicBezTo>
-                    <a:pt x="6012226" y="399931"/>
-                    <a:pt x="5780573" y="310008"/>
-                    <a:pt x="5540536" y="249543"/>
-                  </a:cubicBezTo>
-                  <a:cubicBezTo>
-                    <a:pt x="5421375" y="219324"/>
-                    <a:pt x="5300641" y="195644"/>
-                    <a:pt x="5178896" y="178606"/>
-                  </a:cubicBezTo>
-                  <a:cubicBezTo>
-                    <a:pt x="5057977" y="161840"/>
-                    <a:pt x="4936276" y="151186"/>
-                    <a:pt x="4814279" y="146683"/>
-                  </a:cubicBezTo>
-                  <a:cubicBezTo>
-                    <a:pt x="4761501" y="144556"/>
-                    <a:pt x="4708015" y="143421"/>
-                    <a:pt x="4655095" y="143421"/>
-                  </a:cubicBezTo>
-                  <a:cubicBezTo>
-                    <a:pt x="4462968" y="143573"/>
-                    <a:pt x="4271111" y="157799"/>
-                    <a:pt x="4081069" y="185983"/>
-                  </a:cubicBezTo>
-                  <a:cubicBezTo>
-                    <a:pt x="3956361" y="205703"/>
-                    <a:pt x="3835058" y="229396"/>
-                    <a:pt x="3720566" y="256921"/>
-                  </a:cubicBezTo>
-                  <a:cubicBezTo>
-                    <a:pt x="3596708" y="286714"/>
-                    <a:pt x="3477677" y="320905"/>
-                    <a:pt x="3365879" y="357651"/>
-                  </a:cubicBezTo>
-                  <a:cubicBezTo>
-                    <a:pt x="3249257" y="395958"/>
-                    <a:pt x="3133487" y="438945"/>
-                    <a:pt x="3020555" y="486190"/>
-                  </a:cubicBezTo>
-                  <a:cubicBezTo>
-                    <a:pt x="2907623" y="533434"/>
-                    <a:pt x="2794832" y="585786"/>
-                    <a:pt x="2685163" y="641542"/>
-                  </a:cubicBezTo>
-                  <a:cubicBezTo>
-                    <a:pt x="2463995" y="754348"/>
-                    <a:pt x="2250998" y="882488"/>
-                    <a:pt x="2047720" y="1025030"/>
-                  </a:cubicBezTo>
-                  <a:cubicBezTo>
-                    <a:pt x="2006151" y="1054399"/>
-                    <a:pt x="1951528" y="1093415"/>
-                    <a:pt x="1897333" y="1134983"/>
-                  </a:cubicBezTo>
-                  <a:cubicBezTo>
-                    <a:pt x="1876761" y="1150164"/>
-                    <a:pt x="1855905" y="1166479"/>
-                    <a:pt x="1835758" y="1182227"/>
-                  </a:cubicBezTo>
-                  <a:lnTo>
-                    <a:pt x="1823273" y="1192016"/>
-                  </a:lnTo>
-                  <a:cubicBezTo>
-                    <a:pt x="1797027" y="1211879"/>
-                    <a:pt x="1772057" y="1232309"/>
-                    <a:pt x="1750918" y="1249760"/>
-                  </a:cubicBezTo>
-                  <a:cubicBezTo>
-                    <a:pt x="1645931" y="1335737"/>
-                    <a:pt x="1554422" y="1416605"/>
-                    <a:pt x="1469297" y="1496906"/>
-                  </a:cubicBezTo>
-                  <a:cubicBezTo>
-                    <a:pt x="1286595" y="1668957"/>
-                    <a:pt x="1118818" y="1856190"/>
-                    <a:pt x="967769" y="2056602"/>
-                  </a:cubicBezTo>
-                  <a:cubicBezTo>
-                    <a:pt x="890731" y="2159603"/>
-                    <a:pt x="818800" y="2264590"/>
-                    <a:pt x="754105" y="2368727"/>
-                  </a:cubicBezTo>
-                  <a:cubicBezTo>
-                    <a:pt x="681749" y="2488328"/>
-                    <a:pt x="622304" y="2596720"/>
-                    <a:pt x="572364" y="2701140"/>
-                  </a:cubicBezTo>
-                  <a:cubicBezTo>
-                    <a:pt x="557609" y="2730507"/>
-                    <a:pt x="543989" y="2760443"/>
-                    <a:pt x="532497" y="2786265"/>
-                  </a:cubicBezTo>
-                  <a:lnTo>
-                    <a:pt x="512918" y="2828827"/>
-                  </a:lnTo>
-                  <a:lnTo>
-                    <a:pt x="494475" y="2872240"/>
-                  </a:lnTo>
-                  <a:lnTo>
-                    <a:pt x="491637" y="2878908"/>
-                  </a:lnTo>
-                  <a:cubicBezTo>
-                    <a:pt x="480146" y="2906575"/>
-                    <a:pt x="469220" y="2932821"/>
-                    <a:pt x="459290" y="2959635"/>
-                  </a:cubicBezTo>
-                  <a:cubicBezTo>
-                    <a:pt x="455176" y="2970559"/>
-                    <a:pt x="451060" y="2981484"/>
-                    <a:pt x="446805" y="2992408"/>
-                  </a:cubicBezTo>
-                  <a:cubicBezTo>
-                    <a:pt x="439427" y="3012412"/>
-                    <a:pt x="432333" y="3030572"/>
-                    <a:pt x="426090" y="3049158"/>
-                  </a:cubicBezTo>
-                  <a:lnTo>
-                    <a:pt x="426090" y="3049867"/>
-                  </a:lnTo>
-                  <a:cubicBezTo>
-                    <a:pt x="383010" y="3169099"/>
-                    <a:pt x="346959" y="3290756"/>
-                    <a:pt x="318124" y="3414202"/>
-                  </a:cubicBezTo>
-                  <a:cubicBezTo>
-                    <a:pt x="260107" y="3661703"/>
-                    <a:pt x="230780" y="3915049"/>
-                    <a:pt x="230729" y="4169260"/>
-                  </a:cubicBezTo>
-                  <a:cubicBezTo>
-                    <a:pt x="231621" y="4295173"/>
-                    <a:pt x="244398" y="4420719"/>
-                    <a:pt x="268893" y="4544236"/>
-                  </a:cubicBezTo>
-                  <a:cubicBezTo>
-                    <a:pt x="293708" y="4666304"/>
-                    <a:pt x="330882" y="4785521"/>
-                    <a:pt x="379840" y="4900056"/>
-                  </a:cubicBezTo>
-                  <a:cubicBezTo>
-                    <a:pt x="387926" y="4919919"/>
-                    <a:pt x="397006" y="4939498"/>
-                    <a:pt x="406512" y="4960211"/>
-                  </a:cubicBezTo>
-                  <a:cubicBezTo>
-                    <a:pt x="410343" y="4968299"/>
-                    <a:pt x="414173" y="4976385"/>
-                    <a:pt x="417862" y="4984613"/>
-                  </a:cubicBezTo>
-                  <a:lnTo>
-                    <a:pt x="428077" y="5005043"/>
-                  </a:lnTo>
-                  <a:cubicBezTo>
-                    <a:pt x="438860" y="5026751"/>
-                    <a:pt x="449075" y="5047181"/>
-                    <a:pt x="460140" y="5067327"/>
-                  </a:cubicBezTo>
-                  <a:cubicBezTo>
-                    <a:pt x="485536" y="5116273"/>
-                    <a:pt x="514763" y="5165789"/>
-                    <a:pt x="555197" y="5229773"/>
-                  </a:cubicBezTo>
-                  <a:cubicBezTo>
-                    <a:pt x="586836" y="5280282"/>
-                    <a:pt x="620318" y="5329511"/>
-                    <a:pt x="660611" y="5387396"/>
-                  </a:cubicBezTo>
-                  <a:cubicBezTo>
-                    <a:pt x="698065" y="5440741"/>
-                    <a:pt x="737223" y="5493094"/>
-                    <a:pt x="774110" y="5542182"/>
-                  </a:cubicBezTo>
-                  <a:cubicBezTo>
-                    <a:pt x="821070" y="5604324"/>
-                    <a:pt x="870301" y="5667173"/>
-                    <a:pt x="917829" y="5727896"/>
-                  </a:cubicBezTo>
-                  <a:cubicBezTo>
-                    <a:pt x="949042" y="5767762"/>
-                    <a:pt x="979828" y="5807063"/>
-                    <a:pt x="1012885" y="5849767"/>
-                  </a:cubicBezTo>
-                  <a:cubicBezTo>
-                    <a:pt x="1045942" y="5892471"/>
-                    <a:pt x="1089497" y="5948796"/>
-                    <a:pt x="1133053" y="6006822"/>
-                  </a:cubicBezTo>
-                  <a:cubicBezTo>
-                    <a:pt x="1153624" y="6034345"/>
-                    <a:pt x="1175332" y="6063998"/>
-                    <a:pt x="1194343" y="6090245"/>
-                  </a:cubicBezTo>
-                  <a:cubicBezTo>
-                    <a:pt x="1213355" y="6116491"/>
-                    <a:pt x="1231372" y="6141178"/>
-                    <a:pt x="1249390" y="6165155"/>
-                  </a:cubicBezTo>
-                  <a:cubicBezTo>
-                    <a:pt x="1280461" y="6208000"/>
-                    <a:pt x="1313659" y="6250847"/>
-                    <a:pt x="1345724" y="6292132"/>
-                  </a:cubicBezTo>
-                  <a:lnTo>
-                    <a:pt x="1364310" y="6316251"/>
-                  </a:lnTo>
-                  <a:lnTo>
-                    <a:pt x="1373673" y="6327885"/>
-                  </a:lnTo>
-                  <a:cubicBezTo>
-                    <a:pt x="1409566" y="6372433"/>
-                    <a:pt x="1446738" y="6418542"/>
-                    <a:pt x="1484619" y="6462240"/>
-                  </a:cubicBezTo>
-                  <a:cubicBezTo>
-                    <a:pt x="1567899" y="6559850"/>
-                    <a:pt x="1653876" y="6652211"/>
-                    <a:pt x="1739000" y="6737335"/>
-                  </a:cubicBezTo>
-                  <a:lnTo>
-                    <a:pt x="1866801" y="6858001"/>
-                  </a:lnTo>
-                  <a:lnTo>
-                    <a:pt x="1144149" y="6858001"/>
-                  </a:lnTo>
-                  <a:lnTo>
-                    <a:pt x="1058349" y="6766452"/>
-                  </a:lnTo>
-                  <a:cubicBezTo>
-                    <a:pt x="878978" y="6562465"/>
-                    <a:pt x="718756" y="6341104"/>
-                    <a:pt x="580309" y="6105000"/>
-                  </a:cubicBezTo>
-                  <a:cubicBezTo>
-                    <a:pt x="200401" y="5454007"/>
-                    <a:pt x="146" y="4713831"/>
-                    <a:pt x="1" y="3960094"/>
-                  </a:cubicBezTo>
-                  <a:cubicBezTo>
-                    <a:pt x="-335" y="2196754"/>
-                    <a:pt x="1071479" y="683605"/>
-                    <a:pt x="2599292" y="37050"/>
-                  </a:cubicBezTo>
-                  <a:close/>
-                </a:path>
-              </a:pathLst>
-            </a:custGeom>
-            <a:gradFill>
-              <a:gsLst>
-                <a:gs pos="2000">
-                  <a:schemeClr val="bg1">
-                    <a:alpha val="10000"/>
-                  </a:schemeClr>
-                </a:gs>
-                <a:gs pos="16000">
-                  <a:schemeClr val="accent6">
-                    <a:alpha val="10000"/>
-                  </a:schemeClr>
-                </a:gs>
-                <a:gs pos="100000">
-                  <a:schemeClr val="bg1">
-                    <a:alpha val="10000"/>
-                  </a:schemeClr>
-                </a:gs>
-                <a:gs pos="85000">
-                  <a:schemeClr val="accent1">
-                    <a:alpha val="10000"/>
-                  </a:schemeClr>
-                </a:gs>
-              </a:gsLst>
-              <a:lin ang="12000000" scaled="0"/>
-            </a:gradFill>
-            <a:ln>
-              <a:noFill/>
-            </a:ln>
-          </p:spPr>
-          <p:style>
-            <a:lnRef idx="2">
-              <a:schemeClr val="accent1">
-                <a:shade val="50000"/>
-              </a:schemeClr>
-            </a:lnRef>
-            <a:fillRef idx="1">
-              <a:schemeClr val="accent1"/>
-            </a:fillRef>
-            <a:effectRef idx="0">
-              <a:schemeClr val="accent1"/>
-            </a:effectRef>
-            <a:fontRef idx="minor">
-              <a:schemeClr val="lt1"/>
-            </a:fontRef>
-          </p:style>
-          <p:txBody>
-            <a:bodyPr rtlCol="0" anchor="ctr"/>
-            <a:lstStyle/>
-            <a:p>
-              <a:pPr algn="ctr"/>
-              <a:endParaRPr lang="en-US" dirty="0"/>
-            </a:p>
-          </p:txBody>
-        </p:sp>
-      </p:grpSp>
-    </p:spTree>
-    <p:extLst>
-      <p:ext uri="{BB962C8B-B14F-4D97-AF65-F5344CB8AC3E}">
-        <p14:creationId xmlns:p14="http://schemas.microsoft.com/office/powerpoint/2010/main" val="917940775"/>
-      </p:ext>
-    </p:extLst>
-  </p:cSld>
-  <p:clrMapOvr>
-    <a:masterClrMapping/>
-  </p:clrMapOvr>
 </p:sld>
 </file>
 
@@ -16773,7 +16371,7 @@
           <a:lstStyle/>
           <a:p>
             <a:r>
-              <a:rPr lang="es-ES" sz="3600">
+              <a:rPr lang="es-ES" sz="3600" b="1" dirty="0">
                 <a:solidFill>
                   <a:schemeClr val="tx2"/>
                 </a:solidFill>
@@ -16807,21 +16405,38 @@
         </p:spPr>
         <p:txBody>
           <a:bodyPr anchor="ctr">
-            <a:normAutofit/>
+            <a:normAutofit fontScale="92500" lnSpcReduction="20000"/>
           </a:bodyPr>
           <a:lstStyle/>
           <a:p>
+            <a:pPr algn="just"/>
             <a:r>
               <a:rPr lang="es-ES" sz="1800" dirty="0">
                 <a:solidFill>
                   <a:schemeClr val="tx2"/>
                 </a:solidFill>
               </a:rPr>
-              <a:t>En los datos suministrados los siguientes datos de quejas bancarias</a:t>
+              <a:t>El </a:t>
+            </a:r>
+            <a:r>
+              <a:rPr lang="es-ES" sz="1800" dirty="0" err="1">
+                <a:solidFill>
+                  <a:schemeClr val="tx2"/>
+                </a:solidFill>
+              </a:rPr>
+              <a:t>dataset</a:t>
+            </a:r>
+            <a:r>
+              <a:rPr lang="es-ES" sz="1800" dirty="0">
+                <a:solidFill>
+                  <a:schemeClr val="tx2"/>
+                </a:solidFill>
+              </a:rPr>
+              <a:t> suministrado eran de quejas bancarias con los siguientes datos:</a:t>
             </a:r>
           </a:p>
           <a:p>
-            <a:pPr lvl="1"/>
+            <a:pPr lvl="1" algn="just"/>
             <a:r>
               <a:rPr lang="es-ES" sz="1800" b="1" dirty="0" err="1">
                 <a:solidFill>
@@ -16840,7 +16455,7 @@
             </a:r>
           </a:p>
           <a:p>
-            <a:pPr lvl="1"/>
+            <a:pPr lvl="1" algn="just"/>
             <a:r>
               <a:rPr lang="es-ES" sz="1800" b="1" dirty="0" err="1">
                 <a:solidFill>
@@ -16868,7 +16483,7 @@
             </a:endParaRPr>
           </a:p>
           <a:p>
-            <a:pPr lvl="1"/>
+            <a:pPr lvl="1" algn="just"/>
             <a:r>
               <a:rPr lang="es-ES" sz="1800" b="1" dirty="0" err="1">
                 <a:solidFill>
@@ -16891,7 +16506,7 @@
             </a:r>
           </a:p>
           <a:p>
-            <a:pPr lvl="1"/>
+            <a:pPr lvl="1" algn="just"/>
             <a:r>
               <a:rPr lang="es-ES" sz="1800" b="1" dirty="0" err="1">
                 <a:solidFill>
@@ -16906,40 +16521,11 @@
                   <a:schemeClr val="tx2"/>
                 </a:solidFill>
               </a:rPr>
-              <a:t> ej. </a:t>
+              <a:t> ej. Tácticas de comunicación</a:t>
             </a:r>
-            <a:r>
-              <a:rPr lang="es-ES" sz="1800" dirty="0" err="1">
-                <a:solidFill>
-                  <a:schemeClr val="tx2"/>
-                </a:solidFill>
-              </a:rPr>
-              <a:t>Tacticas</a:t>
-            </a:r>
-            <a:r>
-              <a:rPr lang="es-ES" sz="1800" dirty="0">
-                <a:solidFill>
-                  <a:schemeClr val="tx2"/>
-                </a:solidFill>
-              </a:rPr>
-              <a:t> de </a:t>
-            </a:r>
-            <a:r>
-              <a:rPr lang="es-ES" sz="1800" dirty="0" err="1">
-                <a:solidFill>
-                  <a:schemeClr val="tx2"/>
-                </a:solidFill>
-              </a:rPr>
-              <a:t>comunicacion</a:t>
-            </a:r>
-            <a:endParaRPr lang="es-ES" sz="1800" dirty="0">
-              <a:solidFill>
-                <a:schemeClr val="tx2"/>
-              </a:solidFill>
-            </a:endParaRPr>
           </a:p>
           <a:p>
-            <a:pPr lvl="1"/>
+            <a:pPr lvl="1" algn="just"/>
             <a:r>
               <a:rPr lang="es-ES" sz="1800" b="1" dirty="0" err="1">
                 <a:solidFill>
@@ -16954,24 +16540,11 @@
                   <a:schemeClr val="tx2"/>
                 </a:solidFill>
               </a:rPr>
-              <a:t> ej. Llamadas repetitivas o </a:t>
+              <a:t> ej. Llamadas repetitivas o frecuentes</a:t>
             </a:r>
-            <a:r>
-              <a:rPr lang="es-ES" sz="1800" dirty="0" err="1">
-                <a:solidFill>
-                  <a:schemeClr val="tx2"/>
-                </a:solidFill>
-              </a:rPr>
-              <a:t>frequentes</a:t>
-            </a:r>
-            <a:endParaRPr lang="es-ES" sz="1800" dirty="0">
-              <a:solidFill>
-                <a:schemeClr val="tx2"/>
-              </a:solidFill>
-            </a:endParaRPr>
           </a:p>
           <a:p>
-            <a:pPr lvl="1"/>
+            <a:pPr lvl="1" algn="just"/>
             <a:r>
               <a:rPr lang="es-ES" sz="1800" b="1" dirty="0" err="1">
                 <a:solidFill>
@@ -16987,7 +16560,7 @@
             </a:endParaRPr>
           </a:p>
           <a:p>
-            <a:pPr lvl="1"/>
+            <a:pPr lvl="1" algn="just"/>
             <a:r>
               <a:rPr lang="es-ES" sz="1800" b="1" dirty="0">
                 <a:solidFill>
@@ -17011,7 +16584,7 @@
             </a:endParaRPr>
           </a:p>
           <a:p>
-            <a:pPr lvl="1"/>
+            <a:pPr lvl="1" algn="just"/>
             <a:r>
               <a:rPr lang="es-ES" sz="1800" b="1" dirty="0">
                 <a:solidFill>
@@ -17038,7 +16611,7 @@
             </a:r>
           </a:p>
           <a:p>
-            <a:pPr lvl="1"/>
+            <a:pPr lvl="1" algn="just"/>
             <a:r>
               <a:rPr lang="es-ES" sz="1800" b="1" dirty="0">
                 <a:solidFill>
@@ -17097,7 +16670,7 @@
             </a:r>
           </a:p>
           <a:p>
-            <a:pPr lvl="1"/>
+            <a:pPr lvl="1" algn="just"/>
             <a:r>
               <a:rPr lang="es-ES" sz="1800" b="1" dirty="0">
                 <a:solidFill>
@@ -17108,7 +16681,7 @@
             </a:r>
           </a:p>
           <a:p>
-            <a:pPr lvl="1"/>
+            <a:pPr lvl="1" algn="just"/>
             <a:r>
               <a:rPr lang="es-ES" sz="1800" b="1" u="sng" dirty="0" err="1">
                 <a:solidFill>
@@ -17127,7 +16700,7 @@
             </a:r>
           </a:p>
           <a:p>
-            <a:pPr lvl="1"/>
+            <a:pPr lvl="1" algn="just"/>
             <a:r>
               <a:rPr lang="es-ES" sz="1800" b="1" u="sng" dirty="0" err="1">
                 <a:solidFill>
@@ -17162,23 +16735,63 @@
             </a:r>
           </a:p>
           <a:p>
+            <a:pPr algn="just"/>
             <a:r>
               <a:rPr lang="es-ES" sz="1800" dirty="0">
                 <a:solidFill>
                   <a:schemeClr val="tx2"/>
                 </a:solidFill>
               </a:rPr>
-              <a:t>Estos dos datos indican la insatisfacción del cliente </a:t>
+              <a:t>La probabilidad de que un cliente dispute 4 veces mayor de que no dispute.</a:t>
             </a:r>
           </a:p>
           <a:p>
+            <a:pPr algn="just"/>
             <a:r>
               <a:rPr lang="es-ES" sz="1800" dirty="0">
                 <a:solidFill>
                   <a:schemeClr val="tx2"/>
                 </a:solidFill>
               </a:rPr>
-              <a:t>2 modelos 1 para valor</a:t>
+              <a:t>En los casos que no se responde a tiempo el consumidor siempre disputa.</a:t>
+            </a:r>
+          </a:p>
+          <a:p>
+            <a:pPr algn="just"/>
+            <a:r>
+              <a:rPr lang="es-ES" sz="1800" dirty="0">
+                <a:solidFill>
+                  <a:schemeClr val="tx2"/>
+                </a:solidFill>
+              </a:rPr>
+              <a:t>Estos dos datos pueden indicar la insatisfacción del cliente. </a:t>
+            </a:r>
+          </a:p>
+          <a:p>
+            <a:pPr algn="just"/>
+            <a:r>
+              <a:rPr lang="es-ES" sz="1800" dirty="0">
+                <a:solidFill>
+                  <a:schemeClr val="tx2"/>
+                </a:solidFill>
+              </a:rPr>
+              <a:t>2 modelos </a:t>
+            </a:r>
+            <a:r>
+              <a:rPr lang="es-ES" sz="1800" dirty="0" err="1">
+                <a:solidFill>
+                  <a:schemeClr val="tx2"/>
+                </a:solidFill>
+              </a:rPr>
+              <a:t>Timely</a:t>
+            </a:r>
+            <a:r>
+              <a:rPr lang="es-ES" sz="1800" dirty="0">
+                <a:solidFill>
+                  <a:schemeClr val="tx2"/>
+                </a:solidFill>
+              </a:rPr>
+              <a:t> response y dispute</a:t>
             </a:r>
           </a:p>
         </p:txBody>
@@ -20438,7 +20051,7 @@
                   <a:schemeClr val="tx2"/>
                 </a:solidFill>
               </a:rPr>
-              <a:t>Explicación del valor del modelo </a:t>
+              <a:t>Explicación de valor del modelo </a:t>
             </a:r>
             <a:r>
               <a:rPr lang="es-ES" sz="3600" b="1" u="sng" dirty="0" err="1">
@@ -20525,7 +20138,7 @@
           </a:bodyPr>
           <a:lstStyle/>
           <a:p>
-            <a:pPr marL="0" marR="0" lvl="0" indent="0" defTabSz="914400" rtl="0" eaLnBrk="0" fontAlgn="base" latinLnBrk="0" hangingPunct="0">
+            <a:pPr marL="0" marR="0" lvl="0" indent="0" algn="just" defTabSz="914400" rtl="0" eaLnBrk="0" fontAlgn="base" latinLnBrk="0" hangingPunct="0">
               <a:spcBef>
                 <a:spcPct val="0"/>
               </a:spcBef>
@@ -20553,7 +20166,32 @@
             </a:r>
           </a:p>
           <a:p>
-            <a:pPr marL="0" marR="0" lvl="0" indent="0" defTabSz="914400" rtl="0" eaLnBrk="0" fontAlgn="base" latinLnBrk="0" hangingPunct="0">
+            <a:pPr marL="0" marR="0" lvl="0" indent="0" algn="just" defTabSz="914400" rtl="0" eaLnBrk="0" fontAlgn="base" latinLnBrk="0" hangingPunct="0">
+              <a:spcBef>
+                <a:spcPct val="0"/>
+              </a:spcBef>
+              <a:spcAft>
+                <a:spcPts val="600"/>
+              </a:spcAft>
+              <a:buClrTx/>
+              <a:buSzTx/>
+              <a:buFontTx/>
+              <a:buChar char="•"/>
+              <a:tabLst/>
+            </a:pPr>
+            <a:endParaRPr kumimoji="0" lang="es-ES" altLang="es-ES" sz="1800" b="0" i="0" u="none" strike="noStrike" cap="none" normalizeH="0" baseline="0" dirty="0">
+              <a:ln>
+                <a:noFill/>
+              </a:ln>
+              <a:solidFill>
+                <a:schemeClr val="tx2"/>
+              </a:solidFill>
+              <a:effectLst/>
+              <a:latin typeface="Arial" panose="020B0604020202020204" pitchFamily="34" charset="0"/>
+            </a:endParaRPr>
+          </a:p>
+          <a:p>
+            <a:pPr marL="0" marR="0" lvl="0" indent="0" algn="just" defTabSz="914400" rtl="0" eaLnBrk="0" fontAlgn="base" latinLnBrk="0" hangingPunct="0">
               <a:spcBef>
                 <a:spcPct val="0"/>
               </a:spcBef>
@@ -20577,11 +20215,89 @@
                 <a:effectLst/>
                 <a:latin typeface="Arial" panose="020B0604020202020204" pitchFamily="34" charset="0"/>
               </a:rPr>
-              <a:t>Permite priorizar los casos más críticos, reduciendo retrasos y mejorando la eficiencia del equipo.</a:t>
+              <a:t>Permite priorizar los casos más urgentes</a:t>
             </a:r>
           </a:p>
           <a:p>
-            <a:pPr marL="0" marR="0" lvl="0" indent="0" defTabSz="914400" rtl="0" eaLnBrk="0" fontAlgn="base" latinLnBrk="0" hangingPunct="0">
+            <a:pPr marL="457200" lvl="1" indent="0" algn="just" eaLnBrk="0" fontAlgn="base" hangingPunct="0">
+              <a:spcBef>
+                <a:spcPct val="0"/>
+              </a:spcBef>
+              <a:spcAft>
+                <a:spcPts val="600"/>
+              </a:spcAft>
+              <a:buFontTx/>
+              <a:buChar char="•"/>
+            </a:pPr>
+            <a:r>
+              <a:rPr kumimoji="0" lang="es-ES" altLang="es-ES" sz="1400" b="0" i="0" u="none" strike="noStrike" cap="none" normalizeH="0" baseline="0" dirty="0">
+                <a:ln>
+                  <a:noFill/>
+                </a:ln>
+                <a:solidFill>
+                  <a:schemeClr val="tx2"/>
+                </a:solidFill>
+                <a:effectLst/>
+                <a:latin typeface="Arial" panose="020B0604020202020204" pitchFamily="34" charset="0"/>
+              </a:rPr>
+              <a:t> Reduce retrasos </a:t>
+            </a:r>
+          </a:p>
+          <a:p>
+            <a:pPr marL="457200" lvl="1" indent="0" algn="just" eaLnBrk="0" fontAlgn="base" hangingPunct="0">
+              <a:spcBef>
+                <a:spcPct val="0"/>
+              </a:spcBef>
+              <a:spcAft>
+                <a:spcPts val="600"/>
+              </a:spcAft>
+              <a:buFontTx/>
+              <a:buChar char="•"/>
+            </a:pPr>
+            <a:r>
+              <a:rPr kumimoji="0" lang="es-ES" altLang="es-ES" sz="1400" b="0" i="0" u="none" strike="noStrike" cap="none" normalizeH="0" baseline="0" dirty="0">
+                <a:ln>
+                  <a:noFill/>
+                </a:ln>
+                <a:solidFill>
+                  <a:schemeClr val="tx2"/>
+                </a:solidFill>
+                <a:effectLst/>
+                <a:latin typeface="Arial" panose="020B0604020202020204" pitchFamily="34" charset="0"/>
+              </a:rPr>
+              <a:t>Mejora la eficiencia del equipo.</a:t>
+            </a:r>
+            <a:endParaRPr lang="es-ES" altLang="es-ES" sz="1400" dirty="0">
+              <a:solidFill>
+                <a:schemeClr val="tx2"/>
+              </a:solidFill>
+              <a:latin typeface="Arial" panose="020B0604020202020204" pitchFamily="34" charset="0"/>
+            </a:endParaRPr>
+          </a:p>
+          <a:p>
+            <a:pPr marL="457200" lvl="1" indent="0" algn="just" eaLnBrk="0" fontAlgn="base" hangingPunct="0">
+              <a:spcBef>
+                <a:spcPct val="0"/>
+              </a:spcBef>
+              <a:spcAft>
+                <a:spcPts val="600"/>
+              </a:spcAft>
+              <a:buFontTx/>
+              <a:buChar char="•"/>
+            </a:pPr>
+            <a:endParaRPr kumimoji="0" lang="es-ES" altLang="es-ES" sz="1800" b="0" i="0" u="none" strike="noStrike" cap="none" normalizeH="0" baseline="0" dirty="0">
+              <a:ln>
+                <a:noFill/>
+              </a:ln>
+              <a:solidFill>
+                <a:schemeClr val="tx2"/>
+              </a:solidFill>
+              <a:effectLst/>
+              <a:latin typeface="Arial" panose="020B0604020202020204" pitchFamily="34" charset="0"/>
+            </a:endParaRPr>
+          </a:p>
+          <a:p>
+            <a:pPr marL="0" marR="0" lvl="0" indent="0" algn="just" defTabSz="914400" rtl="0" eaLnBrk="0" fontAlgn="base" latinLnBrk="0" hangingPunct="0">
               <a:spcBef>
                 <a:spcPct val="0"/>
               </a:spcBef>
@@ -20605,7 +20321,7 @@
                 <a:effectLst/>
                 <a:latin typeface="Arial" panose="020B0604020202020204" pitchFamily="34" charset="0"/>
               </a:rPr>
-              <a:t>Incrementa la satisfacción del cliente, contribuyendo a mayor retención</a:t>
+              <a:t>Incrementara la satisfacción del cliente, contribuyendo a mayor retención</a:t>
             </a:r>
           </a:p>
         </p:txBody>
@@ -23937,7 +23653,7 @@
           </a:bodyPr>
           <a:lstStyle/>
           <a:p>
-            <a:pPr marL="0" lvl="0" indent="0" eaLnBrk="0" fontAlgn="base" hangingPunct="0">
+            <a:pPr marL="0" lvl="0" indent="0" algn="just" eaLnBrk="0" fontAlgn="base" hangingPunct="0">
               <a:spcBef>
                 <a:spcPct val="0"/>
               </a:spcBef>
@@ -23947,10 +23663,21 @@
               <a:buNone/>
             </a:pPr>
             <a:r>
-              <a:rPr lang="es-ES" sz="1800" dirty="0"/>
+              <a:rPr lang="es-ES" sz="2400" dirty="0"/>
               <a:t>Tras modificar el programa de registro de quejas para clasificar automáticamente cada caso:</a:t>
             </a:r>
-            <a:endParaRPr kumimoji="0" lang="es-ES" altLang="es-ES" sz="1800" b="0" i="0" u="none" strike="noStrike" cap="none" normalizeH="0" baseline="0" dirty="0">
+          </a:p>
+          <a:p>
+            <a:pPr marL="0" lvl="0" indent="0" algn="just" eaLnBrk="0" fontAlgn="base" hangingPunct="0">
+              <a:spcBef>
+                <a:spcPct val="0"/>
+              </a:spcBef>
+              <a:spcAft>
+                <a:spcPts val="600"/>
+              </a:spcAft>
+              <a:buNone/>
+            </a:pPr>
+            <a:endParaRPr kumimoji="0" lang="es-ES" altLang="es-ES" sz="2400" b="0" i="0" u="none" strike="noStrike" cap="none" normalizeH="0" baseline="0" dirty="0">
               <a:ln>
                 <a:noFill/>
               </a:ln>
@@ -23962,18 +23689,15 @@
             </a:endParaRPr>
           </a:p>
           <a:p>
-            <a:pPr marL="0" marR="0" lvl="0" indent="0" defTabSz="914400" rtl="0" eaLnBrk="0" fontAlgn="base" latinLnBrk="0" hangingPunct="0">
+            <a:pPr marL="457200" lvl="1" indent="0" algn="just" eaLnBrk="0" fontAlgn="base" hangingPunct="0">
               <a:spcBef>
                 <a:spcPct val="0"/>
               </a:spcBef>
               <a:spcAft>
                 <a:spcPts val="600"/>
               </a:spcAft>
-              <a:buClrTx/>
-              <a:buSzTx/>
               <a:buFontTx/>
               <a:buChar char="•"/>
-              <a:tabLst/>
             </a:pPr>
             <a:r>
               <a:rPr kumimoji="0" lang="es-ES" altLang="es-ES" sz="1800" b="0" i="0" u="none" strike="noStrike" cap="none" normalizeH="0" baseline="0" dirty="0">
@@ -23990,7 +23714,7 @@
             </a:r>
           </a:p>
           <a:p>
-            <a:pPr marL="0" marR="0" lvl="0" indent="0" defTabSz="914400" rtl="0" eaLnBrk="0" fontAlgn="base" latinLnBrk="0" hangingPunct="0">
+            <a:pPr marL="0" marR="0" lvl="0" indent="0" algn="just" defTabSz="914400" rtl="0" eaLnBrk="0" fontAlgn="base" latinLnBrk="0" hangingPunct="0">
               <a:spcBef>
                 <a:spcPct val="0"/>
               </a:spcBef>
@@ -24002,6 +23726,28 @@
               <a:buFontTx/>
               <a:buChar char="•"/>
               <a:tabLst/>
+            </a:pPr>
+            <a:endParaRPr kumimoji="0" lang="es-ES" altLang="es-ES" sz="2400" b="0" i="0" u="none" strike="noStrike" cap="none" normalizeH="0" baseline="0" dirty="0">
+              <a:ln>
+                <a:noFill/>
+              </a:ln>
+              <a:solidFill>
+                <a:schemeClr val="tx2"/>
+              </a:solidFill>
+              <a:effectLst/>
+              <a:latin typeface="Arial" panose="020B0604020202020204" pitchFamily="34" charset="0"/>
+            </a:endParaRPr>
+          </a:p>
+          <a:p>
+            <a:pPr marL="457200" lvl="1" indent="0" algn="just" eaLnBrk="0" fontAlgn="base" hangingPunct="0">
+              <a:spcBef>
+                <a:spcPct val="0"/>
+              </a:spcBef>
+              <a:spcAft>
+                <a:spcPts val="600"/>
+              </a:spcAft>
+              <a:buFontTx/>
+              <a:buChar char="•"/>
             </a:pPr>
             <a:r>
               <a:rPr kumimoji="0" lang="es-ES" altLang="es-ES" sz="1800" b="0" i="0" u="none" strike="noStrike" cap="none" normalizeH="0" baseline="0" dirty="0">
@@ -24018,7 +23764,7 @@
             </a:r>
           </a:p>
           <a:p>
-            <a:pPr marL="0" marR="0" lvl="0" indent="0" defTabSz="914400" rtl="0" eaLnBrk="0" fontAlgn="base" latinLnBrk="0" hangingPunct="0">
+            <a:pPr marL="0" marR="0" lvl="0" indent="0" algn="just" defTabSz="914400" rtl="0" eaLnBrk="0" fontAlgn="base" latinLnBrk="0" hangingPunct="0">
               <a:spcBef>
                 <a:spcPct val="0"/>
               </a:spcBef>
@@ -24030,6 +23776,28 @@
               <a:buFontTx/>
               <a:buChar char="•"/>
               <a:tabLst/>
+            </a:pPr>
+            <a:endParaRPr kumimoji="0" lang="es-ES" altLang="es-ES" sz="2400" b="0" i="0" u="none" strike="noStrike" cap="none" normalizeH="0" baseline="0" dirty="0">
+              <a:ln>
+                <a:noFill/>
+              </a:ln>
+              <a:solidFill>
+                <a:schemeClr val="tx2"/>
+              </a:solidFill>
+              <a:effectLst/>
+              <a:latin typeface="Arial" panose="020B0604020202020204" pitchFamily="34" charset="0"/>
+            </a:endParaRPr>
+          </a:p>
+          <a:p>
+            <a:pPr marL="457200" lvl="1" indent="0" algn="just" eaLnBrk="0" fontAlgn="base" hangingPunct="0">
+              <a:spcBef>
+                <a:spcPct val="0"/>
+              </a:spcBef>
+              <a:spcAft>
+                <a:spcPts val="600"/>
+              </a:spcAft>
+              <a:buFontTx/>
+              <a:buChar char="•"/>
             </a:pPr>
             <a:r>
               <a:rPr kumimoji="0" lang="es-ES" altLang="es-ES" sz="1800" b="0" i="0" u="none" strike="noStrike" cap="none" normalizeH="0" baseline="0" dirty="0">
@@ -24046,7 +23814,7 @@
             </a:r>
           </a:p>
           <a:p>
-            <a:pPr marL="0" marR="0" lvl="0" indent="0" defTabSz="914400" rtl="0" eaLnBrk="0" fontAlgn="base" latinLnBrk="0" hangingPunct="0">
+            <a:pPr marL="0" marR="0" lvl="0" indent="0" algn="just" defTabSz="914400" rtl="0" eaLnBrk="0" fontAlgn="base" latinLnBrk="0" hangingPunct="0">
               <a:spcBef>
                 <a:spcPct val="0"/>
               </a:spcBef>
@@ -24058,6 +23826,28 @@
               <a:buFontTx/>
               <a:buChar char="•"/>
               <a:tabLst/>
+            </a:pPr>
+            <a:endParaRPr kumimoji="0" lang="es-ES" altLang="es-ES" sz="2400" b="0" i="0" u="none" strike="noStrike" cap="none" normalizeH="0" baseline="0" dirty="0">
+              <a:ln>
+                <a:noFill/>
+              </a:ln>
+              <a:solidFill>
+                <a:schemeClr val="tx2"/>
+              </a:solidFill>
+              <a:effectLst/>
+              <a:latin typeface="Arial" panose="020B0604020202020204" pitchFamily="34" charset="0"/>
+            </a:endParaRPr>
+          </a:p>
+          <a:p>
+            <a:pPr marL="457200" lvl="1" indent="0" algn="just" eaLnBrk="0" fontAlgn="base" hangingPunct="0">
+              <a:spcBef>
+                <a:spcPct val="0"/>
+              </a:spcBef>
+              <a:spcAft>
+                <a:spcPts val="600"/>
+              </a:spcAft>
+              <a:buFontTx/>
+              <a:buChar char="•"/>
             </a:pPr>
             <a:r>
               <a:rPr kumimoji="0" lang="es-ES" altLang="es-ES" sz="1800" b="0" i="0" u="none" strike="noStrike" cap="none" normalizeH="0" baseline="0" dirty="0">
@@ -27325,15 +27115,23 @@
           <a:lstStyle/>
           <a:p>
             <a:r>
-              <a:rPr lang="es-ES" sz="3600" b="1">
+              <a:rPr lang="es-ES" sz="3600" b="1" dirty="0">
                 <a:solidFill>
                   <a:schemeClr val="tx2"/>
                 </a:solidFill>
               </a:rPr>
-              <a:t>Visualización de resultados</a:t>
+              <a:t>Visualización de resultados del modelo  </a:t>
             </a:r>
             <a:r>
-              <a:rPr lang="es-ES" sz="3600">
+              <a:rPr lang="es-ES" sz="3600" b="1" dirty="0" err="1">
+                <a:solidFill>
+                  <a:schemeClr val="tx2"/>
+                </a:solidFill>
+              </a:rPr>
+              <a:t>timely</a:t>
+            </a:r>
+            <a:r>
+              <a:rPr lang="es-ES" sz="3600" dirty="0">
                 <a:solidFill>
                   <a:schemeClr val="tx2"/>
                 </a:solidFill>
@@ -27343,6 +27141,36 @@
           </a:p>
         </p:txBody>
       </p:sp>
+      <p:pic>
+        <p:nvPicPr>
+          <p:cNvPr id="5" name="Imagen 4">
+            <a:extLst>
+              <a:ext uri="{FF2B5EF4-FFF2-40B4-BE49-F238E27FC236}">
+                <a16:creationId xmlns:a16="http://schemas.microsoft.com/office/drawing/2014/main" id="{8A282050-FFA9-C585-52C3-B7DA8A549897}"/>
+              </a:ext>
+            </a:extLst>
+          </p:cNvPr>
+          <p:cNvPicPr>
+            <a:picLocks noChangeAspect="1"/>
+          </p:cNvPicPr>
+          <p:nvPr/>
+        </p:nvPicPr>
+        <p:blipFill>
+          <a:blip r:embed="rId2"/>
+          <a:stretch>
+            <a:fillRect/>
+          </a:stretch>
+        </p:blipFill>
+        <p:spPr>
+          <a:xfrm>
+            <a:off x="7286320" y="-41278"/>
+            <a:ext cx="4905375" cy="3933825"/>
+          </a:xfrm>
+          <a:prstGeom prst="rect">
+            <a:avLst/>
+          </a:prstGeom>
+        </p:spPr>
+      </p:pic>
       <p:sp>
         <p:nvSpPr>
           <p:cNvPr id="3" name="Marcador de contenido 2">
@@ -27361,8 +27189,8 @@
         </p:nvSpPr>
         <p:spPr>
           <a:xfrm>
-            <a:off x="6358738" y="0"/>
-            <a:ext cx="5221224" cy="5230368"/>
+            <a:off x="5135575" y="3184396"/>
+            <a:ext cx="3046315" cy="3632326"/>
           </a:xfrm>
         </p:spPr>
         <p:txBody>
@@ -27371,67 +27199,86 @@
           </a:bodyPr>
           <a:lstStyle/>
           <a:p>
+            <a:pPr algn="just"/>
             <a:r>
               <a:rPr lang="es-ES" sz="1800" dirty="0">
                 <a:solidFill>
                   <a:schemeClr val="tx2"/>
                 </a:solidFill>
               </a:rPr>
-              <a:t>Acierta 9 de cada 10 aunque acierta mas los casos que no se </a:t>
+              <a:t>Acierta 9 de cada 10 casos</a:t>
             </a:r>
-            <a:r>
-              <a:rPr lang="es-ES" sz="1800" dirty="0" err="1">
-                <a:solidFill>
-                  <a:schemeClr val="tx2"/>
-                </a:solidFill>
-              </a:rPr>
-              <a:t>respndera</a:t>
-            </a:r>
+          </a:p>
+          <a:p>
+            <a:pPr algn="just"/>
             <a:r>
               <a:rPr lang="es-ES" sz="1800" dirty="0">
                 <a:solidFill>
                   <a:schemeClr val="tx2"/>
                 </a:solidFill>
               </a:rPr>
-              <a:t> a tiempo</a:t>
+              <a:t>Acierta mas a menudo en casos que no se responderá a tiempo</a:t>
+            </a:r>
+          </a:p>
+          <a:p>
+            <a:pPr algn="just"/>
+            <a:r>
+              <a:rPr lang="es-ES" sz="1800" dirty="0">
+                <a:solidFill>
+                  <a:schemeClr val="tx2"/>
+                </a:solidFill>
+              </a:rPr>
+              <a:t>Arboles de decisión</a:t>
+            </a:r>
+          </a:p>
+          <a:p>
+            <a:pPr lvl="1" algn="just">
+              <a:buFont typeface="Wingdings" panose="05000000000000000000" pitchFamily="2" charset="2"/>
+              <a:buChar char="Ø"/>
+            </a:pPr>
+            <a:r>
+              <a:rPr lang="es-ES" sz="1400" dirty="0">
+                <a:solidFill>
+                  <a:schemeClr val="tx2"/>
+                </a:solidFill>
+              </a:rPr>
+              <a:t> técnica madura</a:t>
             </a:r>
           </a:p>
         </p:txBody>
       </p:sp>
-      <p:pic>
-        <p:nvPicPr>
-          <p:cNvPr id="7" name="Imagen 6">
+      <p:graphicFrame>
+        <p:nvGraphicFramePr>
+          <p:cNvPr id="7" name="Gráfico 6">
             <a:extLst>
               <a:ext uri="{FF2B5EF4-FFF2-40B4-BE49-F238E27FC236}">
-                <a16:creationId xmlns:a16="http://schemas.microsoft.com/office/drawing/2014/main" id="{6C43C20C-B2BA-2192-C584-B618B9FD66E4}"/>
+                <a16:creationId xmlns:a16="http://schemas.microsoft.com/office/drawing/2014/main" id="{409445E2-69EF-6EB7-7A0E-22B1B29C4A11}"/>
               </a:ext>
             </a:extLst>
           </p:cNvPr>
-          <p:cNvPicPr>
-            <a:picLocks noChangeAspect="1"/>
-          </p:cNvPicPr>
-          <p:nvPr/>
-        </p:nvPicPr>
-        <p:blipFill>
-          <a:blip r:embed="rId2"/>
-          <a:stretch>
-            <a:fillRect/>
-          </a:stretch>
-        </p:blipFill>
-        <p:spPr>
-          <a:xfrm>
-            <a:off x="6646545" y="2924174"/>
-            <a:ext cx="4905375" cy="3933825"/>
-          </a:xfrm>
-          <a:prstGeom prst="rect">
-            <a:avLst/>
-          </a:prstGeom>
-        </p:spPr>
-      </p:pic>
+          <p:cNvGraphicFramePr/>
+          <p:nvPr>
+            <p:extLst>
+              <p:ext uri="{D42A27DB-BD31-4B8C-83A1-F6EECF244321}">
+                <p14:modId xmlns:p14="http://schemas.microsoft.com/office/powerpoint/2010/main" val="1339620594"/>
+              </p:ext>
+            </p:extLst>
+          </p:nvPr>
+        </p:nvGraphicFramePr>
+        <p:xfrm>
+          <a:off x="8038657" y="3776509"/>
+          <a:ext cx="4105294" cy="3197529"/>
+        </p:xfrm>
+        <a:graphic>
+          <a:graphicData uri="http://schemas.openxmlformats.org/drawingml/2006/chart">
+            <c:chart xmlns:c="http://schemas.openxmlformats.org/drawingml/2006/chart" xmlns:r="http://schemas.openxmlformats.org/officeDocument/2006/relationships" r:id="rId3"/>
+          </a:graphicData>
+        </a:graphic>
+      </p:graphicFrame>
     </p:spTree>
     <p:extLst>
       <p:ext uri="{BB962C8B-B14F-4D97-AF65-F5344CB8AC3E}">
-        <p14:creationId xmlns:p14="http://schemas.microsoft.com/office/powerpoint/2010/main" val="30696761"/>
+        <p14:creationId xmlns:p14="http://schemas.microsoft.com/office/powerpoint/2010/main" val="1282463673"/>
       </p:ext>
     </p:extLst>
   </p:cSld>
@@ -30691,7 +30538,7 @@
                   <a:schemeClr val="tx2"/>
                 </a:solidFill>
               </a:rPr>
-              <a:t>consumer</a:t>
+              <a:t>Consumer</a:t>
             </a:r>
             <a:r>
               <a:rPr lang="es-ES" sz="3600" b="1" u="sng" dirty="0">
@@ -30699,7 +30546,7 @@
                   <a:schemeClr val="tx2"/>
                 </a:solidFill>
               </a:rPr>
-              <a:t> dispute</a:t>
+              <a:t> Dispute</a:t>
             </a:r>
             <a:br>
               <a:rPr lang="es-ES" sz="3600" b="1" u="sng" dirty="0">
@@ -30783,7 +30630,7 @@
           </a:bodyPr>
           <a:lstStyle/>
           <a:p>
-            <a:pPr marL="0" marR="0" lvl="0" indent="0" algn="l" defTabSz="914400" rtl="0" eaLnBrk="0" fontAlgn="base" latinLnBrk="0" hangingPunct="0">
+            <a:pPr marL="0" marR="0" lvl="0" indent="0" algn="just" defTabSz="914400" rtl="0" eaLnBrk="0" fontAlgn="base" latinLnBrk="0" hangingPunct="0">
               <a:lnSpc>
                 <a:spcPct val="100000"/>
               </a:lnSpc>
@@ -30814,7 +30661,7 @@
             </a:r>
           </a:p>
           <a:p>
-            <a:pPr marL="0" marR="0" lvl="0" indent="0" algn="l" defTabSz="914400" rtl="0" eaLnBrk="0" fontAlgn="base" latinLnBrk="0" hangingPunct="0">
+            <a:pPr marL="0" marR="0" lvl="0" indent="0" algn="just" defTabSz="914400" rtl="0" eaLnBrk="0" fontAlgn="base" latinLnBrk="0" hangingPunct="0">
               <a:lnSpc>
                 <a:spcPct val="100000"/>
               </a:lnSpc>
@@ -30842,7 +30689,7 @@
             </a:endParaRPr>
           </a:p>
           <a:p>
-            <a:pPr marL="0" marR="0" lvl="0" indent="0" algn="l" defTabSz="914400" rtl="0" eaLnBrk="0" fontAlgn="base" latinLnBrk="0" hangingPunct="0">
+            <a:pPr marL="0" marR="0" lvl="0" indent="0" algn="just" defTabSz="914400" rtl="0" eaLnBrk="0" fontAlgn="base" latinLnBrk="0" hangingPunct="0">
               <a:lnSpc>
                 <a:spcPct val="100000"/>
               </a:lnSpc>
@@ -30873,7 +30720,7 @@
             </a:r>
           </a:p>
           <a:p>
-            <a:pPr marL="0" marR="0" lvl="0" indent="0" algn="l" defTabSz="914400" rtl="0" eaLnBrk="0" fontAlgn="base" latinLnBrk="0" hangingPunct="0">
+            <a:pPr marL="0" marR="0" lvl="0" indent="0" algn="just" defTabSz="914400" rtl="0" eaLnBrk="0" fontAlgn="base" latinLnBrk="0" hangingPunct="0">
               <a:lnSpc>
                 <a:spcPct val="100000"/>
               </a:lnSpc>
@@ -30901,7 +30748,7 @@
             </a:endParaRPr>
           </a:p>
           <a:p>
-            <a:pPr marL="0" marR="0" lvl="0" indent="0" algn="l" defTabSz="914400" rtl="0" eaLnBrk="0" fontAlgn="base" latinLnBrk="0" hangingPunct="0">
+            <a:pPr marL="0" marR="0" lvl="0" indent="0" algn="just" defTabSz="914400" rtl="0" eaLnBrk="0" fontAlgn="base" latinLnBrk="0" hangingPunct="0">
               <a:lnSpc>
                 <a:spcPct val="100000"/>
               </a:lnSpc>
@@ -30932,7 +30779,7 @@
             </a:r>
           </a:p>
           <a:p>
-            <a:pPr marL="0" marR="0" lvl="0" indent="0" algn="l" defTabSz="914400" rtl="0" eaLnBrk="0" fontAlgn="base" latinLnBrk="0" hangingPunct="0">
+            <a:pPr marL="0" marR="0" lvl="0" indent="0" algn="just" defTabSz="914400" rtl="0" eaLnBrk="0" fontAlgn="base" latinLnBrk="0" hangingPunct="0">
               <a:lnSpc>
                 <a:spcPct val="100000"/>
               </a:lnSpc>
@@ -30960,7 +30807,7 @@
             </a:endParaRPr>
           </a:p>
           <a:p>
-            <a:pPr marL="0" marR="0" lvl="0" indent="0" algn="l" defTabSz="914400" rtl="0" eaLnBrk="0" fontAlgn="base" latinLnBrk="0" hangingPunct="0">
+            <a:pPr marL="0" marR="0" lvl="0" indent="0" algn="just" defTabSz="914400" rtl="0" eaLnBrk="0" fontAlgn="base" latinLnBrk="0" hangingPunct="0">
               <a:lnSpc>
                 <a:spcPct val="100000"/>
               </a:lnSpc>
@@ -34247,7 +34094,7 @@
                   <a:schemeClr val="tx2"/>
                 </a:solidFill>
               </a:rPr>
-              <a:t>Beneficios y aplicaciones prácticas dispute</a:t>
+              <a:t>Beneficios y aplicaciones prácticas del modelo dispute</a:t>
             </a:r>
             <a:endParaRPr lang="es-ES" sz="3600" dirty="0">
               <a:solidFill>
@@ -34275,8 +34122,8 @@
         </p:nvSpPr>
         <p:spPr bwMode="auto">
           <a:xfrm>
-            <a:off x="7146234" y="1305341"/>
-            <a:ext cx="4164497" cy="4247317"/>
+            <a:off x="5562600" y="1997840"/>
+            <a:ext cx="5748131" cy="2862322"/>
           </a:xfrm>
           <a:prstGeom prst="rect">
             <a:avLst/>
@@ -34324,7 +34171,7 @@
           </a:bodyPr>
           <a:lstStyle/>
           <a:p>
-            <a:pPr marL="0" marR="0" lvl="0" indent="0" algn="l" defTabSz="914400" rtl="0" eaLnBrk="0" fontAlgn="base" latinLnBrk="0" hangingPunct="0">
+            <a:pPr algn="just" eaLnBrk="0" fontAlgn="base" hangingPunct="0">
               <a:lnSpc>
                 <a:spcPct val="100000"/>
               </a:lnSpc>
@@ -34334,14 +34181,60 @@
               <a:spcAft>
                 <a:spcPct val="0"/>
               </a:spcAft>
-              <a:buClrTx/>
-              <a:buSzTx/>
-              <a:buFontTx/>
-              <a:buChar char="•"/>
-              <a:tabLst/>
             </a:pPr>
             <a:r>
-              <a:rPr kumimoji="0" lang="es-ES" altLang="es-ES" sz="1800" b="0" i="0" u="none" strike="noStrike" cap="none" normalizeH="0" baseline="0">
+              <a:rPr lang="es-ES" altLang="es-ES" sz="1800" dirty="0">
+                <a:latin typeface="Arial" panose="020B0604020202020204" pitchFamily="34" charset="0"/>
+              </a:rPr>
+              <a:t>Identifica las quejas cuyos consumidores tengan mas probabilidades </a:t>
+            </a:r>
+            <a:r>
+              <a:rPr lang="es-ES" altLang="es-ES" sz="1800">
+                <a:latin typeface="Arial" panose="020B0604020202020204" pitchFamily="34" charset="0"/>
+              </a:rPr>
+              <a:t>de disputar.</a:t>
+            </a:r>
+            <a:endParaRPr lang="es-ES" altLang="es-ES" sz="1800" dirty="0">
+              <a:latin typeface="Arial" panose="020B0604020202020204" pitchFamily="34" charset="0"/>
+            </a:endParaRPr>
+          </a:p>
+          <a:p>
+            <a:pPr algn="just" eaLnBrk="0" fontAlgn="base" hangingPunct="0">
+              <a:lnSpc>
+                <a:spcPct val="100000"/>
+              </a:lnSpc>
+              <a:spcBef>
+                <a:spcPct val="0"/>
+              </a:spcBef>
+              <a:spcAft>
+                <a:spcPct val="0"/>
+              </a:spcAft>
+            </a:pPr>
+            <a:endParaRPr kumimoji="0" lang="es-ES" altLang="es-ES" sz="1800" b="0" i="0" u="none" strike="noStrike" cap="none" normalizeH="0" baseline="0" dirty="0">
+              <a:ln>
+                <a:noFill/>
+              </a:ln>
+              <a:solidFill>
+                <a:schemeClr val="tx1"/>
+              </a:solidFill>
+              <a:effectLst/>
+              <a:latin typeface="Arial" panose="020B0604020202020204" pitchFamily="34" charset="0"/>
+            </a:endParaRPr>
+          </a:p>
+          <a:p>
+            <a:pPr algn="just" eaLnBrk="0" fontAlgn="base" hangingPunct="0">
+              <a:lnSpc>
+                <a:spcPct val="100000"/>
+              </a:lnSpc>
+              <a:spcBef>
+                <a:spcPct val="0"/>
+              </a:spcBef>
+              <a:spcAft>
+                <a:spcPct val="0"/>
+              </a:spcAft>
+            </a:pPr>
+            <a:r>
+              <a:rPr kumimoji="0" lang="es-ES" altLang="es-ES" sz="1800" b="0" i="0" u="none" strike="noStrike" cap="none" normalizeH="0" baseline="0" dirty="0">
                 <a:ln>
                   <a:noFill/>
                 </a:ln>
@@ -34351,11 +34244,14 @@
                 <a:effectLst/>
                 <a:latin typeface="Arial" panose="020B0604020202020204" pitchFamily="34" charset="0"/>
               </a:rPr>
-              <a:t>Identifica automáticamente clientes con alta probabilidad de presentar reclamaciones.</a:t>
+              <a:t>Permite al equipo de atención priorizar casos críticos.</a:t>
             </a:r>
+            <a:endParaRPr lang="es-ES" altLang="es-ES" sz="1800" dirty="0">
+              <a:latin typeface="Arial" panose="020B0604020202020204" pitchFamily="34" charset="0"/>
+            </a:endParaRPr>
           </a:p>
           <a:p>
-            <a:pPr marL="0" marR="0" lvl="0" indent="0" algn="l" defTabSz="914400" rtl="0" eaLnBrk="0" fontAlgn="base" latinLnBrk="0" hangingPunct="0">
+            <a:pPr algn="just" eaLnBrk="0" fontAlgn="base" hangingPunct="0">
               <a:lnSpc>
                 <a:spcPct val="100000"/>
               </a:lnSpc>
@@ -34365,14 +34261,38 @@
               <a:spcAft>
                 <a:spcPct val="0"/>
               </a:spcAft>
-              <a:buClrTx/>
-              <a:buSzTx/>
-              <a:buFontTx/>
-              <a:buChar char="•"/>
-              <a:tabLst/>
+            </a:pPr>
+            <a:endParaRPr kumimoji="0" lang="es-ES" altLang="es-ES" sz="1800" b="0" i="0" u="none" strike="noStrike" cap="none" normalizeH="0" baseline="0" dirty="0">
+              <a:ln>
+                <a:noFill/>
+              </a:ln>
+              <a:solidFill>
+                <a:schemeClr val="tx1"/>
+              </a:solidFill>
+              <a:effectLst/>
+              <a:latin typeface="Arial" panose="020B0604020202020204" pitchFamily="34" charset="0"/>
+            </a:endParaRPr>
+          </a:p>
+          <a:p>
+            <a:pPr algn="just" eaLnBrk="0" fontAlgn="base" hangingPunct="0">
+              <a:lnSpc>
+                <a:spcPct val="100000"/>
+              </a:lnSpc>
+              <a:spcBef>
+                <a:spcPct val="0"/>
+              </a:spcBef>
+              <a:spcAft>
+                <a:spcPct val="0"/>
+              </a:spcAft>
             </a:pPr>
             <a:r>
-              <a:rPr kumimoji="0" lang="es-ES" altLang="es-ES" sz="1800" b="0" i="0" u="none" strike="noStrike" cap="none" normalizeH="0" baseline="0">
+              <a:rPr lang="es-ES" altLang="es-ES" sz="1800" dirty="0">
+                <a:latin typeface="Arial" panose="020B0604020202020204" pitchFamily="34" charset="0"/>
+              </a:rPr>
+              <a:t>M</a:t>
+            </a:r>
+            <a:r>
+              <a:rPr kumimoji="0" lang="es-ES" altLang="es-ES" sz="1800" b="0" i="0" u="none" strike="noStrike" cap="none" normalizeH="0" baseline="0" dirty="0">
                 <a:ln>
                   <a:noFill/>
                 </a:ln>
@@ -34382,11 +34302,14 @@
                 <a:effectLst/>
                 <a:latin typeface="Arial" panose="020B0604020202020204" pitchFamily="34" charset="0"/>
               </a:rPr>
-              <a:t>Permite al equipo de atención priorizar casos críticos y asignar recursos de manera eficiente.</a:t>
+              <a:t>ejora la satisfacción del cliente.</a:t>
             </a:r>
+            <a:endParaRPr lang="es-ES" altLang="es-ES" sz="1800" dirty="0">
+              <a:latin typeface="Arial" panose="020B0604020202020204" pitchFamily="34" charset="0"/>
+            </a:endParaRPr>
           </a:p>
           <a:p>
-            <a:pPr marL="0" marR="0" lvl="0" indent="0" algn="l" defTabSz="914400" rtl="0" eaLnBrk="0" fontAlgn="base" latinLnBrk="0" hangingPunct="0">
+            <a:pPr marL="0" indent="0" algn="just" eaLnBrk="0" fontAlgn="base" hangingPunct="0">
               <a:lnSpc>
                 <a:spcPct val="100000"/>
               </a:lnSpc>
@@ -34396,28 +34319,21 @@
               <a:spcAft>
                 <a:spcPct val="0"/>
               </a:spcAft>
-              <a:buClrTx/>
-              <a:buSzTx/>
-              <a:buFontTx/>
-              <a:buChar char="•"/>
-              <a:tabLst/>
+              <a:buNone/>
             </a:pPr>
-            <a:r>
-              <a:rPr kumimoji="0" lang="es-ES" altLang="es-ES" sz="1800" b="0" i="0" u="none" strike="noStrike" cap="none" normalizeH="0" baseline="0">
-                <a:ln>
-                  <a:noFill/>
-                </a:ln>
-                <a:solidFill>
-                  <a:schemeClr val="tx1"/>
-                </a:solidFill>
-                <a:effectLst/>
-                <a:latin typeface="Arial" panose="020B0604020202020204" pitchFamily="34" charset="0"/>
-              </a:rPr>
-              <a:t>Reduce el tiempo de resolución de disputas y mejora la satisfacción del cliente.</a:t>
-            </a:r>
+            <a:endParaRPr kumimoji="0" lang="es-ES" altLang="es-ES" sz="1800" b="0" i="0" u="none" strike="noStrike" cap="none" normalizeH="0" baseline="0" dirty="0">
+              <a:ln>
+                <a:noFill/>
+              </a:ln>
+              <a:solidFill>
+                <a:schemeClr val="tx1"/>
+              </a:solidFill>
+              <a:effectLst/>
+              <a:latin typeface="Arial" panose="020B0604020202020204" pitchFamily="34" charset="0"/>
+            </a:endParaRPr>
           </a:p>
           <a:p>
-            <a:pPr marL="0" marR="0" lvl="0" indent="0" algn="l" defTabSz="914400" rtl="0" eaLnBrk="0" fontAlgn="base" latinLnBrk="0" hangingPunct="0">
+            <a:pPr algn="just" eaLnBrk="0" fontAlgn="base" hangingPunct="0">
               <a:lnSpc>
                 <a:spcPct val="100000"/>
               </a:lnSpc>
@@ -34427,45 +34343,9 @@
               <a:spcAft>
                 <a:spcPct val="0"/>
               </a:spcAft>
-              <a:buClrTx/>
-              <a:buSzTx/>
-              <a:buFontTx/>
-              <a:buChar char="•"/>
-              <a:tabLst/>
             </a:pPr>
             <a:r>
-              <a:rPr kumimoji="0" lang="es-ES" altLang="es-ES" sz="1800" b="0" i="0" u="none" strike="noStrike" cap="none" normalizeH="0" baseline="0">
-                <a:ln>
-                  <a:noFill/>
-                </a:ln>
-                <a:solidFill>
-                  <a:schemeClr val="tx1"/>
-                </a:solidFill>
-                <a:effectLst/>
-                <a:latin typeface="Arial" panose="020B0604020202020204" pitchFamily="34" charset="0"/>
-              </a:rPr>
-              <a:t>Facilita la planificación proactiva y decisiones basadas en datos para prevenir conflictos futuros.</a:t>
-            </a:r>
-          </a:p>
-          <a:p>
-            <a:pPr marL="0" marR="0" lvl="0" indent="0" algn="l" defTabSz="914400" rtl="0" eaLnBrk="0" fontAlgn="base" latinLnBrk="0" hangingPunct="0">
-              <a:lnSpc>
-                <a:spcPct val="100000"/>
-              </a:lnSpc>
-              <a:spcBef>
-                <a:spcPct val="0"/>
-              </a:spcBef>
-              <a:spcAft>
-                <a:spcPct val="0"/>
-              </a:spcAft>
-              <a:buClrTx/>
-              <a:buSzTx/>
-              <a:buFontTx/>
-              <a:buChar char="•"/>
-              <a:tabLst/>
-            </a:pPr>
-            <a:r>
-              <a:rPr kumimoji="0" lang="es-ES" altLang="es-ES" sz="1800" b="0" i="0" u="none" strike="noStrike" cap="none" normalizeH="0" baseline="0">
+              <a:rPr kumimoji="0" lang="es-ES" altLang="es-ES" sz="1800" b="0" i="0" u="none" strike="noStrike" cap="none" normalizeH="0" baseline="0" dirty="0">
                 <a:ln>
                   <a:noFill/>
                 </a:ln>
@@ -37701,6 +37581,36 @@
           </p:txBody>
         </p:sp>
       </p:grpSp>
+      <p:pic>
+        <p:nvPicPr>
+          <p:cNvPr id="4" name="Imagen 3">
+            <a:extLst>
+              <a:ext uri="{FF2B5EF4-FFF2-40B4-BE49-F238E27FC236}">
+                <a16:creationId xmlns:a16="http://schemas.microsoft.com/office/drawing/2014/main" id="{294BF339-6BF6-A131-697D-285B6B24E9AF}"/>
+              </a:ext>
+            </a:extLst>
+          </p:cNvPr>
+          <p:cNvPicPr>
+            <a:picLocks noChangeAspect="1"/>
+          </p:cNvPicPr>
+          <p:nvPr/>
+        </p:nvPicPr>
+        <p:blipFill>
+          <a:blip r:embed="rId2"/>
+          <a:stretch>
+            <a:fillRect/>
+          </a:stretch>
+        </p:blipFill>
+        <p:spPr>
+          <a:xfrm>
+            <a:off x="7286320" y="0"/>
+            <a:ext cx="4905375" cy="3933825"/>
+          </a:xfrm>
+          <a:prstGeom prst="rect">
+            <a:avLst/>
+          </a:prstGeom>
+        </p:spPr>
+      </p:pic>
       <p:sp>
         <p:nvSpPr>
           <p:cNvPr id="2" name="Título 1">
@@ -37730,15 +37640,15 @@
           <a:lstStyle/>
           <a:p>
             <a:r>
-              <a:rPr lang="es-ES" sz="3600" b="1">
+              <a:rPr lang="es-ES" sz="3600" b="1" dirty="0">
                 <a:solidFill>
                   <a:schemeClr val="tx2"/>
                 </a:solidFill>
               </a:rPr>
-              <a:t>Visualización de resultados</a:t>
+              <a:t>Visualización de resultados del modelo dispute</a:t>
             </a:r>
             <a:r>
-              <a:rPr lang="es-ES" sz="3600">
+              <a:rPr lang="es-ES" sz="3600" dirty="0">
                 <a:solidFill>
                   <a:schemeClr val="tx2"/>
                 </a:solidFill>
@@ -37766,8 +37676,8 @@
         </p:nvSpPr>
         <p:spPr>
           <a:xfrm>
-            <a:off x="6172200" y="804672"/>
-            <a:ext cx="5221224" cy="5230368"/>
+            <a:off x="5135575" y="3184396"/>
+            <a:ext cx="3046315" cy="3632326"/>
           </a:xfrm>
         </p:spPr>
         <p:txBody>
@@ -37776,6 +37686,7 @@
           </a:bodyPr>
           <a:lstStyle/>
           <a:p>
+            <a:pPr algn="just"/>
             <a:r>
               <a:rPr lang="es-ES" sz="1800" dirty="0">
                 <a:solidFill>
@@ -37786,31 +37697,82 @@
             </a:r>
           </a:p>
           <a:p>
+            <a:pPr algn="just"/>
             <a:r>
               <a:rPr lang="es-ES" sz="1800" dirty="0">
                 <a:solidFill>
                   <a:schemeClr val="tx2"/>
                 </a:solidFill>
               </a:rPr>
-              <a:t>Redes neuronales</a:t>
+              <a:t>Problema mucho mas complejo -&gt; mas margen de mejora</a:t>
             </a:r>
           </a:p>
           <a:p>
-            <a:endParaRPr lang="es-ES" sz="1800" dirty="0">
-              <a:solidFill>
-                <a:schemeClr val="tx2"/>
-              </a:solidFill>
-            </a:endParaRPr>
+            <a:pPr algn="just"/>
+            <a:r>
+              <a:rPr lang="es-ES" sz="1800" dirty="0">
+                <a:solidFill>
+                  <a:schemeClr val="tx2"/>
+                </a:solidFill>
+              </a:rPr>
+              <a:t>Desafortunadamente falla mas en los casos donde el cliente disputara</a:t>
+            </a:r>
           </a:p>
           <a:p>
-            <a:endParaRPr lang="es-ES" sz="1800" dirty="0">
-              <a:solidFill>
-                <a:schemeClr val="tx2"/>
-              </a:solidFill>
-            </a:endParaRPr>
+            <a:pPr lvl="1" algn="just">
+              <a:buFont typeface="Wingdings" panose="05000000000000000000" pitchFamily="2" charset="2"/>
+              <a:buChar char="ü"/>
+            </a:pPr>
+            <a:r>
+              <a:rPr lang="es-ES" sz="1400" dirty="0">
+                <a:solidFill>
+                  <a:schemeClr val="tx2"/>
+                </a:solidFill>
+              </a:rPr>
+              <a:t>Fácil solución necesario hablar con la empresa</a:t>
+            </a:r>
+          </a:p>
+          <a:p>
+            <a:pPr algn="just"/>
+            <a:r>
+              <a:rPr lang="es-ES" sz="1800" dirty="0">
+                <a:solidFill>
+                  <a:schemeClr val="tx2"/>
+                </a:solidFill>
+              </a:rPr>
+              <a:t>Usa Redes neuronales</a:t>
+            </a:r>
           </a:p>
         </p:txBody>
       </p:sp>
+      <p:graphicFrame>
+        <p:nvGraphicFramePr>
+          <p:cNvPr id="7" name="Gráfico 6">
+            <a:extLst>
+              <a:ext uri="{FF2B5EF4-FFF2-40B4-BE49-F238E27FC236}">
+                <a16:creationId xmlns:a16="http://schemas.microsoft.com/office/drawing/2014/main" id="{409445E2-69EF-6EB7-7A0E-22B1B29C4A11}"/>
+              </a:ext>
+            </a:extLst>
+          </p:cNvPr>
+          <p:cNvGraphicFramePr/>
+          <p:nvPr>
+            <p:extLst>
+              <p:ext uri="{D42A27DB-BD31-4B8C-83A1-F6EECF244321}">
+                <p14:modId xmlns:p14="http://schemas.microsoft.com/office/powerpoint/2010/main" val="1866832906"/>
+              </p:ext>
+            </p:extLst>
+          </p:nvPr>
+        </p:nvGraphicFramePr>
+        <p:xfrm>
+          <a:off x="8181890" y="3681110"/>
+          <a:ext cx="4105294" cy="3197529"/>
+        </p:xfrm>
+        <a:graphic>
+          <a:graphicData uri="http://schemas.openxmlformats.org/drawingml/2006/chart">
+            <c:chart xmlns:c="http://schemas.openxmlformats.org/drawingml/2006/chart" xmlns:r="http://schemas.openxmlformats.org/officeDocument/2006/relationships" r:id="rId3"/>
+          </a:graphicData>
+        </a:graphic>
+      </p:graphicFrame>
     </p:spTree>
     <p:extLst>
       <p:ext uri="{BB962C8B-B14F-4D97-AF65-F5344CB8AC3E}">
@@ -37827,6 +37789,14 @@
 <file path=ppt/slides/slide9.xml><?xml version="1.0" encoding="utf-8"?>
 <p:sld xmlns:a="http://schemas.openxmlformats.org/drawingml/2006/main" xmlns:r="http://schemas.openxmlformats.org/officeDocument/2006/relationships" xmlns:p="http://schemas.openxmlformats.org/presentationml/2006/main">
   <p:cSld>
+    <p:bg>
+      <p:bgPr>
+        <a:solidFill>
+          <a:schemeClr val="bg1"/>
+        </a:solidFill>
+        <a:effectLst/>
+      </p:bgPr>
+    </p:bg>
     <p:spTree>
       <p:nvGrpSpPr>
         <p:cNvPr id="1" name=""/>
@@ -37841,12 +37811,135 @@
           <a:chExt cx="0" cy="0"/>
         </a:xfrm>
       </p:grpSpPr>
+      <p:sp useBgFill="1">
+        <p:nvSpPr>
+          <p:cNvPr id="10" name="Rectangle 9">
+            <a:extLst>
+              <a:ext uri="{FF2B5EF4-FFF2-40B4-BE49-F238E27FC236}">
+                <a16:creationId xmlns:a16="http://schemas.microsoft.com/office/drawing/2014/main" id="{A3363022-C969-41E9-8EB2-E4C94908C1FA}"/>
+              </a:ext>
+              <a:ext uri="{C183D7F6-B498-43B3-948B-1728B52AA6E4}">
+                <adec:decorative xmlns:adec="http://schemas.microsoft.com/office/drawing/2017/decorative" val="1"/>
+              </a:ext>
+            </a:extLst>
+          </p:cNvPr>
+          <p:cNvSpPr>
+            <a:spLocks noGrp="1" noRot="1" noChangeAspect="1" noMove="1" noResize="1" noEditPoints="1" noAdjustHandles="1" noChangeArrowheads="1" noChangeShapeType="1" noTextEdit="1"/>
+          </p:cNvSpPr>
+          <p:nvPr>
+            <p:extLst>
+              <p:ext uri="{386F3935-93C4-4BCD-93E2-E3B085C9AB24}">
+                <p16:designElem xmlns:p16="http://schemas.microsoft.com/office/powerpoint/2015/main" val="1"/>
+              </p:ext>
+            </p:extLst>
+          </p:nvPr>
+        </p:nvSpPr>
+        <p:spPr>
+          <a:xfrm>
+            <a:off x="0" y="-1"/>
+            <a:ext cx="12191695" cy="6852025"/>
+          </a:xfrm>
+          <a:prstGeom prst="rect">
+            <a:avLst/>
+          </a:prstGeom>
+          <a:ln>
+            <a:noFill/>
+          </a:ln>
+        </p:spPr>
+        <p:style>
+          <a:lnRef idx="2">
+            <a:schemeClr val="accent1">
+              <a:shade val="50000"/>
+            </a:schemeClr>
+          </a:lnRef>
+          <a:fillRef idx="1">
+            <a:schemeClr val="accent1"/>
+          </a:fillRef>
+          <a:effectRef idx="0">
+            <a:schemeClr val="accent1"/>
+          </a:effectRef>
+          <a:fontRef idx="minor">
+            <a:schemeClr val="lt1"/>
+          </a:fontRef>
+        </p:style>
+        <p:txBody>
+          <a:bodyPr rtlCol="0" anchor="ctr"/>
+          <a:lstStyle/>
+          <a:p>
+            <a:pPr algn="ctr"/>
+            <a:endParaRPr lang="en-US"/>
+          </a:p>
+        </p:txBody>
+      </p:sp>
+      <p:sp>
+        <p:nvSpPr>
+          <p:cNvPr id="12" name="Rectangle 11">
+            <a:extLst>
+              <a:ext uri="{FF2B5EF4-FFF2-40B4-BE49-F238E27FC236}">
+                <a16:creationId xmlns:a16="http://schemas.microsoft.com/office/drawing/2014/main" id="{8D1AD6B3-BE88-4CEB-BA17-790657CC4729}"/>
+              </a:ext>
+              <a:ext uri="{C183D7F6-B498-43B3-948B-1728B52AA6E4}">
+                <adec:decorative xmlns:adec="http://schemas.microsoft.com/office/drawing/2017/decorative" val="1"/>
+              </a:ext>
+            </a:extLst>
+          </p:cNvPr>
+          <p:cNvSpPr>
+            <a:spLocks noGrp="1" noRot="1" noChangeAspect="1" noMove="1" noResize="1" noEditPoints="1" noAdjustHandles="1" noChangeArrowheads="1" noChangeShapeType="1" noTextEdit="1"/>
+          </p:cNvSpPr>
+          <p:nvPr>
+            <p:extLst>
+              <p:ext uri="{386F3935-93C4-4BCD-93E2-E3B085C9AB24}">
+                <p16:designElem xmlns:p16="http://schemas.microsoft.com/office/powerpoint/2015/main" val="1"/>
+              </p:ext>
+            </p:extLst>
+          </p:nvPr>
+        </p:nvSpPr>
+        <p:spPr>
+          <a:xfrm>
+            <a:off x="305" y="0"/>
+            <a:ext cx="12191695" cy="6858000"/>
+          </a:xfrm>
+          <a:prstGeom prst="rect">
+            <a:avLst/>
+          </a:prstGeom>
+          <a:solidFill>
+            <a:schemeClr val="bg1"/>
+          </a:solidFill>
+          <a:ln>
+            <a:noFill/>
+          </a:ln>
+        </p:spPr>
+        <p:style>
+          <a:lnRef idx="2">
+            <a:schemeClr val="accent1">
+              <a:shade val="50000"/>
+            </a:schemeClr>
+          </a:lnRef>
+          <a:fillRef idx="1">
+            <a:schemeClr val="accent1"/>
+          </a:fillRef>
+          <a:effectRef idx="0">
+            <a:schemeClr val="accent1"/>
+          </a:effectRef>
+          <a:fontRef idx="minor">
+            <a:schemeClr val="lt1"/>
+          </a:fontRef>
+        </p:style>
+        <p:txBody>
+          <a:bodyPr rtlCol="0" anchor="ctr"/>
+          <a:lstStyle/>
+          <a:p>
+            <a:pPr algn="ctr"/>
+            <a:endParaRPr lang="en-US"/>
+          </a:p>
+        </p:txBody>
+      </p:sp>
       <p:sp>
         <p:nvSpPr>
           <p:cNvPr id="2" name="Título 1">
             <a:extLst>
               <a:ext uri="{FF2B5EF4-FFF2-40B4-BE49-F238E27FC236}">
-                <a16:creationId xmlns:a16="http://schemas.microsoft.com/office/drawing/2014/main" id="{E69E3DFC-865A-C89A-8D78-56E069737EB4}"/>
+                <a16:creationId xmlns:a16="http://schemas.microsoft.com/office/drawing/2014/main" id="{74F04018-ADAA-67C4-DF9A-118EA534F4AE}"/>
               </a:ext>
             </a:extLst>
           </p:cNvPr>
@@ -37857,44 +37950,2163 @@
             <p:ph type="title"/>
           </p:nvPr>
         </p:nvSpPr>
-        <p:spPr/>
+        <p:spPr>
+          <a:xfrm>
+            <a:off x="6590662" y="4267832"/>
+            <a:ext cx="4805996" cy="1297115"/>
+          </a:xfrm>
+        </p:spPr>
         <p:txBody>
-          <a:bodyPr/>
+          <a:bodyPr vert="horz" lIns="91440" tIns="45720" rIns="91440" bIns="45720" rtlCol="0" anchor="t">
+            <a:normAutofit/>
+          </a:bodyPr>
           <a:lstStyle/>
           <a:p>
-            <a:endParaRPr lang="es-ES"/>
+            <a:r>
+              <a:rPr lang="es-ES" sz="4000" b="1" kern="1200" noProof="0" dirty="0">
+                <a:solidFill>
+                  <a:schemeClr val="tx2"/>
+                </a:solidFill>
+                <a:latin typeface="+mj-lt"/>
+                <a:ea typeface="+mj-ea"/>
+                <a:cs typeface="+mj-cs"/>
+              </a:rPr>
+              <a:t>Demonstración de la solución</a:t>
+            </a:r>
+            <a:endParaRPr lang="es-ES" sz="4000" kern="1200" noProof="0" dirty="0">
+              <a:solidFill>
+                <a:schemeClr val="tx2"/>
+              </a:solidFill>
+              <a:latin typeface="+mj-lt"/>
+              <a:ea typeface="+mj-ea"/>
+              <a:cs typeface="+mj-cs"/>
+            </a:endParaRPr>
           </a:p>
         </p:txBody>
       </p:sp>
-      <p:sp>
-        <p:nvSpPr>
-          <p:cNvPr id="3" name="Marcador de contenido 2">
+      <p:pic>
+        <p:nvPicPr>
+          <p:cNvPr id="7" name="Graphic 6" descr="Marca de verificación">
             <a:extLst>
               <a:ext uri="{FF2B5EF4-FFF2-40B4-BE49-F238E27FC236}">
-                <a16:creationId xmlns:a16="http://schemas.microsoft.com/office/drawing/2014/main" id="{BA0B1131-A24A-70F1-EC16-EBD889225BD8}"/>
+                <a16:creationId xmlns:a16="http://schemas.microsoft.com/office/drawing/2014/main" id="{AA491ED0-9A15-29DD-583E-B0698C66D47F}"/>
               </a:ext>
             </a:extLst>
           </p:cNvPr>
-          <p:cNvSpPr>
-            <a:spLocks noGrp="1"/>
-          </p:cNvSpPr>
+          <p:cNvPicPr>
+            <a:picLocks noChangeAspect="1"/>
+          </p:cNvPicPr>
+          <p:nvPr/>
+        </p:nvPicPr>
+        <p:blipFill>
+          <a:blip r:embed="rId2">
+            <a:extLst>
+              <a:ext uri="{28A0092B-C50C-407E-A947-70E740481C1C}">
+                <a14:useLocalDpi xmlns:a14="http://schemas.microsoft.com/office/drawing/2010/main" val="0"/>
+              </a:ext>
+              <a:ext uri="{96DAC541-7B7A-43D3-8B79-37D633B846F1}">
+                <asvg:svgBlip xmlns:asvg="http://schemas.microsoft.com/office/drawing/2016/SVG/main" r:embed="rId3"/>
+              </a:ext>
+            </a:extLst>
+          </a:blip>
+          <a:stretch>
+            <a:fillRect/>
+          </a:stretch>
+        </p:blipFill>
+        <p:spPr>
+          <a:xfrm>
+            <a:off x="340470" y="1815320"/>
+            <a:ext cx="4141760" cy="4141760"/>
+          </a:xfrm>
+          <a:custGeom>
+            <a:avLst/>
+            <a:gdLst/>
+            <a:ahLst/>
+            <a:cxnLst/>
+            <a:rect l="l" t="t" r="r" b="b"/>
+            <a:pathLst>
+              <a:path w="4141760" h="4377846">
+                <a:moveTo>
+                  <a:pt x="0" y="0"/>
+                </a:moveTo>
+                <a:lnTo>
+                  <a:pt x="4141760" y="0"/>
+                </a:lnTo>
+                <a:lnTo>
+                  <a:pt x="4141760" y="4377846"/>
+                </a:lnTo>
+                <a:lnTo>
+                  <a:pt x="0" y="4377846"/>
+                </a:lnTo>
+                <a:close/>
+              </a:path>
+            </a:pathLst>
+          </a:custGeom>
+        </p:spPr>
+      </p:pic>
+      <p:grpSp>
+        <p:nvGrpSpPr>
+          <p:cNvPr id="14" name="Group 13">
+            <a:extLst>
+              <a:ext uri="{FF2B5EF4-FFF2-40B4-BE49-F238E27FC236}">
+                <a16:creationId xmlns:a16="http://schemas.microsoft.com/office/drawing/2014/main" id="{89D1390B-7E13-4B4F-9CB2-391063412E54}"/>
+              </a:ext>
+              <a:ext uri="{C183D7F6-B498-43B3-948B-1728B52AA6E4}">
+                <adec:decorative xmlns:adec="http://schemas.microsoft.com/office/drawing/2017/decorative" val="1"/>
+              </a:ext>
+            </a:extLst>
+          </p:cNvPr>
+          <p:cNvGrpSpPr>
+            <a:grpSpLocks noGrp="1" noUngrp="1" noRot="1" noChangeAspect="1" noMove="1" noResize="1"/>
+          </p:cNvGrpSpPr>
           <p:nvPr>
-            <p:ph idx="1"/>
+            <p:extLst>
+              <p:ext uri="{386F3935-93C4-4BCD-93E2-E3B085C9AB24}">
+                <p16:designElem xmlns:p16="http://schemas.microsoft.com/office/powerpoint/2015/main" val="1"/>
+              </p:ext>
+            </p:extLst>
           </p:nvPr>
-        </p:nvSpPr>
-        <p:spPr/>
-        <p:txBody>
-          <a:bodyPr/>
-          <a:lstStyle/>
-          <a:p>
-            <a:endParaRPr lang="es-ES"/>
-          </a:p>
-        </p:txBody>
-      </p:sp>
+        </p:nvGrpSpPr>
+        <p:grpSpPr>
+          <a:xfrm>
+            <a:off x="-4253" y="-5977"/>
+            <a:ext cx="6238675" cy="6863979"/>
+            <a:chOff x="305" y="-5977"/>
+            <a:chExt cx="6238675" cy="6863979"/>
+          </a:xfrm>
+        </p:grpSpPr>
+        <p:sp>
+          <p:nvSpPr>
+            <p:cNvPr id="15" name="Freeform: Shape 14">
+              <a:extLst>
+                <a:ext uri="{FF2B5EF4-FFF2-40B4-BE49-F238E27FC236}">
+                  <a16:creationId xmlns:a16="http://schemas.microsoft.com/office/drawing/2014/main" id="{9E720206-AA49-4786-A932-A2650DE09183}"/>
+                </a:ext>
+                <a:ext uri="{C183D7F6-B498-43B3-948B-1728B52AA6E4}">
+                  <adec:decorative xmlns:adec="http://schemas.microsoft.com/office/drawing/2017/decorative" val="1"/>
+                </a:ext>
+              </a:extLst>
+            </p:cNvPr>
+            <p:cNvSpPr/>
+            <p:nvPr>
+              <p:extLst>
+                <p:ext uri="{386F3935-93C4-4BCD-93E2-E3B085C9AB24}">
+                  <p16:designElem xmlns:p16="http://schemas.microsoft.com/office/powerpoint/2015/main" val="1"/>
+                </p:ext>
+              </p:extLst>
+            </p:nvPr>
+          </p:nvSpPr>
+          <p:spPr>
+            <a:xfrm flipH="1">
+              <a:off x="305" y="34854"/>
+              <a:ext cx="6028697" cy="6817170"/>
+            </a:xfrm>
+            <a:custGeom>
+              <a:avLst/>
+              <a:gdLst>
+                <a:gd name="connsiteX0" fmla="*/ 6028697 w 6028697"/>
+                <a:gd name="connsiteY0" fmla="*/ 6155323 h 6817170"/>
+                <a:gd name="connsiteX1" fmla="*/ 6028697 w 6028697"/>
+                <a:gd name="connsiteY1" fmla="*/ 6817170 h 6817170"/>
+                <a:gd name="connsiteX2" fmla="*/ 5157862 w 6028697"/>
+                <a:gd name="connsiteY2" fmla="*/ 6817170 h 6817170"/>
+                <a:gd name="connsiteX3" fmla="*/ 5347156 w 6028697"/>
+                <a:gd name="connsiteY3" fmla="*/ 6687553 h 6817170"/>
+                <a:gd name="connsiteX4" fmla="*/ 5487470 w 6028697"/>
+                <a:gd name="connsiteY4" fmla="*/ 6581714 h 6817170"/>
+                <a:gd name="connsiteX5" fmla="*/ 5627642 w 6028697"/>
+                <a:gd name="connsiteY5" fmla="*/ 6472328 h 6817170"/>
+                <a:gd name="connsiteX6" fmla="*/ 5911392 w 6028697"/>
+                <a:gd name="connsiteY6" fmla="*/ 6245328 h 6817170"/>
+                <a:gd name="connsiteX7" fmla="*/ 4481066 w 6028697"/>
+                <a:gd name="connsiteY7" fmla="*/ 478 h 6817170"/>
+                <a:gd name="connsiteX8" fmla="*/ 4672258 w 6028697"/>
+                <a:gd name="connsiteY8" fmla="*/ 7519 h 6817170"/>
+                <a:gd name="connsiteX9" fmla="*/ 5429869 w 6028697"/>
+                <a:gd name="connsiteY9" fmla="*/ 125134 h 6817170"/>
+                <a:gd name="connsiteX10" fmla="*/ 5976319 w 6028697"/>
+                <a:gd name="connsiteY10" fmla="*/ 314893 h 6817170"/>
+                <a:gd name="connsiteX11" fmla="*/ 6028697 w 6028697"/>
+                <a:gd name="connsiteY11" fmla="*/ 339901 h 6817170"/>
+                <a:gd name="connsiteX12" fmla="*/ 6028697 w 6028697"/>
+                <a:gd name="connsiteY12" fmla="*/ 732458 h 6817170"/>
+                <a:gd name="connsiteX13" fmla="*/ 5990985 w 6028697"/>
+                <a:gd name="connsiteY13" fmla="*/ 712211 h 6817170"/>
+                <a:gd name="connsiteX14" fmla="*/ 5341339 w 6028697"/>
+                <a:gd name="connsiteY14" fmla="*/ 475281 h 6817170"/>
+                <a:gd name="connsiteX15" fmla="*/ 4651969 w 6028697"/>
+                <a:gd name="connsiteY15" fmla="*/ 377104 h 6817170"/>
+                <a:gd name="connsiteX16" fmla="*/ 3953093 w 6028697"/>
+                <a:gd name="connsiteY16" fmla="*/ 402498 h 6817170"/>
+                <a:gd name="connsiteX17" fmla="*/ 3267413 w 6028697"/>
+                <a:gd name="connsiteY17" fmla="*/ 546643 h 6817170"/>
+                <a:gd name="connsiteX18" fmla="*/ 1439498 w 6028697"/>
+                <a:gd name="connsiteY18" fmla="*/ 1568141 h 6817170"/>
+                <a:gd name="connsiteX19" fmla="*/ 960671 w 6028697"/>
+                <a:gd name="connsiteY19" fmla="*/ 2082013 h 6817170"/>
+                <a:gd name="connsiteX20" fmla="*/ 581866 w 6028697"/>
+                <a:gd name="connsiteY20" fmla="*/ 2672638 h 6817170"/>
+                <a:gd name="connsiteX21" fmla="*/ 324789 w 6028697"/>
+                <a:gd name="connsiteY21" fmla="*/ 3325262 h 6817170"/>
+                <a:gd name="connsiteX22" fmla="*/ 231151 w 6028697"/>
+                <a:gd name="connsiteY22" fmla="*/ 4022292 h 6817170"/>
+                <a:gd name="connsiteX23" fmla="*/ 270592 w 6028697"/>
+                <a:gd name="connsiteY23" fmla="*/ 4362792 h 6817170"/>
+                <a:gd name="connsiteX24" fmla="*/ 387213 w 6028697"/>
+                <a:gd name="connsiteY24" fmla="*/ 4681585 h 6817170"/>
+                <a:gd name="connsiteX25" fmla="*/ 468507 w 6028697"/>
+                <a:gd name="connsiteY25" fmla="*/ 4831546 h 6817170"/>
+                <a:gd name="connsiteX26" fmla="*/ 561862 w 6028697"/>
+                <a:gd name="connsiteY26" fmla="*/ 4976826 h 6817170"/>
+                <a:gd name="connsiteX27" fmla="*/ 777511 w 6028697"/>
+                <a:gd name="connsiteY27" fmla="*/ 5257597 h 6817170"/>
+                <a:gd name="connsiteX28" fmla="*/ 1010895 w 6028697"/>
+                <a:gd name="connsiteY28" fmla="*/ 5540494 h 6817170"/>
+                <a:gd name="connsiteX29" fmla="*/ 1126948 w 6028697"/>
+                <a:gd name="connsiteY29" fmla="*/ 5688186 h 6817170"/>
+                <a:gd name="connsiteX30" fmla="*/ 1182706 w 6028697"/>
+                <a:gd name="connsiteY30" fmla="*/ 5760543 h 6817170"/>
+                <a:gd name="connsiteX31" fmla="*/ 1237327 w 6028697"/>
+                <a:gd name="connsiteY31" fmla="*/ 5830060 h 6817170"/>
+                <a:gd name="connsiteX32" fmla="*/ 1706649 w 6028697"/>
+                <a:gd name="connsiteY32" fmla="*/ 6342797 h 6817170"/>
+                <a:gd name="connsiteX33" fmla="*/ 1956207 w 6028697"/>
+                <a:gd name="connsiteY33" fmla="*/ 6573484 h 6817170"/>
+                <a:gd name="connsiteX34" fmla="*/ 2217681 w 6028697"/>
+                <a:gd name="connsiteY34" fmla="*/ 6786297 h 6817170"/>
+                <a:gd name="connsiteX35" fmla="*/ 2260820 w 6028697"/>
+                <a:gd name="connsiteY35" fmla="*/ 6817170 h 6817170"/>
+                <a:gd name="connsiteX36" fmla="*/ 1429497 w 6028697"/>
+                <a:gd name="connsiteY36" fmla="*/ 6817170 h 6817170"/>
+                <a:gd name="connsiteX37" fmla="*/ 1327275 w 6028697"/>
+                <a:gd name="connsiteY37" fmla="*/ 6713800 h 6817170"/>
+                <a:gd name="connsiteX38" fmla="*/ 1080556 w 6028697"/>
+                <a:gd name="connsiteY38" fmla="*/ 6414443 h 6817170"/>
+                <a:gd name="connsiteX39" fmla="*/ 865189 w 6028697"/>
+                <a:gd name="connsiteY39" fmla="*/ 6097496 h 6817170"/>
+                <a:gd name="connsiteX40" fmla="*/ 814823 w 6028697"/>
+                <a:gd name="connsiteY40" fmla="*/ 6016911 h 6817170"/>
+                <a:gd name="connsiteX41" fmla="*/ 766729 w 6028697"/>
+                <a:gd name="connsiteY41" fmla="*/ 5938453 h 6817170"/>
+                <a:gd name="connsiteX42" fmla="*/ 671672 w 6028697"/>
+                <a:gd name="connsiteY42" fmla="*/ 5786648 h 6817170"/>
+                <a:gd name="connsiteX43" fmla="*/ 474608 w 6028697"/>
+                <a:gd name="connsiteY43" fmla="*/ 5474664 h 6817170"/>
+                <a:gd name="connsiteX44" fmla="*/ 282652 w 6028697"/>
+                <a:gd name="connsiteY44" fmla="*/ 5146508 h 6817170"/>
+                <a:gd name="connsiteX45" fmla="*/ 196108 w 6028697"/>
+                <a:gd name="connsiteY45" fmla="*/ 4972712 h 6817170"/>
+                <a:gd name="connsiteX46" fmla="*/ 122474 w 6028697"/>
+                <a:gd name="connsiteY46" fmla="*/ 4791821 h 6817170"/>
+                <a:gd name="connsiteX47" fmla="*/ 65724 w 6028697"/>
+                <a:gd name="connsiteY47" fmla="*/ 4603129 h 6817170"/>
+                <a:gd name="connsiteX48" fmla="*/ 44727 w 6028697"/>
+                <a:gd name="connsiteY48" fmla="*/ 4506937 h 6817170"/>
+                <a:gd name="connsiteX49" fmla="*/ 35505 w 6028697"/>
+                <a:gd name="connsiteY49" fmla="*/ 4458699 h 6817170"/>
+                <a:gd name="connsiteX50" fmla="*/ 27845 w 6028697"/>
+                <a:gd name="connsiteY50" fmla="*/ 4410320 h 6817170"/>
+                <a:gd name="connsiteX51" fmla="*/ 37 w 6028697"/>
+                <a:gd name="connsiteY51" fmla="*/ 4022292 h 6817170"/>
+                <a:gd name="connsiteX52" fmla="*/ 78777 w 6028697"/>
+                <a:gd name="connsiteY52" fmla="*/ 3267236 h 6817170"/>
+                <a:gd name="connsiteX53" fmla="*/ 315424 w 6028697"/>
+                <a:gd name="connsiteY53" fmla="*/ 2543673 h 6817170"/>
+                <a:gd name="connsiteX54" fmla="*/ 1202710 w 6028697"/>
+                <a:gd name="connsiteY54" fmla="*/ 1314895 h 6817170"/>
+                <a:gd name="connsiteX55" fmla="*/ 1791065 w 6028697"/>
+                <a:gd name="connsiteY55" fmla="*/ 833514 h 6817170"/>
+                <a:gd name="connsiteX56" fmla="*/ 3908404 w 6028697"/>
+                <a:gd name="connsiteY56" fmla="*/ 29794 h 6817170"/>
+                <a:gd name="connsiteX57" fmla="*/ 4481066 w 6028697"/>
+                <a:gd name="connsiteY57" fmla="*/ 478 h 6817170"/>
+              </a:gdLst>
+              <a:ahLst/>
+              <a:cxnLst>
+                <a:cxn ang="0">
+                  <a:pos x="connsiteX0" y="connsiteY0"/>
+                </a:cxn>
+                <a:cxn ang="0">
+                  <a:pos x="connsiteX1" y="connsiteY1"/>
+                </a:cxn>
+                <a:cxn ang="0">
+                  <a:pos x="connsiteX2" y="connsiteY2"/>
+                </a:cxn>
+                <a:cxn ang="0">
+                  <a:pos x="connsiteX3" y="connsiteY3"/>
+                </a:cxn>
+                <a:cxn ang="0">
+                  <a:pos x="connsiteX4" y="connsiteY4"/>
+                </a:cxn>
+                <a:cxn ang="0">
+                  <a:pos x="connsiteX5" y="connsiteY5"/>
+                </a:cxn>
+                <a:cxn ang="0">
+                  <a:pos x="connsiteX6" y="connsiteY6"/>
+                </a:cxn>
+                <a:cxn ang="0">
+                  <a:pos x="connsiteX7" y="connsiteY7"/>
+                </a:cxn>
+                <a:cxn ang="0">
+                  <a:pos x="connsiteX8" y="connsiteY8"/>
+                </a:cxn>
+                <a:cxn ang="0">
+                  <a:pos x="connsiteX9" y="connsiteY9"/>
+                </a:cxn>
+                <a:cxn ang="0">
+                  <a:pos x="connsiteX10" y="connsiteY10"/>
+                </a:cxn>
+                <a:cxn ang="0">
+                  <a:pos x="connsiteX11" y="connsiteY11"/>
+                </a:cxn>
+                <a:cxn ang="0">
+                  <a:pos x="connsiteX12" y="connsiteY12"/>
+                </a:cxn>
+                <a:cxn ang="0">
+                  <a:pos x="connsiteX13" y="connsiteY13"/>
+                </a:cxn>
+                <a:cxn ang="0">
+                  <a:pos x="connsiteX14" y="connsiteY14"/>
+                </a:cxn>
+                <a:cxn ang="0">
+                  <a:pos x="connsiteX15" y="connsiteY15"/>
+                </a:cxn>
+                <a:cxn ang="0">
+                  <a:pos x="connsiteX16" y="connsiteY16"/>
+                </a:cxn>
+                <a:cxn ang="0">
+                  <a:pos x="connsiteX17" y="connsiteY17"/>
+                </a:cxn>
+                <a:cxn ang="0">
+                  <a:pos x="connsiteX18" y="connsiteY18"/>
+                </a:cxn>
+                <a:cxn ang="0">
+                  <a:pos x="connsiteX19" y="connsiteY19"/>
+                </a:cxn>
+                <a:cxn ang="0">
+                  <a:pos x="connsiteX20" y="connsiteY20"/>
+                </a:cxn>
+                <a:cxn ang="0">
+                  <a:pos x="connsiteX21" y="connsiteY21"/>
+                </a:cxn>
+                <a:cxn ang="0">
+                  <a:pos x="connsiteX22" y="connsiteY22"/>
+                </a:cxn>
+                <a:cxn ang="0">
+                  <a:pos x="connsiteX23" y="connsiteY23"/>
+                </a:cxn>
+                <a:cxn ang="0">
+                  <a:pos x="connsiteX24" y="connsiteY24"/>
+                </a:cxn>
+                <a:cxn ang="0">
+                  <a:pos x="connsiteX25" y="connsiteY25"/>
+                </a:cxn>
+                <a:cxn ang="0">
+                  <a:pos x="connsiteX26" y="connsiteY26"/>
+                </a:cxn>
+                <a:cxn ang="0">
+                  <a:pos x="connsiteX27" y="connsiteY27"/>
+                </a:cxn>
+                <a:cxn ang="0">
+                  <a:pos x="connsiteX28" y="connsiteY28"/>
+                </a:cxn>
+                <a:cxn ang="0">
+                  <a:pos x="connsiteX29" y="connsiteY29"/>
+                </a:cxn>
+                <a:cxn ang="0">
+                  <a:pos x="connsiteX30" y="connsiteY30"/>
+                </a:cxn>
+                <a:cxn ang="0">
+                  <a:pos x="connsiteX31" y="connsiteY31"/>
+                </a:cxn>
+                <a:cxn ang="0">
+                  <a:pos x="connsiteX32" y="connsiteY32"/>
+                </a:cxn>
+                <a:cxn ang="0">
+                  <a:pos x="connsiteX33" y="connsiteY33"/>
+                </a:cxn>
+                <a:cxn ang="0">
+                  <a:pos x="connsiteX34" y="connsiteY34"/>
+                </a:cxn>
+                <a:cxn ang="0">
+                  <a:pos x="connsiteX35" y="connsiteY35"/>
+                </a:cxn>
+                <a:cxn ang="0">
+                  <a:pos x="connsiteX36" y="connsiteY36"/>
+                </a:cxn>
+                <a:cxn ang="0">
+                  <a:pos x="connsiteX37" y="connsiteY37"/>
+                </a:cxn>
+                <a:cxn ang="0">
+                  <a:pos x="connsiteX38" y="connsiteY38"/>
+                </a:cxn>
+                <a:cxn ang="0">
+                  <a:pos x="connsiteX39" y="connsiteY39"/>
+                </a:cxn>
+                <a:cxn ang="0">
+                  <a:pos x="connsiteX40" y="connsiteY40"/>
+                </a:cxn>
+                <a:cxn ang="0">
+                  <a:pos x="connsiteX41" y="connsiteY41"/>
+                </a:cxn>
+                <a:cxn ang="0">
+                  <a:pos x="connsiteX42" y="connsiteY42"/>
+                </a:cxn>
+                <a:cxn ang="0">
+                  <a:pos x="connsiteX43" y="connsiteY43"/>
+                </a:cxn>
+                <a:cxn ang="0">
+                  <a:pos x="connsiteX44" y="connsiteY44"/>
+                </a:cxn>
+                <a:cxn ang="0">
+                  <a:pos x="connsiteX45" y="connsiteY45"/>
+                </a:cxn>
+                <a:cxn ang="0">
+                  <a:pos x="connsiteX46" y="connsiteY46"/>
+                </a:cxn>
+                <a:cxn ang="0">
+                  <a:pos x="connsiteX47" y="connsiteY47"/>
+                </a:cxn>
+                <a:cxn ang="0">
+                  <a:pos x="connsiteX48" y="connsiteY48"/>
+                </a:cxn>
+                <a:cxn ang="0">
+                  <a:pos x="connsiteX49" y="connsiteY49"/>
+                </a:cxn>
+                <a:cxn ang="0">
+                  <a:pos x="connsiteX50" y="connsiteY50"/>
+                </a:cxn>
+                <a:cxn ang="0">
+                  <a:pos x="connsiteX51" y="connsiteY51"/>
+                </a:cxn>
+                <a:cxn ang="0">
+                  <a:pos x="connsiteX52" y="connsiteY52"/>
+                </a:cxn>
+                <a:cxn ang="0">
+                  <a:pos x="connsiteX53" y="connsiteY53"/>
+                </a:cxn>
+                <a:cxn ang="0">
+                  <a:pos x="connsiteX54" y="connsiteY54"/>
+                </a:cxn>
+                <a:cxn ang="0">
+                  <a:pos x="connsiteX55" y="connsiteY55"/>
+                </a:cxn>
+                <a:cxn ang="0">
+                  <a:pos x="connsiteX56" y="connsiteY56"/>
+                </a:cxn>
+                <a:cxn ang="0">
+                  <a:pos x="connsiteX57" y="connsiteY57"/>
+                </a:cxn>
+              </a:cxnLst>
+              <a:rect l="l" t="t" r="r" b="b"/>
+              <a:pathLst>
+                <a:path w="6028697" h="6817170">
+                  <a:moveTo>
+                    <a:pt x="6028697" y="6155323"/>
+                  </a:moveTo>
+                  <a:lnTo>
+                    <a:pt x="6028697" y="6817170"/>
+                  </a:lnTo>
+                  <a:lnTo>
+                    <a:pt x="5157862" y="6817170"/>
+                  </a:lnTo>
+                  <a:lnTo>
+                    <a:pt x="5347156" y="6687553"/>
+                  </a:lnTo>
+                  <a:cubicBezTo>
+                    <a:pt x="5394117" y="6653219"/>
+                    <a:pt x="5440793" y="6617608"/>
+                    <a:pt x="5487470" y="6581714"/>
+                  </a:cubicBezTo>
+                  <a:cubicBezTo>
+                    <a:pt x="5534147" y="6545820"/>
+                    <a:pt x="5580966" y="6509358"/>
+                    <a:pt x="5627642" y="6472328"/>
+                  </a:cubicBezTo>
+                  <a:lnTo>
+                    <a:pt x="5911392" y="6245328"/>
+                  </a:lnTo>
+                  <a:close/>
+                  <a:moveTo>
+                    <a:pt x="4481066" y="478"/>
+                  </a:moveTo>
+                  <a:cubicBezTo>
+                    <a:pt x="4544817" y="1422"/>
+                    <a:pt x="4608563" y="3769"/>
+                    <a:pt x="4672258" y="7519"/>
+                  </a:cubicBezTo>
+                  <a:cubicBezTo>
+                    <a:pt x="4927973" y="22364"/>
+                    <a:pt x="5181687" y="61751"/>
+                    <a:pt x="5429869" y="125134"/>
+                  </a:cubicBezTo>
+                  <a:cubicBezTo>
+                    <a:pt x="5617090" y="173104"/>
+                    <a:pt x="5799867" y="236595"/>
+                    <a:pt x="5976319" y="314893"/>
+                  </a:cubicBezTo>
+                  <a:lnTo>
+                    <a:pt x="6028697" y="339901"/>
+                  </a:lnTo>
+                  <a:lnTo>
+                    <a:pt x="6028697" y="732458"/>
+                  </a:lnTo>
+                  <a:lnTo>
+                    <a:pt x="5990985" y="712211"/>
+                  </a:lnTo>
+                  <a:cubicBezTo>
+                    <a:pt x="5783917" y="609342"/>
+                    <a:pt x="5566013" y="529876"/>
+                    <a:pt x="5341339" y="475281"/>
+                  </a:cubicBezTo>
+                  <a:cubicBezTo>
+                    <a:pt x="5115233" y="420503"/>
+                    <a:pt x="4884375" y="387624"/>
+                    <a:pt x="4651969" y="377104"/>
+                  </a:cubicBezTo>
+                  <a:cubicBezTo>
+                    <a:pt x="4418713" y="365171"/>
+                    <a:pt x="4184861" y="373670"/>
+                    <a:pt x="3953093" y="402498"/>
+                  </a:cubicBezTo>
+                  <a:cubicBezTo>
+                    <a:pt x="3721001" y="431832"/>
+                    <a:pt x="3491675" y="480040"/>
+                    <a:pt x="3267413" y="546643"/>
+                  </a:cubicBezTo>
+                  <a:cubicBezTo>
+                    <a:pt x="2591323" y="750761"/>
+                    <a:pt x="1967642" y="1099289"/>
+                    <a:pt x="1439498" y="1568141"/>
+                  </a:cubicBezTo>
+                  <a:cubicBezTo>
+                    <a:pt x="1265589" y="1725523"/>
+                    <a:pt x="1105393" y="1897434"/>
+                    <a:pt x="960671" y="2082013"/>
+                  </a:cubicBezTo>
+                  <a:cubicBezTo>
+                    <a:pt x="815775" y="2266294"/>
+                    <a:pt x="688923" y="2464081"/>
+                    <a:pt x="581866" y="2672638"/>
+                  </a:cubicBezTo>
+                  <a:cubicBezTo>
+                    <a:pt x="473765" y="2880669"/>
+                    <a:pt x="387610" y="3099397"/>
+                    <a:pt x="324789" y="3325262"/>
+                  </a:cubicBezTo>
+                  <a:cubicBezTo>
+                    <a:pt x="262714" y="3552403"/>
+                    <a:pt x="231223" y="3786822"/>
+                    <a:pt x="231151" y="4022292"/>
+                  </a:cubicBezTo>
+                  <a:cubicBezTo>
+                    <a:pt x="231413" y="4136912"/>
+                    <a:pt x="244645" y="4251136"/>
+                    <a:pt x="270592" y="4362792"/>
+                  </a:cubicBezTo>
+                  <a:cubicBezTo>
+                    <a:pt x="297885" y="4472943"/>
+                    <a:pt x="336983" y="4579833"/>
+                    <a:pt x="387213" y="4681585"/>
+                  </a:cubicBezTo>
+                  <a:cubicBezTo>
+                    <a:pt x="412042" y="4732517"/>
+                    <a:pt x="439423" y="4782457"/>
+                    <a:pt x="468507" y="4831546"/>
+                  </a:cubicBezTo>
+                  <a:cubicBezTo>
+                    <a:pt x="497591" y="4880636"/>
+                    <a:pt x="529230" y="4929015"/>
+                    <a:pt x="561862" y="4976826"/>
+                  </a:cubicBezTo>
+                  <a:cubicBezTo>
+                    <a:pt x="627975" y="5072166"/>
+                    <a:pt x="701466" y="5164668"/>
+                    <a:pt x="777511" y="5257597"/>
+                  </a:cubicBezTo>
+                  <a:cubicBezTo>
+                    <a:pt x="853556" y="5350524"/>
+                    <a:pt x="933574" y="5443594"/>
+                    <a:pt x="1010895" y="5540494"/>
+                  </a:cubicBezTo>
+                  <a:cubicBezTo>
+                    <a:pt x="1049957" y="5588732"/>
+                    <a:pt x="1088642" y="5637963"/>
+                    <a:pt x="1126948" y="5688186"/>
+                  </a:cubicBezTo>
+                  <a:lnTo>
+                    <a:pt x="1182706" y="5760543"/>
+                  </a:lnTo>
+                  <a:cubicBezTo>
+                    <a:pt x="1201007" y="5783669"/>
+                    <a:pt x="1218458" y="5807503"/>
+                    <a:pt x="1237327" y="5830060"/>
+                  </a:cubicBezTo>
+                  <a:cubicBezTo>
+                    <a:pt x="1383714" y="6009916"/>
+                    <a:pt x="1540413" y="6181116"/>
+                    <a:pt x="1706649" y="6342797"/>
+                  </a:cubicBezTo>
+                  <a:cubicBezTo>
+                    <a:pt x="1788084" y="6422531"/>
+                    <a:pt x="1871265" y="6499427"/>
+                    <a:pt x="1956207" y="6573484"/>
+                  </a:cubicBezTo>
+                  <a:cubicBezTo>
+                    <a:pt x="2041332" y="6647402"/>
+                    <a:pt x="2127733" y="6718907"/>
+                    <a:pt x="2217681" y="6786297"/>
+                  </a:cubicBezTo>
+                  <a:lnTo>
+                    <a:pt x="2260820" y="6817170"/>
+                  </a:lnTo>
+                  <a:lnTo>
+                    <a:pt x="1429497" y="6817170"/>
+                  </a:lnTo>
+                  <a:lnTo>
+                    <a:pt x="1327275" y="6713800"/>
+                  </a:lnTo>
+                  <a:cubicBezTo>
+                    <a:pt x="1239186" y="6618984"/>
+                    <a:pt x="1156797" y="6519019"/>
+                    <a:pt x="1080556" y="6414443"/>
+                  </a:cubicBezTo>
+                  <a:cubicBezTo>
+                    <a:pt x="1004653" y="6310734"/>
+                    <a:pt x="932439" y="6205177"/>
+                    <a:pt x="865189" y="6097496"/>
+                  </a:cubicBezTo>
+                  <a:cubicBezTo>
+                    <a:pt x="847881" y="6070823"/>
+                    <a:pt x="831565" y="6043725"/>
+                    <a:pt x="814823" y="6016911"/>
+                  </a:cubicBezTo>
+                  <a:lnTo>
+                    <a:pt x="766729" y="5938453"/>
+                  </a:lnTo>
+                  <a:cubicBezTo>
+                    <a:pt x="735941" y="5887947"/>
+                    <a:pt x="703878" y="5837581"/>
+                    <a:pt x="671672" y="5786648"/>
+                  </a:cubicBezTo>
+                  <a:lnTo>
+                    <a:pt x="474608" y="5474664"/>
+                  </a:lnTo>
+                  <a:cubicBezTo>
+                    <a:pt x="408778" y="5368968"/>
+                    <a:pt x="343516" y="5260008"/>
+                    <a:pt x="282652" y="5146508"/>
+                  </a:cubicBezTo>
+                  <a:cubicBezTo>
+                    <a:pt x="252290" y="5089759"/>
+                    <a:pt x="223065" y="5032015"/>
+                    <a:pt x="196108" y="4972712"/>
+                  </a:cubicBezTo>
+                  <a:cubicBezTo>
+                    <a:pt x="169152" y="4913408"/>
+                    <a:pt x="144607" y="4853111"/>
+                    <a:pt x="122474" y="4791821"/>
+                  </a:cubicBezTo>
+                  <a:cubicBezTo>
+                    <a:pt x="100342" y="4730532"/>
+                    <a:pt x="81757" y="4666830"/>
+                    <a:pt x="65724" y="4603129"/>
+                  </a:cubicBezTo>
+                  <a:cubicBezTo>
+                    <a:pt x="58205" y="4571064"/>
+                    <a:pt x="50828" y="4539143"/>
+                    <a:pt x="44727" y="4506937"/>
+                  </a:cubicBezTo>
+                  <a:lnTo>
+                    <a:pt x="35505" y="4458699"/>
+                  </a:lnTo>
+                  <a:lnTo>
+                    <a:pt x="27845" y="4410320"/>
+                  </a:lnTo>
+                  <a:cubicBezTo>
+                    <a:pt x="8635" y="4281881"/>
+                    <a:pt x="-661" y="4152150"/>
+                    <a:pt x="37" y="4022292"/>
+                  </a:cubicBezTo>
+                  <a:cubicBezTo>
+                    <a:pt x="712" y="3768592"/>
+                    <a:pt x="27094" y="3515615"/>
+                    <a:pt x="78777" y="3267236"/>
+                  </a:cubicBezTo>
+                  <a:cubicBezTo>
+                    <a:pt x="130048" y="3017876"/>
+                    <a:pt x="209439" y="2775142"/>
+                    <a:pt x="315424" y="2543673"/>
+                  </a:cubicBezTo>
+                  <a:cubicBezTo>
+                    <a:pt x="528236" y="2081161"/>
+                    <a:pt x="838234" y="1667312"/>
+                    <a:pt x="1202710" y="1314895"/>
+                  </a:cubicBezTo>
+                  <a:cubicBezTo>
+                    <a:pt x="1385514" y="1138814"/>
+                    <a:pt x="1582282" y="977831"/>
+                    <a:pt x="1791065" y="833514"/>
+                  </a:cubicBezTo>
+                  <a:cubicBezTo>
+                    <a:pt x="2420037" y="395614"/>
+                    <a:pt x="3147288" y="119557"/>
+                    <a:pt x="3908404" y="29794"/>
+                  </a:cubicBezTo>
+                  <a:cubicBezTo>
+                    <a:pt x="4098509" y="7429"/>
+                    <a:pt x="4289811" y="-2355"/>
+                    <a:pt x="4481066" y="478"/>
+                  </a:cubicBezTo>
+                  <a:close/>
+                </a:path>
+              </a:pathLst>
+            </a:custGeom>
+            <a:gradFill>
+              <a:gsLst>
+                <a:gs pos="2000">
+                  <a:schemeClr val="bg1">
+                    <a:alpha val="10000"/>
+                  </a:schemeClr>
+                </a:gs>
+                <a:gs pos="16000">
+                  <a:schemeClr val="accent6">
+                    <a:alpha val="10000"/>
+                  </a:schemeClr>
+                </a:gs>
+                <a:gs pos="100000">
+                  <a:schemeClr val="bg1">
+                    <a:alpha val="10000"/>
+                  </a:schemeClr>
+                </a:gs>
+                <a:gs pos="85000">
+                  <a:schemeClr val="accent1">
+                    <a:alpha val="10000"/>
+                  </a:schemeClr>
+                </a:gs>
+              </a:gsLst>
+              <a:lin ang="12000000" scaled="0"/>
+            </a:gradFill>
+            <a:ln>
+              <a:noFill/>
+            </a:ln>
+          </p:spPr>
+          <p:style>
+            <a:lnRef idx="2">
+              <a:schemeClr val="accent1">
+                <a:shade val="50000"/>
+              </a:schemeClr>
+            </a:lnRef>
+            <a:fillRef idx="1">
+              <a:schemeClr val="accent1"/>
+            </a:fillRef>
+            <a:effectRef idx="0">
+              <a:schemeClr val="accent1"/>
+            </a:effectRef>
+            <a:fontRef idx="minor">
+              <a:schemeClr val="lt1"/>
+            </a:fontRef>
+          </p:style>
+          <p:txBody>
+            <a:bodyPr rtlCol="0" anchor="ctr"/>
+            <a:lstStyle/>
+            <a:p>
+              <a:pPr algn="ctr"/>
+              <a:endParaRPr lang="en-US" dirty="0"/>
+            </a:p>
+          </p:txBody>
+        </p:sp>
+        <p:sp>
+          <p:nvSpPr>
+            <p:cNvPr id="16" name="Freeform: Shape 15">
+              <a:extLst>
+                <a:ext uri="{FF2B5EF4-FFF2-40B4-BE49-F238E27FC236}">
+                  <a16:creationId xmlns:a16="http://schemas.microsoft.com/office/drawing/2014/main" id="{C72F6EE6-EDE9-45A5-8F6D-02B9B7CB2C2F}"/>
+                </a:ext>
+                <a:ext uri="{C183D7F6-B498-43B3-948B-1728B52AA6E4}">
+                  <adec:decorative xmlns:adec="http://schemas.microsoft.com/office/drawing/2017/decorative" val="1"/>
+                </a:ext>
+              </a:extLst>
+            </p:cNvPr>
+            <p:cNvSpPr/>
+            <p:nvPr>
+              <p:extLst>
+                <p:ext uri="{386F3935-93C4-4BCD-93E2-E3B085C9AB24}">
+                  <p16:designElem xmlns:p16="http://schemas.microsoft.com/office/powerpoint/2015/main" val="1"/>
+                </p:ext>
+              </p:extLst>
+            </p:nvPr>
+          </p:nvSpPr>
+          <p:spPr>
+            <a:xfrm flipH="1">
+              <a:off x="305" y="1"/>
+              <a:ext cx="6165116" cy="6858001"/>
+            </a:xfrm>
+            <a:custGeom>
+              <a:avLst/>
+              <a:gdLst>
+                <a:gd name="connsiteX0" fmla="*/ 6264586 w 6264586"/>
+                <a:gd name="connsiteY0" fmla="*/ 6646464 h 6858001"/>
+                <a:gd name="connsiteX1" fmla="*/ 6264586 w 6264586"/>
+                <a:gd name="connsiteY1" fmla="*/ 6858001 h 6858001"/>
+                <a:gd name="connsiteX2" fmla="*/ 5997170 w 6264586"/>
+                <a:gd name="connsiteY2" fmla="*/ 6858001 h 6858001"/>
+                <a:gd name="connsiteX3" fmla="*/ 6121512 w 6264586"/>
+                <a:gd name="connsiteY3" fmla="*/ 6761029 h 6858001"/>
+                <a:gd name="connsiteX4" fmla="*/ 2693206 w 6264586"/>
+                <a:gd name="connsiteY4" fmla="*/ 0 h 6858001"/>
+                <a:gd name="connsiteX5" fmla="*/ 5872285 w 6264586"/>
+                <a:gd name="connsiteY5" fmla="*/ 0 h 6858001"/>
+                <a:gd name="connsiteX6" fmla="*/ 6024875 w 6264586"/>
+                <a:gd name="connsiteY6" fmla="*/ 68385 h 6858001"/>
+                <a:gd name="connsiteX7" fmla="*/ 6206432 w 6264586"/>
+                <a:gd name="connsiteY7" fmla="*/ 162336 h 6858001"/>
+                <a:gd name="connsiteX8" fmla="*/ 6264586 w 6264586"/>
+                <a:gd name="connsiteY8" fmla="*/ 196704 h 6858001"/>
+                <a:gd name="connsiteX9" fmla="*/ 6264586 w 6264586"/>
+                <a:gd name="connsiteY9" fmla="*/ 537242 h 6858001"/>
+                <a:gd name="connsiteX10" fmla="*/ 6230189 w 6264586"/>
+                <a:gd name="connsiteY10" fmla="*/ 517260 h 6858001"/>
+                <a:gd name="connsiteX11" fmla="*/ 5540536 w 6264586"/>
+                <a:gd name="connsiteY11" fmla="*/ 249543 h 6858001"/>
+                <a:gd name="connsiteX12" fmla="*/ 5178896 w 6264586"/>
+                <a:gd name="connsiteY12" fmla="*/ 178606 h 6858001"/>
+                <a:gd name="connsiteX13" fmla="*/ 4814279 w 6264586"/>
+                <a:gd name="connsiteY13" fmla="*/ 146683 h 6858001"/>
+                <a:gd name="connsiteX14" fmla="*/ 4655095 w 6264586"/>
+                <a:gd name="connsiteY14" fmla="*/ 143421 h 6858001"/>
+                <a:gd name="connsiteX15" fmla="*/ 4081069 w 6264586"/>
+                <a:gd name="connsiteY15" fmla="*/ 185983 h 6858001"/>
+                <a:gd name="connsiteX16" fmla="*/ 3720566 w 6264586"/>
+                <a:gd name="connsiteY16" fmla="*/ 256921 h 6858001"/>
+                <a:gd name="connsiteX17" fmla="*/ 3365879 w 6264586"/>
+                <a:gd name="connsiteY17" fmla="*/ 357651 h 6858001"/>
+                <a:gd name="connsiteX18" fmla="*/ 3020555 w 6264586"/>
+                <a:gd name="connsiteY18" fmla="*/ 486190 h 6858001"/>
+                <a:gd name="connsiteX19" fmla="*/ 2685163 w 6264586"/>
+                <a:gd name="connsiteY19" fmla="*/ 641542 h 6858001"/>
+                <a:gd name="connsiteX20" fmla="*/ 2047720 w 6264586"/>
+                <a:gd name="connsiteY20" fmla="*/ 1025030 h 6858001"/>
+                <a:gd name="connsiteX21" fmla="*/ 1897333 w 6264586"/>
+                <a:gd name="connsiteY21" fmla="*/ 1134983 h 6858001"/>
+                <a:gd name="connsiteX22" fmla="*/ 1835758 w 6264586"/>
+                <a:gd name="connsiteY22" fmla="*/ 1182227 h 6858001"/>
+                <a:gd name="connsiteX23" fmla="*/ 1823273 w 6264586"/>
+                <a:gd name="connsiteY23" fmla="*/ 1192016 h 6858001"/>
+                <a:gd name="connsiteX24" fmla="*/ 1750918 w 6264586"/>
+                <a:gd name="connsiteY24" fmla="*/ 1249760 h 6858001"/>
+                <a:gd name="connsiteX25" fmla="*/ 1469297 w 6264586"/>
+                <a:gd name="connsiteY25" fmla="*/ 1496906 h 6858001"/>
+                <a:gd name="connsiteX26" fmla="*/ 967769 w 6264586"/>
+                <a:gd name="connsiteY26" fmla="*/ 2056602 h 6858001"/>
+                <a:gd name="connsiteX27" fmla="*/ 754105 w 6264586"/>
+                <a:gd name="connsiteY27" fmla="*/ 2368727 h 6858001"/>
+                <a:gd name="connsiteX28" fmla="*/ 572364 w 6264586"/>
+                <a:gd name="connsiteY28" fmla="*/ 2701140 h 6858001"/>
+                <a:gd name="connsiteX29" fmla="*/ 532497 w 6264586"/>
+                <a:gd name="connsiteY29" fmla="*/ 2786265 h 6858001"/>
+                <a:gd name="connsiteX30" fmla="*/ 512918 w 6264586"/>
+                <a:gd name="connsiteY30" fmla="*/ 2828827 h 6858001"/>
+                <a:gd name="connsiteX31" fmla="*/ 494475 w 6264586"/>
+                <a:gd name="connsiteY31" fmla="*/ 2872240 h 6858001"/>
+                <a:gd name="connsiteX32" fmla="*/ 491637 w 6264586"/>
+                <a:gd name="connsiteY32" fmla="*/ 2878908 h 6858001"/>
+                <a:gd name="connsiteX33" fmla="*/ 459290 w 6264586"/>
+                <a:gd name="connsiteY33" fmla="*/ 2959635 h 6858001"/>
+                <a:gd name="connsiteX34" fmla="*/ 446805 w 6264586"/>
+                <a:gd name="connsiteY34" fmla="*/ 2992408 h 6858001"/>
+                <a:gd name="connsiteX35" fmla="*/ 426090 w 6264586"/>
+                <a:gd name="connsiteY35" fmla="*/ 3049158 h 6858001"/>
+                <a:gd name="connsiteX36" fmla="*/ 426090 w 6264586"/>
+                <a:gd name="connsiteY36" fmla="*/ 3049867 h 6858001"/>
+                <a:gd name="connsiteX37" fmla="*/ 318124 w 6264586"/>
+                <a:gd name="connsiteY37" fmla="*/ 3414202 h 6858001"/>
+                <a:gd name="connsiteX38" fmla="*/ 230729 w 6264586"/>
+                <a:gd name="connsiteY38" fmla="*/ 4169260 h 6858001"/>
+                <a:gd name="connsiteX39" fmla="*/ 268893 w 6264586"/>
+                <a:gd name="connsiteY39" fmla="*/ 4544236 h 6858001"/>
+                <a:gd name="connsiteX40" fmla="*/ 379840 w 6264586"/>
+                <a:gd name="connsiteY40" fmla="*/ 4900056 h 6858001"/>
+                <a:gd name="connsiteX41" fmla="*/ 406512 w 6264586"/>
+                <a:gd name="connsiteY41" fmla="*/ 4960211 h 6858001"/>
+                <a:gd name="connsiteX42" fmla="*/ 417862 w 6264586"/>
+                <a:gd name="connsiteY42" fmla="*/ 4984613 h 6858001"/>
+                <a:gd name="connsiteX43" fmla="*/ 428077 w 6264586"/>
+                <a:gd name="connsiteY43" fmla="*/ 5005043 h 6858001"/>
+                <a:gd name="connsiteX44" fmla="*/ 460140 w 6264586"/>
+                <a:gd name="connsiteY44" fmla="*/ 5067327 h 6858001"/>
+                <a:gd name="connsiteX45" fmla="*/ 555197 w 6264586"/>
+                <a:gd name="connsiteY45" fmla="*/ 5229773 h 6858001"/>
+                <a:gd name="connsiteX46" fmla="*/ 660611 w 6264586"/>
+                <a:gd name="connsiteY46" fmla="*/ 5387396 h 6858001"/>
+                <a:gd name="connsiteX47" fmla="*/ 774110 w 6264586"/>
+                <a:gd name="connsiteY47" fmla="*/ 5542182 h 6858001"/>
+                <a:gd name="connsiteX48" fmla="*/ 917829 w 6264586"/>
+                <a:gd name="connsiteY48" fmla="*/ 5727896 h 6858001"/>
+                <a:gd name="connsiteX49" fmla="*/ 1012885 w 6264586"/>
+                <a:gd name="connsiteY49" fmla="*/ 5849767 h 6858001"/>
+                <a:gd name="connsiteX50" fmla="*/ 1133053 w 6264586"/>
+                <a:gd name="connsiteY50" fmla="*/ 6006822 h 6858001"/>
+                <a:gd name="connsiteX51" fmla="*/ 1194343 w 6264586"/>
+                <a:gd name="connsiteY51" fmla="*/ 6090245 h 6858001"/>
+                <a:gd name="connsiteX52" fmla="*/ 1249390 w 6264586"/>
+                <a:gd name="connsiteY52" fmla="*/ 6165155 h 6858001"/>
+                <a:gd name="connsiteX53" fmla="*/ 1345724 w 6264586"/>
+                <a:gd name="connsiteY53" fmla="*/ 6292132 h 6858001"/>
+                <a:gd name="connsiteX54" fmla="*/ 1364310 w 6264586"/>
+                <a:gd name="connsiteY54" fmla="*/ 6316251 h 6858001"/>
+                <a:gd name="connsiteX55" fmla="*/ 1373673 w 6264586"/>
+                <a:gd name="connsiteY55" fmla="*/ 6327885 h 6858001"/>
+                <a:gd name="connsiteX56" fmla="*/ 1484619 w 6264586"/>
+                <a:gd name="connsiteY56" fmla="*/ 6462240 h 6858001"/>
+                <a:gd name="connsiteX57" fmla="*/ 1739000 w 6264586"/>
+                <a:gd name="connsiteY57" fmla="*/ 6737335 h 6858001"/>
+                <a:gd name="connsiteX58" fmla="*/ 1866801 w 6264586"/>
+                <a:gd name="connsiteY58" fmla="*/ 6858001 h 6858001"/>
+                <a:gd name="connsiteX59" fmla="*/ 1144149 w 6264586"/>
+                <a:gd name="connsiteY59" fmla="*/ 6858001 h 6858001"/>
+                <a:gd name="connsiteX60" fmla="*/ 1058349 w 6264586"/>
+                <a:gd name="connsiteY60" fmla="*/ 6766452 h 6858001"/>
+                <a:gd name="connsiteX61" fmla="*/ 580309 w 6264586"/>
+                <a:gd name="connsiteY61" fmla="*/ 6105000 h 6858001"/>
+                <a:gd name="connsiteX62" fmla="*/ 1 w 6264586"/>
+                <a:gd name="connsiteY62" fmla="*/ 3960094 h 6858001"/>
+                <a:gd name="connsiteX63" fmla="*/ 2599292 w 6264586"/>
+                <a:gd name="connsiteY63" fmla="*/ 37050 h 6858001"/>
+              </a:gdLst>
+              <a:ahLst/>
+              <a:cxnLst>
+                <a:cxn ang="0">
+                  <a:pos x="connsiteX0" y="connsiteY0"/>
+                </a:cxn>
+                <a:cxn ang="0">
+                  <a:pos x="connsiteX1" y="connsiteY1"/>
+                </a:cxn>
+                <a:cxn ang="0">
+                  <a:pos x="connsiteX2" y="connsiteY2"/>
+                </a:cxn>
+                <a:cxn ang="0">
+                  <a:pos x="connsiteX3" y="connsiteY3"/>
+                </a:cxn>
+                <a:cxn ang="0">
+                  <a:pos x="connsiteX4" y="connsiteY4"/>
+                </a:cxn>
+                <a:cxn ang="0">
+                  <a:pos x="connsiteX5" y="connsiteY5"/>
+                </a:cxn>
+                <a:cxn ang="0">
+                  <a:pos x="connsiteX6" y="connsiteY6"/>
+                </a:cxn>
+                <a:cxn ang="0">
+                  <a:pos x="connsiteX7" y="connsiteY7"/>
+                </a:cxn>
+                <a:cxn ang="0">
+                  <a:pos x="connsiteX8" y="connsiteY8"/>
+                </a:cxn>
+                <a:cxn ang="0">
+                  <a:pos x="connsiteX9" y="connsiteY9"/>
+                </a:cxn>
+                <a:cxn ang="0">
+                  <a:pos x="connsiteX10" y="connsiteY10"/>
+                </a:cxn>
+                <a:cxn ang="0">
+                  <a:pos x="connsiteX11" y="connsiteY11"/>
+                </a:cxn>
+                <a:cxn ang="0">
+                  <a:pos x="connsiteX12" y="connsiteY12"/>
+                </a:cxn>
+                <a:cxn ang="0">
+                  <a:pos x="connsiteX13" y="connsiteY13"/>
+                </a:cxn>
+                <a:cxn ang="0">
+                  <a:pos x="connsiteX14" y="connsiteY14"/>
+                </a:cxn>
+                <a:cxn ang="0">
+                  <a:pos x="connsiteX15" y="connsiteY15"/>
+                </a:cxn>
+                <a:cxn ang="0">
+                  <a:pos x="connsiteX16" y="connsiteY16"/>
+                </a:cxn>
+                <a:cxn ang="0">
+                  <a:pos x="connsiteX17" y="connsiteY17"/>
+                </a:cxn>
+                <a:cxn ang="0">
+                  <a:pos x="connsiteX18" y="connsiteY18"/>
+                </a:cxn>
+                <a:cxn ang="0">
+                  <a:pos x="connsiteX19" y="connsiteY19"/>
+                </a:cxn>
+                <a:cxn ang="0">
+                  <a:pos x="connsiteX20" y="connsiteY20"/>
+                </a:cxn>
+                <a:cxn ang="0">
+                  <a:pos x="connsiteX21" y="connsiteY21"/>
+                </a:cxn>
+                <a:cxn ang="0">
+                  <a:pos x="connsiteX22" y="connsiteY22"/>
+                </a:cxn>
+                <a:cxn ang="0">
+                  <a:pos x="connsiteX23" y="connsiteY23"/>
+                </a:cxn>
+                <a:cxn ang="0">
+                  <a:pos x="connsiteX24" y="connsiteY24"/>
+                </a:cxn>
+                <a:cxn ang="0">
+                  <a:pos x="connsiteX25" y="connsiteY25"/>
+                </a:cxn>
+                <a:cxn ang="0">
+                  <a:pos x="connsiteX26" y="connsiteY26"/>
+                </a:cxn>
+                <a:cxn ang="0">
+                  <a:pos x="connsiteX27" y="connsiteY27"/>
+                </a:cxn>
+                <a:cxn ang="0">
+                  <a:pos x="connsiteX28" y="connsiteY28"/>
+                </a:cxn>
+                <a:cxn ang="0">
+                  <a:pos x="connsiteX29" y="connsiteY29"/>
+                </a:cxn>
+                <a:cxn ang="0">
+                  <a:pos x="connsiteX30" y="connsiteY30"/>
+                </a:cxn>
+                <a:cxn ang="0">
+                  <a:pos x="connsiteX31" y="connsiteY31"/>
+                </a:cxn>
+                <a:cxn ang="0">
+                  <a:pos x="connsiteX32" y="connsiteY32"/>
+                </a:cxn>
+                <a:cxn ang="0">
+                  <a:pos x="connsiteX33" y="connsiteY33"/>
+                </a:cxn>
+                <a:cxn ang="0">
+                  <a:pos x="connsiteX34" y="connsiteY34"/>
+                </a:cxn>
+                <a:cxn ang="0">
+                  <a:pos x="connsiteX35" y="connsiteY35"/>
+                </a:cxn>
+                <a:cxn ang="0">
+                  <a:pos x="connsiteX36" y="connsiteY36"/>
+                </a:cxn>
+                <a:cxn ang="0">
+                  <a:pos x="connsiteX37" y="connsiteY37"/>
+                </a:cxn>
+                <a:cxn ang="0">
+                  <a:pos x="connsiteX38" y="connsiteY38"/>
+                </a:cxn>
+                <a:cxn ang="0">
+                  <a:pos x="connsiteX39" y="connsiteY39"/>
+                </a:cxn>
+                <a:cxn ang="0">
+                  <a:pos x="connsiteX40" y="connsiteY40"/>
+                </a:cxn>
+                <a:cxn ang="0">
+                  <a:pos x="connsiteX41" y="connsiteY41"/>
+                </a:cxn>
+                <a:cxn ang="0">
+                  <a:pos x="connsiteX42" y="connsiteY42"/>
+                </a:cxn>
+                <a:cxn ang="0">
+                  <a:pos x="connsiteX43" y="connsiteY43"/>
+                </a:cxn>
+                <a:cxn ang="0">
+                  <a:pos x="connsiteX44" y="connsiteY44"/>
+                </a:cxn>
+                <a:cxn ang="0">
+                  <a:pos x="connsiteX45" y="connsiteY45"/>
+                </a:cxn>
+                <a:cxn ang="0">
+                  <a:pos x="connsiteX46" y="connsiteY46"/>
+                </a:cxn>
+                <a:cxn ang="0">
+                  <a:pos x="connsiteX47" y="connsiteY47"/>
+                </a:cxn>
+                <a:cxn ang="0">
+                  <a:pos x="connsiteX48" y="connsiteY48"/>
+                </a:cxn>
+                <a:cxn ang="0">
+                  <a:pos x="connsiteX49" y="connsiteY49"/>
+                </a:cxn>
+                <a:cxn ang="0">
+                  <a:pos x="connsiteX50" y="connsiteY50"/>
+                </a:cxn>
+                <a:cxn ang="0">
+                  <a:pos x="connsiteX51" y="connsiteY51"/>
+                </a:cxn>
+                <a:cxn ang="0">
+                  <a:pos x="connsiteX52" y="connsiteY52"/>
+                </a:cxn>
+                <a:cxn ang="0">
+                  <a:pos x="connsiteX53" y="connsiteY53"/>
+                </a:cxn>
+                <a:cxn ang="0">
+                  <a:pos x="connsiteX54" y="connsiteY54"/>
+                </a:cxn>
+                <a:cxn ang="0">
+                  <a:pos x="connsiteX55" y="connsiteY55"/>
+                </a:cxn>
+                <a:cxn ang="0">
+                  <a:pos x="connsiteX56" y="connsiteY56"/>
+                </a:cxn>
+                <a:cxn ang="0">
+                  <a:pos x="connsiteX57" y="connsiteY57"/>
+                </a:cxn>
+                <a:cxn ang="0">
+                  <a:pos x="connsiteX58" y="connsiteY58"/>
+                </a:cxn>
+                <a:cxn ang="0">
+                  <a:pos x="connsiteX59" y="connsiteY59"/>
+                </a:cxn>
+                <a:cxn ang="0">
+                  <a:pos x="connsiteX60" y="connsiteY60"/>
+                </a:cxn>
+                <a:cxn ang="0">
+                  <a:pos x="connsiteX61" y="connsiteY61"/>
+                </a:cxn>
+                <a:cxn ang="0">
+                  <a:pos x="connsiteX62" y="connsiteY62"/>
+                </a:cxn>
+                <a:cxn ang="0">
+                  <a:pos x="connsiteX63" y="connsiteY63"/>
+                </a:cxn>
+              </a:cxnLst>
+              <a:rect l="l" t="t" r="r" b="b"/>
+              <a:pathLst>
+                <a:path w="6264586" h="6858001">
+                  <a:moveTo>
+                    <a:pt x="6264586" y="6646464"/>
+                  </a:moveTo>
+                  <a:lnTo>
+                    <a:pt x="6264586" y="6858001"/>
+                  </a:lnTo>
+                  <a:lnTo>
+                    <a:pt x="5997170" y="6858001"/>
+                  </a:lnTo>
+                  <a:lnTo>
+                    <a:pt x="6121512" y="6761029"/>
+                  </a:lnTo>
+                  <a:close/>
+                  <a:moveTo>
+                    <a:pt x="2693206" y="0"/>
+                  </a:moveTo>
+                  <a:lnTo>
+                    <a:pt x="5872285" y="0"/>
+                  </a:lnTo>
+                  <a:lnTo>
+                    <a:pt x="6024875" y="68385"/>
+                  </a:lnTo>
+                  <a:cubicBezTo>
+                    <a:pt x="6086250" y="97989"/>
+                    <a:pt x="6146793" y="129318"/>
+                    <a:pt x="6206432" y="162336"/>
+                  </a:cubicBezTo>
+                  <a:lnTo>
+                    <a:pt x="6264586" y="196704"/>
+                  </a:lnTo>
+                  <a:lnTo>
+                    <a:pt x="6264586" y="537242"/>
+                  </a:lnTo>
+                  <a:lnTo>
+                    <a:pt x="6230189" y="517260"/>
+                  </a:lnTo>
+                  <a:cubicBezTo>
+                    <a:pt x="6012226" y="399931"/>
+                    <a:pt x="5780573" y="310008"/>
+                    <a:pt x="5540536" y="249543"/>
+                  </a:cubicBezTo>
+                  <a:cubicBezTo>
+                    <a:pt x="5421375" y="219324"/>
+                    <a:pt x="5300641" y="195644"/>
+                    <a:pt x="5178896" y="178606"/>
+                  </a:cubicBezTo>
+                  <a:cubicBezTo>
+                    <a:pt x="5057977" y="161840"/>
+                    <a:pt x="4936276" y="151186"/>
+                    <a:pt x="4814279" y="146683"/>
+                  </a:cubicBezTo>
+                  <a:cubicBezTo>
+                    <a:pt x="4761501" y="144556"/>
+                    <a:pt x="4708015" y="143421"/>
+                    <a:pt x="4655095" y="143421"/>
+                  </a:cubicBezTo>
+                  <a:cubicBezTo>
+                    <a:pt x="4462968" y="143573"/>
+                    <a:pt x="4271111" y="157799"/>
+                    <a:pt x="4081069" y="185983"/>
+                  </a:cubicBezTo>
+                  <a:cubicBezTo>
+                    <a:pt x="3956361" y="205703"/>
+                    <a:pt x="3835058" y="229396"/>
+                    <a:pt x="3720566" y="256921"/>
+                  </a:cubicBezTo>
+                  <a:cubicBezTo>
+                    <a:pt x="3596708" y="286714"/>
+                    <a:pt x="3477677" y="320905"/>
+                    <a:pt x="3365879" y="357651"/>
+                  </a:cubicBezTo>
+                  <a:cubicBezTo>
+                    <a:pt x="3249257" y="395958"/>
+                    <a:pt x="3133487" y="438945"/>
+                    <a:pt x="3020555" y="486190"/>
+                  </a:cubicBezTo>
+                  <a:cubicBezTo>
+                    <a:pt x="2907623" y="533434"/>
+                    <a:pt x="2794832" y="585786"/>
+                    <a:pt x="2685163" y="641542"/>
+                  </a:cubicBezTo>
+                  <a:cubicBezTo>
+                    <a:pt x="2463995" y="754348"/>
+                    <a:pt x="2250998" y="882488"/>
+                    <a:pt x="2047720" y="1025030"/>
+                  </a:cubicBezTo>
+                  <a:cubicBezTo>
+                    <a:pt x="2006151" y="1054399"/>
+                    <a:pt x="1951528" y="1093415"/>
+                    <a:pt x="1897333" y="1134983"/>
+                  </a:cubicBezTo>
+                  <a:cubicBezTo>
+                    <a:pt x="1876761" y="1150164"/>
+                    <a:pt x="1855905" y="1166479"/>
+                    <a:pt x="1835758" y="1182227"/>
+                  </a:cubicBezTo>
+                  <a:lnTo>
+                    <a:pt x="1823273" y="1192016"/>
+                  </a:lnTo>
+                  <a:cubicBezTo>
+                    <a:pt x="1797027" y="1211879"/>
+                    <a:pt x="1772057" y="1232309"/>
+                    <a:pt x="1750918" y="1249760"/>
+                  </a:cubicBezTo>
+                  <a:cubicBezTo>
+                    <a:pt x="1645931" y="1335737"/>
+                    <a:pt x="1554422" y="1416605"/>
+                    <a:pt x="1469297" y="1496906"/>
+                  </a:cubicBezTo>
+                  <a:cubicBezTo>
+                    <a:pt x="1286595" y="1668957"/>
+                    <a:pt x="1118818" y="1856190"/>
+                    <a:pt x="967769" y="2056602"/>
+                  </a:cubicBezTo>
+                  <a:cubicBezTo>
+                    <a:pt x="890731" y="2159603"/>
+                    <a:pt x="818800" y="2264590"/>
+                    <a:pt x="754105" y="2368727"/>
+                  </a:cubicBezTo>
+                  <a:cubicBezTo>
+                    <a:pt x="681749" y="2488328"/>
+                    <a:pt x="622304" y="2596720"/>
+                    <a:pt x="572364" y="2701140"/>
+                  </a:cubicBezTo>
+                  <a:cubicBezTo>
+                    <a:pt x="557609" y="2730507"/>
+                    <a:pt x="543989" y="2760443"/>
+                    <a:pt x="532497" y="2786265"/>
+                  </a:cubicBezTo>
+                  <a:lnTo>
+                    <a:pt x="512918" y="2828827"/>
+                  </a:lnTo>
+                  <a:lnTo>
+                    <a:pt x="494475" y="2872240"/>
+                  </a:lnTo>
+                  <a:lnTo>
+                    <a:pt x="491637" y="2878908"/>
+                  </a:lnTo>
+                  <a:cubicBezTo>
+                    <a:pt x="480146" y="2906575"/>
+                    <a:pt x="469220" y="2932821"/>
+                    <a:pt x="459290" y="2959635"/>
+                  </a:cubicBezTo>
+                  <a:cubicBezTo>
+                    <a:pt x="455176" y="2970559"/>
+                    <a:pt x="451060" y="2981484"/>
+                    <a:pt x="446805" y="2992408"/>
+                  </a:cubicBezTo>
+                  <a:cubicBezTo>
+                    <a:pt x="439427" y="3012412"/>
+                    <a:pt x="432333" y="3030572"/>
+                    <a:pt x="426090" y="3049158"/>
+                  </a:cubicBezTo>
+                  <a:lnTo>
+                    <a:pt x="426090" y="3049867"/>
+                  </a:lnTo>
+                  <a:cubicBezTo>
+                    <a:pt x="383010" y="3169099"/>
+                    <a:pt x="346959" y="3290756"/>
+                    <a:pt x="318124" y="3414202"/>
+                  </a:cubicBezTo>
+                  <a:cubicBezTo>
+                    <a:pt x="260107" y="3661703"/>
+                    <a:pt x="230780" y="3915049"/>
+                    <a:pt x="230729" y="4169260"/>
+                  </a:cubicBezTo>
+                  <a:cubicBezTo>
+                    <a:pt x="231621" y="4295173"/>
+                    <a:pt x="244398" y="4420719"/>
+                    <a:pt x="268893" y="4544236"/>
+                  </a:cubicBezTo>
+                  <a:cubicBezTo>
+                    <a:pt x="293708" y="4666304"/>
+                    <a:pt x="330882" y="4785521"/>
+                    <a:pt x="379840" y="4900056"/>
+                  </a:cubicBezTo>
+                  <a:cubicBezTo>
+                    <a:pt x="387926" y="4919919"/>
+                    <a:pt x="397006" y="4939498"/>
+                    <a:pt x="406512" y="4960211"/>
+                  </a:cubicBezTo>
+                  <a:cubicBezTo>
+                    <a:pt x="410343" y="4968299"/>
+                    <a:pt x="414173" y="4976385"/>
+                    <a:pt x="417862" y="4984613"/>
+                  </a:cubicBezTo>
+                  <a:lnTo>
+                    <a:pt x="428077" y="5005043"/>
+                  </a:lnTo>
+                  <a:cubicBezTo>
+                    <a:pt x="438860" y="5026751"/>
+                    <a:pt x="449075" y="5047181"/>
+                    <a:pt x="460140" y="5067327"/>
+                  </a:cubicBezTo>
+                  <a:cubicBezTo>
+                    <a:pt x="485536" y="5116273"/>
+                    <a:pt x="514763" y="5165789"/>
+                    <a:pt x="555197" y="5229773"/>
+                  </a:cubicBezTo>
+                  <a:cubicBezTo>
+                    <a:pt x="586836" y="5280282"/>
+                    <a:pt x="620318" y="5329511"/>
+                    <a:pt x="660611" y="5387396"/>
+                  </a:cubicBezTo>
+                  <a:cubicBezTo>
+                    <a:pt x="698065" y="5440741"/>
+                    <a:pt x="737223" y="5493094"/>
+                    <a:pt x="774110" y="5542182"/>
+                  </a:cubicBezTo>
+                  <a:cubicBezTo>
+                    <a:pt x="821070" y="5604324"/>
+                    <a:pt x="870301" y="5667173"/>
+                    <a:pt x="917829" y="5727896"/>
+                  </a:cubicBezTo>
+                  <a:cubicBezTo>
+                    <a:pt x="949042" y="5767762"/>
+                    <a:pt x="979828" y="5807063"/>
+                    <a:pt x="1012885" y="5849767"/>
+                  </a:cubicBezTo>
+                  <a:cubicBezTo>
+                    <a:pt x="1045942" y="5892471"/>
+                    <a:pt x="1089497" y="5948796"/>
+                    <a:pt x="1133053" y="6006822"/>
+                  </a:cubicBezTo>
+                  <a:cubicBezTo>
+                    <a:pt x="1153624" y="6034345"/>
+                    <a:pt x="1175332" y="6063998"/>
+                    <a:pt x="1194343" y="6090245"/>
+                  </a:cubicBezTo>
+                  <a:cubicBezTo>
+                    <a:pt x="1213355" y="6116491"/>
+                    <a:pt x="1231372" y="6141178"/>
+                    <a:pt x="1249390" y="6165155"/>
+                  </a:cubicBezTo>
+                  <a:cubicBezTo>
+                    <a:pt x="1280461" y="6208000"/>
+                    <a:pt x="1313659" y="6250847"/>
+                    <a:pt x="1345724" y="6292132"/>
+                  </a:cubicBezTo>
+                  <a:lnTo>
+                    <a:pt x="1364310" y="6316251"/>
+                  </a:lnTo>
+                  <a:lnTo>
+                    <a:pt x="1373673" y="6327885"/>
+                  </a:lnTo>
+                  <a:cubicBezTo>
+                    <a:pt x="1409566" y="6372433"/>
+                    <a:pt x="1446738" y="6418542"/>
+                    <a:pt x="1484619" y="6462240"/>
+                  </a:cubicBezTo>
+                  <a:cubicBezTo>
+                    <a:pt x="1567899" y="6559850"/>
+                    <a:pt x="1653876" y="6652211"/>
+                    <a:pt x="1739000" y="6737335"/>
+                  </a:cubicBezTo>
+                  <a:lnTo>
+                    <a:pt x="1866801" y="6858001"/>
+                  </a:lnTo>
+                  <a:lnTo>
+                    <a:pt x="1144149" y="6858001"/>
+                  </a:lnTo>
+                  <a:lnTo>
+                    <a:pt x="1058349" y="6766452"/>
+                  </a:lnTo>
+                  <a:cubicBezTo>
+                    <a:pt x="878978" y="6562465"/>
+                    <a:pt x="718756" y="6341104"/>
+                    <a:pt x="580309" y="6105000"/>
+                  </a:cubicBezTo>
+                  <a:cubicBezTo>
+                    <a:pt x="200401" y="5454007"/>
+                    <a:pt x="146" y="4713831"/>
+                    <a:pt x="1" y="3960094"/>
+                  </a:cubicBezTo>
+                  <a:cubicBezTo>
+                    <a:pt x="-335" y="2196754"/>
+                    <a:pt x="1071479" y="683605"/>
+                    <a:pt x="2599292" y="37050"/>
+                  </a:cubicBezTo>
+                  <a:close/>
+                </a:path>
+              </a:pathLst>
+            </a:custGeom>
+            <a:gradFill>
+              <a:gsLst>
+                <a:gs pos="2000">
+                  <a:schemeClr val="bg1">
+                    <a:alpha val="10000"/>
+                  </a:schemeClr>
+                </a:gs>
+                <a:gs pos="16000">
+                  <a:schemeClr val="accent6">
+                    <a:alpha val="10000"/>
+                  </a:schemeClr>
+                </a:gs>
+                <a:gs pos="100000">
+                  <a:schemeClr val="bg1">
+                    <a:alpha val="10000"/>
+                  </a:schemeClr>
+                </a:gs>
+                <a:gs pos="85000">
+                  <a:schemeClr val="accent1">
+                    <a:alpha val="10000"/>
+                  </a:schemeClr>
+                </a:gs>
+              </a:gsLst>
+              <a:lin ang="12000000" scaled="0"/>
+            </a:gradFill>
+            <a:ln>
+              <a:noFill/>
+            </a:ln>
+          </p:spPr>
+          <p:style>
+            <a:lnRef idx="2">
+              <a:schemeClr val="accent1">
+                <a:shade val="50000"/>
+              </a:schemeClr>
+            </a:lnRef>
+            <a:fillRef idx="1">
+              <a:schemeClr val="accent1"/>
+            </a:fillRef>
+            <a:effectRef idx="0">
+              <a:schemeClr val="accent1"/>
+            </a:effectRef>
+            <a:fontRef idx="minor">
+              <a:schemeClr val="lt1"/>
+            </a:fontRef>
+          </p:style>
+          <p:txBody>
+            <a:bodyPr rtlCol="0" anchor="ctr"/>
+            <a:lstStyle/>
+            <a:p>
+              <a:pPr algn="ctr"/>
+              <a:endParaRPr lang="en-US" dirty="0"/>
+            </a:p>
+          </p:txBody>
+        </p:sp>
+        <p:sp>
+          <p:nvSpPr>
+            <p:cNvPr id="17" name="Freeform: Shape 16">
+              <a:extLst>
+                <a:ext uri="{FF2B5EF4-FFF2-40B4-BE49-F238E27FC236}">
+                  <a16:creationId xmlns:a16="http://schemas.microsoft.com/office/drawing/2014/main" id="{C093DC50-3BD7-46B1-A300-CD207E152FF4}"/>
+                </a:ext>
+                <a:ext uri="{C183D7F6-B498-43B3-948B-1728B52AA6E4}">
+                  <adec:decorative xmlns:adec="http://schemas.microsoft.com/office/drawing/2017/decorative" val="1"/>
+                </a:ext>
+              </a:extLst>
+            </p:cNvPr>
+            <p:cNvSpPr/>
+            <p:nvPr>
+              <p:extLst>
+                <p:ext uri="{386F3935-93C4-4BCD-93E2-E3B085C9AB24}">
+                  <p16:designElem xmlns:p16="http://schemas.microsoft.com/office/powerpoint/2015/main" val="1"/>
+                </p:ext>
+              </p:extLst>
+            </p:nvPr>
+          </p:nvSpPr>
+          <p:spPr>
+            <a:xfrm flipH="1">
+              <a:off x="305" y="-5977"/>
+              <a:ext cx="6238675" cy="6858001"/>
+            </a:xfrm>
+            <a:custGeom>
+              <a:avLst/>
+              <a:gdLst>
+                <a:gd name="connsiteX0" fmla="*/ 6264586 w 6264586"/>
+                <a:gd name="connsiteY0" fmla="*/ 6646464 h 6858001"/>
+                <a:gd name="connsiteX1" fmla="*/ 6264586 w 6264586"/>
+                <a:gd name="connsiteY1" fmla="*/ 6858001 h 6858001"/>
+                <a:gd name="connsiteX2" fmla="*/ 5997170 w 6264586"/>
+                <a:gd name="connsiteY2" fmla="*/ 6858001 h 6858001"/>
+                <a:gd name="connsiteX3" fmla="*/ 6121512 w 6264586"/>
+                <a:gd name="connsiteY3" fmla="*/ 6761029 h 6858001"/>
+                <a:gd name="connsiteX4" fmla="*/ 2693206 w 6264586"/>
+                <a:gd name="connsiteY4" fmla="*/ 0 h 6858001"/>
+                <a:gd name="connsiteX5" fmla="*/ 5872285 w 6264586"/>
+                <a:gd name="connsiteY5" fmla="*/ 0 h 6858001"/>
+                <a:gd name="connsiteX6" fmla="*/ 6024875 w 6264586"/>
+                <a:gd name="connsiteY6" fmla="*/ 68385 h 6858001"/>
+                <a:gd name="connsiteX7" fmla="*/ 6206432 w 6264586"/>
+                <a:gd name="connsiteY7" fmla="*/ 162336 h 6858001"/>
+                <a:gd name="connsiteX8" fmla="*/ 6264586 w 6264586"/>
+                <a:gd name="connsiteY8" fmla="*/ 196704 h 6858001"/>
+                <a:gd name="connsiteX9" fmla="*/ 6264586 w 6264586"/>
+                <a:gd name="connsiteY9" fmla="*/ 537242 h 6858001"/>
+                <a:gd name="connsiteX10" fmla="*/ 6230189 w 6264586"/>
+                <a:gd name="connsiteY10" fmla="*/ 517260 h 6858001"/>
+                <a:gd name="connsiteX11" fmla="*/ 5540536 w 6264586"/>
+                <a:gd name="connsiteY11" fmla="*/ 249543 h 6858001"/>
+                <a:gd name="connsiteX12" fmla="*/ 5178896 w 6264586"/>
+                <a:gd name="connsiteY12" fmla="*/ 178606 h 6858001"/>
+                <a:gd name="connsiteX13" fmla="*/ 4814279 w 6264586"/>
+                <a:gd name="connsiteY13" fmla="*/ 146683 h 6858001"/>
+                <a:gd name="connsiteX14" fmla="*/ 4655095 w 6264586"/>
+                <a:gd name="connsiteY14" fmla="*/ 143421 h 6858001"/>
+                <a:gd name="connsiteX15" fmla="*/ 4081069 w 6264586"/>
+                <a:gd name="connsiteY15" fmla="*/ 185983 h 6858001"/>
+                <a:gd name="connsiteX16" fmla="*/ 3720566 w 6264586"/>
+                <a:gd name="connsiteY16" fmla="*/ 256921 h 6858001"/>
+                <a:gd name="connsiteX17" fmla="*/ 3365879 w 6264586"/>
+                <a:gd name="connsiteY17" fmla="*/ 357651 h 6858001"/>
+                <a:gd name="connsiteX18" fmla="*/ 3020555 w 6264586"/>
+                <a:gd name="connsiteY18" fmla="*/ 486190 h 6858001"/>
+                <a:gd name="connsiteX19" fmla="*/ 2685163 w 6264586"/>
+                <a:gd name="connsiteY19" fmla="*/ 641542 h 6858001"/>
+                <a:gd name="connsiteX20" fmla="*/ 2047720 w 6264586"/>
+                <a:gd name="connsiteY20" fmla="*/ 1025030 h 6858001"/>
+                <a:gd name="connsiteX21" fmla="*/ 1897333 w 6264586"/>
+                <a:gd name="connsiteY21" fmla="*/ 1134983 h 6858001"/>
+                <a:gd name="connsiteX22" fmla="*/ 1835758 w 6264586"/>
+                <a:gd name="connsiteY22" fmla="*/ 1182227 h 6858001"/>
+                <a:gd name="connsiteX23" fmla="*/ 1823273 w 6264586"/>
+                <a:gd name="connsiteY23" fmla="*/ 1192016 h 6858001"/>
+                <a:gd name="connsiteX24" fmla="*/ 1750918 w 6264586"/>
+                <a:gd name="connsiteY24" fmla="*/ 1249760 h 6858001"/>
+                <a:gd name="connsiteX25" fmla="*/ 1469297 w 6264586"/>
+                <a:gd name="connsiteY25" fmla="*/ 1496906 h 6858001"/>
+                <a:gd name="connsiteX26" fmla="*/ 967769 w 6264586"/>
+                <a:gd name="connsiteY26" fmla="*/ 2056602 h 6858001"/>
+                <a:gd name="connsiteX27" fmla="*/ 754105 w 6264586"/>
+                <a:gd name="connsiteY27" fmla="*/ 2368727 h 6858001"/>
+                <a:gd name="connsiteX28" fmla="*/ 572364 w 6264586"/>
+                <a:gd name="connsiteY28" fmla="*/ 2701140 h 6858001"/>
+                <a:gd name="connsiteX29" fmla="*/ 532497 w 6264586"/>
+                <a:gd name="connsiteY29" fmla="*/ 2786265 h 6858001"/>
+                <a:gd name="connsiteX30" fmla="*/ 512918 w 6264586"/>
+                <a:gd name="connsiteY30" fmla="*/ 2828827 h 6858001"/>
+                <a:gd name="connsiteX31" fmla="*/ 494475 w 6264586"/>
+                <a:gd name="connsiteY31" fmla="*/ 2872240 h 6858001"/>
+                <a:gd name="connsiteX32" fmla="*/ 491637 w 6264586"/>
+                <a:gd name="connsiteY32" fmla="*/ 2878908 h 6858001"/>
+                <a:gd name="connsiteX33" fmla="*/ 459290 w 6264586"/>
+                <a:gd name="connsiteY33" fmla="*/ 2959635 h 6858001"/>
+                <a:gd name="connsiteX34" fmla="*/ 446805 w 6264586"/>
+                <a:gd name="connsiteY34" fmla="*/ 2992408 h 6858001"/>
+                <a:gd name="connsiteX35" fmla="*/ 426090 w 6264586"/>
+                <a:gd name="connsiteY35" fmla="*/ 3049158 h 6858001"/>
+                <a:gd name="connsiteX36" fmla="*/ 426090 w 6264586"/>
+                <a:gd name="connsiteY36" fmla="*/ 3049867 h 6858001"/>
+                <a:gd name="connsiteX37" fmla="*/ 318124 w 6264586"/>
+                <a:gd name="connsiteY37" fmla="*/ 3414202 h 6858001"/>
+                <a:gd name="connsiteX38" fmla="*/ 230729 w 6264586"/>
+                <a:gd name="connsiteY38" fmla="*/ 4169260 h 6858001"/>
+                <a:gd name="connsiteX39" fmla="*/ 268893 w 6264586"/>
+                <a:gd name="connsiteY39" fmla="*/ 4544236 h 6858001"/>
+                <a:gd name="connsiteX40" fmla="*/ 379840 w 6264586"/>
+                <a:gd name="connsiteY40" fmla="*/ 4900056 h 6858001"/>
+                <a:gd name="connsiteX41" fmla="*/ 406512 w 6264586"/>
+                <a:gd name="connsiteY41" fmla="*/ 4960211 h 6858001"/>
+                <a:gd name="connsiteX42" fmla="*/ 417862 w 6264586"/>
+                <a:gd name="connsiteY42" fmla="*/ 4984613 h 6858001"/>
+                <a:gd name="connsiteX43" fmla="*/ 428077 w 6264586"/>
+                <a:gd name="connsiteY43" fmla="*/ 5005043 h 6858001"/>
+                <a:gd name="connsiteX44" fmla="*/ 460140 w 6264586"/>
+                <a:gd name="connsiteY44" fmla="*/ 5067327 h 6858001"/>
+                <a:gd name="connsiteX45" fmla="*/ 555197 w 6264586"/>
+                <a:gd name="connsiteY45" fmla="*/ 5229773 h 6858001"/>
+                <a:gd name="connsiteX46" fmla="*/ 660611 w 6264586"/>
+                <a:gd name="connsiteY46" fmla="*/ 5387396 h 6858001"/>
+                <a:gd name="connsiteX47" fmla="*/ 774110 w 6264586"/>
+                <a:gd name="connsiteY47" fmla="*/ 5542182 h 6858001"/>
+                <a:gd name="connsiteX48" fmla="*/ 917829 w 6264586"/>
+                <a:gd name="connsiteY48" fmla="*/ 5727896 h 6858001"/>
+                <a:gd name="connsiteX49" fmla="*/ 1012885 w 6264586"/>
+                <a:gd name="connsiteY49" fmla="*/ 5849767 h 6858001"/>
+                <a:gd name="connsiteX50" fmla="*/ 1133053 w 6264586"/>
+                <a:gd name="connsiteY50" fmla="*/ 6006822 h 6858001"/>
+                <a:gd name="connsiteX51" fmla="*/ 1194343 w 6264586"/>
+                <a:gd name="connsiteY51" fmla="*/ 6090245 h 6858001"/>
+                <a:gd name="connsiteX52" fmla="*/ 1249390 w 6264586"/>
+                <a:gd name="connsiteY52" fmla="*/ 6165155 h 6858001"/>
+                <a:gd name="connsiteX53" fmla="*/ 1345724 w 6264586"/>
+                <a:gd name="connsiteY53" fmla="*/ 6292132 h 6858001"/>
+                <a:gd name="connsiteX54" fmla="*/ 1364310 w 6264586"/>
+                <a:gd name="connsiteY54" fmla="*/ 6316251 h 6858001"/>
+                <a:gd name="connsiteX55" fmla="*/ 1373673 w 6264586"/>
+                <a:gd name="connsiteY55" fmla="*/ 6327885 h 6858001"/>
+                <a:gd name="connsiteX56" fmla="*/ 1484619 w 6264586"/>
+                <a:gd name="connsiteY56" fmla="*/ 6462240 h 6858001"/>
+                <a:gd name="connsiteX57" fmla="*/ 1739000 w 6264586"/>
+                <a:gd name="connsiteY57" fmla="*/ 6737335 h 6858001"/>
+                <a:gd name="connsiteX58" fmla="*/ 1866801 w 6264586"/>
+                <a:gd name="connsiteY58" fmla="*/ 6858001 h 6858001"/>
+                <a:gd name="connsiteX59" fmla="*/ 1144149 w 6264586"/>
+                <a:gd name="connsiteY59" fmla="*/ 6858001 h 6858001"/>
+                <a:gd name="connsiteX60" fmla="*/ 1058349 w 6264586"/>
+                <a:gd name="connsiteY60" fmla="*/ 6766452 h 6858001"/>
+                <a:gd name="connsiteX61" fmla="*/ 580309 w 6264586"/>
+                <a:gd name="connsiteY61" fmla="*/ 6105000 h 6858001"/>
+                <a:gd name="connsiteX62" fmla="*/ 1 w 6264586"/>
+                <a:gd name="connsiteY62" fmla="*/ 3960094 h 6858001"/>
+                <a:gd name="connsiteX63" fmla="*/ 2599292 w 6264586"/>
+                <a:gd name="connsiteY63" fmla="*/ 37050 h 6858001"/>
+              </a:gdLst>
+              <a:ahLst/>
+              <a:cxnLst>
+                <a:cxn ang="0">
+                  <a:pos x="connsiteX0" y="connsiteY0"/>
+                </a:cxn>
+                <a:cxn ang="0">
+                  <a:pos x="connsiteX1" y="connsiteY1"/>
+                </a:cxn>
+                <a:cxn ang="0">
+                  <a:pos x="connsiteX2" y="connsiteY2"/>
+                </a:cxn>
+                <a:cxn ang="0">
+                  <a:pos x="connsiteX3" y="connsiteY3"/>
+                </a:cxn>
+                <a:cxn ang="0">
+                  <a:pos x="connsiteX4" y="connsiteY4"/>
+                </a:cxn>
+                <a:cxn ang="0">
+                  <a:pos x="connsiteX5" y="connsiteY5"/>
+                </a:cxn>
+                <a:cxn ang="0">
+                  <a:pos x="connsiteX6" y="connsiteY6"/>
+                </a:cxn>
+                <a:cxn ang="0">
+                  <a:pos x="connsiteX7" y="connsiteY7"/>
+                </a:cxn>
+                <a:cxn ang="0">
+                  <a:pos x="connsiteX8" y="connsiteY8"/>
+                </a:cxn>
+                <a:cxn ang="0">
+                  <a:pos x="connsiteX9" y="connsiteY9"/>
+                </a:cxn>
+                <a:cxn ang="0">
+                  <a:pos x="connsiteX10" y="connsiteY10"/>
+                </a:cxn>
+                <a:cxn ang="0">
+                  <a:pos x="connsiteX11" y="connsiteY11"/>
+                </a:cxn>
+                <a:cxn ang="0">
+                  <a:pos x="connsiteX12" y="connsiteY12"/>
+                </a:cxn>
+                <a:cxn ang="0">
+                  <a:pos x="connsiteX13" y="connsiteY13"/>
+                </a:cxn>
+                <a:cxn ang="0">
+                  <a:pos x="connsiteX14" y="connsiteY14"/>
+                </a:cxn>
+                <a:cxn ang="0">
+                  <a:pos x="connsiteX15" y="connsiteY15"/>
+                </a:cxn>
+                <a:cxn ang="0">
+                  <a:pos x="connsiteX16" y="connsiteY16"/>
+                </a:cxn>
+                <a:cxn ang="0">
+                  <a:pos x="connsiteX17" y="connsiteY17"/>
+                </a:cxn>
+                <a:cxn ang="0">
+                  <a:pos x="connsiteX18" y="connsiteY18"/>
+                </a:cxn>
+                <a:cxn ang="0">
+                  <a:pos x="connsiteX19" y="connsiteY19"/>
+                </a:cxn>
+                <a:cxn ang="0">
+                  <a:pos x="connsiteX20" y="connsiteY20"/>
+                </a:cxn>
+                <a:cxn ang="0">
+                  <a:pos x="connsiteX21" y="connsiteY21"/>
+                </a:cxn>
+                <a:cxn ang="0">
+                  <a:pos x="connsiteX22" y="connsiteY22"/>
+                </a:cxn>
+                <a:cxn ang="0">
+                  <a:pos x="connsiteX23" y="connsiteY23"/>
+                </a:cxn>
+                <a:cxn ang="0">
+                  <a:pos x="connsiteX24" y="connsiteY24"/>
+                </a:cxn>
+                <a:cxn ang="0">
+                  <a:pos x="connsiteX25" y="connsiteY25"/>
+                </a:cxn>
+                <a:cxn ang="0">
+                  <a:pos x="connsiteX26" y="connsiteY26"/>
+                </a:cxn>
+                <a:cxn ang="0">
+                  <a:pos x="connsiteX27" y="connsiteY27"/>
+                </a:cxn>
+                <a:cxn ang="0">
+                  <a:pos x="connsiteX28" y="connsiteY28"/>
+                </a:cxn>
+                <a:cxn ang="0">
+                  <a:pos x="connsiteX29" y="connsiteY29"/>
+                </a:cxn>
+                <a:cxn ang="0">
+                  <a:pos x="connsiteX30" y="connsiteY30"/>
+                </a:cxn>
+                <a:cxn ang="0">
+                  <a:pos x="connsiteX31" y="connsiteY31"/>
+                </a:cxn>
+                <a:cxn ang="0">
+                  <a:pos x="connsiteX32" y="connsiteY32"/>
+                </a:cxn>
+                <a:cxn ang="0">
+                  <a:pos x="connsiteX33" y="connsiteY33"/>
+                </a:cxn>
+                <a:cxn ang="0">
+                  <a:pos x="connsiteX34" y="connsiteY34"/>
+                </a:cxn>
+                <a:cxn ang="0">
+                  <a:pos x="connsiteX35" y="connsiteY35"/>
+                </a:cxn>
+                <a:cxn ang="0">
+                  <a:pos x="connsiteX36" y="connsiteY36"/>
+                </a:cxn>
+                <a:cxn ang="0">
+                  <a:pos x="connsiteX37" y="connsiteY37"/>
+                </a:cxn>
+                <a:cxn ang="0">
+                  <a:pos x="connsiteX38" y="connsiteY38"/>
+                </a:cxn>
+                <a:cxn ang="0">
+                  <a:pos x="connsiteX39" y="connsiteY39"/>
+                </a:cxn>
+                <a:cxn ang="0">
+                  <a:pos x="connsiteX40" y="connsiteY40"/>
+                </a:cxn>
+                <a:cxn ang="0">
+                  <a:pos x="connsiteX41" y="connsiteY41"/>
+                </a:cxn>
+                <a:cxn ang="0">
+                  <a:pos x="connsiteX42" y="connsiteY42"/>
+                </a:cxn>
+                <a:cxn ang="0">
+                  <a:pos x="connsiteX43" y="connsiteY43"/>
+                </a:cxn>
+                <a:cxn ang="0">
+                  <a:pos x="connsiteX44" y="connsiteY44"/>
+                </a:cxn>
+                <a:cxn ang="0">
+                  <a:pos x="connsiteX45" y="connsiteY45"/>
+                </a:cxn>
+                <a:cxn ang="0">
+                  <a:pos x="connsiteX46" y="connsiteY46"/>
+                </a:cxn>
+                <a:cxn ang="0">
+                  <a:pos x="connsiteX47" y="connsiteY47"/>
+                </a:cxn>
+                <a:cxn ang="0">
+                  <a:pos x="connsiteX48" y="connsiteY48"/>
+                </a:cxn>
+                <a:cxn ang="0">
+                  <a:pos x="connsiteX49" y="connsiteY49"/>
+                </a:cxn>
+                <a:cxn ang="0">
+                  <a:pos x="connsiteX50" y="connsiteY50"/>
+                </a:cxn>
+                <a:cxn ang="0">
+                  <a:pos x="connsiteX51" y="connsiteY51"/>
+                </a:cxn>
+                <a:cxn ang="0">
+                  <a:pos x="connsiteX52" y="connsiteY52"/>
+                </a:cxn>
+                <a:cxn ang="0">
+                  <a:pos x="connsiteX53" y="connsiteY53"/>
+                </a:cxn>
+                <a:cxn ang="0">
+                  <a:pos x="connsiteX54" y="connsiteY54"/>
+                </a:cxn>
+                <a:cxn ang="0">
+                  <a:pos x="connsiteX55" y="connsiteY55"/>
+                </a:cxn>
+                <a:cxn ang="0">
+                  <a:pos x="connsiteX56" y="connsiteY56"/>
+                </a:cxn>
+                <a:cxn ang="0">
+                  <a:pos x="connsiteX57" y="connsiteY57"/>
+                </a:cxn>
+                <a:cxn ang="0">
+                  <a:pos x="connsiteX58" y="connsiteY58"/>
+                </a:cxn>
+                <a:cxn ang="0">
+                  <a:pos x="connsiteX59" y="connsiteY59"/>
+                </a:cxn>
+                <a:cxn ang="0">
+                  <a:pos x="connsiteX60" y="connsiteY60"/>
+                </a:cxn>
+                <a:cxn ang="0">
+                  <a:pos x="connsiteX61" y="connsiteY61"/>
+                </a:cxn>
+                <a:cxn ang="0">
+                  <a:pos x="connsiteX62" y="connsiteY62"/>
+                </a:cxn>
+                <a:cxn ang="0">
+                  <a:pos x="connsiteX63" y="connsiteY63"/>
+                </a:cxn>
+              </a:cxnLst>
+              <a:rect l="l" t="t" r="r" b="b"/>
+              <a:pathLst>
+                <a:path w="6264586" h="6858001">
+                  <a:moveTo>
+                    <a:pt x="6264586" y="6646464"/>
+                  </a:moveTo>
+                  <a:lnTo>
+                    <a:pt x="6264586" y="6858001"/>
+                  </a:lnTo>
+                  <a:lnTo>
+                    <a:pt x="5997170" y="6858001"/>
+                  </a:lnTo>
+                  <a:lnTo>
+                    <a:pt x="6121512" y="6761029"/>
+                  </a:lnTo>
+                  <a:close/>
+                  <a:moveTo>
+                    <a:pt x="2693206" y="0"/>
+                  </a:moveTo>
+                  <a:lnTo>
+                    <a:pt x="5872285" y="0"/>
+                  </a:lnTo>
+                  <a:lnTo>
+                    <a:pt x="6024875" y="68385"/>
+                  </a:lnTo>
+                  <a:cubicBezTo>
+                    <a:pt x="6086250" y="97989"/>
+                    <a:pt x="6146793" y="129318"/>
+                    <a:pt x="6206432" y="162336"/>
+                  </a:cubicBezTo>
+                  <a:lnTo>
+                    <a:pt x="6264586" y="196704"/>
+                  </a:lnTo>
+                  <a:lnTo>
+                    <a:pt x="6264586" y="537242"/>
+                  </a:lnTo>
+                  <a:lnTo>
+                    <a:pt x="6230189" y="517260"/>
+                  </a:lnTo>
+                  <a:cubicBezTo>
+                    <a:pt x="6012226" y="399931"/>
+                    <a:pt x="5780573" y="310008"/>
+                    <a:pt x="5540536" y="249543"/>
+                  </a:cubicBezTo>
+                  <a:cubicBezTo>
+                    <a:pt x="5421375" y="219324"/>
+                    <a:pt x="5300641" y="195644"/>
+                    <a:pt x="5178896" y="178606"/>
+                  </a:cubicBezTo>
+                  <a:cubicBezTo>
+                    <a:pt x="5057977" y="161840"/>
+                    <a:pt x="4936276" y="151186"/>
+                    <a:pt x="4814279" y="146683"/>
+                  </a:cubicBezTo>
+                  <a:cubicBezTo>
+                    <a:pt x="4761501" y="144556"/>
+                    <a:pt x="4708015" y="143421"/>
+                    <a:pt x="4655095" y="143421"/>
+                  </a:cubicBezTo>
+                  <a:cubicBezTo>
+                    <a:pt x="4462968" y="143573"/>
+                    <a:pt x="4271111" y="157799"/>
+                    <a:pt x="4081069" y="185983"/>
+                  </a:cubicBezTo>
+                  <a:cubicBezTo>
+                    <a:pt x="3956361" y="205703"/>
+                    <a:pt x="3835058" y="229396"/>
+                    <a:pt x="3720566" y="256921"/>
+                  </a:cubicBezTo>
+                  <a:cubicBezTo>
+                    <a:pt x="3596708" y="286714"/>
+                    <a:pt x="3477677" y="320905"/>
+                    <a:pt x="3365879" y="357651"/>
+                  </a:cubicBezTo>
+                  <a:cubicBezTo>
+                    <a:pt x="3249257" y="395958"/>
+                    <a:pt x="3133487" y="438945"/>
+                    <a:pt x="3020555" y="486190"/>
+                  </a:cubicBezTo>
+                  <a:cubicBezTo>
+                    <a:pt x="2907623" y="533434"/>
+                    <a:pt x="2794832" y="585786"/>
+                    <a:pt x="2685163" y="641542"/>
+                  </a:cubicBezTo>
+                  <a:cubicBezTo>
+                    <a:pt x="2463995" y="754348"/>
+                    <a:pt x="2250998" y="882488"/>
+                    <a:pt x="2047720" y="1025030"/>
+                  </a:cubicBezTo>
+                  <a:cubicBezTo>
+                    <a:pt x="2006151" y="1054399"/>
+                    <a:pt x="1951528" y="1093415"/>
+                    <a:pt x="1897333" y="1134983"/>
+                  </a:cubicBezTo>
+                  <a:cubicBezTo>
+                    <a:pt x="1876761" y="1150164"/>
+                    <a:pt x="1855905" y="1166479"/>
+                    <a:pt x="1835758" y="1182227"/>
+                  </a:cubicBezTo>
+                  <a:lnTo>
+                    <a:pt x="1823273" y="1192016"/>
+                  </a:lnTo>
+                  <a:cubicBezTo>
+                    <a:pt x="1797027" y="1211879"/>
+                    <a:pt x="1772057" y="1232309"/>
+                    <a:pt x="1750918" y="1249760"/>
+                  </a:cubicBezTo>
+                  <a:cubicBezTo>
+                    <a:pt x="1645931" y="1335737"/>
+                    <a:pt x="1554422" y="1416605"/>
+                    <a:pt x="1469297" y="1496906"/>
+                  </a:cubicBezTo>
+                  <a:cubicBezTo>
+                    <a:pt x="1286595" y="1668957"/>
+                    <a:pt x="1118818" y="1856190"/>
+                    <a:pt x="967769" y="2056602"/>
+                  </a:cubicBezTo>
+                  <a:cubicBezTo>
+                    <a:pt x="890731" y="2159603"/>
+                    <a:pt x="818800" y="2264590"/>
+                    <a:pt x="754105" y="2368727"/>
+                  </a:cubicBezTo>
+                  <a:cubicBezTo>
+                    <a:pt x="681749" y="2488328"/>
+                    <a:pt x="622304" y="2596720"/>
+                    <a:pt x="572364" y="2701140"/>
+                  </a:cubicBezTo>
+                  <a:cubicBezTo>
+                    <a:pt x="557609" y="2730507"/>
+                    <a:pt x="543989" y="2760443"/>
+                    <a:pt x="532497" y="2786265"/>
+                  </a:cubicBezTo>
+                  <a:lnTo>
+                    <a:pt x="512918" y="2828827"/>
+                  </a:lnTo>
+                  <a:lnTo>
+                    <a:pt x="494475" y="2872240"/>
+                  </a:lnTo>
+                  <a:lnTo>
+                    <a:pt x="491637" y="2878908"/>
+                  </a:lnTo>
+                  <a:cubicBezTo>
+                    <a:pt x="480146" y="2906575"/>
+                    <a:pt x="469220" y="2932821"/>
+                    <a:pt x="459290" y="2959635"/>
+                  </a:cubicBezTo>
+                  <a:cubicBezTo>
+                    <a:pt x="455176" y="2970559"/>
+                    <a:pt x="451060" y="2981484"/>
+                    <a:pt x="446805" y="2992408"/>
+                  </a:cubicBezTo>
+                  <a:cubicBezTo>
+                    <a:pt x="439427" y="3012412"/>
+                    <a:pt x="432333" y="3030572"/>
+                    <a:pt x="426090" y="3049158"/>
+                  </a:cubicBezTo>
+                  <a:lnTo>
+                    <a:pt x="426090" y="3049867"/>
+                  </a:lnTo>
+                  <a:cubicBezTo>
+                    <a:pt x="383010" y="3169099"/>
+                    <a:pt x="346959" y="3290756"/>
+                    <a:pt x="318124" y="3414202"/>
+                  </a:cubicBezTo>
+                  <a:cubicBezTo>
+                    <a:pt x="260107" y="3661703"/>
+                    <a:pt x="230780" y="3915049"/>
+                    <a:pt x="230729" y="4169260"/>
+                  </a:cubicBezTo>
+                  <a:cubicBezTo>
+                    <a:pt x="231621" y="4295173"/>
+                    <a:pt x="244398" y="4420719"/>
+                    <a:pt x="268893" y="4544236"/>
+                  </a:cubicBezTo>
+                  <a:cubicBezTo>
+                    <a:pt x="293708" y="4666304"/>
+                    <a:pt x="330882" y="4785521"/>
+                    <a:pt x="379840" y="4900056"/>
+                  </a:cubicBezTo>
+                  <a:cubicBezTo>
+                    <a:pt x="387926" y="4919919"/>
+                    <a:pt x="397006" y="4939498"/>
+                    <a:pt x="406512" y="4960211"/>
+                  </a:cubicBezTo>
+                  <a:cubicBezTo>
+                    <a:pt x="410343" y="4968299"/>
+                    <a:pt x="414173" y="4976385"/>
+                    <a:pt x="417862" y="4984613"/>
+                  </a:cubicBezTo>
+                  <a:lnTo>
+                    <a:pt x="428077" y="5005043"/>
+                  </a:lnTo>
+                  <a:cubicBezTo>
+                    <a:pt x="438860" y="5026751"/>
+                    <a:pt x="449075" y="5047181"/>
+                    <a:pt x="460140" y="5067327"/>
+                  </a:cubicBezTo>
+                  <a:cubicBezTo>
+                    <a:pt x="485536" y="5116273"/>
+                    <a:pt x="514763" y="5165789"/>
+                    <a:pt x="555197" y="5229773"/>
+                  </a:cubicBezTo>
+                  <a:cubicBezTo>
+                    <a:pt x="586836" y="5280282"/>
+                    <a:pt x="620318" y="5329511"/>
+                    <a:pt x="660611" y="5387396"/>
+                  </a:cubicBezTo>
+                  <a:cubicBezTo>
+                    <a:pt x="698065" y="5440741"/>
+                    <a:pt x="737223" y="5493094"/>
+                    <a:pt x="774110" y="5542182"/>
+                  </a:cubicBezTo>
+                  <a:cubicBezTo>
+                    <a:pt x="821070" y="5604324"/>
+                    <a:pt x="870301" y="5667173"/>
+                    <a:pt x="917829" y="5727896"/>
+                  </a:cubicBezTo>
+                  <a:cubicBezTo>
+                    <a:pt x="949042" y="5767762"/>
+                    <a:pt x="979828" y="5807063"/>
+                    <a:pt x="1012885" y="5849767"/>
+                  </a:cubicBezTo>
+                  <a:cubicBezTo>
+                    <a:pt x="1045942" y="5892471"/>
+                    <a:pt x="1089497" y="5948796"/>
+                    <a:pt x="1133053" y="6006822"/>
+                  </a:cubicBezTo>
+                  <a:cubicBezTo>
+                    <a:pt x="1153624" y="6034345"/>
+                    <a:pt x="1175332" y="6063998"/>
+                    <a:pt x="1194343" y="6090245"/>
+                  </a:cubicBezTo>
+                  <a:cubicBezTo>
+                    <a:pt x="1213355" y="6116491"/>
+                    <a:pt x="1231372" y="6141178"/>
+                    <a:pt x="1249390" y="6165155"/>
+                  </a:cubicBezTo>
+                  <a:cubicBezTo>
+                    <a:pt x="1280461" y="6208000"/>
+                    <a:pt x="1313659" y="6250847"/>
+                    <a:pt x="1345724" y="6292132"/>
+                  </a:cubicBezTo>
+                  <a:lnTo>
+                    <a:pt x="1364310" y="6316251"/>
+                  </a:lnTo>
+                  <a:lnTo>
+                    <a:pt x="1373673" y="6327885"/>
+                  </a:lnTo>
+                  <a:cubicBezTo>
+                    <a:pt x="1409566" y="6372433"/>
+                    <a:pt x="1446738" y="6418542"/>
+                    <a:pt x="1484619" y="6462240"/>
+                  </a:cubicBezTo>
+                  <a:cubicBezTo>
+                    <a:pt x="1567899" y="6559850"/>
+                    <a:pt x="1653876" y="6652211"/>
+                    <a:pt x="1739000" y="6737335"/>
+                  </a:cubicBezTo>
+                  <a:lnTo>
+                    <a:pt x="1866801" y="6858001"/>
+                  </a:lnTo>
+                  <a:lnTo>
+                    <a:pt x="1144149" y="6858001"/>
+                  </a:lnTo>
+                  <a:lnTo>
+                    <a:pt x="1058349" y="6766452"/>
+                  </a:lnTo>
+                  <a:cubicBezTo>
+                    <a:pt x="878978" y="6562465"/>
+                    <a:pt x="718756" y="6341104"/>
+                    <a:pt x="580309" y="6105000"/>
+                  </a:cubicBezTo>
+                  <a:cubicBezTo>
+                    <a:pt x="200401" y="5454007"/>
+                    <a:pt x="146" y="4713831"/>
+                    <a:pt x="1" y="3960094"/>
+                  </a:cubicBezTo>
+                  <a:cubicBezTo>
+                    <a:pt x="-335" y="2196754"/>
+                    <a:pt x="1071479" y="683605"/>
+                    <a:pt x="2599292" y="37050"/>
+                  </a:cubicBezTo>
+                  <a:close/>
+                </a:path>
+              </a:pathLst>
+            </a:custGeom>
+            <a:gradFill>
+              <a:gsLst>
+                <a:gs pos="2000">
+                  <a:schemeClr val="bg1">
+                    <a:alpha val="10000"/>
+                  </a:schemeClr>
+                </a:gs>
+                <a:gs pos="16000">
+                  <a:schemeClr val="accent6">
+                    <a:alpha val="10000"/>
+                  </a:schemeClr>
+                </a:gs>
+                <a:gs pos="100000">
+                  <a:schemeClr val="bg1">
+                    <a:alpha val="10000"/>
+                  </a:schemeClr>
+                </a:gs>
+                <a:gs pos="85000">
+                  <a:schemeClr val="accent1">
+                    <a:alpha val="10000"/>
+                  </a:schemeClr>
+                </a:gs>
+              </a:gsLst>
+              <a:lin ang="12000000" scaled="0"/>
+            </a:gradFill>
+            <a:ln>
+              <a:noFill/>
+            </a:ln>
+          </p:spPr>
+          <p:style>
+            <a:lnRef idx="2">
+              <a:schemeClr val="accent1">
+                <a:shade val="50000"/>
+              </a:schemeClr>
+            </a:lnRef>
+            <a:fillRef idx="1">
+              <a:schemeClr val="accent1"/>
+            </a:fillRef>
+            <a:effectRef idx="0">
+              <a:schemeClr val="accent1"/>
+            </a:effectRef>
+            <a:fontRef idx="minor">
+              <a:schemeClr val="lt1"/>
+            </a:fontRef>
+          </p:style>
+          <p:txBody>
+            <a:bodyPr rtlCol="0" anchor="ctr"/>
+            <a:lstStyle/>
+            <a:p>
+              <a:pPr algn="ctr"/>
+              <a:endParaRPr lang="en-US" dirty="0"/>
+            </a:p>
+          </p:txBody>
+        </p:sp>
+      </p:grpSp>
     </p:spTree>
     <p:extLst>
       <p:ext uri="{BB962C8B-B14F-4D97-AF65-F5344CB8AC3E}">
-        <p14:creationId xmlns:p14="http://schemas.microsoft.com/office/powerpoint/2010/main" val="2021389903"/>
+        <p14:creationId xmlns:p14="http://schemas.microsoft.com/office/powerpoint/2010/main" val="917940775"/>
       </p:ext>
     </p:extLst>
   </p:cSld>
